--- a/4 ⚙️ Solution/40 👥 Domains/41 📨 Comms/.📎 Assets/📨 .pptx
+++ b/4 ⚙️ Solution/40 👥 Domains/41 📨 Comms/.📎 Assets/📨 .pptx
@@ -5,43 +5,41 @@
     <p:sldMasterId id="2147483648" r:id="rId1"/>
   </p:sldMasterIdLst>
   <p:notesMasterIdLst>
-    <p:notesMasterId r:id="rId9"/>
+    <p:notesMasterId r:id="rId7"/>
   </p:notesMasterIdLst>
   <p:handoutMasterIdLst>
-    <p:handoutMasterId r:id="rId10"/>
+    <p:handoutMasterId r:id="rId8"/>
   </p:handoutMasterIdLst>
   <p:sldIdLst>
     <p:sldId id="1833" r:id="rId2"/>
     <p:sldId id="1690" r:id="rId3"/>
     <p:sldId id="1720" r:id="rId4"/>
     <p:sldId id="1763" r:id="rId5"/>
-    <p:sldId id="1845" r:id="rId6"/>
-    <p:sldId id="1855" r:id="rId7"/>
-    <p:sldId id="1711" r:id="rId8"/>
+    <p:sldId id="1711" r:id="rId6"/>
   </p:sldIdLst>
   <p:sldSz cx="12192000" cy="6858000"/>
   <p:notesSz cx="6858000" cy="9144000"/>
   <p:embeddedFontLst>
     <p:embeddedFont>
       <p:font typeface="Amazon Ember" panose="020B0603020204020204" pitchFamily="34" charset="0"/>
-      <p:regular r:id="rId11"/>
-      <p:bold r:id="rId12"/>
-      <p:italic r:id="rId13"/>
-      <p:boldItalic r:id="rId14"/>
+      <p:regular r:id="rId9"/>
+      <p:bold r:id="rId10"/>
+      <p:italic r:id="rId11"/>
+      <p:boldItalic r:id="rId12"/>
     </p:embeddedFont>
     <p:embeddedFont>
-      <p:font typeface="Amazon Ember Display" panose="020B0603020204020204" pitchFamily="34" charset="0"/>
-      <p:regular r:id="rId15"/>
-      <p:bold r:id="rId16"/>
-      <p:italic r:id="rId17"/>
-      <p:boldItalic r:id="rId18"/>
+      <p:font typeface="Amazon Ember Display" panose="020F0603020204020204" pitchFamily="34" charset="0"/>
+      <p:regular r:id="rId13"/>
+      <p:bold r:id="rId14"/>
+      <p:italic r:id="rId15"/>
+      <p:boldItalic r:id="rId16"/>
     </p:embeddedFont>
     <p:embeddedFont>
       <p:font typeface="Segoe UI" panose="020B0502040204020203" pitchFamily="34" charset="0"/>
-      <p:regular r:id="rId19"/>
-      <p:bold r:id="rId20"/>
-      <p:italic r:id="rId21"/>
-      <p:boldItalic r:id="rId22"/>
+      <p:regular r:id="rId17"/>
+      <p:bold r:id="rId18"/>
+      <p:italic r:id="rId19"/>
+      <p:boldItalic r:id="rId20"/>
     </p:embeddedFont>
   </p:embeddedFontLst>
   <p:defaultTextStyle>
@@ -148,8 +146,6 @@
             <p14:sldId id="1690"/>
             <p14:sldId id="1720"/>
             <p14:sldId id="1763"/>
-            <p14:sldId id="1845"/>
-            <p14:sldId id="1855"/>
             <p14:sldId id="1711"/>
           </p14:sldIdLst>
         </p14:section>
@@ -726,7 +722,7 @@
           <a:p>
             <a:fld id="{542F96DF-134D-4F6A-BFA6-E032E504EEEB}" type="datetime8">
               <a:rPr lang="en-US" smtClean="0"/>
-              <a:t>4/22/25 9:15 PM</a:t>
+              <a:t>9/8/25 12:20 AM</a:t>
             </a:fld>
             <a:endParaRPr lang="en-US" dirty="0"/>
           </a:p>
@@ -933,7 +929,7 @@
           <a:p>
             <a:fld id="{542F96DF-134D-4F6A-BFA6-E032E504EEEB}" type="datetime8">
               <a:rPr lang="en-US" smtClean="0"/>
-              <a:t>4/22/25 9:15 PM</a:t>
+              <a:t>9/8/25 12:20 AM</a:t>
             </a:fld>
             <a:endParaRPr lang="en-US" dirty="0"/>
           </a:p>
@@ -983,96 +979,6 @@
 </file>
 
 <file path=ppt/notesSlides/notesSlide3.xml><?xml version="1.0" encoding="utf-8"?>
-<p:notes xmlns:a="http://schemas.openxmlformats.org/drawingml/2006/main" xmlns:r="http://schemas.openxmlformats.org/officeDocument/2006/relationships" xmlns:p="http://schemas.openxmlformats.org/presentationml/2006/main">
-  <p:cSld>
-    <p:spTree>
-      <p:nvGrpSpPr>
-        <p:cNvPr id="1" name=""/>
-        <p:cNvGrpSpPr/>
-        <p:nvPr/>
-      </p:nvGrpSpPr>
-      <p:grpSpPr>
-        <a:xfrm>
-          <a:off x="0" y="0"/>
-          <a:ext cx="0" cy="0"/>
-          <a:chOff x="0" y="0"/>
-          <a:chExt cx="0" cy="0"/>
-        </a:xfrm>
-      </p:grpSpPr>
-      <p:sp>
-        <p:nvSpPr>
-          <p:cNvPr id="2" name="Slide Image Placeholder 1"/>
-          <p:cNvSpPr>
-            <a:spLocks noGrp="1" noRot="1" noChangeAspect="1"/>
-          </p:cNvSpPr>
-          <p:nvPr>
-            <p:ph type="sldImg"/>
-          </p:nvPr>
-        </p:nvSpPr>
-        <p:spPr>
-          <a:xfrm>
-            <a:off x="438150" y="457200"/>
-            <a:ext cx="5981700" cy="3363913"/>
-          </a:xfrm>
-        </p:spPr>
-      </p:sp>
-      <p:sp>
-        <p:nvSpPr>
-          <p:cNvPr id="3" name="Notes Placeholder 2"/>
-          <p:cNvSpPr>
-            <a:spLocks noGrp="1"/>
-          </p:cNvSpPr>
-          <p:nvPr>
-            <p:ph type="body" idx="1"/>
-          </p:nvPr>
-        </p:nvSpPr>
-        <p:spPr/>
-        <p:txBody>
-          <a:bodyPr/>
-          <a:lstStyle/>
-          <a:p>
-            <a:endParaRPr lang="en-US" dirty="0"/>
-          </a:p>
-        </p:txBody>
-      </p:sp>
-      <p:sp>
-        <p:nvSpPr>
-          <p:cNvPr id="4" name="Slide Number Placeholder 3"/>
-          <p:cNvSpPr>
-            <a:spLocks noGrp="1"/>
-          </p:cNvSpPr>
-          <p:nvPr>
-            <p:ph type="sldNum" sz="quarter" idx="5"/>
-          </p:nvPr>
-        </p:nvSpPr>
-        <p:spPr/>
-        <p:txBody>
-          <a:bodyPr/>
-          <a:lstStyle/>
-          <a:p>
-            <a:fld id="{A3D89E5F-BEEF-42A1-A57B-E5A736D51194}" type="slidenum">
-              <a:rPr lang="en-US" smtClean="0"/>
-              <a:pPr/>
-              <a:t>6</a:t>
-            </a:fld>
-            <a:endParaRPr lang="en-US"/>
-          </a:p>
-        </p:txBody>
-      </p:sp>
-    </p:spTree>
-    <p:extLst>
-      <p:ext uri="{BB962C8B-B14F-4D97-AF65-F5344CB8AC3E}">
-        <p14:creationId xmlns:p14="http://schemas.microsoft.com/office/powerpoint/2010/main" val="3925031417"/>
-      </p:ext>
-    </p:extLst>
-  </p:cSld>
-  <p:clrMapOvr>
-    <a:masterClrMapping/>
-  </p:clrMapOvr>
-</p:notes>
-</file>
-
-<file path=ppt/notesSlides/notesSlide4.xml><?xml version="1.0" encoding="utf-8"?>
 <p:notes xmlns:a="http://schemas.openxmlformats.org/drawingml/2006/main" xmlns:r="http://schemas.openxmlformats.org/officeDocument/2006/relationships" xmlns:p="http://schemas.openxmlformats.org/presentationml/2006/main">
   <p:cSld>
     <p:spTree>
@@ -1230,7 +1136,7 @@
           <a:p>
             <a:fld id="{542F96DF-134D-4F6A-BFA6-E032E504EEEB}" type="datetime8">
               <a:rPr lang="en-US" smtClean="0"/>
-              <a:t>4/22/25 9:15 PM</a:t>
+              <a:t>9/8/25 12:20 AM</a:t>
             </a:fld>
             <a:endParaRPr lang="en-US" dirty="0"/>
           </a:p>
@@ -1260,7 +1166,7 @@
             <a:fld id="{B4008EB6-D09E-4580-8CD6-DDB14511944F}" type="slidenum">
               <a:rPr lang="en-US" smtClean="0"/>
               <a:pPr/>
-              <a:t>7</a:t>
+              <a:t>5</a:t>
             </a:fld>
             <a:endParaRPr lang="en-US" dirty="0"/>
           </a:p>
@@ -9755,8367 +9661,6 @@
 </file>
 
 <file path=ppt/slides/slide5.xml><?xml version="1.0" encoding="utf-8"?>
-<p:sld xmlns:a="http://schemas.openxmlformats.org/drawingml/2006/main" xmlns:r="http://schemas.openxmlformats.org/officeDocument/2006/relationships" xmlns:p="http://schemas.openxmlformats.org/presentationml/2006/main">
-  <p:cSld>
-    <p:spTree>
-      <p:nvGrpSpPr>
-        <p:cNvPr id="1" name=""/>
-        <p:cNvGrpSpPr/>
-        <p:nvPr/>
-      </p:nvGrpSpPr>
-      <p:grpSpPr>
-        <a:xfrm>
-          <a:off x="0" y="0"/>
-          <a:ext cx="0" cy="0"/>
-          <a:chOff x="0" y="0"/>
-          <a:chExt cx="0" cy="0"/>
-        </a:xfrm>
-      </p:grpSpPr>
-      <p:grpSp>
-        <p:nvGrpSpPr>
-          <p:cNvPr id="165" name="Group 164" descr="Region group.">
-            <a:extLst>
-              <a:ext uri="{FF2B5EF4-FFF2-40B4-BE49-F238E27FC236}">
-                <a16:creationId xmlns:a16="http://schemas.microsoft.com/office/drawing/2014/main" id="{09C5923F-A777-82D0-9C6E-75A97532DC0E}"/>
-              </a:ext>
-            </a:extLst>
-          </p:cNvPr>
-          <p:cNvGrpSpPr/>
-          <p:nvPr/>
-        </p:nvGrpSpPr>
-        <p:grpSpPr>
-          <a:xfrm>
-            <a:off x="6734330" y="1575219"/>
-            <a:ext cx="3100495" cy="5001422"/>
-            <a:chOff x="4215621" y="1281844"/>
-            <a:chExt cx="3100495" cy="5001422"/>
-          </a:xfrm>
-        </p:grpSpPr>
-        <p:sp>
-          <p:nvSpPr>
-            <p:cNvPr id="166" name="Rectangle 165" descr="Region group">
-              <a:extLst>
-                <a:ext uri="{FF2B5EF4-FFF2-40B4-BE49-F238E27FC236}">
-                  <a16:creationId xmlns:a16="http://schemas.microsoft.com/office/drawing/2014/main" id="{9F45BF60-5ABA-2B58-44C2-C224D6D90EAA}"/>
-                </a:ext>
-              </a:extLst>
-            </p:cNvPr>
-            <p:cNvSpPr/>
-            <p:nvPr/>
-          </p:nvSpPr>
-          <p:spPr>
-            <a:xfrm>
-              <a:off x="4215621" y="1281844"/>
-              <a:ext cx="3100495" cy="5001422"/>
-            </a:xfrm>
-            <a:prstGeom prst="rect">
-              <a:avLst/>
-            </a:prstGeom>
-            <a:noFill/>
-            <a:ln w="15875" cap="flat" cmpd="sng" algn="ctr">
-              <a:solidFill>
-                <a:srgbClr val="00A4A6"/>
-              </a:solidFill>
-              <a:prstDash val="sysDash"/>
-              <a:miter lim="800000"/>
-            </a:ln>
-            <a:effectLst/>
-          </p:spPr>
-          <p:txBody>
-            <a:bodyPr lIns="502920" tIns="91440"/>
-            <a:lstStyle/>
-            <a:p>
-              <a:pPr marL="0" marR="0" lvl="0" indent="0" defTabSz="914400" eaLnBrk="1" fontAlgn="auto" latinLnBrk="0" hangingPunct="1">
-                <a:lnSpc>
-                  <a:spcPct val="100000"/>
-                </a:lnSpc>
-                <a:spcBef>
-                  <a:spcPts val="0"/>
-                </a:spcBef>
-                <a:spcAft>
-                  <a:spcPts val="0"/>
-                </a:spcAft>
-                <a:buClrTx/>
-                <a:buSzTx/>
-                <a:buFontTx/>
-                <a:buNone/>
-                <a:tabLst/>
-                <a:defRPr/>
-              </a:pPr>
-              <a:r>
-                <a:rPr kumimoji="0" lang="en-US" sz="1200" b="0" i="0" u="none" strike="noStrike" kern="0" cap="none" spc="0" normalizeH="0" baseline="0" noProof="0" dirty="0">
-                  <a:ln>
-                    <a:noFill/>
-                  </a:ln>
-                  <a:solidFill>
-                    <a:srgbClr val="FFFFFF"/>
-                  </a:solidFill>
-                  <a:effectLst/>
-                  <a:uLnTx/>
-                  <a:uFillTx/>
-                  <a:latin typeface="Arial" panose="020B0604020202020204" pitchFamily="34" charset="0"/>
-                  <a:ea typeface="+mn-ea"/>
-                  <a:cs typeface="Arial" panose="020B0604020202020204" pitchFamily="34" charset="0"/>
-                </a:rPr>
-                <a:t>Consumer X Region</a:t>
-              </a:r>
-            </a:p>
-          </p:txBody>
-        </p:sp>
-        <p:pic>
-          <p:nvPicPr>
-            <p:cNvPr id="167" name="Graphic 166" descr="Region group icon.">
-              <a:extLst>
-                <a:ext uri="{FF2B5EF4-FFF2-40B4-BE49-F238E27FC236}">
-                  <a16:creationId xmlns:a16="http://schemas.microsoft.com/office/drawing/2014/main" id="{E9FEB4DD-4A30-4383-F373-323174199BA6}"/>
-                </a:ext>
-              </a:extLst>
-            </p:cNvPr>
-            <p:cNvPicPr>
-              <a:picLocks noChangeAspect="1"/>
-            </p:cNvPicPr>
-            <p:nvPr/>
-          </p:nvPicPr>
-          <p:blipFill>
-            <a:blip r:embed="rId2">
-              <a:extLst>
-                <a:ext uri="{96DAC541-7B7A-43D3-8B79-37D633B846F1}">
-                  <asvg:svgBlip xmlns:asvg="http://schemas.microsoft.com/office/drawing/2016/SVG/main" r:embed="rId3"/>
-                </a:ext>
-              </a:extLst>
-            </a:blip>
-            <a:srcRect/>
-            <a:stretch/>
-          </p:blipFill>
-          <p:spPr>
-            <a:xfrm>
-              <a:off x="4215623" y="1281844"/>
-              <a:ext cx="381000" cy="381000"/>
-            </a:xfrm>
-            <a:prstGeom prst="rect">
-              <a:avLst/>
-            </a:prstGeom>
-          </p:spPr>
-        </p:pic>
-      </p:grpSp>
-      <p:grpSp>
-        <p:nvGrpSpPr>
-          <p:cNvPr id="30" name="Group 29" descr="Region group.">
-            <a:extLst>
-              <a:ext uri="{FF2B5EF4-FFF2-40B4-BE49-F238E27FC236}">
-                <a16:creationId xmlns:a16="http://schemas.microsoft.com/office/drawing/2014/main" id="{B74592BF-DDBA-2567-475D-5F6500ADE174}"/>
-              </a:ext>
-            </a:extLst>
-          </p:cNvPr>
-          <p:cNvGrpSpPr/>
-          <p:nvPr/>
-        </p:nvGrpSpPr>
-        <p:grpSpPr>
-          <a:xfrm>
-            <a:off x="3167311" y="1575218"/>
-            <a:ext cx="3436836" cy="5001422"/>
-            <a:chOff x="4215623" y="1281843"/>
-            <a:chExt cx="3436836" cy="5001422"/>
-          </a:xfrm>
-        </p:grpSpPr>
-        <p:sp>
-          <p:nvSpPr>
-            <p:cNvPr id="31" name="Rectangle 30" descr="Region group">
-              <a:extLst>
-                <a:ext uri="{FF2B5EF4-FFF2-40B4-BE49-F238E27FC236}">
-                  <a16:creationId xmlns:a16="http://schemas.microsoft.com/office/drawing/2014/main" id="{E61118E1-8974-5269-ECC6-F446C7E242A4}"/>
-                </a:ext>
-              </a:extLst>
-            </p:cNvPr>
-            <p:cNvSpPr/>
-            <p:nvPr/>
-          </p:nvSpPr>
-          <p:spPr>
-            <a:xfrm>
-              <a:off x="4215623" y="1281843"/>
-              <a:ext cx="3436836" cy="5001422"/>
-            </a:xfrm>
-            <a:prstGeom prst="rect">
-              <a:avLst/>
-            </a:prstGeom>
-            <a:noFill/>
-            <a:ln w="15875" cap="flat" cmpd="sng" algn="ctr">
-              <a:solidFill>
-                <a:srgbClr val="00A4A6"/>
-              </a:solidFill>
-              <a:prstDash val="sysDash"/>
-              <a:miter lim="800000"/>
-            </a:ln>
-            <a:effectLst/>
-          </p:spPr>
-          <p:txBody>
-            <a:bodyPr lIns="502920" tIns="91440"/>
-            <a:lstStyle/>
-            <a:p>
-              <a:pPr marL="0" marR="0" lvl="0" indent="0" defTabSz="914400" eaLnBrk="1" fontAlgn="auto" latinLnBrk="0" hangingPunct="1">
-                <a:lnSpc>
-                  <a:spcPct val="100000"/>
-                </a:lnSpc>
-                <a:spcBef>
-                  <a:spcPts val="0"/>
-                </a:spcBef>
-                <a:spcAft>
-                  <a:spcPts val="0"/>
-                </a:spcAft>
-                <a:buClrTx/>
-                <a:buSzTx/>
-                <a:buFontTx/>
-                <a:buNone/>
-                <a:tabLst/>
-                <a:defRPr/>
-              </a:pPr>
-              <a:r>
-                <a:rPr kumimoji="0" lang="en-US" sz="1200" b="0" i="0" u="none" strike="noStrike" kern="0" cap="none" spc="0" normalizeH="0" baseline="0" noProof="0" dirty="0">
-                  <a:ln>
-                    <a:noFill/>
-                  </a:ln>
-                  <a:solidFill>
-                    <a:srgbClr val="FFFFFF"/>
-                  </a:solidFill>
-                  <a:effectLst/>
-                  <a:uLnTx/>
-                  <a:uFillTx/>
-                  <a:latin typeface="Arial" panose="020B0604020202020204" pitchFamily="34" charset="0"/>
-                  <a:ea typeface="+mn-ea"/>
-                  <a:cs typeface="Arial" panose="020B0604020202020204" pitchFamily="34" charset="0"/>
-                </a:rPr>
-                <a:t>Ingestion Region #1</a:t>
-              </a:r>
-            </a:p>
-          </p:txBody>
-        </p:sp>
-        <p:pic>
-          <p:nvPicPr>
-            <p:cNvPr id="32" name="Graphic 31" descr="Region group icon.">
-              <a:extLst>
-                <a:ext uri="{FF2B5EF4-FFF2-40B4-BE49-F238E27FC236}">
-                  <a16:creationId xmlns:a16="http://schemas.microsoft.com/office/drawing/2014/main" id="{35806302-91B6-0BF0-8ED6-F0417838250E}"/>
-                </a:ext>
-              </a:extLst>
-            </p:cNvPr>
-            <p:cNvPicPr>
-              <a:picLocks noChangeAspect="1"/>
-            </p:cNvPicPr>
-            <p:nvPr/>
-          </p:nvPicPr>
-          <p:blipFill>
-            <a:blip r:embed="rId2">
-              <a:extLst>
-                <a:ext uri="{96DAC541-7B7A-43D3-8B79-37D633B846F1}">
-                  <asvg:svgBlip xmlns:asvg="http://schemas.microsoft.com/office/drawing/2016/SVG/main" r:embed="rId3"/>
-                </a:ext>
-              </a:extLst>
-            </a:blip>
-            <a:srcRect/>
-            <a:stretch/>
-          </p:blipFill>
-          <p:spPr>
-            <a:xfrm>
-              <a:off x="4215623" y="1281844"/>
-              <a:ext cx="381000" cy="381000"/>
-            </a:xfrm>
-            <a:prstGeom prst="rect">
-              <a:avLst/>
-            </a:prstGeom>
-          </p:spPr>
-        </p:pic>
-      </p:grpSp>
-      <p:grpSp>
-        <p:nvGrpSpPr>
-          <p:cNvPr id="33" name="Group 32" descr="Region group.">
-            <a:extLst>
-              <a:ext uri="{FF2B5EF4-FFF2-40B4-BE49-F238E27FC236}">
-                <a16:creationId xmlns:a16="http://schemas.microsoft.com/office/drawing/2014/main" id="{FAC2B81A-8725-A26E-321D-4EA7F1C306F3}"/>
-              </a:ext>
-            </a:extLst>
-          </p:cNvPr>
-          <p:cNvGrpSpPr/>
-          <p:nvPr/>
-        </p:nvGrpSpPr>
-        <p:grpSpPr>
-          <a:xfrm>
-            <a:off x="1567405" y="5568014"/>
-            <a:ext cx="1458399" cy="1005544"/>
-            <a:chOff x="4215623" y="1512745"/>
-            <a:chExt cx="1458399" cy="956208"/>
-          </a:xfrm>
-        </p:grpSpPr>
-        <p:sp>
-          <p:nvSpPr>
-            <p:cNvPr id="34" name="Rectangle 33" descr="Region group">
-              <a:extLst>
-                <a:ext uri="{FF2B5EF4-FFF2-40B4-BE49-F238E27FC236}">
-                  <a16:creationId xmlns:a16="http://schemas.microsoft.com/office/drawing/2014/main" id="{6D145DAD-00C8-1ED5-C85B-6AA56EF2FB8B}"/>
-                </a:ext>
-              </a:extLst>
-            </p:cNvPr>
-            <p:cNvSpPr/>
-            <p:nvPr/>
-          </p:nvSpPr>
-          <p:spPr>
-            <a:xfrm>
-              <a:off x="4215623" y="1512745"/>
-              <a:ext cx="1458399" cy="956208"/>
-            </a:xfrm>
-            <a:prstGeom prst="rect">
-              <a:avLst/>
-            </a:prstGeom>
-            <a:noFill/>
-            <a:ln w="15875" cap="flat" cmpd="sng" algn="ctr">
-              <a:solidFill>
-                <a:srgbClr val="00A4A6"/>
-              </a:solidFill>
-              <a:prstDash val="sysDash"/>
-              <a:miter lim="800000"/>
-            </a:ln>
-            <a:effectLst/>
-          </p:spPr>
-          <p:txBody>
-            <a:bodyPr lIns="502920" tIns="91440"/>
-            <a:lstStyle/>
-            <a:p>
-              <a:pPr marL="0" marR="0" lvl="0" indent="0" defTabSz="914400" eaLnBrk="1" fontAlgn="auto" latinLnBrk="0" hangingPunct="1">
-                <a:lnSpc>
-                  <a:spcPct val="100000"/>
-                </a:lnSpc>
-                <a:spcBef>
-                  <a:spcPts val="0"/>
-                </a:spcBef>
-                <a:spcAft>
-                  <a:spcPts val="0"/>
-                </a:spcAft>
-                <a:buClrTx/>
-                <a:buSzTx/>
-                <a:buFontTx/>
-                <a:buNone/>
-                <a:tabLst/>
-                <a:defRPr/>
-              </a:pPr>
-              <a:r>
-                <a:rPr kumimoji="0" lang="en-US" sz="1200" b="0" i="0" u="none" strike="noStrike" kern="0" cap="none" spc="0" normalizeH="0" baseline="0" noProof="0" dirty="0">
-                  <a:ln>
-                    <a:noFill/>
-                  </a:ln>
-                  <a:solidFill>
-                    <a:srgbClr val="FFFFFF"/>
-                  </a:solidFill>
-                  <a:effectLst/>
-                  <a:uLnTx/>
-                  <a:uFillTx/>
-                  <a:latin typeface="Arial" panose="020B0604020202020204" pitchFamily="34" charset="0"/>
-                  <a:ea typeface="+mn-ea"/>
-                  <a:cs typeface="Arial" panose="020B0604020202020204" pitchFamily="34" charset="0"/>
-                </a:rPr>
-                <a:t>Ingestion Region #N</a:t>
-              </a:r>
-            </a:p>
-          </p:txBody>
-        </p:sp>
-        <p:pic>
-          <p:nvPicPr>
-            <p:cNvPr id="35" name="Graphic 34" descr="Region group icon.">
-              <a:extLst>
-                <a:ext uri="{FF2B5EF4-FFF2-40B4-BE49-F238E27FC236}">
-                  <a16:creationId xmlns:a16="http://schemas.microsoft.com/office/drawing/2014/main" id="{73D53808-D958-68B9-4C17-02F6696EEDE2}"/>
-                </a:ext>
-              </a:extLst>
-            </p:cNvPr>
-            <p:cNvPicPr>
-              <a:picLocks noChangeAspect="1"/>
-            </p:cNvPicPr>
-            <p:nvPr/>
-          </p:nvPicPr>
-          <p:blipFill>
-            <a:blip r:embed="rId2">
-              <a:extLst>
-                <a:ext uri="{96DAC541-7B7A-43D3-8B79-37D633B846F1}">
-                  <asvg:svgBlip xmlns:asvg="http://schemas.microsoft.com/office/drawing/2016/SVG/main" r:embed="rId3"/>
-                </a:ext>
-              </a:extLst>
-            </a:blip>
-            <a:srcRect/>
-            <a:stretch/>
-          </p:blipFill>
-          <p:spPr>
-            <a:xfrm>
-              <a:off x="4215623" y="1512745"/>
-              <a:ext cx="381000" cy="381000"/>
-            </a:xfrm>
-            <a:prstGeom prst="rect">
-              <a:avLst/>
-            </a:prstGeom>
-          </p:spPr>
-        </p:pic>
-      </p:grpSp>
-      <p:cxnSp>
-        <p:nvCxnSpPr>
-          <p:cNvPr id="36" name="Straight Arrow Connector 12">
-            <a:extLst>
-              <a:ext uri="{FF2B5EF4-FFF2-40B4-BE49-F238E27FC236}">
-                <a16:creationId xmlns:a16="http://schemas.microsoft.com/office/drawing/2014/main" id="{249DFA21-630A-381F-C445-B14C978B2798}"/>
-              </a:ext>
-            </a:extLst>
-          </p:cNvPr>
-          <p:cNvCxnSpPr>
-            <a:cxnSpLocks/>
-            <a:stCxn id="321" idx="3"/>
-            <a:endCxn id="329" idx="1"/>
-          </p:cNvCxnSpPr>
-          <p:nvPr/>
-        </p:nvCxnSpPr>
-        <p:spPr>
-          <a:xfrm flipV="1">
-            <a:off x="2217041" y="2626836"/>
-            <a:ext cx="1189202" cy="823194"/>
-          </a:xfrm>
-          <a:prstGeom prst="bentConnector3">
-            <a:avLst>
-              <a:gd name="adj1" fmla="val 50000"/>
-            </a:avLst>
-          </a:prstGeom>
-          <a:ln>
-            <a:solidFill>
-              <a:schemeClr val="tx1"/>
-            </a:solidFill>
-            <a:tailEnd type="triangle" w="lg" len="lg"/>
-          </a:ln>
-        </p:spPr>
-        <p:style>
-          <a:lnRef idx="3">
-            <a:schemeClr val="accent2"/>
-          </a:lnRef>
-          <a:fillRef idx="0">
-            <a:schemeClr val="accent2"/>
-          </a:fillRef>
-          <a:effectRef idx="2">
-            <a:schemeClr val="accent2"/>
-          </a:effectRef>
-          <a:fontRef idx="minor">
-            <a:schemeClr val="tx1"/>
-          </a:fontRef>
-        </p:style>
-      </p:cxnSp>
-      <p:cxnSp>
-        <p:nvCxnSpPr>
-          <p:cNvPr id="39" name="Straight Arrow Connector 12">
-            <a:extLst>
-              <a:ext uri="{FF2B5EF4-FFF2-40B4-BE49-F238E27FC236}">
-                <a16:creationId xmlns:a16="http://schemas.microsoft.com/office/drawing/2014/main" id="{4B3A1E2E-986E-23C1-8005-A7E32AA53F3C}"/>
-              </a:ext>
-            </a:extLst>
-          </p:cNvPr>
-          <p:cNvCxnSpPr>
-            <a:cxnSpLocks/>
-            <a:stCxn id="321" idx="2"/>
-            <a:endCxn id="34" idx="1"/>
-          </p:cNvCxnSpPr>
-          <p:nvPr/>
-        </p:nvCxnSpPr>
-        <p:spPr>
-          <a:xfrm rot="16200000" flipH="1">
-            <a:off x="235266" y="4738646"/>
-            <a:ext cx="2422471" cy="241807"/>
-          </a:xfrm>
-          <a:prstGeom prst="bentConnector2">
-            <a:avLst/>
-          </a:prstGeom>
-          <a:ln>
-            <a:solidFill>
-              <a:schemeClr val="tx1"/>
-            </a:solidFill>
-            <a:tailEnd type="triangle" w="lg" len="lg"/>
-          </a:ln>
-        </p:spPr>
-        <p:style>
-          <a:lnRef idx="3">
-            <a:schemeClr val="accent2"/>
-          </a:lnRef>
-          <a:fillRef idx="0">
-            <a:schemeClr val="accent2"/>
-          </a:fillRef>
-          <a:effectRef idx="2">
-            <a:schemeClr val="accent2"/>
-          </a:effectRef>
-          <a:fontRef idx="minor">
-            <a:schemeClr val="tx1"/>
-          </a:fontRef>
-        </p:style>
-      </p:cxnSp>
-      <p:sp>
-        <p:nvSpPr>
-          <p:cNvPr id="156" name="Rectangle 155">
-            <a:extLst>
-              <a:ext uri="{FF2B5EF4-FFF2-40B4-BE49-F238E27FC236}">
-                <a16:creationId xmlns:a16="http://schemas.microsoft.com/office/drawing/2014/main" id="{ADFC4EED-3958-6D86-30C0-6AFFBD38E9B1}"/>
-              </a:ext>
-            </a:extLst>
-          </p:cNvPr>
-          <p:cNvSpPr/>
-          <p:nvPr/>
-        </p:nvSpPr>
-        <p:spPr>
-          <a:xfrm>
-            <a:off x="238628" y="1450332"/>
-            <a:ext cx="11798930" cy="5252219"/>
-          </a:xfrm>
-          <a:prstGeom prst="rect">
-            <a:avLst/>
-          </a:prstGeom>
-          <a:noFill/>
-          <a:ln w="15875" cap="flat" cmpd="sng" algn="ctr">
-            <a:solidFill>
-              <a:srgbClr val="FFFFFF"/>
-            </a:solidFill>
-            <a:prstDash val="solid"/>
-            <a:miter lim="800000"/>
-          </a:ln>
-          <a:effectLst/>
-        </p:spPr>
-        <p:txBody>
-          <a:bodyPr lIns="502920" tIns="91440"/>
-          <a:lstStyle/>
-          <a:p>
-            <a:pPr marL="0" marR="0" lvl="0" indent="0" defTabSz="914400" eaLnBrk="1" fontAlgn="auto" latinLnBrk="0" hangingPunct="1">
-              <a:lnSpc>
-                <a:spcPct val="100000"/>
-              </a:lnSpc>
-              <a:spcBef>
-                <a:spcPts val="0"/>
-              </a:spcBef>
-              <a:spcAft>
-                <a:spcPts val="0"/>
-              </a:spcAft>
-              <a:buClrTx/>
-              <a:buSzTx/>
-              <a:buFontTx/>
-              <a:buNone/>
-              <a:tabLst/>
-              <a:defRPr/>
-            </a:pPr>
-            <a:endParaRPr kumimoji="0" lang="en-US" sz="1200" b="0" i="0" u="none" strike="noStrike" kern="0" cap="none" spc="0" normalizeH="0" baseline="0" noProof="0" dirty="0">
-              <a:ln>
-                <a:noFill/>
-              </a:ln>
-              <a:solidFill>
-                <a:srgbClr val="FFFFFF"/>
-              </a:solidFill>
-              <a:effectLst/>
-              <a:uLnTx/>
-              <a:uFillTx/>
-              <a:latin typeface="Arial" panose="020B0604020202020204" pitchFamily="34" charset="0"/>
-              <a:ea typeface="+mn-ea"/>
-              <a:cs typeface="Arial" panose="020B0604020202020204" pitchFamily="34" charset="0"/>
-            </a:endParaRPr>
-          </a:p>
-        </p:txBody>
-      </p:sp>
-      <p:sp>
-        <p:nvSpPr>
-          <p:cNvPr id="158" name="Rectangle 157">
-            <a:extLst>
-              <a:ext uri="{FF2B5EF4-FFF2-40B4-BE49-F238E27FC236}">
-                <a16:creationId xmlns:a16="http://schemas.microsoft.com/office/drawing/2014/main" id="{C2B32FC2-D5B8-076F-E8D9-B932A392352A}"/>
-              </a:ext>
-            </a:extLst>
-          </p:cNvPr>
-          <p:cNvSpPr/>
-          <p:nvPr/>
-        </p:nvSpPr>
-        <p:spPr>
-          <a:xfrm>
-            <a:off x="3404320" y="4150520"/>
-            <a:ext cx="795616" cy="501626"/>
-          </a:xfrm>
-          <a:prstGeom prst="rect">
-            <a:avLst/>
-          </a:prstGeom>
-          <a:solidFill>
-            <a:schemeClr val="bg1">
-              <a:lumMod val="85000"/>
-              <a:lumOff val="15000"/>
-            </a:schemeClr>
-          </a:solidFill>
-          <a:ln>
-            <a:noFill/>
-          </a:ln>
-        </p:spPr>
-        <p:style>
-          <a:lnRef idx="2">
-            <a:schemeClr val="accent1">
-              <a:shade val="50000"/>
-            </a:schemeClr>
-          </a:lnRef>
-          <a:fillRef idx="1">
-            <a:schemeClr val="accent1"/>
-          </a:fillRef>
-          <a:effectRef idx="0">
-            <a:schemeClr val="accent1"/>
-          </a:effectRef>
-          <a:fontRef idx="minor">
-            <a:schemeClr val="lt1"/>
-          </a:fontRef>
-        </p:style>
-        <p:txBody>
-          <a:bodyPr lIns="72000" tIns="45720" rIns="45720" rtlCol="0" anchor="ctr"/>
-          <a:lstStyle/>
-          <a:p>
-            <a:r>
-              <a:rPr lang="en-US" sz="1200" i="1" dirty="0">
-                <a:solidFill>
-                  <a:schemeClr val="tx1">
-                    <a:lumMod val="75000"/>
-                  </a:schemeClr>
-                </a:solidFill>
-              </a:rPr>
-              <a:t>ingestion</a:t>
-            </a:r>
-            <a:br>
-              <a:rPr lang="en-US" sz="1200" i="1" dirty="0">
-                <a:solidFill>
-                  <a:schemeClr val="tx1">
-                    <a:lumMod val="75000"/>
-                  </a:schemeClr>
-                </a:solidFill>
-              </a:rPr>
-            </a:br>
-            <a:r>
-              <a:rPr lang="en-US" sz="1200" i="1" dirty="0">
-                <a:solidFill>
-                  <a:schemeClr val="tx1">
-                    <a:lumMod val="75000"/>
-                  </a:schemeClr>
-                </a:solidFill>
-              </a:rPr>
-              <a:t>cell #N</a:t>
-            </a:r>
-          </a:p>
-        </p:txBody>
-      </p:sp>
-      <p:cxnSp>
-        <p:nvCxnSpPr>
-          <p:cNvPr id="159" name="Straight Arrow Connector 12">
-            <a:extLst>
-              <a:ext uri="{FF2B5EF4-FFF2-40B4-BE49-F238E27FC236}">
-                <a16:creationId xmlns:a16="http://schemas.microsoft.com/office/drawing/2014/main" id="{1B93CF22-FD4F-02BE-4E95-5822A8E6472B}"/>
-              </a:ext>
-            </a:extLst>
-          </p:cNvPr>
-          <p:cNvCxnSpPr>
-            <a:cxnSpLocks/>
-            <a:stCxn id="321" idx="3"/>
-            <a:endCxn id="158" idx="1"/>
-          </p:cNvCxnSpPr>
-          <p:nvPr/>
-        </p:nvCxnSpPr>
-        <p:spPr>
-          <a:xfrm>
-            <a:off x="2217041" y="3450030"/>
-            <a:ext cx="1187279" cy="951303"/>
-          </a:xfrm>
-          <a:prstGeom prst="bentConnector3">
-            <a:avLst>
-              <a:gd name="adj1" fmla="val 50000"/>
-            </a:avLst>
-          </a:prstGeom>
-          <a:ln>
-            <a:solidFill>
-              <a:schemeClr val="tx1"/>
-            </a:solidFill>
-            <a:tailEnd type="triangle" w="lg" len="lg"/>
-          </a:ln>
-        </p:spPr>
-        <p:style>
-          <a:lnRef idx="3">
-            <a:schemeClr val="accent2"/>
-          </a:lnRef>
-          <a:fillRef idx="0">
-            <a:schemeClr val="accent2"/>
-          </a:fillRef>
-          <a:effectRef idx="2">
-            <a:schemeClr val="accent2"/>
-          </a:effectRef>
-          <a:fontRef idx="minor">
-            <a:schemeClr val="tx1"/>
-          </a:fontRef>
-        </p:style>
-      </p:cxnSp>
-      <p:sp>
-        <p:nvSpPr>
-          <p:cNvPr id="169" name="Rectangle 168">
-            <a:extLst>
-              <a:ext uri="{FF2B5EF4-FFF2-40B4-BE49-F238E27FC236}">
-                <a16:creationId xmlns:a16="http://schemas.microsoft.com/office/drawing/2014/main" id="{214B441A-2049-55FC-CA1E-A6217B8D398A}"/>
-              </a:ext>
-            </a:extLst>
-          </p:cNvPr>
-          <p:cNvSpPr/>
-          <p:nvPr/>
-        </p:nvSpPr>
-        <p:spPr>
-          <a:xfrm>
-            <a:off x="1632894" y="6141643"/>
-            <a:ext cx="1322729" cy="363771"/>
-          </a:xfrm>
-          <a:prstGeom prst="rect">
-            <a:avLst/>
-          </a:prstGeom>
-          <a:solidFill>
-            <a:schemeClr val="bg1">
-              <a:lumMod val="85000"/>
-              <a:lumOff val="15000"/>
-            </a:schemeClr>
-          </a:solidFill>
-          <a:ln>
-            <a:noFill/>
-          </a:ln>
-        </p:spPr>
-        <p:style>
-          <a:lnRef idx="2">
-            <a:schemeClr val="accent1">
-              <a:shade val="50000"/>
-            </a:schemeClr>
-          </a:lnRef>
-          <a:fillRef idx="1">
-            <a:schemeClr val="accent1"/>
-          </a:fillRef>
-          <a:effectRef idx="0">
-            <a:schemeClr val="accent1"/>
-          </a:effectRef>
-          <a:fontRef idx="minor">
-            <a:schemeClr val="lt1"/>
-          </a:fontRef>
-        </p:style>
-        <p:txBody>
-          <a:bodyPr lIns="45720" tIns="45720" rIns="45720" rtlCol="0" anchor="ctr"/>
-          <a:lstStyle/>
-          <a:p>
-            <a:pPr algn="ctr"/>
-            <a:r>
-              <a:rPr lang="en-US" sz="1200" i="1" dirty="0">
-                <a:solidFill>
-                  <a:schemeClr val="tx1">
-                    <a:lumMod val="75000"/>
-                  </a:schemeClr>
-                </a:solidFill>
-              </a:rPr>
-              <a:t>ingestion cells</a:t>
-            </a:r>
-            <a:endParaRPr lang="en-US" sz="1600" i="1" dirty="0">
-              <a:solidFill>
-                <a:schemeClr val="tx1">
-                  <a:lumMod val="75000"/>
-                </a:schemeClr>
-              </a:solidFill>
-            </a:endParaRPr>
-          </a:p>
-        </p:txBody>
-      </p:sp>
-      <p:grpSp>
-        <p:nvGrpSpPr>
-          <p:cNvPr id="459" name="Group 458">
-            <a:extLst>
-              <a:ext uri="{FF2B5EF4-FFF2-40B4-BE49-F238E27FC236}">
-                <a16:creationId xmlns:a16="http://schemas.microsoft.com/office/drawing/2014/main" id="{02DFB03E-B30D-F533-1E05-EE5FB9819CF4}"/>
-              </a:ext>
-            </a:extLst>
-          </p:cNvPr>
-          <p:cNvGrpSpPr/>
-          <p:nvPr/>
-        </p:nvGrpSpPr>
-        <p:grpSpPr>
-          <a:xfrm>
-            <a:off x="232025" y="374472"/>
-            <a:ext cx="1866741" cy="900953"/>
-            <a:chOff x="232025" y="261257"/>
-            <a:chExt cx="1866741" cy="900953"/>
-          </a:xfrm>
-        </p:grpSpPr>
-        <p:grpSp>
-          <p:nvGrpSpPr>
-            <p:cNvPr id="190" name="Group 189">
-              <a:extLst>
-                <a:ext uri="{FF2B5EF4-FFF2-40B4-BE49-F238E27FC236}">
-                  <a16:creationId xmlns:a16="http://schemas.microsoft.com/office/drawing/2014/main" id="{16B4A3E6-D995-FD3C-9865-AA5FC9A4BFCB}"/>
-                </a:ext>
-              </a:extLst>
-            </p:cNvPr>
-            <p:cNvGrpSpPr/>
-            <p:nvPr/>
-          </p:nvGrpSpPr>
-          <p:grpSpPr>
-            <a:xfrm>
-              <a:off x="232025" y="261257"/>
-              <a:ext cx="1866741" cy="862150"/>
-              <a:chOff x="7507403" y="1057958"/>
-              <a:chExt cx="605592" cy="862150"/>
-            </a:xfrm>
-          </p:grpSpPr>
-          <p:sp>
-            <p:nvSpPr>
-              <p:cNvPr id="191" name="Rectangle 190">
-                <a:extLst>
-                  <a:ext uri="{FF2B5EF4-FFF2-40B4-BE49-F238E27FC236}">
-                    <a16:creationId xmlns:a16="http://schemas.microsoft.com/office/drawing/2014/main" id="{2D601898-4865-C6A3-9861-BD1C6CCA397D}"/>
-                  </a:ext>
-                </a:extLst>
-              </p:cNvPr>
-              <p:cNvSpPr/>
-              <p:nvPr/>
-            </p:nvSpPr>
-            <p:spPr>
-              <a:xfrm>
-                <a:off x="7535312" y="1386858"/>
-                <a:ext cx="552257" cy="433826"/>
-              </a:xfrm>
-              <a:prstGeom prst="rect">
-                <a:avLst/>
-              </a:prstGeom>
-              <a:solidFill>
-                <a:schemeClr val="bg1"/>
-              </a:solidFill>
-              <a:ln w="28575">
-                <a:solidFill>
-                  <a:schemeClr val="tx1">
-                    <a:lumMod val="50000"/>
-                  </a:schemeClr>
-                </a:solidFill>
-                <a:prstDash val="solid"/>
-              </a:ln>
-            </p:spPr>
-            <p:style>
-              <a:lnRef idx="2">
-                <a:schemeClr val="accent1">
-                  <a:shade val="50000"/>
-                </a:schemeClr>
-              </a:lnRef>
-              <a:fillRef idx="1">
-                <a:schemeClr val="accent1"/>
-              </a:fillRef>
-              <a:effectRef idx="0">
-                <a:schemeClr val="accent1"/>
-              </a:effectRef>
-              <a:fontRef idx="minor">
-                <a:schemeClr val="lt1"/>
-              </a:fontRef>
-            </p:style>
-            <p:txBody>
-              <a:bodyPr lIns="144000" tIns="144000" rIns="144000" bIns="144000" anchor="ctr"/>
-              <a:lstStyle/>
-              <a:p>
-                <a:r>
-                  <a:rPr lang="en-GB" sz="2000" dirty="0">
-                    <a:solidFill>
-                      <a:schemeClr val="tx1"/>
-                    </a:solidFill>
-                    <a:latin typeface="+mj-lt"/>
-                    <a:cs typeface="Arial" panose="020B0604020202020204" pitchFamily="34" charset="0"/>
-                  </a:rPr>
-                  <a:t>     Streamer</a:t>
-                </a:r>
-              </a:p>
-            </p:txBody>
-          </p:sp>
-          <p:sp>
-            <p:nvSpPr>
-              <p:cNvPr id="192" name="Rectangle 191">
-                <a:extLst>
-                  <a:ext uri="{FF2B5EF4-FFF2-40B4-BE49-F238E27FC236}">
-                    <a16:creationId xmlns:a16="http://schemas.microsoft.com/office/drawing/2014/main" id="{51B7C6B8-FF13-AC71-9E88-D41A2EC643C7}"/>
-                  </a:ext>
-                </a:extLst>
-              </p:cNvPr>
-              <p:cNvSpPr/>
-              <p:nvPr/>
-            </p:nvSpPr>
-            <p:spPr>
-              <a:xfrm>
-                <a:off x="7507403" y="1057958"/>
-                <a:ext cx="605592" cy="862150"/>
-              </a:xfrm>
-              <a:prstGeom prst="rect">
-                <a:avLst/>
-              </a:prstGeom>
-              <a:noFill/>
-              <a:ln w="12700">
-                <a:solidFill>
-                  <a:srgbClr val="5A6B86"/>
-                </a:solidFill>
-                <a:prstDash val="dash"/>
-              </a:ln>
-            </p:spPr>
-            <p:style>
-              <a:lnRef idx="2">
-                <a:schemeClr val="accent1">
-                  <a:shade val="50000"/>
-                </a:schemeClr>
-              </a:lnRef>
-              <a:fillRef idx="1">
-                <a:schemeClr val="accent1"/>
-              </a:fillRef>
-              <a:effectRef idx="0">
-                <a:schemeClr val="accent1"/>
-              </a:effectRef>
-              <a:fontRef idx="minor">
-                <a:schemeClr val="lt1"/>
-              </a:fontRef>
-            </p:style>
-            <p:txBody>
-              <a:bodyPr tIns="36000"/>
-              <a:lstStyle/>
-              <a:p>
-                <a:pPr eaLnBrk="1" fontAlgn="auto" hangingPunct="1">
-                  <a:spcBef>
-                    <a:spcPts val="0"/>
-                  </a:spcBef>
-                  <a:spcAft>
-                    <a:spcPts val="0"/>
-                  </a:spcAft>
-                  <a:defRPr/>
-                </a:pPr>
-                <a:r>
-                  <a:rPr lang="en-GB" dirty="0">
-                    <a:solidFill>
-                      <a:schemeClr val="bg2">
-                        <a:lumMod val="40000"/>
-                        <a:lumOff val="60000"/>
-                      </a:schemeClr>
-                    </a:solidFill>
-                    <a:effectLst>
-                      <a:glow>
-                        <a:schemeClr val="bg1"/>
-                      </a:glow>
-                    </a:effectLst>
-                  </a:rPr>
-                  <a:t>👥</a:t>
-                </a:r>
-                <a:r>
-                  <a:rPr lang="en-GB" i="1" dirty="0">
-                    <a:solidFill>
-                      <a:schemeClr val="bg2">
-                        <a:lumMod val="40000"/>
-                        <a:lumOff val="60000"/>
-                      </a:schemeClr>
-                    </a:solidFill>
-                    <a:effectLst>
-                      <a:glow>
-                        <a:schemeClr val="bg1"/>
-                      </a:glow>
-                    </a:effectLst>
-                  </a:rPr>
-                  <a:t> </a:t>
-                </a:r>
-                <a:r>
-                  <a:rPr lang="en-US" i="1" dirty="0">
-                    <a:solidFill>
-                      <a:schemeClr val="bg2">
-                        <a:lumMod val="40000"/>
-                        <a:lumOff val="60000"/>
-                      </a:schemeClr>
-                    </a:solidFill>
-                    <a:effectLst>
-                      <a:glow>
-                        <a:schemeClr val="bg1"/>
-                      </a:glow>
-                    </a:effectLst>
-                  </a:rPr>
-                  <a:t>domain</a:t>
-                </a:r>
-              </a:p>
-            </p:txBody>
-          </p:sp>
-        </p:grpSp>
-        <p:sp>
-          <p:nvSpPr>
-            <p:cNvPr id="193" name="TextBox 192">
-              <a:extLst>
-                <a:ext uri="{FF2B5EF4-FFF2-40B4-BE49-F238E27FC236}">
-                  <a16:creationId xmlns:a16="http://schemas.microsoft.com/office/drawing/2014/main" id="{B425BC54-BCA3-8B88-98D0-06D5F86C3D2E}"/>
-                </a:ext>
-              </a:extLst>
-            </p:cNvPr>
-            <p:cNvSpPr txBox="1"/>
-            <p:nvPr/>
-          </p:nvSpPr>
-          <p:spPr>
-            <a:xfrm>
-              <a:off x="249308" y="392769"/>
-              <a:ext cx="892209" cy="769441"/>
-            </a:xfrm>
-            <a:prstGeom prst="rect">
-              <a:avLst/>
-            </a:prstGeom>
-            <a:noFill/>
-          </p:spPr>
-          <p:txBody>
-            <a:bodyPr wrap="square">
-              <a:spAutoFit/>
-            </a:bodyPr>
-            <a:lstStyle/>
-            <a:p>
-              <a:r>
-                <a:rPr lang="en-GB" sz="4400" baseline="-9000" dirty="0">
-                  <a:solidFill>
-                    <a:schemeClr val="tx1"/>
-                  </a:solidFill>
-                  <a:effectLst>
-                    <a:glow>
-                      <a:schemeClr val="bg1"/>
-                    </a:glow>
-                  </a:effectLst>
-                </a:rPr>
-                <a:t>🌬️</a:t>
-              </a:r>
-              <a:endParaRPr lang="en-US" sz="4400" dirty="0"/>
-            </a:p>
-          </p:txBody>
-        </p:sp>
-      </p:grpSp>
-      <p:grpSp>
-        <p:nvGrpSpPr>
-          <p:cNvPr id="197" name="Group 196">
-            <a:extLst>
-              <a:ext uri="{FF2B5EF4-FFF2-40B4-BE49-F238E27FC236}">
-                <a16:creationId xmlns:a16="http://schemas.microsoft.com/office/drawing/2014/main" id="{E92A449D-C79C-CD4F-985D-550A4256DFF8}"/>
-              </a:ext>
-            </a:extLst>
-          </p:cNvPr>
-          <p:cNvGrpSpPr/>
-          <p:nvPr/>
-        </p:nvGrpSpPr>
-        <p:grpSpPr>
-          <a:xfrm>
-            <a:off x="9910354" y="391890"/>
-            <a:ext cx="1924595" cy="853440"/>
-            <a:chOff x="9432737" y="639887"/>
-            <a:chExt cx="1924595" cy="853440"/>
-          </a:xfrm>
-        </p:grpSpPr>
-        <p:sp>
-          <p:nvSpPr>
-            <p:cNvPr id="198" name="Rectangle 197">
-              <a:extLst>
-                <a:ext uri="{FF2B5EF4-FFF2-40B4-BE49-F238E27FC236}">
-                  <a16:creationId xmlns:a16="http://schemas.microsoft.com/office/drawing/2014/main" id="{EDDE6937-733F-0010-C899-2B5896A66980}"/>
-                </a:ext>
-              </a:extLst>
-            </p:cNvPr>
-            <p:cNvSpPr/>
-            <p:nvPr/>
-          </p:nvSpPr>
-          <p:spPr>
-            <a:xfrm>
-              <a:off x="9432737" y="639887"/>
-              <a:ext cx="1924595" cy="853440"/>
-            </a:xfrm>
-            <a:prstGeom prst="rect">
-              <a:avLst/>
-            </a:prstGeom>
-            <a:noFill/>
-            <a:ln w="12700">
-              <a:solidFill>
-                <a:srgbClr val="5A6B86"/>
-              </a:solidFill>
-              <a:prstDash val="dash"/>
-            </a:ln>
-          </p:spPr>
-          <p:style>
-            <a:lnRef idx="2">
-              <a:schemeClr val="accent1">
-                <a:shade val="50000"/>
-              </a:schemeClr>
-            </a:lnRef>
-            <a:fillRef idx="1">
-              <a:schemeClr val="accent1"/>
-            </a:fillRef>
-            <a:effectRef idx="0">
-              <a:schemeClr val="accent1"/>
-            </a:effectRef>
-            <a:fontRef idx="minor">
-              <a:schemeClr val="lt1"/>
-            </a:fontRef>
-          </p:style>
-          <p:txBody>
-            <a:bodyPr tIns="36000"/>
-            <a:lstStyle/>
-            <a:p>
-              <a:pPr eaLnBrk="1" fontAlgn="auto" hangingPunct="1">
-                <a:spcBef>
-                  <a:spcPts val="0"/>
-                </a:spcBef>
-                <a:spcAft>
-                  <a:spcPts val="0"/>
-                </a:spcAft>
-                <a:defRPr/>
-              </a:pPr>
-              <a:r>
-                <a:rPr lang="en-GB" dirty="0">
-                  <a:solidFill>
-                    <a:schemeClr val="bg2">
-                      <a:lumMod val="40000"/>
-                      <a:lumOff val="60000"/>
-                    </a:schemeClr>
-                  </a:solidFill>
-                  <a:effectLst>
-                    <a:glow>
-                      <a:schemeClr val="bg1"/>
-                    </a:glow>
-                  </a:effectLst>
-                </a:rPr>
-                <a:t>👥</a:t>
-              </a:r>
-              <a:r>
-                <a:rPr lang="en-GB" i="1" dirty="0">
-                  <a:solidFill>
-                    <a:schemeClr val="bg2">
-                      <a:lumMod val="40000"/>
-                      <a:lumOff val="60000"/>
-                    </a:schemeClr>
-                  </a:solidFill>
-                  <a:effectLst>
-                    <a:glow>
-                      <a:schemeClr val="bg1"/>
-                    </a:glow>
-                  </a:effectLst>
-                </a:rPr>
-                <a:t> </a:t>
-              </a:r>
-              <a:r>
-                <a:rPr lang="en-US" i="1" dirty="0">
-                  <a:solidFill>
-                    <a:schemeClr val="bg2">
-                      <a:lumMod val="40000"/>
-                      <a:lumOff val="60000"/>
-                    </a:schemeClr>
-                  </a:solidFill>
-                  <a:effectLst>
-                    <a:glow>
-                      <a:schemeClr val="bg1"/>
-                    </a:glow>
-                  </a:effectLst>
-                </a:rPr>
-                <a:t>domain</a:t>
-              </a:r>
-            </a:p>
-          </p:txBody>
-        </p:sp>
-        <p:sp>
-          <p:nvSpPr>
-            <p:cNvPr id="199" name="Rectangle 198">
-              <a:extLst>
-                <a:ext uri="{FF2B5EF4-FFF2-40B4-BE49-F238E27FC236}">
-                  <a16:creationId xmlns:a16="http://schemas.microsoft.com/office/drawing/2014/main" id="{B93F18C7-A906-F71A-6E07-3B1140B79C78}"/>
-                </a:ext>
-              </a:extLst>
-            </p:cNvPr>
-            <p:cNvSpPr/>
-            <p:nvPr/>
-          </p:nvSpPr>
-          <p:spPr>
-            <a:xfrm>
-              <a:off x="9499364" y="981005"/>
-              <a:ext cx="1786036" cy="438167"/>
-            </a:xfrm>
-            <a:prstGeom prst="rect">
-              <a:avLst/>
-            </a:prstGeom>
-            <a:solidFill>
-              <a:schemeClr val="tx1">
-                <a:lumMod val="95000"/>
-              </a:schemeClr>
-            </a:solidFill>
-            <a:ln w="28575">
-              <a:solidFill>
-                <a:schemeClr val="tx1">
-                  <a:lumMod val="50000"/>
-                </a:schemeClr>
-              </a:solidFill>
-              <a:prstDash val="solid"/>
-            </a:ln>
-          </p:spPr>
-          <p:style>
-            <a:lnRef idx="2">
-              <a:schemeClr val="accent1">
-                <a:shade val="50000"/>
-              </a:schemeClr>
-            </a:lnRef>
-            <a:fillRef idx="1">
-              <a:schemeClr val="accent1"/>
-            </a:fillRef>
-            <a:effectRef idx="0">
-              <a:schemeClr val="accent1"/>
-            </a:effectRef>
-            <a:fontRef idx="minor">
-              <a:schemeClr val="lt1"/>
-            </a:fontRef>
-          </p:style>
-          <p:txBody>
-            <a:bodyPr lIns="144000" tIns="144000" rIns="144000" bIns="144000" anchor="ctr"/>
-            <a:lstStyle/>
-            <a:p>
-              <a:pPr>
-                <a:defRPr/>
-              </a:pPr>
-              <a:r>
-                <a:rPr lang="en-GB" sz="2800" baseline="-9000" dirty="0">
-                  <a:solidFill>
-                    <a:schemeClr val="bg2">
-                      <a:lumMod val="40000"/>
-                      <a:lumOff val="60000"/>
-                    </a:schemeClr>
-                  </a:solidFill>
-                  <a:effectLst>
-                    <a:glow>
-                      <a:schemeClr val="bg1"/>
-                    </a:glow>
-                  </a:effectLst>
-                </a:rPr>
-                <a:t>💼 </a:t>
-              </a:r>
-              <a:r>
-                <a:rPr lang="en-GB" sz="2000" dirty="0">
-                  <a:solidFill>
-                    <a:sysClr val="windowText" lastClr="000000"/>
-                  </a:solidFill>
-                  <a:latin typeface="+mj-lt"/>
-                  <a:cs typeface="Arial" panose="020B0604020202020204" pitchFamily="34" charset="0"/>
-                </a:rPr>
-                <a:t>Consumer</a:t>
-              </a:r>
-            </a:p>
-          </p:txBody>
-        </p:sp>
-      </p:grpSp>
-      <p:cxnSp>
-        <p:nvCxnSpPr>
-          <p:cNvPr id="207" name="Straight Arrow Connector 12">
-            <a:extLst>
-              <a:ext uri="{FF2B5EF4-FFF2-40B4-BE49-F238E27FC236}">
-                <a16:creationId xmlns:a16="http://schemas.microsoft.com/office/drawing/2014/main" id="{25A60149-FDC4-F183-9AB1-0865FEF24C16}"/>
-              </a:ext>
-            </a:extLst>
-          </p:cNvPr>
-          <p:cNvCxnSpPr>
-            <a:cxnSpLocks/>
-            <a:stCxn id="233" idx="0"/>
-            <a:endCxn id="332" idx="0"/>
-          </p:cNvCxnSpPr>
-          <p:nvPr/>
-        </p:nvCxnSpPr>
-        <p:spPr>
-          <a:xfrm>
-            <a:off x="10920518" y="1255407"/>
-            <a:ext cx="1" cy="1165295"/>
-          </a:xfrm>
-          <a:prstGeom prst="straightConnector1">
-            <a:avLst/>
-          </a:prstGeom>
-          <a:ln>
-            <a:solidFill>
-              <a:schemeClr val="tx1"/>
-            </a:solidFill>
-            <a:tailEnd type="triangle" w="lg" len="lg"/>
-          </a:ln>
-        </p:spPr>
-        <p:style>
-          <a:lnRef idx="3">
-            <a:schemeClr val="accent2"/>
-          </a:lnRef>
-          <a:fillRef idx="0">
-            <a:schemeClr val="accent2"/>
-          </a:fillRef>
-          <a:effectRef idx="2">
-            <a:schemeClr val="accent2"/>
-          </a:effectRef>
-          <a:fontRef idx="minor">
-            <a:schemeClr val="tx1"/>
-          </a:fontRef>
-        </p:style>
-      </p:cxnSp>
-      <p:cxnSp>
-        <p:nvCxnSpPr>
-          <p:cNvPr id="214" name="Straight Arrow Connector 12">
-            <a:extLst>
-              <a:ext uri="{FF2B5EF4-FFF2-40B4-BE49-F238E27FC236}">
-                <a16:creationId xmlns:a16="http://schemas.microsoft.com/office/drawing/2014/main" id="{2C194408-659A-05FF-9B7B-4905C27B1AA6}"/>
-              </a:ext>
-            </a:extLst>
-          </p:cNvPr>
-          <p:cNvCxnSpPr>
-            <a:cxnSpLocks/>
-            <a:stCxn id="332" idx="2"/>
-          </p:cNvCxnSpPr>
-          <p:nvPr/>
-        </p:nvCxnSpPr>
-        <p:spPr>
-          <a:xfrm>
-            <a:off x="10920519" y="2817273"/>
-            <a:ext cx="0" cy="3086568"/>
-          </a:xfrm>
-          <a:prstGeom prst="straightConnector1">
-            <a:avLst/>
-          </a:prstGeom>
-          <a:ln>
-            <a:solidFill>
-              <a:schemeClr val="tx1"/>
-            </a:solidFill>
-            <a:tailEnd type="triangle" w="lg" len="lg"/>
-          </a:ln>
-        </p:spPr>
-        <p:style>
-          <a:lnRef idx="3">
-            <a:schemeClr val="accent2"/>
-          </a:lnRef>
-          <a:fillRef idx="0">
-            <a:schemeClr val="accent2"/>
-          </a:fillRef>
-          <a:effectRef idx="2">
-            <a:schemeClr val="accent2"/>
-          </a:effectRef>
-          <a:fontRef idx="minor">
-            <a:schemeClr val="tx1"/>
-          </a:fontRef>
-        </p:style>
-      </p:cxnSp>
-      <p:cxnSp>
-        <p:nvCxnSpPr>
-          <p:cNvPr id="217" name="Straight Arrow Connector 12">
-            <a:extLst>
-              <a:ext uri="{FF2B5EF4-FFF2-40B4-BE49-F238E27FC236}">
-                <a16:creationId xmlns:a16="http://schemas.microsoft.com/office/drawing/2014/main" id="{AC90EFA0-EF4F-FFFB-EA34-004BDD72F8A3}"/>
-              </a:ext>
-            </a:extLst>
-          </p:cNvPr>
-          <p:cNvCxnSpPr>
-            <a:cxnSpLocks/>
-          </p:cNvCxnSpPr>
-          <p:nvPr/>
-        </p:nvCxnSpPr>
-        <p:spPr>
-          <a:xfrm>
-            <a:off x="5113830" y="3823068"/>
-            <a:ext cx="0" cy="2030218"/>
-          </a:xfrm>
-          <a:prstGeom prst="straightConnector1">
-            <a:avLst/>
-          </a:prstGeom>
-          <a:ln>
-            <a:solidFill>
-              <a:schemeClr val="tx1"/>
-            </a:solidFill>
-            <a:tailEnd type="triangle" w="lg" len="lg"/>
-          </a:ln>
-        </p:spPr>
-        <p:style>
-          <a:lnRef idx="3">
-            <a:schemeClr val="accent2"/>
-          </a:lnRef>
-          <a:fillRef idx="0">
-            <a:schemeClr val="accent2"/>
-          </a:fillRef>
-          <a:effectRef idx="2">
-            <a:schemeClr val="accent2"/>
-          </a:effectRef>
-          <a:fontRef idx="minor">
-            <a:schemeClr val="tx1"/>
-          </a:fontRef>
-        </p:style>
-      </p:cxnSp>
-      <p:sp>
-        <p:nvSpPr>
-          <p:cNvPr id="224" name="TextBox 223">
-            <a:extLst>
-              <a:ext uri="{FF2B5EF4-FFF2-40B4-BE49-F238E27FC236}">
-                <a16:creationId xmlns:a16="http://schemas.microsoft.com/office/drawing/2014/main" id="{3DBE7BF1-290B-80A4-D3E8-E2D2E26CB6BB}"/>
-              </a:ext>
-            </a:extLst>
-          </p:cNvPr>
-          <p:cNvSpPr txBox="1"/>
-          <p:nvPr/>
-        </p:nvSpPr>
-        <p:spPr>
-          <a:xfrm>
-            <a:off x="1180802" y="860022"/>
-            <a:ext cx="243656" cy="369332"/>
-          </a:xfrm>
-          <a:prstGeom prst="rect">
-            <a:avLst/>
-          </a:prstGeom>
-          <a:noFill/>
-        </p:spPr>
-        <p:txBody>
-          <a:bodyPr wrap="square" lIns="0" rIns="0" rtlCol="0">
-            <a:spAutoFit/>
-          </a:bodyPr>
-          <a:lstStyle/>
-          <a:p>
-            <a:pPr algn="l"/>
-            <a:r>
-              <a:rPr lang="en-US" dirty="0"/>
-              <a:t>    </a:t>
-            </a:r>
-          </a:p>
-        </p:txBody>
-      </p:sp>
-      <p:sp>
-        <p:nvSpPr>
-          <p:cNvPr id="228" name="TextBox 12">
-            <a:extLst>
-              <a:ext uri="{FF2B5EF4-FFF2-40B4-BE49-F238E27FC236}">
-                <a16:creationId xmlns:a16="http://schemas.microsoft.com/office/drawing/2014/main" id="{73B89D0D-0AAB-B3BE-0693-157BCDED2A71}"/>
-              </a:ext>
-            </a:extLst>
-          </p:cNvPr>
-          <p:cNvSpPr txBox="1">
-            <a:spLocks noChangeArrowheads="1"/>
-          </p:cNvSpPr>
-          <p:nvPr/>
-        </p:nvSpPr>
-        <p:spPr bwMode="auto">
-          <a:xfrm>
-            <a:off x="1343760" y="1484155"/>
-            <a:ext cx="1063475" cy="646331"/>
-          </a:xfrm>
-          <a:prstGeom prst="rect">
-            <a:avLst/>
-          </a:prstGeom>
-          <a:noFill/>
-          <a:ln>
-            <a:noFill/>
-          </a:ln>
-          <a:extLst>
-            <a:ext uri="{909E8E84-426E-40DD-AFC4-6F175D3DCCD1}">
-              <a14:hiddenFill xmlns:a14="http://schemas.microsoft.com/office/drawing/2010/main">
-                <a:solidFill>
-                  <a:srgbClr val="FFFFFF"/>
-                </a:solidFill>
-              </a14:hiddenFill>
-            </a:ext>
-            <a:ext uri="{91240B29-F687-4F45-9708-019B960494DF}">
-              <a14:hiddenLine xmlns:a14="http://schemas.microsoft.com/office/drawing/2010/main" w="9525">
-                <a:solidFill>
-                  <a:srgbClr val="000000"/>
-                </a:solidFill>
-                <a:miter lim="800000"/>
-                <a:headEnd/>
-                <a:tailEnd/>
-              </a14:hiddenLine>
-            </a:ext>
-          </a:extLst>
-        </p:spPr>
-        <p:txBody>
-          <a:bodyPr>
-            <a:spAutoFit/>
-          </a:bodyPr>
-          <a:lstStyle>
-            <a:lvl1pPr>
-              <a:defRPr>
-                <a:solidFill>
-                  <a:schemeClr val="tx1"/>
-                </a:solidFill>
-                <a:latin typeface="Calibri" panose="020F0502020204030204" pitchFamily="34" charset="0"/>
-              </a:defRPr>
-            </a:lvl1pPr>
-            <a:lvl2pPr marL="742950" indent="-285750">
-              <a:defRPr>
-                <a:solidFill>
-                  <a:schemeClr val="tx1"/>
-                </a:solidFill>
-                <a:latin typeface="Calibri" panose="020F0502020204030204" pitchFamily="34" charset="0"/>
-              </a:defRPr>
-            </a:lvl2pPr>
-            <a:lvl3pPr marL="1143000" indent="-228600">
-              <a:defRPr>
-                <a:solidFill>
-                  <a:schemeClr val="tx1"/>
-                </a:solidFill>
-                <a:latin typeface="Calibri" panose="020F0502020204030204" pitchFamily="34" charset="0"/>
-              </a:defRPr>
-            </a:lvl3pPr>
-            <a:lvl4pPr marL="1600200" indent="-228600">
-              <a:defRPr>
-                <a:solidFill>
-                  <a:schemeClr val="tx1"/>
-                </a:solidFill>
-                <a:latin typeface="Calibri" panose="020F0502020204030204" pitchFamily="34" charset="0"/>
-              </a:defRPr>
-            </a:lvl4pPr>
-            <a:lvl5pPr marL="2057400" indent="-228600">
-              <a:defRPr>
-                <a:solidFill>
-                  <a:schemeClr val="tx1"/>
-                </a:solidFill>
-                <a:latin typeface="Calibri" panose="020F0502020204030204" pitchFamily="34" charset="0"/>
-              </a:defRPr>
-            </a:lvl5pPr>
-            <a:lvl6pPr marL="2514600" indent="-228600" eaLnBrk="0" fontAlgn="base" hangingPunct="0">
-              <a:spcBef>
-                <a:spcPct val="0"/>
-              </a:spcBef>
-              <a:spcAft>
-                <a:spcPct val="0"/>
-              </a:spcAft>
-              <a:defRPr>
-                <a:solidFill>
-                  <a:schemeClr val="tx1"/>
-                </a:solidFill>
-                <a:latin typeface="Calibri" panose="020F0502020204030204" pitchFamily="34" charset="0"/>
-              </a:defRPr>
-            </a:lvl6pPr>
-            <a:lvl7pPr marL="2971800" indent="-228600" eaLnBrk="0" fontAlgn="base" hangingPunct="0">
-              <a:spcBef>
-                <a:spcPct val="0"/>
-              </a:spcBef>
-              <a:spcAft>
-                <a:spcPct val="0"/>
-              </a:spcAft>
-              <a:defRPr>
-                <a:solidFill>
-                  <a:schemeClr val="tx1"/>
-                </a:solidFill>
-                <a:latin typeface="Calibri" panose="020F0502020204030204" pitchFamily="34" charset="0"/>
-              </a:defRPr>
-            </a:lvl7pPr>
-            <a:lvl8pPr marL="3429000" indent="-228600" eaLnBrk="0" fontAlgn="base" hangingPunct="0">
-              <a:spcBef>
-                <a:spcPct val="0"/>
-              </a:spcBef>
-              <a:spcAft>
-                <a:spcPct val="0"/>
-              </a:spcAft>
-              <a:defRPr>
-                <a:solidFill>
-                  <a:schemeClr val="tx1"/>
-                </a:solidFill>
-                <a:latin typeface="Calibri" panose="020F0502020204030204" pitchFamily="34" charset="0"/>
-              </a:defRPr>
-            </a:lvl8pPr>
-            <a:lvl9pPr marL="3886200" indent="-228600" eaLnBrk="0" fontAlgn="base" hangingPunct="0">
-              <a:spcBef>
-                <a:spcPct val="0"/>
-              </a:spcBef>
-              <a:spcAft>
-                <a:spcPct val="0"/>
-              </a:spcAft>
-              <a:defRPr>
-                <a:solidFill>
-                  <a:schemeClr val="tx1"/>
-                </a:solidFill>
-                <a:latin typeface="Calibri" panose="020F0502020204030204" pitchFamily="34" charset="0"/>
-              </a:defRPr>
-            </a:lvl9pPr>
-          </a:lstStyle>
-          <a:p>
-            <a:pPr fontAlgn="base">
-              <a:spcBef>
-                <a:spcPct val="0"/>
-              </a:spcBef>
-              <a:spcAft>
-                <a:spcPct val="0"/>
-              </a:spcAft>
-            </a:pPr>
-            <a:r>
-              <a:rPr lang="en-US" altLang="en-US" sz="1200" i="1" dirty="0">
-                <a:solidFill>
-                  <a:schemeClr val="bg2">
-                    <a:lumMod val="40000"/>
-                    <a:lumOff val="60000"/>
-                  </a:schemeClr>
-                </a:solidFill>
-                <a:effectLst>
-                  <a:glow>
-                    <a:schemeClr val="bg1"/>
-                  </a:glow>
-                </a:effectLst>
-                <a:latin typeface="+mn-lt"/>
-              </a:rPr>
-              <a:t>push encrypted message</a:t>
-            </a:r>
-          </a:p>
-        </p:txBody>
-      </p:sp>
-      <p:sp>
-        <p:nvSpPr>
-          <p:cNvPr id="233" name="TextBox 232">
-            <a:extLst>
-              <a:ext uri="{FF2B5EF4-FFF2-40B4-BE49-F238E27FC236}">
-                <a16:creationId xmlns:a16="http://schemas.microsoft.com/office/drawing/2014/main" id="{9CF57AEB-39AE-5259-831C-77EDC94B473D}"/>
-              </a:ext>
-            </a:extLst>
-          </p:cNvPr>
-          <p:cNvSpPr txBox="1"/>
-          <p:nvPr/>
-        </p:nvSpPr>
-        <p:spPr>
-          <a:xfrm flipV="1">
-            <a:off x="10809408" y="886075"/>
-            <a:ext cx="222220" cy="369332"/>
-          </a:xfrm>
-          <a:prstGeom prst="rect">
-            <a:avLst/>
-          </a:prstGeom>
-          <a:noFill/>
-        </p:spPr>
-        <p:txBody>
-          <a:bodyPr wrap="square" lIns="0" rIns="0" rtlCol="0">
-            <a:spAutoFit/>
-          </a:bodyPr>
-          <a:lstStyle/>
-          <a:p>
-            <a:pPr algn="l"/>
-            <a:r>
-              <a:rPr lang="en-US" dirty="0"/>
-              <a:t>    </a:t>
-            </a:r>
-          </a:p>
-        </p:txBody>
-      </p:sp>
-      <p:sp>
-        <p:nvSpPr>
-          <p:cNvPr id="239" name="TextBox 238">
-            <a:extLst>
-              <a:ext uri="{FF2B5EF4-FFF2-40B4-BE49-F238E27FC236}">
-                <a16:creationId xmlns:a16="http://schemas.microsoft.com/office/drawing/2014/main" id="{0417B4C0-9F1B-1F82-5458-3A5D7B27F3CE}"/>
-              </a:ext>
-            </a:extLst>
-          </p:cNvPr>
-          <p:cNvSpPr txBox="1"/>
-          <p:nvPr/>
-        </p:nvSpPr>
-        <p:spPr>
-          <a:xfrm>
-            <a:off x="10169121" y="886075"/>
-            <a:ext cx="304571" cy="369332"/>
-          </a:xfrm>
-          <a:prstGeom prst="rect">
-            <a:avLst/>
-          </a:prstGeom>
-          <a:noFill/>
-        </p:spPr>
-        <p:txBody>
-          <a:bodyPr wrap="none" lIns="0" rIns="0" rtlCol="0">
-            <a:spAutoFit/>
-          </a:bodyPr>
-          <a:lstStyle/>
-          <a:p>
-            <a:pPr algn="l"/>
-            <a:r>
-              <a:rPr lang="en-US" dirty="0"/>
-              <a:t>     </a:t>
-            </a:r>
-          </a:p>
-        </p:txBody>
-      </p:sp>
-      <p:cxnSp>
-        <p:nvCxnSpPr>
-          <p:cNvPr id="243" name="Straight Arrow Connector 12">
-            <a:extLst>
-              <a:ext uri="{FF2B5EF4-FFF2-40B4-BE49-F238E27FC236}">
-                <a16:creationId xmlns:a16="http://schemas.microsoft.com/office/drawing/2014/main" id="{7105EF90-078B-4547-06F5-6862EE15FDD4}"/>
-              </a:ext>
-            </a:extLst>
-          </p:cNvPr>
-          <p:cNvCxnSpPr>
-            <a:cxnSpLocks/>
-            <a:stCxn id="340" idx="3"/>
-            <a:endCxn id="438" idx="2"/>
-          </p:cNvCxnSpPr>
-          <p:nvPr/>
-        </p:nvCxnSpPr>
-        <p:spPr>
-          <a:xfrm flipV="1">
-            <a:off x="5583931" y="2513929"/>
-            <a:ext cx="666836" cy="1045839"/>
-          </a:xfrm>
-          <a:prstGeom prst="bentConnector2">
-            <a:avLst/>
-          </a:prstGeom>
-          <a:ln>
-            <a:solidFill>
-              <a:schemeClr val="tx1"/>
-            </a:solidFill>
-            <a:tailEnd type="triangle" w="lg" len="lg"/>
-          </a:ln>
-        </p:spPr>
-        <p:style>
-          <a:lnRef idx="3">
-            <a:schemeClr val="accent2"/>
-          </a:lnRef>
-          <a:fillRef idx="0">
-            <a:schemeClr val="accent2"/>
-          </a:fillRef>
-          <a:effectRef idx="2">
-            <a:schemeClr val="accent2"/>
-          </a:effectRef>
-          <a:fontRef idx="minor">
-            <a:schemeClr val="tx1"/>
-          </a:fontRef>
-        </p:style>
-      </p:cxnSp>
-      <p:sp>
-        <p:nvSpPr>
-          <p:cNvPr id="250" name="TextBox 12">
-            <a:extLst>
-              <a:ext uri="{FF2B5EF4-FFF2-40B4-BE49-F238E27FC236}">
-                <a16:creationId xmlns:a16="http://schemas.microsoft.com/office/drawing/2014/main" id="{640A0A4B-E9E5-76A4-A268-E66F761039B9}"/>
-              </a:ext>
-            </a:extLst>
-          </p:cNvPr>
-          <p:cNvSpPr txBox="1">
-            <a:spLocks noChangeArrowheads="1"/>
-          </p:cNvSpPr>
-          <p:nvPr/>
-        </p:nvSpPr>
-        <p:spPr bwMode="auto">
-          <a:xfrm>
-            <a:off x="6152563" y="339249"/>
-            <a:ext cx="1624799" cy="461665"/>
-          </a:xfrm>
-          <a:prstGeom prst="rect">
-            <a:avLst/>
-          </a:prstGeom>
-          <a:noFill/>
-          <a:ln>
-            <a:noFill/>
-          </a:ln>
-          <a:extLst>
-            <a:ext uri="{909E8E84-426E-40DD-AFC4-6F175D3DCCD1}">
-              <a14:hiddenFill xmlns:a14="http://schemas.microsoft.com/office/drawing/2010/main">
-                <a:solidFill>
-                  <a:srgbClr val="FFFFFF"/>
-                </a:solidFill>
-              </a14:hiddenFill>
-            </a:ext>
-            <a:ext uri="{91240B29-F687-4F45-9708-019B960494DF}">
-              <a14:hiddenLine xmlns:a14="http://schemas.microsoft.com/office/drawing/2010/main" w="9525">
-                <a:solidFill>
-                  <a:srgbClr val="000000"/>
-                </a:solidFill>
-                <a:miter lim="800000"/>
-                <a:headEnd/>
-                <a:tailEnd/>
-              </a14:hiddenLine>
-            </a:ext>
-          </a:extLst>
-        </p:spPr>
-        <p:txBody>
-          <a:bodyPr wrap="square">
-            <a:spAutoFit/>
-          </a:bodyPr>
-          <a:lstStyle>
-            <a:lvl1pPr>
-              <a:defRPr>
-                <a:solidFill>
-                  <a:schemeClr val="tx1"/>
-                </a:solidFill>
-                <a:latin typeface="Calibri" panose="020F0502020204030204" pitchFamily="34" charset="0"/>
-              </a:defRPr>
-            </a:lvl1pPr>
-            <a:lvl2pPr marL="742950" indent="-285750">
-              <a:defRPr>
-                <a:solidFill>
-                  <a:schemeClr val="tx1"/>
-                </a:solidFill>
-                <a:latin typeface="Calibri" panose="020F0502020204030204" pitchFamily="34" charset="0"/>
-              </a:defRPr>
-            </a:lvl2pPr>
-            <a:lvl3pPr marL="1143000" indent="-228600">
-              <a:defRPr>
-                <a:solidFill>
-                  <a:schemeClr val="tx1"/>
-                </a:solidFill>
-                <a:latin typeface="Calibri" panose="020F0502020204030204" pitchFamily="34" charset="0"/>
-              </a:defRPr>
-            </a:lvl3pPr>
-            <a:lvl4pPr marL="1600200" indent="-228600">
-              <a:defRPr>
-                <a:solidFill>
-                  <a:schemeClr val="tx1"/>
-                </a:solidFill>
-                <a:latin typeface="Calibri" panose="020F0502020204030204" pitchFamily="34" charset="0"/>
-              </a:defRPr>
-            </a:lvl4pPr>
-            <a:lvl5pPr marL="2057400" indent="-228600">
-              <a:defRPr>
-                <a:solidFill>
-                  <a:schemeClr val="tx1"/>
-                </a:solidFill>
-                <a:latin typeface="Calibri" panose="020F0502020204030204" pitchFamily="34" charset="0"/>
-              </a:defRPr>
-            </a:lvl5pPr>
-            <a:lvl6pPr marL="2514600" indent="-228600" eaLnBrk="0" fontAlgn="base" hangingPunct="0">
-              <a:spcBef>
-                <a:spcPct val="0"/>
-              </a:spcBef>
-              <a:spcAft>
-                <a:spcPct val="0"/>
-              </a:spcAft>
-              <a:defRPr>
-                <a:solidFill>
-                  <a:schemeClr val="tx1"/>
-                </a:solidFill>
-                <a:latin typeface="Calibri" panose="020F0502020204030204" pitchFamily="34" charset="0"/>
-              </a:defRPr>
-            </a:lvl6pPr>
-            <a:lvl7pPr marL="2971800" indent="-228600" eaLnBrk="0" fontAlgn="base" hangingPunct="0">
-              <a:spcBef>
-                <a:spcPct val="0"/>
-              </a:spcBef>
-              <a:spcAft>
-                <a:spcPct val="0"/>
-              </a:spcAft>
-              <a:defRPr>
-                <a:solidFill>
-                  <a:schemeClr val="tx1"/>
-                </a:solidFill>
-                <a:latin typeface="Calibri" panose="020F0502020204030204" pitchFamily="34" charset="0"/>
-              </a:defRPr>
-            </a:lvl7pPr>
-            <a:lvl8pPr marL="3429000" indent="-228600" eaLnBrk="0" fontAlgn="base" hangingPunct="0">
-              <a:spcBef>
-                <a:spcPct val="0"/>
-              </a:spcBef>
-              <a:spcAft>
-                <a:spcPct val="0"/>
-              </a:spcAft>
-              <a:defRPr>
-                <a:solidFill>
-                  <a:schemeClr val="tx1"/>
-                </a:solidFill>
-                <a:latin typeface="Calibri" panose="020F0502020204030204" pitchFamily="34" charset="0"/>
-              </a:defRPr>
-            </a:lvl8pPr>
-            <a:lvl9pPr marL="3886200" indent="-228600" eaLnBrk="0" fontAlgn="base" hangingPunct="0">
-              <a:spcBef>
-                <a:spcPct val="0"/>
-              </a:spcBef>
-              <a:spcAft>
-                <a:spcPct val="0"/>
-              </a:spcAft>
-              <a:defRPr>
-                <a:solidFill>
-                  <a:schemeClr val="tx1"/>
-                </a:solidFill>
-                <a:latin typeface="Calibri" panose="020F0502020204030204" pitchFamily="34" charset="0"/>
-              </a:defRPr>
-            </a:lvl9pPr>
-          </a:lstStyle>
-          <a:p>
-            <a:pPr fontAlgn="base">
-              <a:spcBef>
-                <a:spcPct val="0"/>
-              </a:spcBef>
-              <a:spcAft>
-                <a:spcPct val="0"/>
-              </a:spcAft>
-            </a:pPr>
-            <a:r>
-              <a:rPr lang="en-US" altLang="en-US" sz="1200" i="1" dirty="0">
-                <a:solidFill>
-                  <a:schemeClr val="bg2">
-                    <a:lumMod val="40000"/>
-                    <a:lumOff val="60000"/>
-                  </a:schemeClr>
-                </a:solidFill>
-                <a:effectLst>
-                  <a:glow>
-                    <a:schemeClr val="bg1"/>
-                  </a:glow>
-                </a:effectLst>
-                <a:latin typeface="+mn-lt"/>
-              </a:rPr>
-              <a:t>wake up,</a:t>
-            </a:r>
-            <a:br>
-              <a:rPr lang="en-US" altLang="en-US" sz="1200" i="1" dirty="0">
-                <a:solidFill>
-                  <a:schemeClr val="bg2">
-                    <a:lumMod val="40000"/>
-                    <a:lumOff val="60000"/>
-                  </a:schemeClr>
-                </a:solidFill>
-                <a:effectLst>
-                  <a:glow>
-                    <a:schemeClr val="bg1"/>
-                  </a:glow>
-                </a:effectLst>
-                <a:latin typeface="+mn-lt"/>
-              </a:rPr>
-            </a:br>
-            <a:r>
-              <a:rPr lang="en-US" altLang="en-US" sz="1200" i="1" dirty="0">
-                <a:solidFill>
-                  <a:schemeClr val="bg2">
-                    <a:lumMod val="40000"/>
-                    <a:lumOff val="60000"/>
-                  </a:schemeClr>
-                </a:solidFill>
-                <a:effectLst>
-                  <a:glow>
-                    <a:schemeClr val="bg1"/>
-                  </a:glow>
-                </a:effectLst>
-                <a:latin typeface="+mn-lt"/>
-              </a:rPr>
-              <a:t>you’ve got messages!</a:t>
-            </a:r>
-          </a:p>
-        </p:txBody>
-      </p:sp>
-      <p:pic>
-        <p:nvPicPr>
-          <p:cNvPr id="269" name="Graphic 268">
-            <a:extLst>
-              <a:ext uri="{FF2B5EF4-FFF2-40B4-BE49-F238E27FC236}">
-                <a16:creationId xmlns:a16="http://schemas.microsoft.com/office/drawing/2014/main" id="{F28E1B65-833B-86E1-76AF-784180E487F0}"/>
-              </a:ext>
-            </a:extLst>
-          </p:cNvPr>
-          <p:cNvPicPr>
-            <a:picLocks noChangeAspect="1"/>
-          </p:cNvPicPr>
-          <p:nvPr/>
-        </p:nvPicPr>
-        <p:blipFill>
-          <a:blip r:embed="rId4">
-            <a:extLst>
-              <a:ext uri="{96DAC541-7B7A-43D3-8B79-37D633B846F1}">
-                <asvg:svgBlip xmlns:asvg="http://schemas.microsoft.com/office/drawing/2016/SVG/main" r:embed="rId5"/>
-              </a:ext>
-            </a:extLst>
-          </a:blip>
-          <a:srcRect/>
-          <a:stretch/>
-        </p:blipFill>
-        <p:spPr>
-          <a:xfrm>
-            <a:off x="232026" y="1450332"/>
-            <a:ext cx="381000" cy="381000"/>
-          </a:xfrm>
-          <a:prstGeom prst="rect">
-            <a:avLst/>
-          </a:prstGeom>
-        </p:spPr>
-      </p:pic>
-      <p:cxnSp>
-        <p:nvCxnSpPr>
-          <p:cNvPr id="275" name="Straight Arrow Connector 12">
-            <a:extLst>
-              <a:ext uri="{FF2B5EF4-FFF2-40B4-BE49-F238E27FC236}">
-                <a16:creationId xmlns:a16="http://schemas.microsoft.com/office/drawing/2014/main" id="{F8116ABE-F4E3-2538-8D08-4A15C700F1D0}"/>
-              </a:ext>
-            </a:extLst>
-          </p:cNvPr>
-          <p:cNvCxnSpPr>
-            <a:cxnSpLocks/>
-            <a:stCxn id="280" idx="2"/>
-            <a:endCxn id="321" idx="0"/>
-          </p:cNvCxnSpPr>
-          <p:nvPr/>
-        </p:nvCxnSpPr>
-        <p:spPr>
-          <a:xfrm>
-            <a:off x="1316837" y="1244961"/>
-            <a:ext cx="8761" cy="2006783"/>
-          </a:xfrm>
-          <a:prstGeom prst="straightConnector1">
-            <a:avLst/>
-          </a:prstGeom>
-          <a:ln>
-            <a:solidFill>
-              <a:schemeClr val="tx1"/>
-            </a:solidFill>
-            <a:tailEnd type="triangle" w="lg" len="lg"/>
-          </a:ln>
-        </p:spPr>
-        <p:style>
-          <a:lnRef idx="3">
-            <a:schemeClr val="accent2"/>
-          </a:lnRef>
-          <a:fillRef idx="0">
-            <a:schemeClr val="accent2"/>
-          </a:fillRef>
-          <a:effectRef idx="2">
-            <a:schemeClr val="accent2"/>
-          </a:effectRef>
-          <a:fontRef idx="minor">
-            <a:schemeClr val="tx1"/>
-          </a:fontRef>
-        </p:style>
-      </p:cxnSp>
-      <p:sp>
-        <p:nvSpPr>
-          <p:cNvPr id="280" name="TextBox 279">
-            <a:extLst>
-              <a:ext uri="{FF2B5EF4-FFF2-40B4-BE49-F238E27FC236}">
-                <a16:creationId xmlns:a16="http://schemas.microsoft.com/office/drawing/2014/main" id="{51E298E3-11DE-02A8-4CC9-2F76D6ADDE03}"/>
-              </a:ext>
-            </a:extLst>
-          </p:cNvPr>
-          <p:cNvSpPr txBox="1"/>
-          <p:nvPr/>
-        </p:nvSpPr>
-        <p:spPr>
-          <a:xfrm>
-            <a:off x="1195009" y="875629"/>
-            <a:ext cx="243656" cy="369332"/>
-          </a:xfrm>
-          <a:prstGeom prst="rect">
-            <a:avLst/>
-          </a:prstGeom>
-          <a:noFill/>
-        </p:spPr>
-        <p:txBody>
-          <a:bodyPr wrap="none" lIns="0" rIns="0" rtlCol="0">
-            <a:spAutoFit/>
-          </a:bodyPr>
-          <a:lstStyle/>
-          <a:p>
-            <a:pPr algn="l"/>
-            <a:r>
-              <a:rPr lang="en-US" dirty="0"/>
-              <a:t>    </a:t>
-            </a:r>
-          </a:p>
-        </p:txBody>
-      </p:sp>
-      <p:sp>
-        <p:nvSpPr>
-          <p:cNvPr id="321" name="Rectangle 320">
-            <a:extLst>
-              <a:ext uri="{FF2B5EF4-FFF2-40B4-BE49-F238E27FC236}">
-                <a16:creationId xmlns:a16="http://schemas.microsoft.com/office/drawing/2014/main" id="{68F963C2-4EE7-8C11-CCA6-E593D4720D02}"/>
-              </a:ext>
-            </a:extLst>
-          </p:cNvPr>
-          <p:cNvSpPr/>
-          <p:nvPr/>
-        </p:nvSpPr>
-        <p:spPr>
-          <a:xfrm>
-            <a:off x="434154" y="3251744"/>
-            <a:ext cx="1782887" cy="396571"/>
-          </a:xfrm>
-          <a:prstGeom prst="rect">
-            <a:avLst/>
-          </a:prstGeom>
-          <a:solidFill>
-            <a:srgbClr val="002060"/>
-          </a:solidFill>
-          <a:ln w="28575">
-            <a:solidFill>
-              <a:schemeClr val="tx1">
-                <a:lumMod val="50000"/>
-              </a:schemeClr>
-            </a:solidFill>
-            <a:prstDash val="solid"/>
-          </a:ln>
-        </p:spPr>
-        <p:style>
-          <a:lnRef idx="2">
-            <a:schemeClr val="accent1">
-              <a:shade val="50000"/>
-            </a:schemeClr>
-          </a:lnRef>
-          <a:fillRef idx="1">
-            <a:schemeClr val="accent1"/>
-          </a:fillRef>
-          <a:effectRef idx="0">
-            <a:schemeClr val="accent1"/>
-          </a:effectRef>
-          <a:fontRef idx="minor">
-            <a:schemeClr val="lt1"/>
-          </a:fontRef>
-        </p:style>
-        <p:txBody>
-          <a:bodyPr lIns="144000" tIns="144000" rIns="144000" bIns="144000" anchor="ctr"/>
-          <a:lstStyle/>
-          <a:p>
-            <a:pPr algn="ctr"/>
-            <a:r>
-              <a:rPr lang="en-US" sz="2800" baseline="-9000" dirty="0">
-                <a:solidFill>
-                  <a:schemeClr val="tx1"/>
-                </a:solidFill>
-                <a:effectLst>
-                  <a:glow>
-                    <a:schemeClr val="bg1"/>
-                  </a:glow>
-                </a:effectLst>
-              </a:rPr>
-              <a:t>🏌️‍♂️</a:t>
-            </a:r>
-            <a:r>
-              <a:rPr lang="en-US" sz="2000" dirty="0">
-                <a:solidFill>
-                  <a:schemeClr val="tx1"/>
-                </a:solidFill>
-                <a:latin typeface="+mj-lt"/>
-                <a:cs typeface="Arial" panose="020B0604020202020204" pitchFamily="34" charset="0"/>
-              </a:rPr>
-              <a:t>distributor </a:t>
-            </a:r>
-          </a:p>
-        </p:txBody>
-      </p:sp>
-      <p:grpSp>
-        <p:nvGrpSpPr>
-          <p:cNvPr id="447" name="Group 446">
-            <a:extLst>
-              <a:ext uri="{FF2B5EF4-FFF2-40B4-BE49-F238E27FC236}">
-                <a16:creationId xmlns:a16="http://schemas.microsoft.com/office/drawing/2014/main" id="{DCBD3950-B393-43F6-1C80-137527C4EC50}"/>
-              </a:ext>
-            </a:extLst>
-          </p:cNvPr>
-          <p:cNvGrpSpPr/>
-          <p:nvPr/>
-        </p:nvGrpSpPr>
-        <p:grpSpPr>
-          <a:xfrm>
-            <a:off x="3299814" y="2096018"/>
-            <a:ext cx="2284117" cy="1732964"/>
-            <a:chOff x="3299814" y="2096018"/>
-            <a:chExt cx="2284117" cy="1732964"/>
-          </a:xfrm>
-        </p:grpSpPr>
-        <p:sp>
-          <p:nvSpPr>
-            <p:cNvPr id="83" name="Rectangle 82">
-              <a:extLst>
-                <a:ext uri="{FF2B5EF4-FFF2-40B4-BE49-F238E27FC236}">
-                  <a16:creationId xmlns:a16="http://schemas.microsoft.com/office/drawing/2014/main" id="{8C68CE0F-F674-F334-945A-5B57E3BAF533}"/>
-                </a:ext>
-              </a:extLst>
-            </p:cNvPr>
-            <p:cNvSpPr/>
-            <p:nvPr/>
-          </p:nvSpPr>
-          <p:spPr>
-            <a:xfrm>
-              <a:off x="3299814" y="2096018"/>
-              <a:ext cx="2274178" cy="1732964"/>
-            </a:xfrm>
-            <a:prstGeom prst="rect">
-              <a:avLst/>
-            </a:prstGeom>
-            <a:solidFill>
-              <a:schemeClr val="bg1">
-                <a:lumMod val="85000"/>
-                <a:lumOff val="15000"/>
-              </a:schemeClr>
-            </a:solidFill>
-            <a:ln>
-              <a:noFill/>
-            </a:ln>
-          </p:spPr>
-          <p:style>
-            <a:lnRef idx="2">
-              <a:schemeClr val="accent1">
-                <a:shade val="50000"/>
-              </a:schemeClr>
-            </a:lnRef>
-            <a:fillRef idx="1">
-              <a:schemeClr val="accent1"/>
-            </a:fillRef>
-            <a:effectRef idx="0">
-              <a:schemeClr val="accent1"/>
-            </a:effectRef>
-            <a:fontRef idx="minor">
-              <a:schemeClr val="lt1"/>
-            </a:fontRef>
-          </p:style>
-          <p:txBody>
-            <a:bodyPr lIns="72000" tIns="72000" rIns="45720" rtlCol="0" anchor="t"/>
-            <a:lstStyle/>
-            <a:p>
-              <a:r>
-                <a:rPr lang="en-US" sz="1200" i="1" dirty="0">
-                  <a:solidFill>
-                    <a:schemeClr val="tx1">
-                      <a:lumMod val="75000"/>
-                    </a:schemeClr>
-                  </a:solidFill>
-                </a:rPr>
-                <a:t> ingestion cell #1 all streamers</a:t>
-              </a:r>
-              <a:endParaRPr lang="en-US" sz="1600" i="1" dirty="0">
-                <a:solidFill>
-                  <a:schemeClr val="tx1">
-                    <a:lumMod val="75000"/>
-                  </a:schemeClr>
-                </a:solidFill>
-              </a:endParaRPr>
-            </a:p>
-          </p:txBody>
-        </p:sp>
-        <p:grpSp>
-          <p:nvGrpSpPr>
-            <p:cNvPr id="69" name="Group 68">
-              <a:extLst>
-                <a:ext uri="{FF2B5EF4-FFF2-40B4-BE49-F238E27FC236}">
-                  <a16:creationId xmlns:a16="http://schemas.microsoft.com/office/drawing/2014/main" id="{D3B36F9D-16F4-9EDD-6CEB-86E84D8D56F1}"/>
-                </a:ext>
-              </a:extLst>
-            </p:cNvPr>
-            <p:cNvGrpSpPr/>
-            <p:nvPr/>
-          </p:nvGrpSpPr>
-          <p:grpSpPr>
-            <a:xfrm>
-              <a:off x="3410218" y="2895831"/>
-              <a:ext cx="1940072" cy="461665"/>
-              <a:chOff x="6777168" y="1766721"/>
-              <a:chExt cx="1940072" cy="461665"/>
-            </a:xfrm>
-          </p:grpSpPr>
-          <p:pic>
-            <p:nvPicPr>
-              <p:cNvPr id="67" name="Graphic 26" descr="Amazon Simple Queue Service (Amazon SQS) service icon.">
-                <a:extLst>
-                  <a:ext uri="{FF2B5EF4-FFF2-40B4-BE49-F238E27FC236}">
-                    <a16:creationId xmlns:a16="http://schemas.microsoft.com/office/drawing/2014/main" id="{D07654AB-5DE3-8C05-761A-2412A5C56740}"/>
-                  </a:ext>
-                </a:extLst>
-              </p:cNvPr>
-              <p:cNvPicPr>
-                <a:picLocks noChangeAspect="1" noChangeArrowheads="1"/>
-              </p:cNvPicPr>
-              <p:nvPr/>
-            </p:nvPicPr>
-            <p:blipFill>
-              <a:blip r:embed="rId6">
-                <a:extLst>
-                  <a:ext uri="{96DAC541-7B7A-43D3-8B79-37D633B846F1}">
-                    <asvg:svgBlip xmlns:asvg="http://schemas.microsoft.com/office/drawing/2016/SVG/main" r:embed="rId7"/>
-                  </a:ext>
-                </a:extLst>
-              </a:blip>
-              <a:srcRect/>
-              <a:stretch/>
-            </p:blipFill>
-            <p:spPr bwMode="auto">
-              <a:xfrm>
-                <a:off x="6777168" y="1805950"/>
-                <a:ext cx="360000" cy="360000"/>
-              </a:xfrm>
-              <a:prstGeom prst="rect">
-                <a:avLst/>
-              </a:prstGeom>
-              <a:noFill/>
-              <a:ln>
-                <a:noFill/>
-              </a:ln>
-              <a:extLst>
-                <a:ext uri="{909E8E84-426E-40DD-AFC4-6F175D3DCCD1}">
-                  <a14:hiddenFill xmlns:a14="http://schemas.microsoft.com/office/drawing/2010/main">
-                    <a:solidFill>
-                      <a:srgbClr val="FFFFFF"/>
-                    </a:solidFill>
-                  </a14:hiddenFill>
-                </a:ext>
-                <a:ext uri="{91240B29-F687-4F45-9708-019B960494DF}">
-                  <a14:hiddenLine xmlns:a14="http://schemas.microsoft.com/office/drawing/2010/main" w="9525">
-                    <a:solidFill>
-                      <a:srgbClr val="000000"/>
-                    </a:solidFill>
-                    <a:miter lim="800000"/>
-                    <a:headEnd/>
-                    <a:tailEnd/>
-                  </a14:hiddenLine>
-                </a:ext>
-              </a:extLst>
-            </p:spPr>
-          </p:pic>
-          <p:sp>
-            <p:nvSpPr>
-              <p:cNvPr id="68" name="TextBox 11">
-                <a:extLst>
-                  <a:ext uri="{FF2B5EF4-FFF2-40B4-BE49-F238E27FC236}">
-                    <a16:creationId xmlns:a16="http://schemas.microsoft.com/office/drawing/2014/main" id="{8FFEBDF3-86D5-E863-C2E0-6BE842F9CBB1}"/>
-                  </a:ext>
-                </a:extLst>
-              </p:cNvPr>
-              <p:cNvSpPr txBox="1">
-                <a:spLocks noChangeArrowheads="1"/>
-              </p:cNvSpPr>
-              <p:nvPr/>
-            </p:nvSpPr>
-            <p:spPr bwMode="auto">
-              <a:xfrm>
-                <a:off x="7100397" y="1766721"/>
-                <a:ext cx="1616843" cy="461665"/>
-              </a:xfrm>
-              <a:prstGeom prst="rect">
-                <a:avLst/>
-              </a:prstGeom>
-              <a:noFill/>
-              <a:ln>
-                <a:noFill/>
-              </a:ln>
-              <a:extLst>
-                <a:ext uri="{909E8E84-426E-40DD-AFC4-6F175D3DCCD1}">
-                  <a14:hiddenFill xmlns:a14="http://schemas.microsoft.com/office/drawing/2010/main">
-                    <a:solidFill>
-                      <a:srgbClr val="FFFFFF"/>
-                    </a:solidFill>
-                  </a14:hiddenFill>
-                </a:ext>
-                <a:ext uri="{91240B29-F687-4F45-9708-019B960494DF}">
-                  <a14:hiddenLine xmlns:a14="http://schemas.microsoft.com/office/drawing/2010/main" w="9525">
-                    <a:solidFill>
-                      <a:srgbClr val="000000"/>
-                    </a:solidFill>
-                    <a:miter lim="800000"/>
-                    <a:headEnd/>
-                    <a:tailEnd/>
-                  </a14:hiddenLine>
-                </a:ext>
-              </a:extLst>
-            </p:spPr>
-            <p:txBody>
-              <a:bodyPr wrap="square">
-                <a:spAutoFit/>
-              </a:bodyPr>
-              <a:lstStyle>
-                <a:lvl1pPr>
-                  <a:defRPr>
-                    <a:solidFill>
-                      <a:schemeClr val="tx1"/>
-                    </a:solidFill>
-                    <a:latin typeface="Calibri" panose="020F0502020204030204" pitchFamily="34" charset="0"/>
-                  </a:defRPr>
-                </a:lvl1pPr>
-                <a:lvl2pPr marL="742950" indent="-285750">
-                  <a:defRPr>
-                    <a:solidFill>
-                      <a:schemeClr val="tx1"/>
-                    </a:solidFill>
-                    <a:latin typeface="Calibri" panose="020F0502020204030204" pitchFamily="34" charset="0"/>
-                  </a:defRPr>
-                </a:lvl2pPr>
-                <a:lvl3pPr marL="1143000" indent="-228600">
-                  <a:defRPr>
-                    <a:solidFill>
-                      <a:schemeClr val="tx1"/>
-                    </a:solidFill>
-                    <a:latin typeface="Calibri" panose="020F0502020204030204" pitchFamily="34" charset="0"/>
-                  </a:defRPr>
-                </a:lvl3pPr>
-                <a:lvl4pPr marL="1600200" indent="-228600">
-                  <a:defRPr>
-                    <a:solidFill>
-                      <a:schemeClr val="tx1"/>
-                    </a:solidFill>
-                    <a:latin typeface="Calibri" panose="020F0502020204030204" pitchFamily="34" charset="0"/>
-                  </a:defRPr>
-                </a:lvl4pPr>
-                <a:lvl5pPr marL="2057400" indent="-228600">
-                  <a:defRPr>
-                    <a:solidFill>
-                      <a:schemeClr val="tx1"/>
-                    </a:solidFill>
-                    <a:latin typeface="Calibri" panose="020F0502020204030204" pitchFamily="34" charset="0"/>
-                  </a:defRPr>
-                </a:lvl5pPr>
-                <a:lvl6pPr marL="2514600" indent="-228600" eaLnBrk="0" fontAlgn="base" hangingPunct="0">
-                  <a:spcBef>
-                    <a:spcPct val="0"/>
-                  </a:spcBef>
-                  <a:spcAft>
-                    <a:spcPct val="0"/>
-                  </a:spcAft>
-                  <a:defRPr>
-                    <a:solidFill>
-                      <a:schemeClr val="tx1"/>
-                    </a:solidFill>
-                    <a:latin typeface="Calibri" panose="020F0502020204030204" pitchFamily="34" charset="0"/>
-                  </a:defRPr>
-                </a:lvl6pPr>
-                <a:lvl7pPr marL="2971800" indent="-228600" eaLnBrk="0" fontAlgn="base" hangingPunct="0">
-                  <a:spcBef>
-                    <a:spcPct val="0"/>
-                  </a:spcBef>
-                  <a:spcAft>
-                    <a:spcPct val="0"/>
-                  </a:spcAft>
-                  <a:defRPr>
-                    <a:solidFill>
-                      <a:schemeClr val="tx1"/>
-                    </a:solidFill>
-                    <a:latin typeface="Calibri" panose="020F0502020204030204" pitchFamily="34" charset="0"/>
-                  </a:defRPr>
-                </a:lvl7pPr>
-                <a:lvl8pPr marL="3429000" indent="-228600" eaLnBrk="0" fontAlgn="base" hangingPunct="0">
-                  <a:spcBef>
-                    <a:spcPct val="0"/>
-                  </a:spcBef>
-                  <a:spcAft>
-                    <a:spcPct val="0"/>
-                  </a:spcAft>
-                  <a:defRPr>
-                    <a:solidFill>
-                      <a:schemeClr val="tx1"/>
-                    </a:solidFill>
-                    <a:latin typeface="Calibri" panose="020F0502020204030204" pitchFamily="34" charset="0"/>
-                  </a:defRPr>
-                </a:lvl8pPr>
-                <a:lvl9pPr marL="3886200" indent="-228600" eaLnBrk="0" fontAlgn="base" hangingPunct="0">
-                  <a:spcBef>
-                    <a:spcPct val="0"/>
-                  </a:spcBef>
-                  <a:spcAft>
-                    <a:spcPct val="0"/>
-                  </a:spcAft>
-                  <a:defRPr>
-                    <a:solidFill>
-                      <a:schemeClr val="tx1"/>
-                    </a:solidFill>
-                    <a:latin typeface="Calibri" panose="020F0502020204030204" pitchFamily="34" charset="0"/>
-                  </a:defRPr>
-                </a:lvl9pPr>
-              </a:lstStyle>
-              <a:p>
-                <a:pPr fontAlgn="base">
-                  <a:spcBef>
-                    <a:spcPct val="0"/>
-                  </a:spcBef>
-                  <a:spcAft>
-                    <a:spcPct val="0"/>
-                  </a:spcAft>
-                </a:pPr>
-                <a:r>
-                  <a:rPr lang="en-US" altLang="en-US" sz="1200" dirty="0">
-                    <a:solidFill>
-                      <a:srgbClr val="FFFFFF"/>
-                    </a:solidFill>
-                    <a:latin typeface="Arial" panose="020B0604020202020204" pitchFamily="34" charset="0"/>
-                    <a:ea typeface="Amazon Ember" panose="020B0603020204020204" pitchFamily="34" charset="0"/>
-                    <a:cs typeface="Arial" panose="020B0604020202020204" pitchFamily="34" charset="0"/>
-                  </a:rPr>
-                  <a:t>SQS</a:t>
-                </a:r>
-                <a:br>
-                  <a:rPr lang="en-US" altLang="en-US" sz="1200" dirty="0">
-                    <a:solidFill>
-                      <a:srgbClr val="FFFFFF"/>
-                    </a:solidFill>
-                    <a:latin typeface="Arial" panose="020B0604020202020204" pitchFamily="34" charset="0"/>
-                    <a:ea typeface="Amazon Ember" panose="020B0603020204020204" pitchFamily="34" charset="0"/>
-                    <a:cs typeface="Arial" panose="020B0604020202020204" pitchFamily="34" charset="0"/>
-                  </a:rPr>
-                </a:br>
-                <a:r>
-                  <a:rPr lang="en-US" altLang="en-US" sz="1200" i="1" dirty="0">
-                    <a:solidFill>
-                      <a:schemeClr val="tx1">
-                        <a:lumMod val="75000"/>
-                      </a:schemeClr>
-                    </a:solidFill>
-                    <a:latin typeface="+mn-lt"/>
-                  </a:rPr>
-                  <a:t>async queue</a:t>
-                </a:r>
-              </a:p>
-            </p:txBody>
-          </p:sp>
-        </p:grpSp>
-        <p:sp>
-          <p:nvSpPr>
-            <p:cNvPr id="329" name="Rectangle 328">
-              <a:extLst>
-                <a:ext uri="{FF2B5EF4-FFF2-40B4-BE49-F238E27FC236}">
-                  <a16:creationId xmlns:a16="http://schemas.microsoft.com/office/drawing/2014/main" id="{CA9CF209-F2F5-E25E-7A48-B2D9F607A98D}"/>
-                </a:ext>
-              </a:extLst>
-            </p:cNvPr>
-            <p:cNvSpPr/>
-            <p:nvPr/>
-          </p:nvSpPr>
-          <p:spPr>
-            <a:xfrm>
-              <a:off x="3406243" y="2428550"/>
-              <a:ext cx="2045853" cy="396571"/>
-            </a:xfrm>
-            <a:prstGeom prst="rect">
-              <a:avLst/>
-            </a:prstGeom>
-            <a:solidFill>
-              <a:schemeClr val="accent4">
-                <a:lumMod val="50000"/>
-              </a:schemeClr>
-            </a:solidFill>
-            <a:ln w="28575">
-              <a:solidFill>
-                <a:schemeClr val="tx1">
-                  <a:lumMod val="50000"/>
-                </a:schemeClr>
-              </a:solidFill>
-              <a:prstDash val="solid"/>
-            </a:ln>
-          </p:spPr>
-          <p:style>
-            <a:lnRef idx="2">
-              <a:schemeClr val="accent1">
-                <a:shade val="50000"/>
-              </a:schemeClr>
-            </a:lnRef>
-            <a:fillRef idx="1">
-              <a:schemeClr val="accent1"/>
-            </a:fillRef>
-            <a:effectRef idx="0">
-              <a:schemeClr val="accent1"/>
-            </a:effectRef>
-            <a:fontRef idx="minor">
-              <a:schemeClr val="lt1"/>
-            </a:fontRef>
-          </p:style>
-          <p:txBody>
-            <a:bodyPr lIns="72000" tIns="144000" rIns="144000" bIns="144000" anchor="ctr"/>
-            <a:lstStyle/>
-            <a:p>
-              <a:r>
-                <a:rPr lang="en-US" sz="2800" baseline="-9000" dirty="0">
-                  <a:solidFill>
-                    <a:schemeClr val="tx1"/>
-                  </a:solidFill>
-                  <a:effectLst>
-                    <a:glow>
-                      <a:schemeClr val="bg1"/>
-                    </a:glow>
-                  </a:effectLst>
-                </a:rPr>
-                <a:t>⛳ </a:t>
-              </a:r>
-              <a:r>
-                <a:rPr lang="en-US" sz="2000" dirty="0">
-                  <a:solidFill>
-                    <a:schemeClr val="tx1"/>
-                  </a:solidFill>
-                  <a:latin typeface="+mj-lt"/>
-                  <a:cs typeface="Arial" panose="020B0604020202020204" pitchFamily="34" charset="0"/>
-                </a:rPr>
-                <a:t>endpoint</a:t>
-              </a:r>
-            </a:p>
-          </p:txBody>
-        </p:sp>
-        <p:grpSp>
-          <p:nvGrpSpPr>
-            <p:cNvPr id="341" name="Group 340">
-              <a:extLst>
-                <a:ext uri="{FF2B5EF4-FFF2-40B4-BE49-F238E27FC236}">
-                  <a16:creationId xmlns:a16="http://schemas.microsoft.com/office/drawing/2014/main" id="{9DBC30E8-2DC8-DC9F-5943-5CD224B94C33}"/>
-                </a:ext>
-              </a:extLst>
-            </p:cNvPr>
-            <p:cNvGrpSpPr/>
-            <p:nvPr/>
-          </p:nvGrpSpPr>
-          <p:grpSpPr>
-            <a:xfrm>
-              <a:off x="3408727" y="3328935"/>
-              <a:ext cx="2175204" cy="461665"/>
-              <a:chOff x="3651341" y="3085092"/>
-              <a:chExt cx="2175204" cy="461665"/>
-            </a:xfrm>
-          </p:grpSpPr>
-          <p:pic>
-            <p:nvPicPr>
-              <p:cNvPr id="339" name="Graphic 10" descr="AWS Lambda service icon.">
-                <a:extLst>
-                  <a:ext uri="{FF2B5EF4-FFF2-40B4-BE49-F238E27FC236}">
-                    <a16:creationId xmlns:a16="http://schemas.microsoft.com/office/drawing/2014/main" id="{0109082F-EA0D-518E-74CA-5D7AE9AE18E9}"/>
-                  </a:ext>
-                </a:extLst>
-              </p:cNvPr>
-              <p:cNvPicPr>
-                <a:picLocks noChangeAspect="1" noChangeArrowheads="1"/>
-              </p:cNvPicPr>
-              <p:nvPr/>
-            </p:nvPicPr>
-            <p:blipFill>
-              <a:blip r:embed="rId8">
-                <a:extLst>
-                  <a:ext uri="{96DAC541-7B7A-43D3-8B79-37D633B846F1}">
-                    <asvg:svgBlip xmlns:asvg="http://schemas.microsoft.com/office/drawing/2016/SVG/main" r:embed="rId9"/>
-                  </a:ext>
-                </a:extLst>
-              </a:blip>
-              <a:srcRect/>
-              <a:stretch/>
-            </p:blipFill>
-            <p:spPr bwMode="auto">
-              <a:xfrm>
-                <a:off x="3651341" y="3140377"/>
-                <a:ext cx="360000" cy="360000"/>
-              </a:xfrm>
-              <a:prstGeom prst="rect">
-                <a:avLst/>
-              </a:prstGeom>
-              <a:noFill/>
-              <a:ln>
-                <a:noFill/>
-              </a:ln>
-              <a:extLst>
-                <a:ext uri="{909E8E84-426E-40DD-AFC4-6F175D3DCCD1}">
-                  <a14:hiddenFill xmlns:a14="http://schemas.microsoft.com/office/drawing/2010/main">
-                    <a:solidFill>
-                      <a:srgbClr val="FFFFFF"/>
-                    </a:solidFill>
-                  </a14:hiddenFill>
-                </a:ext>
-                <a:ext uri="{91240B29-F687-4F45-9708-019B960494DF}">
-                  <a14:hiddenLine xmlns:a14="http://schemas.microsoft.com/office/drawing/2010/main" w="9525">
-                    <a:solidFill>
-                      <a:srgbClr val="000000"/>
-                    </a:solidFill>
-                    <a:miter lim="800000"/>
-                    <a:headEnd/>
-                    <a:tailEnd/>
-                  </a14:hiddenLine>
-                </a:ext>
-              </a:extLst>
-            </p:spPr>
-          </p:pic>
-          <p:sp>
-            <p:nvSpPr>
-              <p:cNvPr id="340" name="TextBox 20">
-                <a:extLst>
-                  <a:ext uri="{FF2B5EF4-FFF2-40B4-BE49-F238E27FC236}">
-                    <a16:creationId xmlns:a16="http://schemas.microsoft.com/office/drawing/2014/main" id="{744C65B5-D670-1AF3-1576-7D56A1DEDFA5}"/>
-                  </a:ext>
-                </a:extLst>
-              </p:cNvPr>
-              <p:cNvSpPr txBox="1">
-                <a:spLocks noChangeArrowheads="1"/>
-              </p:cNvSpPr>
-              <p:nvPr/>
-            </p:nvSpPr>
-            <p:spPr bwMode="auto">
-              <a:xfrm>
-                <a:off x="3987743" y="3085092"/>
-                <a:ext cx="1838802" cy="461665"/>
-              </a:xfrm>
-              <a:prstGeom prst="rect">
-                <a:avLst/>
-              </a:prstGeom>
-              <a:noFill/>
-              <a:ln>
-                <a:noFill/>
-              </a:ln>
-              <a:extLst>
-                <a:ext uri="{909E8E84-426E-40DD-AFC4-6F175D3DCCD1}">
-                  <a14:hiddenFill xmlns:a14="http://schemas.microsoft.com/office/drawing/2010/main">
-                    <a:solidFill>
-                      <a:srgbClr val="FFFFFF"/>
-                    </a:solidFill>
-                  </a14:hiddenFill>
-                </a:ext>
-                <a:ext uri="{91240B29-F687-4F45-9708-019B960494DF}">
-                  <a14:hiddenLine xmlns:a14="http://schemas.microsoft.com/office/drawing/2010/main" w="9525">
-                    <a:solidFill>
-                      <a:srgbClr val="000000"/>
-                    </a:solidFill>
-                    <a:miter lim="800000"/>
-                    <a:headEnd/>
-                    <a:tailEnd/>
-                  </a14:hiddenLine>
-                </a:ext>
-              </a:extLst>
-            </p:spPr>
-            <p:txBody>
-              <a:bodyPr wrap="square">
-                <a:spAutoFit/>
-              </a:bodyPr>
-              <a:lstStyle>
-                <a:lvl1pPr>
-                  <a:defRPr>
-                    <a:solidFill>
-                      <a:schemeClr val="tx1"/>
-                    </a:solidFill>
-                    <a:latin typeface="Calibri" panose="020F0502020204030204" pitchFamily="34" charset="0"/>
-                  </a:defRPr>
-                </a:lvl1pPr>
-                <a:lvl2pPr marL="742950" indent="-285750">
-                  <a:defRPr>
-                    <a:solidFill>
-                      <a:schemeClr val="tx1"/>
-                    </a:solidFill>
-                    <a:latin typeface="Calibri" panose="020F0502020204030204" pitchFamily="34" charset="0"/>
-                  </a:defRPr>
-                </a:lvl2pPr>
-                <a:lvl3pPr marL="1143000" indent="-228600">
-                  <a:defRPr>
-                    <a:solidFill>
-                      <a:schemeClr val="tx1"/>
-                    </a:solidFill>
-                    <a:latin typeface="Calibri" panose="020F0502020204030204" pitchFamily="34" charset="0"/>
-                  </a:defRPr>
-                </a:lvl3pPr>
-                <a:lvl4pPr marL="1600200" indent="-228600">
-                  <a:defRPr>
-                    <a:solidFill>
-                      <a:schemeClr val="tx1"/>
-                    </a:solidFill>
-                    <a:latin typeface="Calibri" panose="020F0502020204030204" pitchFamily="34" charset="0"/>
-                  </a:defRPr>
-                </a:lvl4pPr>
-                <a:lvl5pPr marL="2057400" indent="-228600">
-                  <a:defRPr>
-                    <a:solidFill>
-                      <a:schemeClr val="tx1"/>
-                    </a:solidFill>
-                    <a:latin typeface="Calibri" panose="020F0502020204030204" pitchFamily="34" charset="0"/>
-                  </a:defRPr>
-                </a:lvl5pPr>
-                <a:lvl6pPr marL="2514600" indent="-228600" eaLnBrk="0" fontAlgn="base" hangingPunct="0">
-                  <a:spcBef>
-                    <a:spcPct val="0"/>
-                  </a:spcBef>
-                  <a:spcAft>
-                    <a:spcPct val="0"/>
-                  </a:spcAft>
-                  <a:defRPr>
-                    <a:solidFill>
-                      <a:schemeClr val="tx1"/>
-                    </a:solidFill>
-                    <a:latin typeface="Calibri" panose="020F0502020204030204" pitchFamily="34" charset="0"/>
-                  </a:defRPr>
-                </a:lvl6pPr>
-                <a:lvl7pPr marL="2971800" indent="-228600" eaLnBrk="0" fontAlgn="base" hangingPunct="0">
-                  <a:spcBef>
-                    <a:spcPct val="0"/>
-                  </a:spcBef>
-                  <a:spcAft>
-                    <a:spcPct val="0"/>
-                  </a:spcAft>
-                  <a:defRPr>
-                    <a:solidFill>
-                      <a:schemeClr val="tx1"/>
-                    </a:solidFill>
-                    <a:latin typeface="Calibri" panose="020F0502020204030204" pitchFamily="34" charset="0"/>
-                  </a:defRPr>
-                </a:lvl7pPr>
-                <a:lvl8pPr marL="3429000" indent="-228600" eaLnBrk="0" fontAlgn="base" hangingPunct="0">
-                  <a:spcBef>
-                    <a:spcPct val="0"/>
-                  </a:spcBef>
-                  <a:spcAft>
-                    <a:spcPct val="0"/>
-                  </a:spcAft>
-                  <a:defRPr>
-                    <a:solidFill>
-                      <a:schemeClr val="tx1"/>
-                    </a:solidFill>
-                    <a:latin typeface="Calibri" panose="020F0502020204030204" pitchFamily="34" charset="0"/>
-                  </a:defRPr>
-                </a:lvl8pPr>
-                <a:lvl9pPr marL="3886200" indent="-228600" eaLnBrk="0" fontAlgn="base" hangingPunct="0">
-                  <a:spcBef>
-                    <a:spcPct val="0"/>
-                  </a:spcBef>
-                  <a:spcAft>
-                    <a:spcPct val="0"/>
-                  </a:spcAft>
-                  <a:defRPr>
-                    <a:solidFill>
-                      <a:schemeClr val="tx1"/>
-                    </a:solidFill>
-                    <a:latin typeface="Calibri" panose="020F0502020204030204" pitchFamily="34" charset="0"/>
-                  </a:defRPr>
-                </a:lvl9pPr>
-              </a:lstStyle>
-              <a:p>
-                <a:pPr fontAlgn="base">
-                  <a:spcBef>
-                    <a:spcPct val="0"/>
-                  </a:spcBef>
-                  <a:spcAft>
-                    <a:spcPct val="0"/>
-                  </a:spcAft>
-                </a:pPr>
-                <a:r>
-                  <a:rPr lang="en-US" altLang="en-US" sz="1200" dirty="0">
-                    <a:solidFill>
-                      <a:srgbClr val="FFFFFF"/>
-                    </a:solidFill>
-                    <a:latin typeface="Arial" panose="020B0604020202020204" pitchFamily="34" charset="0"/>
-                    <a:ea typeface="Amazon Ember" panose="020B0603020204020204" pitchFamily="34" charset="0"/>
-                    <a:cs typeface="Arial" panose="020B0604020202020204" pitchFamily="34" charset="0"/>
-                  </a:rPr>
-                  <a:t>Async Lambda</a:t>
-                </a:r>
-                <a:br>
-                  <a:rPr lang="en-US" altLang="en-US" sz="1200" dirty="0">
-                    <a:solidFill>
-                      <a:srgbClr val="FFFFFF"/>
-                    </a:solidFill>
-                    <a:latin typeface="Arial" panose="020B0604020202020204" pitchFamily="34" charset="0"/>
-                    <a:ea typeface="Amazon Ember" panose="020B0603020204020204" pitchFamily="34" charset="0"/>
-                    <a:cs typeface="Arial" panose="020B0604020202020204" pitchFamily="34" charset="0"/>
-                  </a:rPr>
-                </a:br>
-                <a:r>
-                  <a:rPr lang="en-US" sz="1200" i="1" dirty="0">
-                    <a:solidFill>
-                      <a:schemeClr val="tx1">
-                        <a:lumMod val="75000"/>
-                      </a:schemeClr>
-                    </a:solidFill>
-                    <a:latin typeface="+mn-lt"/>
-                  </a:rPr>
-                  <a:t>distribute to consumers</a:t>
-                </a:r>
-                <a:endParaRPr lang="en-US" altLang="en-US" sz="1200" i="1" dirty="0">
-                  <a:solidFill>
-                    <a:schemeClr val="tx1">
-                      <a:lumMod val="75000"/>
-                    </a:schemeClr>
-                  </a:solidFill>
-                  <a:latin typeface="+mn-lt"/>
-                </a:endParaRPr>
-              </a:p>
-            </p:txBody>
-          </p:sp>
-        </p:grpSp>
-      </p:grpSp>
-      <p:sp>
-        <p:nvSpPr>
-          <p:cNvPr id="346" name="Rectangle 345">
-            <a:extLst>
-              <a:ext uri="{FF2B5EF4-FFF2-40B4-BE49-F238E27FC236}">
-                <a16:creationId xmlns:a16="http://schemas.microsoft.com/office/drawing/2014/main" id="{45DEDA00-FCDD-D28A-9843-3FCAA7D1AFFA}"/>
-              </a:ext>
-            </a:extLst>
-          </p:cNvPr>
-          <p:cNvSpPr/>
-          <p:nvPr/>
-        </p:nvSpPr>
-        <p:spPr>
-          <a:xfrm>
-            <a:off x="7398020" y="2090104"/>
-            <a:ext cx="2274178" cy="1732964"/>
-          </a:xfrm>
-          <a:prstGeom prst="rect">
-            <a:avLst/>
-          </a:prstGeom>
-          <a:solidFill>
-            <a:schemeClr val="bg1">
-              <a:lumMod val="85000"/>
-              <a:lumOff val="15000"/>
-            </a:schemeClr>
-          </a:solidFill>
-          <a:ln>
-            <a:noFill/>
-          </a:ln>
-        </p:spPr>
-        <p:style>
-          <a:lnRef idx="2">
-            <a:schemeClr val="accent1">
-              <a:shade val="50000"/>
-            </a:schemeClr>
-          </a:lnRef>
-          <a:fillRef idx="1">
-            <a:schemeClr val="accent1"/>
-          </a:fillRef>
-          <a:effectRef idx="0">
-            <a:schemeClr val="accent1"/>
-          </a:effectRef>
-          <a:fontRef idx="minor">
-            <a:schemeClr val="lt1"/>
-          </a:fontRef>
-        </p:style>
-        <p:txBody>
-          <a:bodyPr lIns="72000" tIns="72000" rIns="45720" rtlCol="0" anchor="t"/>
-          <a:lstStyle/>
-          <a:p>
-            <a:r>
-              <a:rPr lang="en-US" sz="1200" i="1" dirty="0">
-                <a:solidFill>
-                  <a:schemeClr val="tx1">
-                    <a:lumMod val="75000"/>
-                  </a:schemeClr>
-                </a:solidFill>
-              </a:rPr>
-              <a:t> consumer-selected endpoint</a:t>
-            </a:r>
-            <a:endParaRPr lang="en-US" sz="1600" i="1" dirty="0">
-              <a:solidFill>
-                <a:schemeClr val="tx1">
-                  <a:lumMod val="75000"/>
-                </a:schemeClr>
-              </a:solidFill>
-            </a:endParaRPr>
-          </a:p>
-        </p:txBody>
-      </p:sp>
-      <p:sp>
-        <p:nvSpPr>
-          <p:cNvPr id="350" name="Rectangle 349">
-            <a:extLst>
-              <a:ext uri="{FF2B5EF4-FFF2-40B4-BE49-F238E27FC236}">
-                <a16:creationId xmlns:a16="http://schemas.microsoft.com/office/drawing/2014/main" id="{503BBA22-9547-A77C-3C0D-FC0C2444DD70}"/>
-              </a:ext>
-            </a:extLst>
-          </p:cNvPr>
-          <p:cNvSpPr/>
-          <p:nvPr/>
-        </p:nvSpPr>
-        <p:spPr>
-          <a:xfrm>
-            <a:off x="7504449" y="2422636"/>
-            <a:ext cx="2045853" cy="396571"/>
-          </a:xfrm>
-          <a:prstGeom prst="rect">
-            <a:avLst/>
-          </a:prstGeom>
-          <a:solidFill>
-            <a:schemeClr val="accent4">
-              <a:lumMod val="50000"/>
-            </a:schemeClr>
-          </a:solidFill>
-          <a:ln w="28575">
-            <a:solidFill>
-              <a:schemeClr val="tx1">
-                <a:lumMod val="50000"/>
-              </a:schemeClr>
-            </a:solidFill>
-            <a:prstDash val="solid"/>
-          </a:ln>
-        </p:spPr>
-        <p:style>
-          <a:lnRef idx="2">
-            <a:schemeClr val="accent1">
-              <a:shade val="50000"/>
-            </a:schemeClr>
-          </a:lnRef>
-          <a:fillRef idx="1">
-            <a:schemeClr val="accent1"/>
-          </a:fillRef>
-          <a:effectRef idx="0">
-            <a:schemeClr val="accent1"/>
-          </a:effectRef>
-          <a:fontRef idx="minor">
-            <a:schemeClr val="lt1"/>
-          </a:fontRef>
-        </p:style>
-        <p:txBody>
-          <a:bodyPr lIns="72000" tIns="144000" rIns="144000" bIns="144000" anchor="ctr"/>
-          <a:lstStyle/>
-          <a:p>
-            <a:r>
-              <a:rPr lang="en-US" sz="2800" baseline="-9000" dirty="0">
-                <a:solidFill>
-                  <a:schemeClr val="tx1"/>
-                </a:solidFill>
-                <a:effectLst>
-                  <a:glow>
-                    <a:schemeClr val="bg1"/>
-                  </a:glow>
-                </a:effectLst>
-              </a:rPr>
-              <a:t>⛳ </a:t>
-            </a:r>
-            <a:r>
-              <a:rPr lang="en-US" sz="2000" dirty="0">
-                <a:solidFill>
-                  <a:schemeClr val="tx1"/>
-                </a:solidFill>
-                <a:latin typeface="+mj-lt"/>
-                <a:cs typeface="Arial" panose="020B0604020202020204" pitchFamily="34" charset="0"/>
-              </a:rPr>
-              <a:t>endpoint</a:t>
-            </a:r>
-          </a:p>
-        </p:txBody>
-      </p:sp>
-      <p:grpSp>
-        <p:nvGrpSpPr>
-          <p:cNvPr id="351" name="Group 350">
-            <a:extLst>
-              <a:ext uri="{FF2B5EF4-FFF2-40B4-BE49-F238E27FC236}">
-                <a16:creationId xmlns:a16="http://schemas.microsoft.com/office/drawing/2014/main" id="{CDA13A67-B30D-B0BD-010D-BEFBE1984752}"/>
-              </a:ext>
-            </a:extLst>
-          </p:cNvPr>
-          <p:cNvGrpSpPr/>
-          <p:nvPr/>
-        </p:nvGrpSpPr>
-        <p:grpSpPr>
-          <a:xfrm>
-            <a:off x="7506933" y="3323021"/>
-            <a:ext cx="2329356" cy="461665"/>
-            <a:chOff x="3651341" y="3085092"/>
-            <a:chExt cx="2329356" cy="461665"/>
-          </a:xfrm>
-        </p:grpSpPr>
-        <p:pic>
-          <p:nvPicPr>
-            <p:cNvPr id="352" name="Graphic 10" descr="AWS Lambda service icon.">
-              <a:extLst>
-                <a:ext uri="{FF2B5EF4-FFF2-40B4-BE49-F238E27FC236}">
-                  <a16:creationId xmlns:a16="http://schemas.microsoft.com/office/drawing/2014/main" id="{8C1D1E39-7810-81E3-1D7B-BDDE93295C56}"/>
-                </a:ext>
-              </a:extLst>
-            </p:cNvPr>
-            <p:cNvPicPr>
-              <a:picLocks noChangeAspect="1" noChangeArrowheads="1"/>
-            </p:cNvPicPr>
-            <p:nvPr/>
-          </p:nvPicPr>
-          <p:blipFill>
-            <a:blip r:embed="rId8">
-              <a:extLst>
-                <a:ext uri="{96DAC541-7B7A-43D3-8B79-37D633B846F1}">
-                  <asvg:svgBlip xmlns:asvg="http://schemas.microsoft.com/office/drawing/2016/SVG/main" r:embed="rId9"/>
-                </a:ext>
-              </a:extLst>
-            </a:blip>
-            <a:srcRect/>
-            <a:stretch/>
-          </p:blipFill>
-          <p:spPr bwMode="auto">
-            <a:xfrm>
-              <a:off x="3651341" y="3140377"/>
-              <a:ext cx="360000" cy="360000"/>
-            </a:xfrm>
-            <a:prstGeom prst="rect">
-              <a:avLst/>
-            </a:prstGeom>
-            <a:noFill/>
-            <a:ln>
-              <a:noFill/>
-            </a:ln>
-            <a:extLst>
-              <a:ext uri="{909E8E84-426E-40DD-AFC4-6F175D3DCCD1}">
-                <a14:hiddenFill xmlns:a14="http://schemas.microsoft.com/office/drawing/2010/main">
-                  <a:solidFill>
-                    <a:srgbClr val="FFFFFF"/>
-                  </a:solidFill>
-                </a14:hiddenFill>
-              </a:ext>
-              <a:ext uri="{91240B29-F687-4F45-9708-019B960494DF}">
-                <a14:hiddenLine xmlns:a14="http://schemas.microsoft.com/office/drawing/2010/main" w="9525">
-                  <a:solidFill>
-                    <a:srgbClr val="000000"/>
-                  </a:solidFill>
-                  <a:miter lim="800000"/>
-                  <a:headEnd/>
-                  <a:tailEnd/>
-                </a14:hiddenLine>
-              </a:ext>
-            </a:extLst>
-          </p:spPr>
-        </p:pic>
-        <p:sp>
-          <p:nvSpPr>
-            <p:cNvPr id="353" name="TextBox 20">
-              <a:extLst>
-                <a:ext uri="{FF2B5EF4-FFF2-40B4-BE49-F238E27FC236}">
-                  <a16:creationId xmlns:a16="http://schemas.microsoft.com/office/drawing/2014/main" id="{3A87FC8B-D948-F054-8E5D-744ECB4CD1FB}"/>
-                </a:ext>
-              </a:extLst>
-            </p:cNvPr>
-            <p:cNvSpPr txBox="1">
-              <a:spLocks noChangeArrowheads="1"/>
-            </p:cNvSpPr>
-            <p:nvPr/>
-          </p:nvSpPr>
-          <p:spPr bwMode="auto">
-            <a:xfrm>
-              <a:off x="3987743" y="3085092"/>
-              <a:ext cx="1992954" cy="461665"/>
-            </a:xfrm>
-            <a:prstGeom prst="rect">
-              <a:avLst/>
-            </a:prstGeom>
-            <a:noFill/>
-            <a:ln>
-              <a:noFill/>
-            </a:ln>
-            <a:extLst>
-              <a:ext uri="{909E8E84-426E-40DD-AFC4-6F175D3DCCD1}">
-                <a14:hiddenFill xmlns:a14="http://schemas.microsoft.com/office/drawing/2010/main">
-                  <a:solidFill>
-                    <a:srgbClr val="FFFFFF"/>
-                  </a:solidFill>
-                </a14:hiddenFill>
-              </a:ext>
-              <a:ext uri="{91240B29-F687-4F45-9708-019B960494DF}">
-                <a14:hiddenLine xmlns:a14="http://schemas.microsoft.com/office/drawing/2010/main" w="9525">
-                  <a:solidFill>
-                    <a:srgbClr val="000000"/>
-                  </a:solidFill>
-                  <a:miter lim="800000"/>
-                  <a:headEnd/>
-                  <a:tailEnd/>
-                </a14:hiddenLine>
-              </a:ext>
-            </a:extLst>
-          </p:spPr>
-          <p:txBody>
-            <a:bodyPr wrap="square">
-              <a:spAutoFit/>
-            </a:bodyPr>
-            <a:lstStyle>
-              <a:lvl1pPr>
-                <a:defRPr>
-                  <a:solidFill>
-                    <a:schemeClr val="tx1"/>
-                  </a:solidFill>
-                  <a:latin typeface="Calibri" panose="020F0502020204030204" pitchFamily="34" charset="0"/>
-                </a:defRPr>
-              </a:lvl1pPr>
-              <a:lvl2pPr marL="742950" indent="-285750">
-                <a:defRPr>
-                  <a:solidFill>
-                    <a:schemeClr val="tx1"/>
-                  </a:solidFill>
-                  <a:latin typeface="Calibri" panose="020F0502020204030204" pitchFamily="34" charset="0"/>
-                </a:defRPr>
-              </a:lvl2pPr>
-              <a:lvl3pPr marL="1143000" indent="-228600">
-                <a:defRPr>
-                  <a:solidFill>
-                    <a:schemeClr val="tx1"/>
-                  </a:solidFill>
-                  <a:latin typeface="Calibri" panose="020F0502020204030204" pitchFamily="34" charset="0"/>
-                </a:defRPr>
-              </a:lvl3pPr>
-              <a:lvl4pPr marL="1600200" indent="-228600">
-                <a:defRPr>
-                  <a:solidFill>
-                    <a:schemeClr val="tx1"/>
-                  </a:solidFill>
-                  <a:latin typeface="Calibri" panose="020F0502020204030204" pitchFamily="34" charset="0"/>
-                </a:defRPr>
-              </a:lvl4pPr>
-              <a:lvl5pPr marL="2057400" indent="-228600">
-                <a:defRPr>
-                  <a:solidFill>
-                    <a:schemeClr val="tx1"/>
-                  </a:solidFill>
-                  <a:latin typeface="Calibri" panose="020F0502020204030204" pitchFamily="34" charset="0"/>
-                </a:defRPr>
-              </a:lvl5pPr>
-              <a:lvl6pPr marL="2514600" indent="-228600" eaLnBrk="0" fontAlgn="base" hangingPunct="0">
-                <a:spcBef>
-                  <a:spcPct val="0"/>
-                </a:spcBef>
-                <a:spcAft>
-                  <a:spcPct val="0"/>
-                </a:spcAft>
-                <a:defRPr>
-                  <a:solidFill>
-                    <a:schemeClr val="tx1"/>
-                  </a:solidFill>
-                  <a:latin typeface="Calibri" panose="020F0502020204030204" pitchFamily="34" charset="0"/>
-                </a:defRPr>
-              </a:lvl6pPr>
-              <a:lvl7pPr marL="2971800" indent="-228600" eaLnBrk="0" fontAlgn="base" hangingPunct="0">
-                <a:spcBef>
-                  <a:spcPct val="0"/>
-                </a:spcBef>
-                <a:spcAft>
-                  <a:spcPct val="0"/>
-                </a:spcAft>
-                <a:defRPr>
-                  <a:solidFill>
-                    <a:schemeClr val="tx1"/>
-                  </a:solidFill>
-                  <a:latin typeface="Calibri" panose="020F0502020204030204" pitchFamily="34" charset="0"/>
-                </a:defRPr>
-              </a:lvl7pPr>
-              <a:lvl8pPr marL="3429000" indent="-228600" eaLnBrk="0" fontAlgn="base" hangingPunct="0">
-                <a:spcBef>
-                  <a:spcPct val="0"/>
-                </a:spcBef>
-                <a:spcAft>
-                  <a:spcPct val="0"/>
-                </a:spcAft>
-                <a:defRPr>
-                  <a:solidFill>
-                    <a:schemeClr val="tx1"/>
-                  </a:solidFill>
-                  <a:latin typeface="Calibri" panose="020F0502020204030204" pitchFamily="34" charset="0"/>
-                </a:defRPr>
-              </a:lvl8pPr>
-              <a:lvl9pPr marL="3886200" indent="-228600" eaLnBrk="0" fontAlgn="base" hangingPunct="0">
-                <a:spcBef>
-                  <a:spcPct val="0"/>
-                </a:spcBef>
-                <a:spcAft>
-                  <a:spcPct val="0"/>
-                </a:spcAft>
-                <a:defRPr>
-                  <a:solidFill>
-                    <a:schemeClr val="tx1"/>
-                  </a:solidFill>
-                  <a:latin typeface="Calibri" panose="020F0502020204030204" pitchFamily="34" charset="0"/>
-                </a:defRPr>
-              </a:lvl9pPr>
-            </a:lstStyle>
-            <a:p>
-              <a:pPr fontAlgn="base">
-                <a:spcBef>
-                  <a:spcPct val="0"/>
-                </a:spcBef>
-                <a:spcAft>
-                  <a:spcPct val="0"/>
-                </a:spcAft>
-              </a:pPr>
-              <a:r>
-                <a:rPr lang="en-US" altLang="en-US" sz="1200" dirty="0">
-                  <a:solidFill>
-                    <a:srgbClr val="FFFFFF"/>
-                  </a:solidFill>
-                  <a:latin typeface="Arial" panose="020B0604020202020204" pitchFamily="34" charset="0"/>
-                  <a:ea typeface="Amazon Ember" panose="020B0603020204020204" pitchFamily="34" charset="0"/>
-                  <a:cs typeface="Arial" panose="020B0604020202020204" pitchFamily="34" charset="0"/>
-                </a:rPr>
-                <a:t>Synchronous Lambda</a:t>
-              </a:r>
-              <a:br>
-                <a:rPr lang="en-US" altLang="en-US" sz="1200" dirty="0">
-                  <a:solidFill>
-                    <a:srgbClr val="FFFFFF"/>
-                  </a:solidFill>
-                  <a:latin typeface="Arial" panose="020B0604020202020204" pitchFamily="34" charset="0"/>
-                  <a:ea typeface="Amazon Ember" panose="020B0603020204020204" pitchFamily="34" charset="0"/>
-                  <a:cs typeface="Arial" panose="020B0604020202020204" pitchFamily="34" charset="0"/>
-                </a:rPr>
-              </a:br>
-              <a:r>
-                <a:rPr lang="en-US" sz="1200" i="1" dirty="0">
-                  <a:solidFill>
-                    <a:schemeClr val="tx1">
-                      <a:lumMod val="75000"/>
-                    </a:schemeClr>
-                  </a:solidFill>
-                  <a:latin typeface="+mn-lt"/>
-                </a:rPr>
-                <a:t>partial batch delete </a:t>
-              </a:r>
-              <a:endParaRPr lang="en-US" altLang="en-US" sz="1200" i="1" dirty="0">
-                <a:solidFill>
-                  <a:schemeClr val="tx1">
-                    <a:lumMod val="75000"/>
-                  </a:schemeClr>
-                </a:solidFill>
-                <a:latin typeface="+mn-lt"/>
-              </a:endParaRPr>
-            </a:p>
-          </p:txBody>
-        </p:sp>
-      </p:grpSp>
-      <p:cxnSp>
-        <p:nvCxnSpPr>
-          <p:cNvPr id="203" name="Straight Arrow Connector 12">
-            <a:extLst>
-              <a:ext uri="{FF2B5EF4-FFF2-40B4-BE49-F238E27FC236}">
-                <a16:creationId xmlns:a16="http://schemas.microsoft.com/office/drawing/2014/main" id="{3903B2C2-A2D9-8079-C9C3-68321060022D}"/>
-              </a:ext>
-            </a:extLst>
-          </p:cNvPr>
-          <p:cNvCxnSpPr>
-            <a:cxnSpLocks/>
-            <a:stCxn id="332" idx="1"/>
-            <a:endCxn id="350" idx="3"/>
-          </p:cNvCxnSpPr>
-          <p:nvPr/>
-        </p:nvCxnSpPr>
-        <p:spPr>
-          <a:xfrm flipH="1">
-            <a:off x="9550302" y="2618988"/>
-            <a:ext cx="478773" cy="1934"/>
-          </a:xfrm>
-          <a:prstGeom prst="straightConnector1">
-            <a:avLst/>
-          </a:prstGeom>
-          <a:ln>
-            <a:solidFill>
-              <a:schemeClr val="tx1"/>
-            </a:solidFill>
-            <a:tailEnd type="triangle" w="lg" len="lg"/>
-          </a:ln>
-        </p:spPr>
-        <p:style>
-          <a:lnRef idx="3">
-            <a:schemeClr val="accent2"/>
-          </a:lnRef>
-          <a:fillRef idx="0">
-            <a:schemeClr val="accent2"/>
-          </a:fillRef>
-          <a:effectRef idx="2">
-            <a:schemeClr val="accent2"/>
-          </a:effectRef>
-          <a:fontRef idx="minor">
-            <a:schemeClr val="tx1"/>
-          </a:fontRef>
-        </p:style>
-      </p:cxnSp>
-      <p:grpSp>
-        <p:nvGrpSpPr>
-          <p:cNvPr id="362" name="Group 361">
-            <a:extLst>
-              <a:ext uri="{FF2B5EF4-FFF2-40B4-BE49-F238E27FC236}">
-                <a16:creationId xmlns:a16="http://schemas.microsoft.com/office/drawing/2014/main" id="{0D2ABBF7-3783-EC74-1F00-63CEBF135523}"/>
-              </a:ext>
-            </a:extLst>
-          </p:cNvPr>
-          <p:cNvGrpSpPr/>
-          <p:nvPr/>
-        </p:nvGrpSpPr>
-        <p:grpSpPr>
-          <a:xfrm>
-            <a:off x="7506933" y="2875762"/>
-            <a:ext cx="2329356" cy="461665"/>
-            <a:chOff x="3651341" y="3085092"/>
-            <a:chExt cx="2329356" cy="461665"/>
-          </a:xfrm>
-        </p:grpSpPr>
-        <p:pic>
-          <p:nvPicPr>
-            <p:cNvPr id="363" name="Graphic 10" descr="AWS Lambda service icon.">
-              <a:extLst>
-                <a:ext uri="{FF2B5EF4-FFF2-40B4-BE49-F238E27FC236}">
-                  <a16:creationId xmlns:a16="http://schemas.microsoft.com/office/drawing/2014/main" id="{7D0F4A40-1187-F550-F2F7-6861459AE30E}"/>
-                </a:ext>
-              </a:extLst>
-            </p:cNvPr>
-            <p:cNvPicPr>
-              <a:picLocks noChangeAspect="1" noChangeArrowheads="1"/>
-            </p:cNvPicPr>
-            <p:nvPr/>
-          </p:nvPicPr>
-          <p:blipFill>
-            <a:blip r:embed="rId8">
-              <a:extLst>
-                <a:ext uri="{96DAC541-7B7A-43D3-8B79-37D633B846F1}">
-                  <asvg:svgBlip xmlns:asvg="http://schemas.microsoft.com/office/drawing/2016/SVG/main" r:embed="rId9"/>
-                </a:ext>
-              </a:extLst>
-            </a:blip>
-            <a:srcRect/>
-            <a:stretch/>
-          </p:blipFill>
-          <p:spPr bwMode="auto">
-            <a:xfrm>
-              <a:off x="3651341" y="3140377"/>
-              <a:ext cx="360000" cy="360000"/>
-            </a:xfrm>
-            <a:prstGeom prst="rect">
-              <a:avLst/>
-            </a:prstGeom>
-            <a:noFill/>
-            <a:ln>
-              <a:noFill/>
-            </a:ln>
-            <a:extLst>
-              <a:ext uri="{909E8E84-426E-40DD-AFC4-6F175D3DCCD1}">
-                <a14:hiddenFill xmlns:a14="http://schemas.microsoft.com/office/drawing/2010/main">
-                  <a:solidFill>
-                    <a:srgbClr val="FFFFFF"/>
-                  </a:solidFill>
-                </a14:hiddenFill>
-              </a:ext>
-              <a:ext uri="{91240B29-F687-4F45-9708-019B960494DF}">
-                <a14:hiddenLine xmlns:a14="http://schemas.microsoft.com/office/drawing/2010/main" w="9525">
-                  <a:solidFill>
-                    <a:srgbClr val="000000"/>
-                  </a:solidFill>
-                  <a:miter lim="800000"/>
-                  <a:headEnd/>
-                  <a:tailEnd/>
-                </a14:hiddenLine>
-              </a:ext>
-            </a:extLst>
-          </p:spPr>
-        </p:pic>
-        <p:sp>
-          <p:nvSpPr>
-            <p:cNvPr id="364" name="TextBox 20">
-              <a:extLst>
-                <a:ext uri="{FF2B5EF4-FFF2-40B4-BE49-F238E27FC236}">
-                  <a16:creationId xmlns:a16="http://schemas.microsoft.com/office/drawing/2014/main" id="{703D0B3B-30A1-51A7-C60A-491BC3F9EDCF}"/>
-                </a:ext>
-              </a:extLst>
-            </p:cNvPr>
-            <p:cNvSpPr txBox="1">
-              <a:spLocks noChangeArrowheads="1"/>
-            </p:cNvSpPr>
-            <p:nvPr/>
-          </p:nvSpPr>
-          <p:spPr bwMode="auto">
-            <a:xfrm>
-              <a:off x="3987743" y="3085092"/>
-              <a:ext cx="1992954" cy="461665"/>
-            </a:xfrm>
-            <a:prstGeom prst="rect">
-              <a:avLst/>
-            </a:prstGeom>
-            <a:noFill/>
-            <a:ln>
-              <a:noFill/>
-            </a:ln>
-            <a:extLst>
-              <a:ext uri="{909E8E84-426E-40DD-AFC4-6F175D3DCCD1}">
-                <a14:hiddenFill xmlns:a14="http://schemas.microsoft.com/office/drawing/2010/main">
-                  <a:solidFill>
-                    <a:srgbClr val="FFFFFF"/>
-                  </a:solidFill>
-                </a14:hiddenFill>
-              </a:ext>
-              <a:ext uri="{91240B29-F687-4F45-9708-019B960494DF}">
-                <a14:hiddenLine xmlns:a14="http://schemas.microsoft.com/office/drawing/2010/main" w="9525">
-                  <a:solidFill>
-                    <a:srgbClr val="000000"/>
-                  </a:solidFill>
-                  <a:miter lim="800000"/>
-                  <a:headEnd/>
-                  <a:tailEnd/>
-                </a14:hiddenLine>
-              </a:ext>
-            </a:extLst>
-          </p:spPr>
-          <p:txBody>
-            <a:bodyPr wrap="square">
-              <a:spAutoFit/>
-            </a:bodyPr>
-            <a:lstStyle>
-              <a:lvl1pPr>
-                <a:defRPr>
-                  <a:solidFill>
-                    <a:schemeClr val="tx1"/>
-                  </a:solidFill>
-                  <a:latin typeface="Calibri" panose="020F0502020204030204" pitchFamily="34" charset="0"/>
-                </a:defRPr>
-              </a:lvl1pPr>
-              <a:lvl2pPr marL="742950" indent="-285750">
-                <a:defRPr>
-                  <a:solidFill>
-                    <a:schemeClr val="tx1"/>
-                  </a:solidFill>
-                  <a:latin typeface="Calibri" panose="020F0502020204030204" pitchFamily="34" charset="0"/>
-                </a:defRPr>
-              </a:lvl2pPr>
-              <a:lvl3pPr marL="1143000" indent="-228600">
-                <a:defRPr>
-                  <a:solidFill>
-                    <a:schemeClr val="tx1"/>
-                  </a:solidFill>
-                  <a:latin typeface="Calibri" panose="020F0502020204030204" pitchFamily="34" charset="0"/>
-                </a:defRPr>
-              </a:lvl3pPr>
-              <a:lvl4pPr marL="1600200" indent="-228600">
-                <a:defRPr>
-                  <a:solidFill>
-                    <a:schemeClr val="tx1"/>
-                  </a:solidFill>
-                  <a:latin typeface="Calibri" panose="020F0502020204030204" pitchFamily="34" charset="0"/>
-                </a:defRPr>
-              </a:lvl4pPr>
-              <a:lvl5pPr marL="2057400" indent="-228600">
-                <a:defRPr>
-                  <a:solidFill>
-                    <a:schemeClr val="tx1"/>
-                  </a:solidFill>
-                  <a:latin typeface="Calibri" panose="020F0502020204030204" pitchFamily="34" charset="0"/>
-                </a:defRPr>
-              </a:lvl5pPr>
-              <a:lvl6pPr marL="2514600" indent="-228600" eaLnBrk="0" fontAlgn="base" hangingPunct="0">
-                <a:spcBef>
-                  <a:spcPct val="0"/>
-                </a:spcBef>
-                <a:spcAft>
-                  <a:spcPct val="0"/>
-                </a:spcAft>
-                <a:defRPr>
-                  <a:solidFill>
-                    <a:schemeClr val="tx1"/>
-                  </a:solidFill>
-                  <a:latin typeface="Calibri" panose="020F0502020204030204" pitchFamily="34" charset="0"/>
-                </a:defRPr>
-              </a:lvl6pPr>
-              <a:lvl7pPr marL="2971800" indent="-228600" eaLnBrk="0" fontAlgn="base" hangingPunct="0">
-                <a:spcBef>
-                  <a:spcPct val="0"/>
-                </a:spcBef>
-                <a:spcAft>
-                  <a:spcPct val="0"/>
-                </a:spcAft>
-                <a:defRPr>
-                  <a:solidFill>
-                    <a:schemeClr val="tx1"/>
-                  </a:solidFill>
-                  <a:latin typeface="Calibri" panose="020F0502020204030204" pitchFamily="34" charset="0"/>
-                </a:defRPr>
-              </a:lvl7pPr>
-              <a:lvl8pPr marL="3429000" indent="-228600" eaLnBrk="0" fontAlgn="base" hangingPunct="0">
-                <a:spcBef>
-                  <a:spcPct val="0"/>
-                </a:spcBef>
-                <a:spcAft>
-                  <a:spcPct val="0"/>
-                </a:spcAft>
-                <a:defRPr>
-                  <a:solidFill>
-                    <a:schemeClr val="tx1"/>
-                  </a:solidFill>
-                  <a:latin typeface="Calibri" panose="020F0502020204030204" pitchFamily="34" charset="0"/>
-                </a:defRPr>
-              </a:lvl8pPr>
-              <a:lvl9pPr marL="3886200" indent="-228600" eaLnBrk="0" fontAlgn="base" hangingPunct="0">
-                <a:spcBef>
-                  <a:spcPct val="0"/>
-                </a:spcBef>
-                <a:spcAft>
-                  <a:spcPct val="0"/>
-                </a:spcAft>
-                <a:defRPr>
-                  <a:solidFill>
-                    <a:schemeClr val="tx1"/>
-                  </a:solidFill>
-                  <a:latin typeface="Calibri" panose="020F0502020204030204" pitchFamily="34" charset="0"/>
-                </a:defRPr>
-              </a:lvl9pPr>
-            </a:lstStyle>
-            <a:p>
-              <a:pPr fontAlgn="base">
-                <a:spcBef>
-                  <a:spcPct val="0"/>
-                </a:spcBef>
-                <a:spcAft>
-                  <a:spcPct val="0"/>
-                </a:spcAft>
-              </a:pPr>
-              <a:r>
-                <a:rPr lang="en-US" altLang="en-US" sz="1200" dirty="0">
-                  <a:solidFill>
-                    <a:srgbClr val="FFFFFF"/>
-                  </a:solidFill>
-                  <a:latin typeface="Arial" panose="020B0604020202020204" pitchFamily="34" charset="0"/>
-                  <a:ea typeface="Amazon Ember" panose="020B0603020204020204" pitchFamily="34" charset="0"/>
-                  <a:cs typeface="Arial" panose="020B0604020202020204" pitchFamily="34" charset="0"/>
-                </a:rPr>
-                <a:t>Synchronous Lambda</a:t>
-              </a:r>
-              <a:br>
-                <a:rPr lang="en-US" altLang="en-US" sz="1200" dirty="0">
-                  <a:solidFill>
-                    <a:srgbClr val="FFFFFF"/>
-                  </a:solidFill>
-                  <a:latin typeface="Arial" panose="020B0604020202020204" pitchFamily="34" charset="0"/>
-                  <a:ea typeface="Amazon Ember" panose="020B0603020204020204" pitchFamily="34" charset="0"/>
-                  <a:cs typeface="Arial" panose="020B0604020202020204" pitchFamily="34" charset="0"/>
-                </a:rPr>
-              </a:br>
-              <a:r>
-                <a:rPr lang="en-US" sz="1200" i="1" dirty="0">
-                  <a:solidFill>
-                    <a:schemeClr val="tx1">
-                      <a:lumMod val="75000"/>
-                    </a:schemeClr>
-                  </a:solidFill>
-                  <a:latin typeface="+mn-lt"/>
-                </a:rPr>
-                <a:t>on-demand batch pull</a:t>
-              </a:r>
-              <a:endParaRPr lang="en-US" altLang="en-US" sz="1200" i="1" dirty="0">
-                <a:solidFill>
-                  <a:schemeClr val="tx1">
-                    <a:lumMod val="75000"/>
-                  </a:schemeClr>
-                </a:solidFill>
-                <a:latin typeface="+mn-lt"/>
-              </a:endParaRPr>
-            </a:p>
-          </p:txBody>
-        </p:sp>
-      </p:grpSp>
-      <p:cxnSp>
-        <p:nvCxnSpPr>
-          <p:cNvPr id="90" name="Straight Arrow Connector 12">
-            <a:extLst>
-              <a:ext uri="{FF2B5EF4-FFF2-40B4-BE49-F238E27FC236}">
-                <a16:creationId xmlns:a16="http://schemas.microsoft.com/office/drawing/2014/main" id="{A332AB28-B32F-91E0-0822-6EABA87FA988}"/>
-              </a:ext>
-            </a:extLst>
-          </p:cNvPr>
-          <p:cNvCxnSpPr>
-            <a:cxnSpLocks/>
-            <a:stCxn id="340" idx="3"/>
-            <a:endCxn id="376" idx="1"/>
-          </p:cNvCxnSpPr>
-          <p:nvPr/>
-        </p:nvCxnSpPr>
-        <p:spPr>
-          <a:xfrm>
-            <a:off x="5583931" y="3559768"/>
-            <a:ext cx="1340487" cy="933231"/>
-          </a:xfrm>
-          <a:prstGeom prst="bentConnector3">
-            <a:avLst>
-              <a:gd name="adj1" fmla="val 50000"/>
-            </a:avLst>
-          </a:prstGeom>
-          <a:ln>
-            <a:solidFill>
-              <a:schemeClr val="tx1"/>
-            </a:solidFill>
-            <a:tailEnd type="triangle" w="lg" len="lg"/>
-          </a:ln>
-        </p:spPr>
-        <p:style>
-          <a:lnRef idx="3">
-            <a:schemeClr val="accent2"/>
-          </a:lnRef>
-          <a:fillRef idx="0">
-            <a:schemeClr val="accent2"/>
-          </a:fillRef>
-          <a:effectRef idx="2">
-            <a:schemeClr val="accent2"/>
-          </a:effectRef>
-          <a:fontRef idx="minor">
-            <a:schemeClr val="tx1"/>
-          </a:fontRef>
-        </p:style>
-      </p:cxnSp>
-      <p:grpSp>
-        <p:nvGrpSpPr>
-          <p:cNvPr id="400" name="Group 399">
-            <a:extLst>
-              <a:ext uri="{FF2B5EF4-FFF2-40B4-BE49-F238E27FC236}">
-                <a16:creationId xmlns:a16="http://schemas.microsoft.com/office/drawing/2014/main" id="{2DEF9191-D078-5D34-B45A-3149694034FA}"/>
-              </a:ext>
-            </a:extLst>
-          </p:cNvPr>
-          <p:cNvGrpSpPr/>
-          <p:nvPr/>
-        </p:nvGrpSpPr>
-        <p:grpSpPr>
-          <a:xfrm>
-            <a:off x="6924418" y="4243899"/>
-            <a:ext cx="1724908" cy="498200"/>
-            <a:chOff x="6838092" y="3987527"/>
-            <a:chExt cx="1724908" cy="498200"/>
-          </a:xfrm>
-        </p:grpSpPr>
-        <p:sp>
-          <p:nvSpPr>
-            <p:cNvPr id="376" name="Rectangle 375">
-              <a:extLst>
-                <a:ext uri="{FF2B5EF4-FFF2-40B4-BE49-F238E27FC236}">
-                  <a16:creationId xmlns:a16="http://schemas.microsoft.com/office/drawing/2014/main" id="{5C25FA86-DBA4-FA05-0A73-BB1F2F63DEBC}"/>
-                </a:ext>
-              </a:extLst>
-            </p:cNvPr>
-            <p:cNvSpPr/>
-            <p:nvPr/>
-          </p:nvSpPr>
-          <p:spPr>
-            <a:xfrm>
-              <a:off x="6838092" y="3987527"/>
-              <a:ext cx="1626248" cy="498200"/>
-            </a:xfrm>
-            <a:prstGeom prst="rect">
-              <a:avLst/>
-            </a:prstGeom>
-            <a:solidFill>
-              <a:schemeClr val="bg1">
-                <a:lumMod val="85000"/>
-                <a:lumOff val="15000"/>
-              </a:schemeClr>
-            </a:solidFill>
-            <a:ln>
-              <a:noFill/>
-            </a:ln>
-          </p:spPr>
-          <p:style>
-            <a:lnRef idx="2">
-              <a:schemeClr val="accent1">
-                <a:shade val="50000"/>
-              </a:schemeClr>
-            </a:lnRef>
-            <a:fillRef idx="1">
-              <a:schemeClr val="accent1"/>
-            </a:fillRef>
-            <a:effectRef idx="0">
-              <a:schemeClr val="accent1"/>
-            </a:effectRef>
-            <a:fontRef idx="minor">
-              <a:schemeClr val="lt1"/>
-            </a:fontRef>
-          </p:style>
-          <p:txBody>
-            <a:bodyPr lIns="72000" tIns="72000" rIns="45720" rtlCol="0" anchor="t"/>
-            <a:lstStyle/>
-            <a:p>
-              <a:r>
-                <a:rPr lang="en-US" sz="1200" i="1" dirty="0">
-                  <a:solidFill>
-                    <a:schemeClr val="tx1">
-                      <a:lumMod val="75000"/>
-                    </a:schemeClr>
-                  </a:solidFill>
-                </a:rPr>
-                <a:t> </a:t>
-              </a:r>
-              <a:endParaRPr lang="en-US" sz="1600" i="1" dirty="0">
-                <a:solidFill>
-                  <a:schemeClr val="tx1">
-                    <a:lumMod val="75000"/>
-                  </a:schemeClr>
-                </a:solidFill>
-              </a:endParaRPr>
-            </a:p>
-          </p:txBody>
-        </p:sp>
-        <p:grpSp>
-          <p:nvGrpSpPr>
-            <p:cNvPr id="78" name="Group 77">
-              <a:extLst>
-                <a:ext uri="{FF2B5EF4-FFF2-40B4-BE49-F238E27FC236}">
-                  <a16:creationId xmlns:a16="http://schemas.microsoft.com/office/drawing/2014/main" id="{7879B223-24F2-FF71-4425-2A21F2A9AA0D}"/>
-                </a:ext>
-              </a:extLst>
-            </p:cNvPr>
-            <p:cNvGrpSpPr/>
-            <p:nvPr/>
-          </p:nvGrpSpPr>
-          <p:grpSpPr>
-            <a:xfrm>
-              <a:off x="6903900" y="4005004"/>
-              <a:ext cx="1659100" cy="461665"/>
-              <a:chOff x="6728818" y="1511840"/>
-              <a:chExt cx="1659100" cy="461665"/>
-            </a:xfrm>
-          </p:grpSpPr>
-          <p:pic>
-            <p:nvPicPr>
-              <p:cNvPr id="79" name="Graphic 26" descr="Amazon Simple Queue Service (Amazon SQS) service icon.">
-                <a:extLst>
-                  <a:ext uri="{FF2B5EF4-FFF2-40B4-BE49-F238E27FC236}">
-                    <a16:creationId xmlns:a16="http://schemas.microsoft.com/office/drawing/2014/main" id="{2C341D1E-6640-F7D3-6F95-3D0D5C65C495}"/>
-                  </a:ext>
-                </a:extLst>
-              </p:cNvPr>
-              <p:cNvPicPr>
-                <a:picLocks noChangeAspect="1" noChangeArrowheads="1"/>
-              </p:cNvPicPr>
-              <p:nvPr/>
-            </p:nvPicPr>
-            <p:blipFill>
-              <a:blip r:embed="rId6">
-                <a:extLst>
-                  <a:ext uri="{96DAC541-7B7A-43D3-8B79-37D633B846F1}">
-                    <asvg:svgBlip xmlns:asvg="http://schemas.microsoft.com/office/drawing/2016/SVG/main" r:embed="rId7"/>
-                  </a:ext>
-                </a:extLst>
-              </a:blip>
-              <a:srcRect/>
-              <a:stretch/>
-            </p:blipFill>
-            <p:spPr bwMode="auto">
-              <a:xfrm>
-                <a:off x="6728818" y="1566593"/>
-                <a:ext cx="360000" cy="360000"/>
-              </a:xfrm>
-              <a:prstGeom prst="rect">
-                <a:avLst/>
-              </a:prstGeom>
-              <a:noFill/>
-              <a:ln>
-                <a:noFill/>
-              </a:ln>
-              <a:extLst>
-                <a:ext uri="{909E8E84-426E-40DD-AFC4-6F175D3DCCD1}">
-                  <a14:hiddenFill xmlns:a14="http://schemas.microsoft.com/office/drawing/2010/main">
-                    <a:solidFill>
-                      <a:srgbClr val="FFFFFF"/>
-                    </a:solidFill>
-                  </a14:hiddenFill>
-                </a:ext>
-                <a:ext uri="{91240B29-F687-4F45-9708-019B960494DF}">
-                  <a14:hiddenLine xmlns:a14="http://schemas.microsoft.com/office/drawing/2010/main" w="9525">
-                    <a:solidFill>
-                      <a:srgbClr val="000000"/>
-                    </a:solidFill>
-                    <a:miter lim="800000"/>
-                    <a:headEnd/>
-                    <a:tailEnd/>
-                  </a14:hiddenLine>
-                </a:ext>
-              </a:extLst>
-            </p:spPr>
-          </p:pic>
-          <p:sp>
-            <p:nvSpPr>
-              <p:cNvPr id="80" name="TextBox 11">
-                <a:extLst>
-                  <a:ext uri="{FF2B5EF4-FFF2-40B4-BE49-F238E27FC236}">
-                    <a16:creationId xmlns:a16="http://schemas.microsoft.com/office/drawing/2014/main" id="{6CDE02F8-F8A7-8AE6-DE6D-4BB8367798B0}"/>
-                  </a:ext>
-                </a:extLst>
-              </p:cNvPr>
-              <p:cNvSpPr txBox="1">
-                <a:spLocks noChangeArrowheads="1"/>
-              </p:cNvSpPr>
-              <p:nvPr/>
-            </p:nvSpPr>
-            <p:spPr bwMode="auto">
-              <a:xfrm>
-                <a:off x="7061239" y="1511840"/>
-                <a:ext cx="1326679" cy="461665"/>
-              </a:xfrm>
-              <a:prstGeom prst="rect">
-                <a:avLst/>
-              </a:prstGeom>
-              <a:noFill/>
-              <a:ln>
-                <a:noFill/>
-              </a:ln>
-              <a:extLst>
-                <a:ext uri="{909E8E84-426E-40DD-AFC4-6F175D3DCCD1}">
-                  <a14:hiddenFill xmlns:a14="http://schemas.microsoft.com/office/drawing/2010/main">
-                    <a:solidFill>
-                      <a:srgbClr val="FFFFFF"/>
-                    </a:solidFill>
-                  </a14:hiddenFill>
-                </a:ext>
-                <a:ext uri="{91240B29-F687-4F45-9708-019B960494DF}">
-                  <a14:hiddenLine xmlns:a14="http://schemas.microsoft.com/office/drawing/2010/main" w="9525">
-                    <a:solidFill>
-                      <a:srgbClr val="000000"/>
-                    </a:solidFill>
-                    <a:miter lim="800000"/>
-                    <a:headEnd/>
-                    <a:tailEnd/>
-                  </a14:hiddenLine>
-                </a:ext>
-              </a:extLst>
-            </p:spPr>
-            <p:txBody>
-              <a:bodyPr wrap="square">
-                <a:spAutoFit/>
-              </a:bodyPr>
-              <a:lstStyle>
-                <a:lvl1pPr>
-                  <a:defRPr>
-                    <a:solidFill>
-                      <a:schemeClr val="tx1"/>
-                    </a:solidFill>
-                    <a:latin typeface="Calibri" panose="020F0502020204030204" pitchFamily="34" charset="0"/>
-                  </a:defRPr>
-                </a:lvl1pPr>
-                <a:lvl2pPr marL="742950" indent="-285750">
-                  <a:defRPr>
-                    <a:solidFill>
-                      <a:schemeClr val="tx1"/>
-                    </a:solidFill>
-                    <a:latin typeface="Calibri" panose="020F0502020204030204" pitchFamily="34" charset="0"/>
-                  </a:defRPr>
-                </a:lvl2pPr>
-                <a:lvl3pPr marL="1143000" indent="-228600">
-                  <a:defRPr>
-                    <a:solidFill>
-                      <a:schemeClr val="tx1"/>
-                    </a:solidFill>
-                    <a:latin typeface="Calibri" panose="020F0502020204030204" pitchFamily="34" charset="0"/>
-                  </a:defRPr>
-                </a:lvl3pPr>
-                <a:lvl4pPr marL="1600200" indent="-228600">
-                  <a:defRPr>
-                    <a:solidFill>
-                      <a:schemeClr val="tx1"/>
-                    </a:solidFill>
-                    <a:latin typeface="Calibri" panose="020F0502020204030204" pitchFamily="34" charset="0"/>
-                  </a:defRPr>
-                </a:lvl4pPr>
-                <a:lvl5pPr marL="2057400" indent="-228600">
-                  <a:defRPr>
-                    <a:solidFill>
-                      <a:schemeClr val="tx1"/>
-                    </a:solidFill>
-                    <a:latin typeface="Calibri" panose="020F0502020204030204" pitchFamily="34" charset="0"/>
-                  </a:defRPr>
-                </a:lvl5pPr>
-                <a:lvl6pPr marL="2514600" indent="-228600" eaLnBrk="0" fontAlgn="base" hangingPunct="0">
-                  <a:spcBef>
-                    <a:spcPct val="0"/>
-                  </a:spcBef>
-                  <a:spcAft>
-                    <a:spcPct val="0"/>
-                  </a:spcAft>
-                  <a:defRPr>
-                    <a:solidFill>
-                      <a:schemeClr val="tx1"/>
-                    </a:solidFill>
-                    <a:latin typeface="Calibri" panose="020F0502020204030204" pitchFamily="34" charset="0"/>
-                  </a:defRPr>
-                </a:lvl6pPr>
-                <a:lvl7pPr marL="2971800" indent="-228600" eaLnBrk="0" fontAlgn="base" hangingPunct="0">
-                  <a:spcBef>
-                    <a:spcPct val="0"/>
-                  </a:spcBef>
-                  <a:spcAft>
-                    <a:spcPct val="0"/>
-                  </a:spcAft>
-                  <a:defRPr>
-                    <a:solidFill>
-                      <a:schemeClr val="tx1"/>
-                    </a:solidFill>
-                    <a:latin typeface="Calibri" panose="020F0502020204030204" pitchFamily="34" charset="0"/>
-                  </a:defRPr>
-                </a:lvl7pPr>
-                <a:lvl8pPr marL="3429000" indent="-228600" eaLnBrk="0" fontAlgn="base" hangingPunct="0">
-                  <a:spcBef>
-                    <a:spcPct val="0"/>
-                  </a:spcBef>
-                  <a:spcAft>
-                    <a:spcPct val="0"/>
-                  </a:spcAft>
-                  <a:defRPr>
-                    <a:solidFill>
-                      <a:schemeClr val="tx1"/>
-                    </a:solidFill>
-                    <a:latin typeface="Calibri" panose="020F0502020204030204" pitchFamily="34" charset="0"/>
-                  </a:defRPr>
-                </a:lvl8pPr>
-                <a:lvl9pPr marL="3886200" indent="-228600" eaLnBrk="0" fontAlgn="base" hangingPunct="0">
-                  <a:spcBef>
-                    <a:spcPct val="0"/>
-                  </a:spcBef>
-                  <a:spcAft>
-                    <a:spcPct val="0"/>
-                  </a:spcAft>
-                  <a:defRPr>
-                    <a:solidFill>
-                      <a:schemeClr val="tx1"/>
-                    </a:solidFill>
-                    <a:latin typeface="Calibri" panose="020F0502020204030204" pitchFamily="34" charset="0"/>
-                  </a:defRPr>
-                </a:lvl9pPr>
-              </a:lstStyle>
-              <a:p>
-                <a:pPr fontAlgn="base">
-                  <a:spcBef>
-                    <a:spcPct val="0"/>
-                  </a:spcBef>
-                  <a:spcAft>
-                    <a:spcPct val="0"/>
-                  </a:spcAft>
-                </a:pPr>
-                <a:r>
-                  <a:rPr lang="en-US" altLang="en-US" sz="1200" dirty="0">
-                    <a:solidFill>
-                      <a:srgbClr val="FFFFFF"/>
-                    </a:solidFill>
-                    <a:latin typeface="Arial" panose="020B0604020202020204" pitchFamily="34" charset="0"/>
-                    <a:ea typeface="Amazon Ember" panose="020B0603020204020204" pitchFamily="34" charset="0"/>
-                    <a:cs typeface="Arial" panose="020B0604020202020204" pitchFamily="34" charset="0"/>
-                  </a:rPr>
-                  <a:t>SQS</a:t>
-                </a:r>
-                <a:br>
-                  <a:rPr lang="en-US" altLang="en-US" sz="1200" dirty="0">
-                    <a:solidFill>
-                      <a:srgbClr val="FFFFFF"/>
-                    </a:solidFill>
-                    <a:latin typeface="Arial" panose="020B0604020202020204" pitchFamily="34" charset="0"/>
-                    <a:ea typeface="Amazon Ember" panose="020B0603020204020204" pitchFamily="34" charset="0"/>
-                    <a:cs typeface="Arial" panose="020B0604020202020204" pitchFamily="34" charset="0"/>
-                  </a:rPr>
-                </a:br>
-                <a:r>
-                  <a:rPr lang="en-US" sz="1200" i="1" dirty="0">
-                    <a:solidFill>
-                      <a:schemeClr val="tx1">
-                        <a:lumMod val="75000"/>
-                      </a:schemeClr>
-                    </a:solidFill>
-                  </a:rPr>
-                  <a:t>consumer buffer</a:t>
-                </a:r>
-                <a:endParaRPr lang="en-US" altLang="en-US" sz="1200" dirty="0">
-                  <a:solidFill>
-                    <a:srgbClr val="FFFFFF"/>
-                  </a:solidFill>
-                  <a:latin typeface="Arial" panose="020B0604020202020204" pitchFamily="34" charset="0"/>
-                  <a:ea typeface="Amazon Ember" panose="020B0603020204020204" pitchFamily="34" charset="0"/>
-                  <a:cs typeface="Arial" panose="020B0604020202020204" pitchFamily="34" charset="0"/>
-                </a:endParaRPr>
-              </a:p>
-            </p:txBody>
-          </p:sp>
-        </p:grpSp>
-      </p:grpSp>
-      <p:cxnSp>
-        <p:nvCxnSpPr>
-          <p:cNvPr id="402" name="Straight Arrow Connector 12">
-            <a:extLst>
-              <a:ext uri="{FF2B5EF4-FFF2-40B4-BE49-F238E27FC236}">
-                <a16:creationId xmlns:a16="http://schemas.microsoft.com/office/drawing/2014/main" id="{8F818337-83B4-B405-C50C-F732951BB7F6}"/>
-              </a:ext>
-            </a:extLst>
-          </p:cNvPr>
-          <p:cNvCxnSpPr>
-            <a:cxnSpLocks/>
-            <a:endCxn id="376" idx="3"/>
-          </p:cNvCxnSpPr>
-          <p:nvPr/>
-        </p:nvCxnSpPr>
-        <p:spPr>
-          <a:xfrm rot="5400000">
-            <a:off x="8427621" y="3938868"/>
-            <a:ext cx="677177" cy="431085"/>
-          </a:xfrm>
-          <a:prstGeom prst="bentConnector2">
-            <a:avLst/>
-          </a:prstGeom>
-          <a:ln>
-            <a:solidFill>
-              <a:schemeClr val="tx1"/>
-            </a:solidFill>
-            <a:tailEnd type="triangle" w="lg" len="lg"/>
-          </a:ln>
-        </p:spPr>
-        <p:style>
-          <a:lnRef idx="3">
-            <a:schemeClr val="accent2"/>
-          </a:lnRef>
-          <a:fillRef idx="0">
-            <a:schemeClr val="accent2"/>
-          </a:fillRef>
-          <a:effectRef idx="2">
-            <a:schemeClr val="accent2"/>
-          </a:effectRef>
-          <a:fontRef idx="minor">
-            <a:schemeClr val="tx1"/>
-          </a:fontRef>
-        </p:style>
-      </p:cxnSp>
-      <p:cxnSp>
-        <p:nvCxnSpPr>
-          <p:cNvPr id="405" name="Straight Arrow Connector 12">
-            <a:extLst>
-              <a:ext uri="{FF2B5EF4-FFF2-40B4-BE49-F238E27FC236}">
-                <a16:creationId xmlns:a16="http://schemas.microsoft.com/office/drawing/2014/main" id="{2FFCFC19-14D0-9B4B-234C-AB7EB12641F1}"/>
-              </a:ext>
-            </a:extLst>
-          </p:cNvPr>
-          <p:cNvCxnSpPr>
-            <a:cxnSpLocks/>
-            <a:stCxn id="416" idx="1"/>
-            <a:endCxn id="368" idx="3"/>
-          </p:cNvCxnSpPr>
-          <p:nvPr/>
-        </p:nvCxnSpPr>
-        <p:spPr>
-          <a:xfrm flipH="1" flipV="1">
-            <a:off x="7777362" y="6174394"/>
-            <a:ext cx="2202017" cy="2773"/>
-          </a:xfrm>
-          <a:prstGeom prst="straightConnector1">
-            <a:avLst/>
-          </a:prstGeom>
-          <a:ln>
-            <a:solidFill>
-              <a:schemeClr val="tx1"/>
-            </a:solidFill>
-            <a:tailEnd type="triangle" w="lg" len="lg"/>
-          </a:ln>
-        </p:spPr>
-        <p:style>
-          <a:lnRef idx="3">
-            <a:schemeClr val="accent2"/>
-          </a:lnRef>
-          <a:fillRef idx="0">
-            <a:schemeClr val="accent2"/>
-          </a:fillRef>
-          <a:effectRef idx="2">
-            <a:schemeClr val="accent2"/>
-          </a:effectRef>
-          <a:fontRef idx="minor">
-            <a:schemeClr val="tx1"/>
-          </a:fontRef>
-        </p:style>
-      </p:cxnSp>
-      <p:grpSp>
-        <p:nvGrpSpPr>
-          <p:cNvPr id="419" name="Group 418">
-            <a:extLst>
-              <a:ext uri="{FF2B5EF4-FFF2-40B4-BE49-F238E27FC236}">
-                <a16:creationId xmlns:a16="http://schemas.microsoft.com/office/drawing/2014/main" id="{1CA3FC1D-2E6A-F0C2-3EB7-325A56A15987}"/>
-              </a:ext>
-            </a:extLst>
-          </p:cNvPr>
-          <p:cNvGrpSpPr/>
-          <p:nvPr/>
-        </p:nvGrpSpPr>
-        <p:grpSpPr>
-          <a:xfrm>
-            <a:off x="9979379" y="5923719"/>
-            <a:ext cx="2027159" cy="506896"/>
-            <a:chOff x="9979379" y="5416827"/>
-            <a:chExt cx="2027159" cy="506896"/>
-          </a:xfrm>
-        </p:grpSpPr>
-        <p:sp>
-          <p:nvSpPr>
-            <p:cNvPr id="416" name="Rectangle 415">
-              <a:extLst>
-                <a:ext uri="{FF2B5EF4-FFF2-40B4-BE49-F238E27FC236}">
-                  <a16:creationId xmlns:a16="http://schemas.microsoft.com/office/drawing/2014/main" id="{3BB4AFC2-8BD4-C9E0-E48A-B697083DEC45}"/>
-                </a:ext>
-              </a:extLst>
-            </p:cNvPr>
-            <p:cNvSpPr/>
-            <p:nvPr/>
-          </p:nvSpPr>
-          <p:spPr>
-            <a:xfrm>
-              <a:off x="9979379" y="5416827"/>
-              <a:ext cx="1947578" cy="506896"/>
-            </a:xfrm>
-            <a:prstGeom prst="rect">
-              <a:avLst/>
-            </a:prstGeom>
-            <a:solidFill>
-              <a:schemeClr val="bg1">
-                <a:lumMod val="85000"/>
-                <a:lumOff val="15000"/>
-              </a:schemeClr>
-            </a:solidFill>
-            <a:ln>
-              <a:noFill/>
-            </a:ln>
-          </p:spPr>
-          <p:style>
-            <a:lnRef idx="2">
-              <a:schemeClr val="accent1">
-                <a:shade val="50000"/>
-              </a:schemeClr>
-            </a:lnRef>
-            <a:fillRef idx="1">
-              <a:schemeClr val="accent1"/>
-            </a:fillRef>
-            <a:effectRef idx="0">
-              <a:schemeClr val="accent1"/>
-            </a:effectRef>
-            <a:fontRef idx="minor">
-              <a:schemeClr val="lt1"/>
-            </a:fontRef>
-          </p:style>
-          <p:txBody>
-            <a:bodyPr lIns="72000" tIns="72000" rIns="45720" rtlCol="0" anchor="t"/>
-            <a:lstStyle/>
-            <a:p>
-              <a:r>
-                <a:rPr lang="en-US" sz="1200" i="1" dirty="0">
-                  <a:solidFill>
-                    <a:schemeClr val="tx1">
-                      <a:lumMod val="75000"/>
-                    </a:schemeClr>
-                  </a:solidFill>
-                </a:rPr>
-                <a:t> </a:t>
-              </a:r>
-              <a:endParaRPr lang="en-US" sz="1600" i="1" dirty="0">
-                <a:solidFill>
-                  <a:schemeClr val="tx1">
-                    <a:lumMod val="75000"/>
-                  </a:schemeClr>
-                </a:solidFill>
-              </a:endParaRPr>
-            </a:p>
-          </p:txBody>
-        </p:sp>
-        <p:grpSp>
-          <p:nvGrpSpPr>
-            <p:cNvPr id="413" name="Group 412">
-              <a:extLst>
-                <a:ext uri="{FF2B5EF4-FFF2-40B4-BE49-F238E27FC236}">
-                  <a16:creationId xmlns:a16="http://schemas.microsoft.com/office/drawing/2014/main" id="{93B259FD-DD63-3681-8470-9F9543A9DFAA}"/>
-                </a:ext>
-              </a:extLst>
-            </p:cNvPr>
-            <p:cNvGrpSpPr/>
-            <p:nvPr/>
-          </p:nvGrpSpPr>
-          <p:grpSpPr>
-            <a:xfrm>
-              <a:off x="10058960" y="5437904"/>
-              <a:ext cx="1947578" cy="461665"/>
-              <a:chOff x="3651341" y="3085092"/>
-              <a:chExt cx="1947578" cy="461665"/>
-            </a:xfrm>
-          </p:grpSpPr>
-          <p:pic>
-            <p:nvPicPr>
-              <p:cNvPr id="414" name="Graphic 10" descr="AWS Lambda service icon.">
-                <a:extLst>
-                  <a:ext uri="{FF2B5EF4-FFF2-40B4-BE49-F238E27FC236}">
-                    <a16:creationId xmlns:a16="http://schemas.microsoft.com/office/drawing/2014/main" id="{D9CACF0B-0AFE-32A3-7DF4-3727378B6E99}"/>
-                  </a:ext>
-                </a:extLst>
-              </p:cNvPr>
-              <p:cNvPicPr>
-                <a:picLocks noChangeAspect="1" noChangeArrowheads="1"/>
-              </p:cNvPicPr>
-              <p:nvPr/>
-            </p:nvPicPr>
-            <p:blipFill>
-              <a:blip r:embed="rId8">
-                <a:extLst>
-                  <a:ext uri="{96DAC541-7B7A-43D3-8B79-37D633B846F1}">
-                    <asvg:svgBlip xmlns:asvg="http://schemas.microsoft.com/office/drawing/2016/SVG/main" r:embed="rId9"/>
-                  </a:ext>
-                </a:extLst>
-              </a:blip>
-              <a:srcRect/>
-              <a:stretch/>
-            </p:blipFill>
-            <p:spPr bwMode="auto">
-              <a:xfrm>
-                <a:off x="3651341" y="3140377"/>
-                <a:ext cx="360000" cy="360000"/>
-              </a:xfrm>
-              <a:prstGeom prst="rect">
-                <a:avLst/>
-              </a:prstGeom>
-              <a:noFill/>
-              <a:ln>
-                <a:noFill/>
-              </a:ln>
-              <a:extLst>
-                <a:ext uri="{909E8E84-426E-40DD-AFC4-6F175D3DCCD1}">
-                  <a14:hiddenFill xmlns:a14="http://schemas.microsoft.com/office/drawing/2010/main">
-                    <a:solidFill>
-                      <a:srgbClr val="FFFFFF"/>
-                    </a:solidFill>
-                  </a14:hiddenFill>
-                </a:ext>
-                <a:ext uri="{91240B29-F687-4F45-9708-019B960494DF}">
-                  <a14:hiddenLine xmlns:a14="http://schemas.microsoft.com/office/drawing/2010/main" w="9525">
-                    <a:solidFill>
-                      <a:srgbClr val="000000"/>
-                    </a:solidFill>
-                    <a:miter lim="800000"/>
-                    <a:headEnd/>
-                    <a:tailEnd/>
-                  </a14:hiddenLine>
-                </a:ext>
-              </a:extLst>
-            </p:spPr>
-          </p:pic>
-          <p:sp>
-            <p:nvSpPr>
-              <p:cNvPr id="415" name="TextBox 20">
-                <a:extLst>
-                  <a:ext uri="{FF2B5EF4-FFF2-40B4-BE49-F238E27FC236}">
-                    <a16:creationId xmlns:a16="http://schemas.microsoft.com/office/drawing/2014/main" id="{ADD7F77D-5329-EC0D-7E5C-E5F46CE8E73C}"/>
-                  </a:ext>
-                </a:extLst>
-              </p:cNvPr>
-              <p:cNvSpPr txBox="1">
-                <a:spLocks noChangeArrowheads="1"/>
-              </p:cNvSpPr>
-              <p:nvPr/>
-            </p:nvSpPr>
-            <p:spPr bwMode="auto">
-              <a:xfrm>
-                <a:off x="3987743" y="3085092"/>
-                <a:ext cx="1611176" cy="461665"/>
-              </a:xfrm>
-              <a:prstGeom prst="rect">
-                <a:avLst/>
-              </a:prstGeom>
-              <a:noFill/>
-              <a:ln>
-                <a:noFill/>
-              </a:ln>
-              <a:extLst>
-                <a:ext uri="{909E8E84-426E-40DD-AFC4-6F175D3DCCD1}">
-                  <a14:hiddenFill xmlns:a14="http://schemas.microsoft.com/office/drawing/2010/main">
-                    <a:solidFill>
-                      <a:srgbClr val="FFFFFF"/>
-                    </a:solidFill>
-                  </a14:hiddenFill>
-                </a:ext>
-                <a:ext uri="{91240B29-F687-4F45-9708-019B960494DF}">
-                  <a14:hiddenLine xmlns:a14="http://schemas.microsoft.com/office/drawing/2010/main" w="9525">
-                    <a:solidFill>
-                      <a:srgbClr val="000000"/>
-                    </a:solidFill>
-                    <a:miter lim="800000"/>
-                    <a:headEnd/>
-                    <a:tailEnd/>
-                  </a14:hiddenLine>
-                </a:ext>
-              </a:extLst>
-            </p:spPr>
-            <p:txBody>
-              <a:bodyPr wrap="square">
-                <a:spAutoFit/>
-              </a:bodyPr>
-              <a:lstStyle>
-                <a:lvl1pPr>
-                  <a:defRPr>
-                    <a:solidFill>
-                      <a:schemeClr val="tx1"/>
-                    </a:solidFill>
-                    <a:latin typeface="Calibri" panose="020F0502020204030204" pitchFamily="34" charset="0"/>
-                  </a:defRPr>
-                </a:lvl1pPr>
-                <a:lvl2pPr marL="742950" indent="-285750">
-                  <a:defRPr>
-                    <a:solidFill>
-                      <a:schemeClr val="tx1"/>
-                    </a:solidFill>
-                    <a:latin typeface="Calibri" panose="020F0502020204030204" pitchFamily="34" charset="0"/>
-                  </a:defRPr>
-                </a:lvl2pPr>
-                <a:lvl3pPr marL="1143000" indent="-228600">
-                  <a:defRPr>
-                    <a:solidFill>
-                      <a:schemeClr val="tx1"/>
-                    </a:solidFill>
-                    <a:latin typeface="Calibri" panose="020F0502020204030204" pitchFamily="34" charset="0"/>
-                  </a:defRPr>
-                </a:lvl3pPr>
-                <a:lvl4pPr marL="1600200" indent="-228600">
-                  <a:defRPr>
-                    <a:solidFill>
-                      <a:schemeClr val="tx1"/>
-                    </a:solidFill>
-                    <a:latin typeface="Calibri" panose="020F0502020204030204" pitchFamily="34" charset="0"/>
-                  </a:defRPr>
-                </a:lvl4pPr>
-                <a:lvl5pPr marL="2057400" indent="-228600">
-                  <a:defRPr>
-                    <a:solidFill>
-                      <a:schemeClr val="tx1"/>
-                    </a:solidFill>
-                    <a:latin typeface="Calibri" panose="020F0502020204030204" pitchFamily="34" charset="0"/>
-                  </a:defRPr>
-                </a:lvl5pPr>
-                <a:lvl6pPr marL="2514600" indent="-228600" eaLnBrk="0" fontAlgn="base" hangingPunct="0">
-                  <a:spcBef>
-                    <a:spcPct val="0"/>
-                  </a:spcBef>
-                  <a:spcAft>
-                    <a:spcPct val="0"/>
-                  </a:spcAft>
-                  <a:defRPr>
-                    <a:solidFill>
-                      <a:schemeClr val="tx1"/>
-                    </a:solidFill>
-                    <a:latin typeface="Calibri" panose="020F0502020204030204" pitchFamily="34" charset="0"/>
-                  </a:defRPr>
-                </a:lvl6pPr>
-                <a:lvl7pPr marL="2971800" indent="-228600" eaLnBrk="0" fontAlgn="base" hangingPunct="0">
-                  <a:spcBef>
-                    <a:spcPct val="0"/>
-                  </a:spcBef>
-                  <a:spcAft>
-                    <a:spcPct val="0"/>
-                  </a:spcAft>
-                  <a:defRPr>
-                    <a:solidFill>
-                      <a:schemeClr val="tx1"/>
-                    </a:solidFill>
-                    <a:latin typeface="Calibri" panose="020F0502020204030204" pitchFamily="34" charset="0"/>
-                  </a:defRPr>
-                </a:lvl7pPr>
-                <a:lvl8pPr marL="3429000" indent="-228600" eaLnBrk="0" fontAlgn="base" hangingPunct="0">
-                  <a:spcBef>
-                    <a:spcPct val="0"/>
-                  </a:spcBef>
-                  <a:spcAft>
-                    <a:spcPct val="0"/>
-                  </a:spcAft>
-                  <a:defRPr>
-                    <a:solidFill>
-                      <a:schemeClr val="tx1"/>
-                    </a:solidFill>
-                    <a:latin typeface="Calibri" panose="020F0502020204030204" pitchFamily="34" charset="0"/>
-                  </a:defRPr>
-                </a:lvl8pPr>
-                <a:lvl9pPr marL="3886200" indent="-228600" eaLnBrk="0" fontAlgn="base" hangingPunct="0">
-                  <a:spcBef>
-                    <a:spcPct val="0"/>
-                  </a:spcBef>
-                  <a:spcAft>
-                    <a:spcPct val="0"/>
-                  </a:spcAft>
-                  <a:defRPr>
-                    <a:solidFill>
-                      <a:schemeClr val="tx1"/>
-                    </a:solidFill>
-                    <a:latin typeface="Calibri" panose="020F0502020204030204" pitchFamily="34" charset="0"/>
-                  </a:defRPr>
-                </a:lvl9pPr>
-              </a:lstStyle>
-              <a:p>
-                <a:pPr fontAlgn="base">
-                  <a:spcBef>
-                    <a:spcPct val="0"/>
-                  </a:spcBef>
-                  <a:spcAft>
-                    <a:spcPct val="0"/>
-                  </a:spcAft>
-                </a:pPr>
-                <a:r>
-                  <a:rPr lang="en-US" altLang="en-US" sz="1200" dirty="0">
-                    <a:solidFill>
-                      <a:srgbClr val="FFFFFF"/>
-                    </a:solidFill>
-                    <a:latin typeface="Arial" panose="020B0604020202020204" pitchFamily="34" charset="0"/>
-                    <a:ea typeface="Amazon Ember" panose="020B0603020204020204" pitchFamily="34" charset="0"/>
-                    <a:cs typeface="Arial" panose="020B0604020202020204" pitchFamily="34" charset="0"/>
-                  </a:rPr>
-                  <a:t>Lambda @ Edge</a:t>
-                </a:r>
-                <a:br>
-                  <a:rPr lang="en-US" altLang="en-US" sz="1200" dirty="0">
-                    <a:solidFill>
-                      <a:srgbClr val="FFFFFF"/>
-                    </a:solidFill>
-                    <a:latin typeface="Arial" panose="020B0604020202020204" pitchFamily="34" charset="0"/>
-                    <a:ea typeface="Amazon Ember" panose="020B0603020204020204" pitchFamily="34" charset="0"/>
-                    <a:cs typeface="Arial" panose="020B0604020202020204" pitchFamily="34" charset="0"/>
-                  </a:rPr>
-                </a:br>
-                <a:r>
-                  <a:rPr lang="en-US" sz="1200" i="1" dirty="0">
-                    <a:solidFill>
-                      <a:schemeClr val="tx1">
-                        <a:lumMod val="75000"/>
-                      </a:schemeClr>
-                    </a:solidFill>
-                    <a:latin typeface="+mn-lt"/>
-                  </a:rPr>
-                  <a:t>header-base routing</a:t>
-                </a:r>
-                <a:endParaRPr lang="en-US" altLang="en-US" sz="1200" i="1" dirty="0">
-                  <a:solidFill>
-                    <a:schemeClr val="tx1">
-                      <a:lumMod val="75000"/>
-                    </a:schemeClr>
-                  </a:solidFill>
-                  <a:latin typeface="+mn-lt"/>
-                </a:endParaRPr>
-              </a:p>
-            </p:txBody>
-          </p:sp>
-        </p:grpSp>
-      </p:grpSp>
-      <p:grpSp>
-        <p:nvGrpSpPr>
-          <p:cNvPr id="426" name="Group 425">
-            <a:extLst>
-              <a:ext uri="{FF2B5EF4-FFF2-40B4-BE49-F238E27FC236}">
-                <a16:creationId xmlns:a16="http://schemas.microsoft.com/office/drawing/2014/main" id="{101720A2-6082-F483-4CFC-8F7E965A4B81}"/>
-              </a:ext>
-            </a:extLst>
-          </p:cNvPr>
-          <p:cNvGrpSpPr/>
-          <p:nvPr/>
-        </p:nvGrpSpPr>
-        <p:grpSpPr>
-          <a:xfrm>
-            <a:off x="4676867" y="5873164"/>
-            <a:ext cx="3100495" cy="621702"/>
-            <a:chOff x="4676867" y="5366272"/>
-            <a:chExt cx="3100495" cy="621702"/>
-          </a:xfrm>
-        </p:grpSpPr>
-        <p:grpSp>
-          <p:nvGrpSpPr>
-            <p:cNvPr id="420" name="Group 419">
-              <a:extLst>
-                <a:ext uri="{FF2B5EF4-FFF2-40B4-BE49-F238E27FC236}">
-                  <a16:creationId xmlns:a16="http://schemas.microsoft.com/office/drawing/2014/main" id="{AB40C921-10E3-5DFF-FD81-F48B5CDA0035}"/>
-                </a:ext>
-              </a:extLst>
-            </p:cNvPr>
-            <p:cNvGrpSpPr/>
-            <p:nvPr/>
-          </p:nvGrpSpPr>
-          <p:grpSpPr>
-            <a:xfrm>
-              <a:off x="4676867" y="5366272"/>
-              <a:ext cx="3100495" cy="621702"/>
-              <a:chOff x="4676867" y="5366272"/>
-              <a:chExt cx="3100495" cy="621702"/>
-            </a:xfrm>
-          </p:grpSpPr>
-          <p:grpSp>
-            <p:nvGrpSpPr>
-              <p:cNvPr id="392" name="Group 391">
-                <a:extLst>
-                  <a:ext uri="{FF2B5EF4-FFF2-40B4-BE49-F238E27FC236}">
-                    <a16:creationId xmlns:a16="http://schemas.microsoft.com/office/drawing/2014/main" id="{6125CE53-75E6-9BED-062E-1F0ABAFDF3C1}"/>
-                  </a:ext>
-                </a:extLst>
-              </p:cNvPr>
-              <p:cNvGrpSpPr/>
-              <p:nvPr/>
-            </p:nvGrpSpPr>
-            <p:grpSpPr>
-              <a:xfrm>
-                <a:off x="4676867" y="5366272"/>
-                <a:ext cx="3100495" cy="602460"/>
-                <a:chOff x="4732901" y="5361747"/>
-                <a:chExt cx="3100495" cy="602460"/>
-              </a:xfrm>
-            </p:grpSpPr>
-            <p:sp>
-              <p:nvSpPr>
-                <p:cNvPr id="368" name="Rectangle 367">
-                  <a:extLst>
-                    <a:ext uri="{FF2B5EF4-FFF2-40B4-BE49-F238E27FC236}">
-                      <a16:creationId xmlns:a16="http://schemas.microsoft.com/office/drawing/2014/main" id="{05E40D1B-C3C9-3D96-4030-51CDD9FD56FD}"/>
-                    </a:ext>
-                  </a:extLst>
-                </p:cNvPr>
-                <p:cNvSpPr/>
-                <p:nvPr/>
-              </p:nvSpPr>
-              <p:spPr>
-                <a:xfrm>
-                  <a:off x="4732901" y="5361747"/>
-                  <a:ext cx="3100495" cy="602460"/>
-                </a:xfrm>
-                <a:prstGeom prst="rect">
-                  <a:avLst/>
-                </a:prstGeom>
-                <a:solidFill>
-                  <a:schemeClr val="bg1">
-                    <a:lumMod val="85000"/>
-                    <a:lumOff val="15000"/>
-                  </a:schemeClr>
-                </a:solidFill>
-                <a:ln>
-                  <a:noFill/>
-                </a:ln>
-              </p:spPr>
-              <p:style>
-                <a:lnRef idx="2">
-                  <a:schemeClr val="accent1">
-                    <a:shade val="50000"/>
-                  </a:schemeClr>
-                </a:lnRef>
-                <a:fillRef idx="1">
-                  <a:schemeClr val="accent1"/>
-                </a:fillRef>
-                <a:effectRef idx="0">
-                  <a:schemeClr val="accent1"/>
-                </a:effectRef>
-                <a:fontRef idx="minor">
-                  <a:schemeClr val="lt1"/>
-                </a:fontRef>
-              </p:style>
-              <p:txBody>
-                <a:bodyPr lIns="108000" tIns="72000" rIns="45720" rtlCol="0" anchor="ctr"/>
-                <a:lstStyle/>
-                <a:p>
-                  <a:r>
-                    <a:rPr lang="en-US" sz="1200" dirty="0">
-                      <a:solidFill>
-                        <a:srgbClr val="FFFFFF"/>
-                      </a:solidFill>
-                      <a:latin typeface="Arial" panose="020B0604020202020204" pitchFamily="34" charset="0"/>
-                      <a:ea typeface="Amazon Ember" panose="020B0603020204020204" pitchFamily="34" charset="0"/>
-                      <a:cs typeface="Arial" panose="020B0604020202020204" pitchFamily="34" charset="0"/>
-                    </a:rPr>
-                    <a:t>DynamoDB</a:t>
-                  </a:r>
-                  <a:br>
-                    <a:rPr lang="en-US" sz="1200" dirty="0">
-                      <a:solidFill>
-                        <a:srgbClr val="FFFFFF"/>
-                      </a:solidFill>
-                      <a:latin typeface="Arial" panose="020B0604020202020204" pitchFamily="34" charset="0"/>
-                      <a:ea typeface="Amazon Ember" panose="020B0603020204020204" pitchFamily="34" charset="0"/>
-                      <a:cs typeface="Arial" panose="020B0604020202020204" pitchFamily="34" charset="0"/>
-                    </a:rPr>
-                  </a:br>
-                  <a:r>
-                    <a:rPr lang="en-US" altLang="en-US" sz="1200" i="1" dirty="0">
-                      <a:solidFill>
-                        <a:schemeClr val="bg2">
-                          <a:lumMod val="40000"/>
-                          <a:lumOff val="60000"/>
-                        </a:schemeClr>
-                      </a:solidFill>
-                      <a:effectLst>
-                        <a:glow>
-                          <a:schemeClr val="bg1"/>
-                        </a:glow>
-                      </a:effectLst>
-                      <a:latin typeface="+mn-lt"/>
-                    </a:rPr>
-                    <a:t>consumers</a:t>
-                  </a:r>
-                  <a:endParaRPr lang="en-US" sz="1200" dirty="0">
-                    <a:solidFill>
-                      <a:srgbClr val="FFFFFF"/>
-                    </a:solidFill>
-                    <a:latin typeface="Arial" panose="020B0604020202020204" pitchFamily="34" charset="0"/>
-                    <a:ea typeface="Amazon Ember" panose="020B0603020204020204" pitchFamily="34" charset="0"/>
-                    <a:cs typeface="Arial" panose="020B0604020202020204" pitchFamily="34" charset="0"/>
-                  </a:endParaRPr>
-                </a:p>
-              </p:txBody>
-            </p:sp>
-            <p:pic>
-              <p:nvPicPr>
-                <p:cNvPr id="173" name="Graphic 23" descr="Amazon DynamoDB service icon.">
-                  <a:extLst>
-                    <a:ext uri="{FF2B5EF4-FFF2-40B4-BE49-F238E27FC236}">
-                      <a16:creationId xmlns:a16="http://schemas.microsoft.com/office/drawing/2014/main" id="{E741192C-B620-3693-A018-19506A56F19D}"/>
-                    </a:ext>
-                  </a:extLst>
-                </p:cNvPr>
-                <p:cNvPicPr>
-                  <a:picLocks noChangeAspect="1" noChangeArrowheads="1"/>
-                </p:cNvPicPr>
-                <p:nvPr/>
-              </p:nvPicPr>
-              <p:blipFill>
-                <a:blip r:embed="rId10">
-                  <a:extLst>
-                    <a:ext uri="{96DAC541-7B7A-43D3-8B79-37D633B846F1}">
-                      <asvg:svgBlip xmlns:asvg="http://schemas.microsoft.com/office/drawing/2016/SVG/main" r:embed="rId11"/>
-                    </a:ext>
-                  </a:extLst>
-                </a:blip>
-                <a:srcRect/>
-                <a:stretch/>
-              </p:blipFill>
-              <p:spPr bwMode="auto">
-                <a:xfrm>
-                  <a:off x="5807579" y="5488033"/>
-                  <a:ext cx="360000" cy="360750"/>
-                </a:xfrm>
-                <a:prstGeom prst="rect">
-                  <a:avLst/>
-                </a:prstGeom>
-                <a:noFill/>
-                <a:ln>
-                  <a:noFill/>
-                </a:ln>
-                <a:extLst>
-                  <a:ext uri="{909E8E84-426E-40DD-AFC4-6F175D3DCCD1}">
-                    <a14:hiddenFill xmlns:a14="http://schemas.microsoft.com/office/drawing/2010/main">
-                      <a:solidFill>
-                        <a:srgbClr val="FFFFFF"/>
-                      </a:solidFill>
-                    </a14:hiddenFill>
-                  </a:ext>
-                  <a:ext uri="{91240B29-F687-4F45-9708-019B960494DF}">
-                    <a14:hiddenLine xmlns:a14="http://schemas.microsoft.com/office/drawing/2010/main" w="9525">
-                      <a:solidFill>
-                        <a:srgbClr val="000000"/>
-                      </a:solidFill>
-                      <a:miter lim="800000"/>
-                      <a:headEnd/>
-                      <a:tailEnd/>
-                    </a14:hiddenLine>
-                  </a:ext>
-                </a:extLst>
-              </p:spPr>
-            </p:pic>
-            <p:pic>
-              <p:nvPicPr>
-                <p:cNvPr id="390" name="Graphic 23" descr="Amazon DynamoDB service icon.">
-                  <a:extLst>
-                    <a:ext uri="{FF2B5EF4-FFF2-40B4-BE49-F238E27FC236}">
-                      <a16:creationId xmlns:a16="http://schemas.microsoft.com/office/drawing/2014/main" id="{D39FE425-23A3-1C2E-6FA3-0195C4ADB1D5}"/>
-                    </a:ext>
-                  </a:extLst>
-                </p:cNvPr>
-                <p:cNvPicPr>
-                  <a:picLocks noChangeAspect="1" noChangeArrowheads="1"/>
-                </p:cNvPicPr>
-                <p:nvPr/>
-              </p:nvPicPr>
-              <p:blipFill>
-                <a:blip r:embed="rId10">
-                  <a:extLst>
-                    <a:ext uri="{96DAC541-7B7A-43D3-8B79-37D633B846F1}">
-                      <asvg:svgBlip xmlns:asvg="http://schemas.microsoft.com/office/drawing/2016/SVG/main" r:embed="rId11"/>
-                    </a:ext>
-                  </a:extLst>
-                </a:blip>
-                <a:srcRect/>
-                <a:stretch/>
-              </p:blipFill>
-              <p:spPr bwMode="auto">
-                <a:xfrm>
-                  <a:off x="7352328" y="5484797"/>
-                  <a:ext cx="360000" cy="360750"/>
-                </a:xfrm>
-                <a:prstGeom prst="rect">
-                  <a:avLst/>
-                </a:prstGeom>
-                <a:noFill/>
-                <a:ln>
-                  <a:noFill/>
-                </a:ln>
-                <a:extLst>
-                  <a:ext uri="{909E8E84-426E-40DD-AFC4-6F175D3DCCD1}">
-                    <a14:hiddenFill xmlns:a14="http://schemas.microsoft.com/office/drawing/2010/main">
-                      <a:solidFill>
-                        <a:srgbClr val="FFFFFF"/>
-                      </a:solidFill>
-                    </a14:hiddenFill>
-                  </a:ext>
-                  <a:ext uri="{91240B29-F687-4F45-9708-019B960494DF}">
-                    <a14:hiddenLine xmlns:a14="http://schemas.microsoft.com/office/drawing/2010/main" w="9525">
-                      <a:solidFill>
-                        <a:srgbClr val="000000"/>
-                      </a:solidFill>
-                      <a:miter lim="800000"/>
-                      <a:headEnd/>
-                      <a:tailEnd/>
-                    </a14:hiddenLine>
-                  </a:ext>
-                </a:extLst>
-              </p:spPr>
-            </p:pic>
-          </p:grpSp>
-          <p:sp>
-            <p:nvSpPr>
-              <p:cNvPr id="396" name="TextBox 395">
-                <a:extLst>
-                  <a:ext uri="{FF2B5EF4-FFF2-40B4-BE49-F238E27FC236}">
-                    <a16:creationId xmlns:a16="http://schemas.microsoft.com/office/drawing/2014/main" id="{A8A8B811-A040-DFE4-DBC6-A24D9DCC1DC2}"/>
-                  </a:ext>
-                </a:extLst>
-              </p:cNvPr>
-              <p:cNvSpPr txBox="1"/>
-              <p:nvPr/>
-            </p:nvSpPr>
-            <p:spPr>
-              <a:xfrm>
-                <a:off x="5751544" y="5710975"/>
-                <a:ext cx="1904749" cy="276999"/>
-              </a:xfrm>
-              <a:prstGeom prst="rect">
-                <a:avLst/>
-              </a:prstGeom>
-              <a:noFill/>
-            </p:spPr>
-            <p:txBody>
-              <a:bodyPr wrap="square">
-                <a:spAutoFit/>
-              </a:bodyPr>
-              <a:lstStyle/>
-              <a:p>
-                <a:pPr algn="ctr"/>
-                <a:r>
-                  <a:rPr lang="en-US" altLang="en-US" sz="1200" i="1" dirty="0">
-                    <a:solidFill>
-                      <a:schemeClr val="bg2">
-                        <a:lumMod val="40000"/>
-                        <a:lumOff val="60000"/>
-                      </a:schemeClr>
-                    </a:solidFill>
-                    <a:effectLst>
-                      <a:glow>
-                        <a:schemeClr val="bg1"/>
-                      </a:glow>
-                    </a:effectLst>
-                  </a:rPr>
-                  <a:t>global table</a:t>
-                </a:r>
-                <a:endParaRPr lang="en-US" sz="1200" i="1" dirty="0">
-                  <a:solidFill>
-                    <a:schemeClr val="bg2">
-                      <a:lumMod val="40000"/>
-                      <a:lumOff val="60000"/>
-                    </a:schemeClr>
-                  </a:solidFill>
-                  <a:effectLst>
-                    <a:glow>
-                      <a:schemeClr val="bg1"/>
-                    </a:glow>
-                  </a:effectLst>
-                </a:endParaRPr>
-              </a:p>
-            </p:txBody>
-          </p:sp>
-        </p:grpSp>
-        <p:cxnSp>
-          <p:nvCxnSpPr>
-            <p:cNvPr id="183" name="Straight Arrow Connector 12">
-              <a:extLst>
-                <a:ext uri="{FF2B5EF4-FFF2-40B4-BE49-F238E27FC236}">
-                  <a16:creationId xmlns:a16="http://schemas.microsoft.com/office/drawing/2014/main" id="{DCA698D3-6D7B-92BB-6FA8-ECA1C4A3F0B7}"/>
-                </a:ext>
-              </a:extLst>
-            </p:cNvPr>
-            <p:cNvCxnSpPr>
-              <a:cxnSpLocks/>
-              <a:stCxn id="173" idx="3"/>
-              <a:endCxn id="390" idx="1"/>
-            </p:cNvCxnSpPr>
-            <p:nvPr/>
-          </p:nvCxnSpPr>
-          <p:spPr>
-            <a:xfrm flipV="1">
-              <a:off x="6111545" y="5669697"/>
-              <a:ext cx="1184749" cy="3236"/>
-            </a:xfrm>
-            <a:prstGeom prst="straightConnector1">
-              <a:avLst/>
-            </a:prstGeom>
-            <a:ln>
-              <a:solidFill>
-                <a:schemeClr val="tx1"/>
-              </a:solidFill>
-              <a:headEnd type="triangle" w="lg" len="lg"/>
-              <a:tailEnd type="triangle" w="lg" len="lg"/>
-            </a:ln>
-          </p:spPr>
-          <p:style>
-            <a:lnRef idx="3">
-              <a:schemeClr val="accent2"/>
-            </a:lnRef>
-            <a:fillRef idx="0">
-              <a:schemeClr val="accent2"/>
-            </a:fillRef>
-            <a:effectRef idx="2">
-              <a:schemeClr val="accent2"/>
-            </a:effectRef>
-            <a:fontRef idx="minor">
-              <a:schemeClr val="tx1"/>
-            </a:fontRef>
-          </p:style>
-        </p:cxnSp>
-      </p:grpSp>
-      <p:grpSp>
-        <p:nvGrpSpPr>
-          <p:cNvPr id="319" name="Group 318">
-            <a:extLst>
-              <a:ext uri="{FF2B5EF4-FFF2-40B4-BE49-F238E27FC236}">
-                <a16:creationId xmlns:a16="http://schemas.microsoft.com/office/drawing/2014/main" id="{512E91A1-835D-D54D-7133-38A87E6CDCFF}"/>
-              </a:ext>
-            </a:extLst>
-          </p:cNvPr>
-          <p:cNvGrpSpPr/>
-          <p:nvPr/>
-        </p:nvGrpSpPr>
-        <p:grpSpPr>
-          <a:xfrm>
-            <a:off x="6924418" y="5310286"/>
-            <a:ext cx="2566236" cy="461665"/>
-            <a:chOff x="7107713" y="5941090"/>
-            <a:chExt cx="2566236" cy="461665"/>
-          </a:xfrm>
-        </p:grpSpPr>
-        <p:pic>
-          <p:nvPicPr>
-            <p:cNvPr id="253" name="Graphic 17" descr="Amazon CloudWatch service icon.">
-              <a:extLst>
-                <a:ext uri="{FF2B5EF4-FFF2-40B4-BE49-F238E27FC236}">
-                  <a16:creationId xmlns:a16="http://schemas.microsoft.com/office/drawing/2014/main" id="{0EDE512B-3055-0950-8067-AAE6AD9F302B}"/>
-                </a:ext>
-              </a:extLst>
-            </p:cNvPr>
-            <p:cNvPicPr>
-              <a:picLocks noChangeAspect="1" noChangeArrowheads="1"/>
-            </p:cNvPicPr>
-            <p:nvPr/>
-          </p:nvPicPr>
-          <p:blipFill>
-            <a:blip r:embed="rId12">
-              <a:extLst>
-                <a:ext uri="{96DAC541-7B7A-43D3-8B79-37D633B846F1}">
-                  <asvg:svgBlip xmlns:asvg="http://schemas.microsoft.com/office/drawing/2016/SVG/main" r:embed="rId13"/>
-                </a:ext>
-              </a:extLst>
-            </a:blip>
-            <a:srcRect/>
-            <a:stretch/>
-          </p:blipFill>
-          <p:spPr bwMode="auto">
-            <a:xfrm>
-              <a:off x="7107713" y="5983429"/>
-              <a:ext cx="360000" cy="360000"/>
-            </a:xfrm>
-            <a:prstGeom prst="rect">
-              <a:avLst/>
-            </a:prstGeom>
-            <a:noFill/>
-            <a:ln>
-              <a:noFill/>
-            </a:ln>
-            <a:extLst>
-              <a:ext uri="{909E8E84-426E-40DD-AFC4-6F175D3DCCD1}">
-                <a14:hiddenFill xmlns:a14="http://schemas.microsoft.com/office/drawing/2010/main">
-                  <a:solidFill>
-                    <a:srgbClr val="FFFFFF"/>
-                  </a:solidFill>
-                </a14:hiddenFill>
-              </a:ext>
-              <a:ext uri="{91240B29-F687-4F45-9708-019B960494DF}">
-                <a14:hiddenLine xmlns:a14="http://schemas.microsoft.com/office/drawing/2010/main" w="9525">
-                  <a:solidFill>
-                    <a:srgbClr val="000000"/>
-                  </a:solidFill>
-                  <a:miter lim="800000"/>
-                  <a:headEnd/>
-                  <a:tailEnd/>
-                </a14:hiddenLine>
-              </a:ext>
-            </a:extLst>
-          </p:spPr>
-        </p:pic>
-        <p:sp>
-          <p:nvSpPr>
-            <p:cNvPr id="254" name="TextBox 9">
-              <a:extLst>
-                <a:ext uri="{FF2B5EF4-FFF2-40B4-BE49-F238E27FC236}">
-                  <a16:creationId xmlns:a16="http://schemas.microsoft.com/office/drawing/2014/main" id="{86422253-A376-D837-9D6E-85FFD0CE428A}"/>
-                </a:ext>
-              </a:extLst>
-            </p:cNvPr>
-            <p:cNvSpPr txBox="1">
-              <a:spLocks noChangeArrowheads="1"/>
-            </p:cNvSpPr>
-            <p:nvPr/>
-          </p:nvSpPr>
-          <p:spPr bwMode="auto">
-            <a:xfrm>
-              <a:off x="7458162" y="5941090"/>
-              <a:ext cx="2215787" cy="461665"/>
-            </a:xfrm>
-            <a:prstGeom prst="rect">
-              <a:avLst/>
-            </a:prstGeom>
-            <a:noFill/>
-            <a:ln>
-              <a:noFill/>
-            </a:ln>
-            <a:extLst>
-              <a:ext uri="{909E8E84-426E-40DD-AFC4-6F175D3DCCD1}">
-                <a14:hiddenFill xmlns:a14="http://schemas.microsoft.com/office/drawing/2010/main">
-                  <a:solidFill>
-                    <a:srgbClr val="FFFFFF"/>
-                  </a:solidFill>
-                </a14:hiddenFill>
-              </a:ext>
-              <a:ext uri="{91240B29-F687-4F45-9708-019B960494DF}">
-                <a14:hiddenLine xmlns:a14="http://schemas.microsoft.com/office/drawing/2010/main" w="9525">
-                  <a:solidFill>
-                    <a:srgbClr val="000000"/>
-                  </a:solidFill>
-                  <a:miter lim="800000"/>
-                  <a:headEnd/>
-                  <a:tailEnd/>
-                </a14:hiddenLine>
-              </a:ext>
-            </a:extLst>
-          </p:spPr>
-          <p:txBody>
-            <a:bodyPr wrap="square">
-              <a:spAutoFit/>
-            </a:bodyPr>
-            <a:lstStyle>
-              <a:lvl1pPr>
-                <a:defRPr>
-                  <a:solidFill>
-                    <a:schemeClr val="tx1"/>
-                  </a:solidFill>
-                  <a:latin typeface="Calibri" panose="020F0502020204030204" pitchFamily="34" charset="0"/>
-                </a:defRPr>
-              </a:lvl1pPr>
-              <a:lvl2pPr marL="742950" indent="-285750">
-                <a:defRPr>
-                  <a:solidFill>
-                    <a:schemeClr val="tx1"/>
-                  </a:solidFill>
-                  <a:latin typeface="Calibri" panose="020F0502020204030204" pitchFamily="34" charset="0"/>
-                </a:defRPr>
-              </a:lvl2pPr>
-              <a:lvl3pPr marL="1143000" indent="-228600">
-                <a:defRPr>
-                  <a:solidFill>
-                    <a:schemeClr val="tx1"/>
-                  </a:solidFill>
-                  <a:latin typeface="Calibri" panose="020F0502020204030204" pitchFamily="34" charset="0"/>
-                </a:defRPr>
-              </a:lvl3pPr>
-              <a:lvl4pPr marL="1600200" indent="-228600">
-                <a:defRPr>
-                  <a:solidFill>
-                    <a:schemeClr val="tx1"/>
-                  </a:solidFill>
-                  <a:latin typeface="Calibri" panose="020F0502020204030204" pitchFamily="34" charset="0"/>
-                </a:defRPr>
-              </a:lvl4pPr>
-              <a:lvl5pPr marL="2057400" indent="-228600">
-                <a:defRPr>
-                  <a:solidFill>
-                    <a:schemeClr val="tx1"/>
-                  </a:solidFill>
-                  <a:latin typeface="Calibri" panose="020F0502020204030204" pitchFamily="34" charset="0"/>
-                </a:defRPr>
-              </a:lvl5pPr>
-              <a:lvl6pPr marL="2514600" indent="-228600" eaLnBrk="0" fontAlgn="base" hangingPunct="0">
-                <a:spcBef>
-                  <a:spcPct val="0"/>
-                </a:spcBef>
-                <a:spcAft>
-                  <a:spcPct val="0"/>
-                </a:spcAft>
-                <a:defRPr>
-                  <a:solidFill>
-                    <a:schemeClr val="tx1"/>
-                  </a:solidFill>
-                  <a:latin typeface="Calibri" panose="020F0502020204030204" pitchFamily="34" charset="0"/>
-                </a:defRPr>
-              </a:lvl6pPr>
-              <a:lvl7pPr marL="2971800" indent="-228600" eaLnBrk="0" fontAlgn="base" hangingPunct="0">
-                <a:spcBef>
-                  <a:spcPct val="0"/>
-                </a:spcBef>
-                <a:spcAft>
-                  <a:spcPct val="0"/>
-                </a:spcAft>
-                <a:defRPr>
-                  <a:solidFill>
-                    <a:schemeClr val="tx1"/>
-                  </a:solidFill>
-                  <a:latin typeface="Calibri" panose="020F0502020204030204" pitchFamily="34" charset="0"/>
-                </a:defRPr>
-              </a:lvl7pPr>
-              <a:lvl8pPr marL="3429000" indent="-228600" eaLnBrk="0" fontAlgn="base" hangingPunct="0">
-                <a:spcBef>
-                  <a:spcPct val="0"/>
-                </a:spcBef>
-                <a:spcAft>
-                  <a:spcPct val="0"/>
-                </a:spcAft>
-                <a:defRPr>
-                  <a:solidFill>
-                    <a:schemeClr val="tx1"/>
-                  </a:solidFill>
-                  <a:latin typeface="Calibri" panose="020F0502020204030204" pitchFamily="34" charset="0"/>
-                </a:defRPr>
-              </a:lvl8pPr>
-              <a:lvl9pPr marL="3886200" indent="-228600" eaLnBrk="0" fontAlgn="base" hangingPunct="0">
-                <a:spcBef>
-                  <a:spcPct val="0"/>
-                </a:spcBef>
-                <a:spcAft>
-                  <a:spcPct val="0"/>
-                </a:spcAft>
-                <a:defRPr>
-                  <a:solidFill>
-                    <a:schemeClr val="tx1"/>
-                  </a:solidFill>
-                  <a:latin typeface="Calibri" panose="020F0502020204030204" pitchFamily="34" charset="0"/>
-                </a:defRPr>
-              </a:lvl9pPr>
-            </a:lstStyle>
-            <a:p>
-              <a:pPr fontAlgn="base">
-                <a:spcBef>
-                  <a:spcPct val="0"/>
-                </a:spcBef>
-                <a:spcAft>
-                  <a:spcPct val="0"/>
-                </a:spcAft>
-              </a:pPr>
-              <a:r>
-                <a:rPr lang="en-US" altLang="en-US" sz="1200" dirty="0">
-                  <a:solidFill>
-                    <a:srgbClr val="FFFFFF"/>
-                  </a:solidFill>
-                  <a:latin typeface="Arial" panose="020B0604020202020204" pitchFamily="34" charset="0"/>
-                  <a:ea typeface="Amazon Ember" panose="020B0603020204020204" pitchFamily="34" charset="0"/>
-                  <a:cs typeface="Arial" panose="020B0604020202020204" pitchFamily="34" charset="0"/>
-                </a:rPr>
-                <a:t>CloudWatch</a:t>
-              </a:r>
-              <a:br>
-                <a:rPr lang="en-US" altLang="en-US" sz="1200" dirty="0">
-                  <a:solidFill>
-                    <a:srgbClr val="FFFFFF"/>
-                  </a:solidFill>
-                  <a:latin typeface="Arial" panose="020B0604020202020204" pitchFamily="34" charset="0"/>
-                  <a:ea typeface="Amazon Ember" panose="020B0603020204020204" pitchFamily="34" charset="0"/>
-                  <a:cs typeface="Arial" panose="020B0604020202020204" pitchFamily="34" charset="0"/>
-                </a:rPr>
-              </a:br>
-              <a:r>
-                <a:rPr lang="en-US" altLang="en-US" sz="1200" i="1" dirty="0">
-                  <a:solidFill>
-                    <a:schemeClr val="bg2">
-                      <a:lumMod val="40000"/>
-                      <a:lumOff val="60000"/>
-                    </a:schemeClr>
-                  </a:solidFill>
-                  <a:effectLst>
-                    <a:glow>
-                      <a:schemeClr val="bg1"/>
-                    </a:glow>
-                  </a:effectLst>
-                  <a:latin typeface="+mn-lt"/>
-                </a:rPr>
-                <a:t>monitor sleepy consumers</a:t>
-              </a:r>
-            </a:p>
-          </p:txBody>
-        </p:sp>
-      </p:grpSp>
-      <p:sp>
-        <p:nvSpPr>
-          <p:cNvPr id="332" name="Rectangle 331">
-            <a:extLst>
-              <a:ext uri="{FF2B5EF4-FFF2-40B4-BE49-F238E27FC236}">
-                <a16:creationId xmlns:a16="http://schemas.microsoft.com/office/drawing/2014/main" id="{B7C823EE-183A-0F45-B0E1-ABFBB4DE0B1D}"/>
-              </a:ext>
-            </a:extLst>
-          </p:cNvPr>
-          <p:cNvSpPr/>
-          <p:nvPr/>
-        </p:nvSpPr>
-        <p:spPr>
-          <a:xfrm>
-            <a:off x="10029075" y="2420702"/>
-            <a:ext cx="1782887" cy="396571"/>
-          </a:xfrm>
-          <a:prstGeom prst="rect">
-            <a:avLst/>
-          </a:prstGeom>
-          <a:solidFill>
-            <a:srgbClr val="002060"/>
-          </a:solidFill>
-          <a:ln w="28575">
-            <a:solidFill>
-              <a:schemeClr val="tx1">
-                <a:lumMod val="50000"/>
-              </a:schemeClr>
-            </a:solidFill>
-            <a:prstDash val="solid"/>
-          </a:ln>
-        </p:spPr>
-        <p:style>
-          <a:lnRef idx="2">
-            <a:schemeClr val="accent1">
-              <a:shade val="50000"/>
-            </a:schemeClr>
-          </a:lnRef>
-          <a:fillRef idx="1">
-            <a:schemeClr val="accent1"/>
-          </a:fillRef>
-          <a:effectRef idx="0">
-            <a:schemeClr val="accent1"/>
-          </a:effectRef>
-          <a:fontRef idx="minor">
-            <a:schemeClr val="lt1"/>
-          </a:fontRef>
-        </p:style>
-        <p:txBody>
-          <a:bodyPr lIns="144000" tIns="144000" rIns="144000" bIns="144000" anchor="ctr"/>
-          <a:lstStyle/>
-          <a:p>
-            <a:pPr algn="ctr"/>
-            <a:r>
-              <a:rPr lang="en-US" sz="2800" baseline="-9000" dirty="0">
-                <a:solidFill>
-                  <a:schemeClr val="tx1"/>
-                </a:solidFill>
-                <a:effectLst>
-                  <a:glow>
-                    <a:schemeClr val="bg1"/>
-                  </a:glow>
-                </a:effectLst>
-              </a:rPr>
-              <a:t>🏌️‍♂️</a:t>
-            </a:r>
-            <a:r>
-              <a:rPr lang="en-US" sz="2000" dirty="0">
-                <a:solidFill>
-                  <a:schemeClr val="tx1"/>
-                </a:solidFill>
-                <a:latin typeface="+mj-lt"/>
-                <a:cs typeface="Arial" panose="020B0604020202020204" pitchFamily="34" charset="0"/>
-              </a:rPr>
-              <a:t>distributor </a:t>
-            </a:r>
-          </a:p>
-        </p:txBody>
-      </p:sp>
-      <p:sp>
-        <p:nvSpPr>
-          <p:cNvPr id="438" name="TextBox 437">
-            <a:extLst>
-              <a:ext uri="{FF2B5EF4-FFF2-40B4-BE49-F238E27FC236}">
-                <a16:creationId xmlns:a16="http://schemas.microsoft.com/office/drawing/2014/main" id="{B2A3DD03-EBA9-EFC3-EDF6-AC3A685EFC88}"/>
-              </a:ext>
-            </a:extLst>
-          </p:cNvPr>
-          <p:cNvSpPr txBox="1"/>
-          <p:nvPr/>
-        </p:nvSpPr>
-        <p:spPr>
-          <a:xfrm>
-            <a:off x="6068024" y="2096018"/>
-            <a:ext cx="365485" cy="417911"/>
-          </a:xfrm>
-          <a:prstGeom prst="rect">
-            <a:avLst/>
-          </a:prstGeom>
-          <a:noFill/>
-        </p:spPr>
-        <p:txBody>
-          <a:bodyPr wrap="none" lIns="0" rIns="0" rtlCol="0">
-            <a:noAutofit/>
-          </a:bodyPr>
-          <a:lstStyle/>
-          <a:p>
-            <a:pPr algn="l"/>
-            <a:r>
-              <a:rPr lang="en-US" dirty="0"/>
-              <a:t>      </a:t>
-            </a:r>
-          </a:p>
-        </p:txBody>
-      </p:sp>
-      <p:cxnSp>
-        <p:nvCxnSpPr>
-          <p:cNvPr id="442" name="Straight Arrow Connector 12">
-            <a:extLst>
-              <a:ext uri="{FF2B5EF4-FFF2-40B4-BE49-F238E27FC236}">
-                <a16:creationId xmlns:a16="http://schemas.microsoft.com/office/drawing/2014/main" id="{DBA95130-BADC-7F9D-EC8B-F4100650CD3E}"/>
-              </a:ext>
-            </a:extLst>
-          </p:cNvPr>
-          <p:cNvCxnSpPr>
-            <a:cxnSpLocks/>
-            <a:stCxn id="438" idx="0"/>
-            <a:endCxn id="198" idx="1"/>
-          </p:cNvCxnSpPr>
-          <p:nvPr/>
-        </p:nvCxnSpPr>
-        <p:spPr>
-          <a:xfrm rot="5400000" flipH="1" flipV="1">
-            <a:off x="7441856" y="-372479"/>
-            <a:ext cx="1277408" cy="3659587"/>
-          </a:xfrm>
-          <a:prstGeom prst="bentConnector2">
-            <a:avLst/>
-          </a:prstGeom>
-          <a:ln>
-            <a:solidFill>
-              <a:schemeClr val="tx1"/>
-            </a:solidFill>
-            <a:tailEnd type="triangle" w="lg" len="lg"/>
-          </a:ln>
-        </p:spPr>
-        <p:style>
-          <a:lnRef idx="3">
-            <a:schemeClr val="accent2"/>
-          </a:lnRef>
-          <a:fillRef idx="0">
-            <a:schemeClr val="accent2"/>
-          </a:fillRef>
-          <a:effectRef idx="2">
-            <a:schemeClr val="accent2"/>
-          </a:effectRef>
-          <a:fontRef idx="minor">
-            <a:schemeClr val="tx1"/>
-          </a:fontRef>
-        </p:style>
-      </p:cxnSp>
-      <p:sp>
-        <p:nvSpPr>
-          <p:cNvPr id="445" name="TextBox 12">
-            <a:extLst>
-              <a:ext uri="{FF2B5EF4-FFF2-40B4-BE49-F238E27FC236}">
-                <a16:creationId xmlns:a16="http://schemas.microsoft.com/office/drawing/2014/main" id="{0ECE997D-C717-9DD7-5161-7C5EF28480E9}"/>
-              </a:ext>
-            </a:extLst>
-          </p:cNvPr>
-          <p:cNvSpPr txBox="1">
-            <a:spLocks noChangeArrowheads="1"/>
-          </p:cNvSpPr>
-          <p:nvPr/>
-        </p:nvSpPr>
-        <p:spPr bwMode="auto">
-          <a:xfrm>
-            <a:off x="10943063" y="1459487"/>
-            <a:ext cx="1063475" cy="461665"/>
-          </a:xfrm>
-          <a:prstGeom prst="rect">
-            <a:avLst/>
-          </a:prstGeom>
-          <a:noFill/>
-          <a:ln>
-            <a:noFill/>
-          </a:ln>
-          <a:extLst>
-            <a:ext uri="{909E8E84-426E-40DD-AFC4-6F175D3DCCD1}">
-              <a14:hiddenFill xmlns:a14="http://schemas.microsoft.com/office/drawing/2010/main">
-                <a:solidFill>
-                  <a:srgbClr val="FFFFFF"/>
-                </a:solidFill>
-              </a14:hiddenFill>
-            </a:ext>
-            <a:ext uri="{91240B29-F687-4F45-9708-019B960494DF}">
-              <a14:hiddenLine xmlns:a14="http://schemas.microsoft.com/office/drawing/2010/main" w="9525">
-                <a:solidFill>
-                  <a:srgbClr val="000000"/>
-                </a:solidFill>
-                <a:miter lim="800000"/>
-                <a:headEnd/>
-                <a:tailEnd/>
-              </a14:hiddenLine>
-            </a:ext>
-          </a:extLst>
-        </p:spPr>
-        <p:txBody>
-          <a:bodyPr>
-            <a:spAutoFit/>
-          </a:bodyPr>
-          <a:lstStyle>
-            <a:lvl1pPr>
-              <a:defRPr>
-                <a:solidFill>
-                  <a:schemeClr val="tx1"/>
-                </a:solidFill>
-                <a:latin typeface="Calibri" panose="020F0502020204030204" pitchFamily="34" charset="0"/>
-              </a:defRPr>
-            </a:lvl1pPr>
-            <a:lvl2pPr marL="742950" indent="-285750">
-              <a:defRPr>
-                <a:solidFill>
-                  <a:schemeClr val="tx1"/>
-                </a:solidFill>
-                <a:latin typeface="Calibri" panose="020F0502020204030204" pitchFamily="34" charset="0"/>
-              </a:defRPr>
-            </a:lvl2pPr>
-            <a:lvl3pPr marL="1143000" indent="-228600">
-              <a:defRPr>
-                <a:solidFill>
-                  <a:schemeClr val="tx1"/>
-                </a:solidFill>
-                <a:latin typeface="Calibri" panose="020F0502020204030204" pitchFamily="34" charset="0"/>
-              </a:defRPr>
-            </a:lvl3pPr>
-            <a:lvl4pPr marL="1600200" indent="-228600">
-              <a:defRPr>
-                <a:solidFill>
-                  <a:schemeClr val="tx1"/>
-                </a:solidFill>
-                <a:latin typeface="Calibri" panose="020F0502020204030204" pitchFamily="34" charset="0"/>
-              </a:defRPr>
-            </a:lvl4pPr>
-            <a:lvl5pPr marL="2057400" indent="-228600">
-              <a:defRPr>
-                <a:solidFill>
-                  <a:schemeClr val="tx1"/>
-                </a:solidFill>
-                <a:latin typeface="Calibri" panose="020F0502020204030204" pitchFamily="34" charset="0"/>
-              </a:defRPr>
-            </a:lvl5pPr>
-            <a:lvl6pPr marL="2514600" indent="-228600" eaLnBrk="0" fontAlgn="base" hangingPunct="0">
-              <a:spcBef>
-                <a:spcPct val="0"/>
-              </a:spcBef>
-              <a:spcAft>
-                <a:spcPct val="0"/>
-              </a:spcAft>
-              <a:defRPr>
-                <a:solidFill>
-                  <a:schemeClr val="tx1"/>
-                </a:solidFill>
-                <a:latin typeface="Calibri" panose="020F0502020204030204" pitchFamily="34" charset="0"/>
-              </a:defRPr>
-            </a:lvl6pPr>
-            <a:lvl7pPr marL="2971800" indent="-228600" eaLnBrk="0" fontAlgn="base" hangingPunct="0">
-              <a:spcBef>
-                <a:spcPct val="0"/>
-              </a:spcBef>
-              <a:spcAft>
-                <a:spcPct val="0"/>
-              </a:spcAft>
-              <a:defRPr>
-                <a:solidFill>
-                  <a:schemeClr val="tx1"/>
-                </a:solidFill>
-                <a:latin typeface="Calibri" panose="020F0502020204030204" pitchFamily="34" charset="0"/>
-              </a:defRPr>
-            </a:lvl7pPr>
-            <a:lvl8pPr marL="3429000" indent="-228600" eaLnBrk="0" fontAlgn="base" hangingPunct="0">
-              <a:spcBef>
-                <a:spcPct val="0"/>
-              </a:spcBef>
-              <a:spcAft>
-                <a:spcPct val="0"/>
-              </a:spcAft>
-              <a:defRPr>
-                <a:solidFill>
-                  <a:schemeClr val="tx1"/>
-                </a:solidFill>
-                <a:latin typeface="Calibri" panose="020F0502020204030204" pitchFamily="34" charset="0"/>
-              </a:defRPr>
-            </a:lvl8pPr>
-            <a:lvl9pPr marL="3886200" indent="-228600" eaLnBrk="0" fontAlgn="base" hangingPunct="0">
-              <a:spcBef>
-                <a:spcPct val="0"/>
-              </a:spcBef>
-              <a:spcAft>
-                <a:spcPct val="0"/>
-              </a:spcAft>
-              <a:defRPr>
-                <a:solidFill>
-                  <a:schemeClr val="tx1"/>
-                </a:solidFill>
-                <a:latin typeface="Calibri" panose="020F0502020204030204" pitchFamily="34" charset="0"/>
-              </a:defRPr>
-            </a:lvl9pPr>
-          </a:lstStyle>
-          <a:p>
-            <a:pPr fontAlgn="base">
-              <a:spcBef>
-                <a:spcPct val="0"/>
-              </a:spcBef>
-              <a:spcAft>
-                <a:spcPct val="0"/>
-              </a:spcAft>
-            </a:pPr>
-            <a:r>
-              <a:rPr lang="en-US" altLang="en-US" sz="1200" i="1" dirty="0">
-                <a:solidFill>
-                  <a:schemeClr val="bg2">
-                    <a:lumMod val="40000"/>
-                    <a:lumOff val="60000"/>
-                  </a:schemeClr>
-                </a:solidFill>
-                <a:effectLst>
-                  <a:glow>
-                    <a:schemeClr val="bg1"/>
-                  </a:glow>
-                </a:effectLst>
-                <a:latin typeface="+mn-lt"/>
-              </a:rPr>
-              <a:t>pull batch,</a:t>
-            </a:r>
-            <a:br>
-              <a:rPr lang="en-US" altLang="en-US" sz="1200" i="1" dirty="0">
-                <a:solidFill>
-                  <a:schemeClr val="bg2">
-                    <a:lumMod val="40000"/>
-                    <a:lumOff val="60000"/>
-                  </a:schemeClr>
-                </a:solidFill>
-                <a:effectLst>
-                  <a:glow>
-                    <a:schemeClr val="bg1"/>
-                  </a:glow>
-                </a:effectLst>
-                <a:latin typeface="+mn-lt"/>
-              </a:rPr>
-            </a:br>
-            <a:r>
-              <a:rPr lang="en-US" altLang="en-US" sz="1200" i="1" dirty="0">
-                <a:solidFill>
-                  <a:schemeClr val="bg2">
-                    <a:lumMod val="40000"/>
-                    <a:lumOff val="60000"/>
-                  </a:schemeClr>
-                </a:solidFill>
-                <a:effectLst>
-                  <a:glow>
-                    <a:schemeClr val="bg1"/>
-                  </a:glow>
-                </a:effectLst>
-                <a:latin typeface="+mn-lt"/>
-              </a:rPr>
-              <a:t>delete batch</a:t>
-            </a:r>
-          </a:p>
-        </p:txBody>
-      </p:sp>
-      <p:sp>
-        <p:nvSpPr>
-          <p:cNvPr id="446" name="Rectangle 445">
-            <a:extLst>
-              <a:ext uri="{FF2B5EF4-FFF2-40B4-BE49-F238E27FC236}">
-                <a16:creationId xmlns:a16="http://schemas.microsoft.com/office/drawing/2014/main" id="{1BFF9219-D891-39EB-A50C-307F93F57292}"/>
-              </a:ext>
-            </a:extLst>
-          </p:cNvPr>
-          <p:cNvSpPr/>
-          <p:nvPr/>
-        </p:nvSpPr>
-        <p:spPr>
-          <a:xfrm>
-            <a:off x="5704175" y="2108029"/>
-            <a:ext cx="1094222" cy="393887"/>
-          </a:xfrm>
-          <a:prstGeom prst="rect">
-            <a:avLst/>
-          </a:prstGeom>
-          <a:solidFill>
-            <a:schemeClr val="accent1">
-              <a:lumMod val="40000"/>
-              <a:lumOff val="60000"/>
-            </a:schemeClr>
-          </a:solidFill>
-          <a:ln w="28575">
-            <a:solidFill>
-              <a:schemeClr val="tx1">
-                <a:lumMod val="50000"/>
-              </a:schemeClr>
-            </a:solidFill>
-            <a:prstDash val="solid"/>
-          </a:ln>
-        </p:spPr>
-        <p:style>
-          <a:lnRef idx="2">
-            <a:schemeClr val="accent1">
-              <a:shade val="50000"/>
-            </a:schemeClr>
-          </a:lnRef>
-          <a:fillRef idx="1">
-            <a:schemeClr val="accent1"/>
-          </a:fillRef>
-          <a:effectRef idx="0">
-            <a:schemeClr val="accent1"/>
-          </a:effectRef>
-          <a:fontRef idx="minor">
-            <a:schemeClr val="lt1"/>
-          </a:fontRef>
-        </p:style>
-        <p:txBody>
-          <a:bodyPr lIns="0" tIns="144000" rIns="0" bIns="144000" anchor="ctr"/>
-          <a:lstStyle/>
-          <a:p>
-            <a:pPr algn="ctr"/>
-            <a:r>
-              <a:rPr lang="en-GB" sz="2800" baseline="-9000" dirty="0">
-                <a:solidFill>
-                  <a:schemeClr val="tx1"/>
-                </a:solidFill>
-                <a:effectLst>
-                  <a:glow>
-                    <a:schemeClr val="bg1"/>
-                  </a:glow>
-                </a:effectLst>
-              </a:rPr>
-              <a:t>📮 </a:t>
-            </a:r>
-            <a:r>
-              <a:rPr lang="en-US" sz="2000" dirty="0">
-                <a:solidFill>
-                  <a:schemeClr val="bg1"/>
-                </a:solidFill>
-                <a:latin typeface="+mj-lt"/>
-                <a:cs typeface="Arial" panose="020B0604020202020204" pitchFamily="34" charset="0"/>
-              </a:rPr>
-              <a:t>post</a:t>
-            </a:r>
-            <a:endParaRPr lang="en-US" sz="1600" dirty="0">
-              <a:solidFill>
-                <a:schemeClr val="bg1"/>
-              </a:solidFill>
-              <a:latin typeface="+mj-lt"/>
-              <a:cs typeface="Arial" panose="020B0604020202020204" pitchFamily="34" charset="0"/>
-            </a:endParaRPr>
-          </a:p>
-        </p:txBody>
-      </p:sp>
-    </p:spTree>
-    <p:extLst>
-      <p:ext uri="{BB962C8B-B14F-4D97-AF65-F5344CB8AC3E}">
-        <p14:creationId xmlns:p14="http://schemas.microsoft.com/office/powerpoint/2010/main" val="485154437"/>
-      </p:ext>
-    </p:extLst>
-  </p:cSld>
-  <p:clrMapOvr>
-    <a:masterClrMapping/>
-  </p:clrMapOvr>
-  <mc:AlternateContent xmlns:mc="http://schemas.openxmlformats.org/markup-compatibility/2006" xmlns:p14="http://schemas.microsoft.com/office/powerpoint/2010/main">
-    <mc:Choice Requires="p14">
-      <p:transition spd="med" p14:dur="700">
-        <p:fade/>
-      </p:transition>
-    </mc:Choice>
-    <mc:Fallback xmlns="">
-      <p:transition spd="med">
-        <p:fade/>
-      </p:transition>
-    </mc:Fallback>
-  </mc:AlternateContent>
-</p:sld>
-</file>
-
-<file path=ppt/slides/slide6.xml><?xml version="1.0" encoding="utf-8"?>
-<p:sld xmlns:a="http://schemas.openxmlformats.org/drawingml/2006/main" xmlns:r="http://schemas.openxmlformats.org/officeDocument/2006/relationships" xmlns:p="http://schemas.openxmlformats.org/presentationml/2006/main">
-  <p:cSld>
-    <p:spTree>
-      <p:nvGrpSpPr>
-        <p:cNvPr id="1" name=""/>
-        <p:cNvGrpSpPr/>
-        <p:nvPr/>
-      </p:nvGrpSpPr>
-      <p:grpSpPr>
-        <a:xfrm>
-          <a:off x="0" y="0"/>
-          <a:ext cx="0" cy="0"/>
-          <a:chOff x="0" y="0"/>
-          <a:chExt cx="0" cy="0"/>
-        </a:xfrm>
-      </p:grpSpPr>
-      <p:cxnSp>
-        <p:nvCxnSpPr>
-          <p:cNvPr id="4" name="Straight Arrow Connector 38">
-            <a:extLst>
-              <a:ext uri="{FF2B5EF4-FFF2-40B4-BE49-F238E27FC236}">
-                <a16:creationId xmlns:a16="http://schemas.microsoft.com/office/drawing/2014/main" id="{773E4030-80AB-FBF6-8CE8-FF1CE473B714}"/>
-              </a:ext>
-            </a:extLst>
-          </p:cNvPr>
-          <p:cNvCxnSpPr>
-            <a:cxnSpLocks/>
-            <a:stCxn id="46" idx="0"/>
-          </p:cNvCxnSpPr>
-          <p:nvPr/>
-        </p:nvCxnSpPr>
-        <p:spPr>
-          <a:xfrm rot="16200000" flipV="1">
-            <a:off x="3677991" y="-345622"/>
-            <a:ext cx="1303663" cy="2755251"/>
-          </a:xfrm>
-          <a:prstGeom prst="bentConnector2">
-            <a:avLst/>
-          </a:prstGeom>
-          <a:ln w="19050" cap="rnd">
-            <a:solidFill>
-              <a:schemeClr val="tx1">
-                <a:lumMod val="75000"/>
-              </a:schemeClr>
-            </a:solidFill>
-            <a:round/>
-            <a:tailEnd type="triangle" w="lg" len="lg"/>
-          </a:ln>
-        </p:spPr>
-        <p:style>
-          <a:lnRef idx="1">
-            <a:schemeClr val="accent1"/>
-          </a:lnRef>
-          <a:fillRef idx="0">
-            <a:schemeClr val="accent1"/>
-          </a:fillRef>
-          <a:effectRef idx="0">
-            <a:schemeClr val="accent1"/>
-          </a:effectRef>
-          <a:fontRef idx="minor">
-            <a:schemeClr val="tx1"/>
-          </a:fontRef>
-        </p:style>
-      </p:cxnSp>
-      <p:sp>
-        <p:nvSpPr>
-          <p:cNvPr id="7" name="Rectangle 6">
-            <a:extLst>
-              <a:ext uri="{FF2B5EF4-FFF2-40B4-BE49-F238E27FC236}">
-                <a16:creationId xmlns:a16="http://schemas.microsoft.com/office/drawing/2014/main" id="{166EE473-4B40-CD60-3B6D-A9E28E7EC0D6}"/>
-              </a:ext>
-            </a:extLst>
-          </p:cNvPr>
-          <p:cNvSpPr/>
-          <p:nvPr/>
-        </p:nvSpPr>
-        <p:spPr>
-          <a:xfrm>
-            <a:off x="1544409" y="283208"/>
-            <a:ext cx="1338025" cy="431172"/>
-          </a:xfrm>
-          <a:prstGeom prst="rect">
-            <a:avLst/>
-          </a:prstGeom>
-          <a:solidFill>
-            <a:schemeClr val="tx1">
-              <a:lumMod val="95000"/>
-            </a:schemeClr>
-          </a:solidFill>
-          <a:ln w="28575">
-            <a:solidFill>
-              <a:schemeClr val="tx1">
-                <a:lumMod val="50000"/>
-              </a:schemeClr>
-            </a:solidFill>
-            <a:prstDash val="solid"/>
-          </a:ln>
-        </p:spPr>
-        <p:style>
-          <a:lnRef idx="2">
-            <a:schemeClr val="accent1">
-              <a:shade val="50000"/>
-            </a:schemeClr>
-          </a:lnRef>
-          <a:fillRef idx="1">
-            <a:schemeClr val="accent1"/>
-          </a:fillRef>
-          <a:effectRef idx="0">
-            <a:schemeClr val="accent1"/>
-          </a:effectRef>
-          <a:fontRef idx="minor">
-            <a:schemeClr val="lt1"/>
-          </a:fontRef>
-        </p:style>
-        <p:txBody>
-          <a:bodyPr lIns="144000" tIns="144000" rIns="144000" bIns="144000" anchor="ctr"/>
-          <a:lstStyle/>
-          <a:p>
-            <a:r>
-              <a:rPr lang="en-GB" sz="2800" baseline="-9000" dirty="0">
-                <a:solidFill>
-                  <a:schemeClr val="bg2">
-                    <a:lumMod val="40000"/>
-                    <a:lumOff val="60000"/>
-                  </a:schemeClr>
-                </a:solidFill>
-                <a:effectLst>
-                  <a:glow>
-                    <a:schemeClr val="bg1"/>
-                  </a:glow>
-                </a:effectLst>
-              </a:rPr>
-              <a:t>⌛</a:t>
-            </a:r>
-            <a:r>
-              <a:rPr lang="en-GB" sz="2000" dirty="0">
-                <a:solidFill>
-                  <a:sysClr val="windowText" lastClr="000000"/>
-                </a:solidFill>
-                <a:latin typeface="+mj-lt"/>
-                <a:cs typeface="Arial" panose="020B0604020202020204" pitchFamily="34" charset="0"/>
-              </a:rPr>
-              <a:t> Buffer</a:t>
-            </a:r>
-          </a:p>
-        </p:txBody>
-      </p:sp>
-      <p:sp>
-        <p:nvSpPr>
-          <p:cNvPr id="8" name="Rectangle 7">
-            <a:extLst>
-              <a:ext uri="{FF2B5EF4-FFF2-40B4-BE49-F238E27FC236}">
-                <a16:creationId xmlns:a16="http://schemas.microsoft.com/office/drawing/2014/main" id="{B7FE35BB-19F2-74F0-3110-5BBD8EC6B3D3}"/>
-              </a:ext>
-            </a:extLst>
-          </p:cNvPr>
-          <p:cNvSpPr/>
-          <p:nvPr/>
-        </p:nvSpPr>
-        <p:spPr>
-          <a:xfrm>
-            <a:off x="238628" y="1026491"/>
-            <a:ext cx="11787909" cy="1904333"/>
-          </a:xfrm>
-          <a:prstGeom prst="rect">
-            <a:avLst/>
-          </a:prstGeom>
-          <a:noFill/>
-          <a:ln w="15875" cap="flat" cmpd="sng" algn="ctr">
-            <a:solidFill>
-              <a:srgbClr val="FFFFFF"/>
-            </a:solidFill>
-            <a:prstDash val="solid"/>
-            <a:miter lim="800000"/>
-          </a:ln>
-          <a:effectLst/>
-        </p:spPr>
-        <p:txBody>
-          <a:bodyPr lIns="502920" tIns="91440"/>
-          <a:lstStyle/>
-          <a:p>
-            <a:pPr marL="0" marR="0" lvl="0" indent="0" defTabSz="914400" eaLnBrk="1" fontAlgn="auto" latinLnBrk="0" hangingPunct="1">
-              <a:lnSpc>
-                <a:spcPct val="100000"/>
-              </a:lnSpc>
-              <a:spcBef>
-                <a:spcPts val="0"/>
-              </a:spcBef>
-              <a:spcAft>
-                <a:spcPts val="0"/>
-              </a:spcAft>
-              <a:buClrTx/>
-              <a:buSzTx/>
-              <a:buFontTx/>
-              <a:buNone/>
-              <a:tabLst/>
-              <a:defRPr/>
-            </a:pPr>
-            <a:endParaRPr kumimoji="0" lang="en-US" sz="1200" b="0" i="0" u="none" strike="noStrike" kern="0" cap="none" spc="0" normalizeH="0" baseline="0" noProof="0" dirty="0">
-              <a:ln>
-                <a:noFill/>
-              </a:ln>
-              <a:solidFill>
-                <a:srgbClr val="FFFFFF"/>
-              </a:solidFill>
-              <a:effectLst/>
-              <a:uLnTx/>
-              <a:uFillTx/>
-              <a:latin typeface="Arial" panose="020B0604020202020204" pitchFamily="34" charset="0"/>
-              <a:ea typeface="+mn-ea"/>
-              <a:cs typeface="Arial" panose="020B0604020202020204" pitchFamily="34" charset="0"/>
-            </a:endParaRPr>
-          </a:p>
-        </p:txBody>
-      </p:sp>
-      <p:pic>
-        <p:nvPicPr>
-          <p:cNvPr id="9" name="Graphic 8">
-            <a:extLst>
-              <a:ext uri="{FF2B5EF4-FFF2-40B4-BE49-F238E27FC236}">
-                <a16:creationId xmlns:a16="http://schemas.microsoft.com/office/drawing/2014/main" id="{86A4477D-D23B-31EC-5ECE-3B616D20B59A}"/>
-              </a:ext>
-            </a:extLst>
-          </p:cNvPr>
-          <p:cNvPicPr>
-            <a:picLocks noChangeAspect="1"/>
-          </p:cNvPicPr>
-          <p:nvPr/>
-        </p:nvPicPr>
-        <p:blipFill>
-          <a:blip r:embed="rId3">
-            <a:extLst>
-              <a:ext uri="{96DAC541-7B7A-43D3-8B79-37D633B846F1}">
-                <asvg:svgBlip xmlns:asvg="http://schemas.microsoft.com/office/drawing/2016/SVG/main" r:embed="rId4"/>
-              </a:ext>
-            </a:extLst>
-          </a:blip>
-          <a:srcRect/>
-          <a:stretch/>
-        </p:blipFill>
-        <p:spPr>
-          <a:xfrm>
-            <a:off x="231366" y="1018952"/>
-            <a:ext cx="381000" cy="381000"/>
-          </a:xfrm>
-          <a:prstGeom prst="rect">
-            <a:avLst/>
-          </a:prstGeom>
-        </p:spPr>
-      </p:pic>
-      <p:sp>
-        <p:nvSpPr>
-          <p:cNvPr id="21" name="Rectangle 20">
-            <a:extLst>
-              <a:ext uri="{FF2B5EF4-FFF2-40B4-BE49-F238E27FC236}">
-                <a16:creationId xmlns:a16="http://schemas.microsoft.com/office/drawing/2014/main" id="{119B6A5E-CA7D-EC4B-527B-2D0543A710AB}"/>
-              </a:ext>
-            </a:extLst>
-          </p:cNvPr>
-          <p:cNvSpPr/>
-          <p:nvPr/>
-        </p:nvSpPr>
-        <p:spPr>
-          <a:xfrm>
-            <a:off x="2838050" y="2233811"/>
-            <a:ext cx="1167897" cy="393887"/>
-          </a:xfrm>
-          <a:prstGeom prst="rect">
-            <a:avLst/>
-          </a:prstGeom>
-          <a:solidFill>
-            <a:schemeClr val="bg1">
-              <a:lumMod val="85000"/>
-              <a:lumOff val="15000"/>
-            </a:schemeClr>
-          </a:solidFill>
-          <a:ln w="28575">
-            <a:solidFill>
-              <a:schemeClr val="tx1">
-                <a:lumMod val="50000"/>
-              </a:schemeClr>
-            </a:solidFill>
-            <a:prstDash val="solid"/>
-          </a:ln>
-        </p:spPr>
-        <p:style>
-          <a:lnRef idx="2">
-            <a:schemeClr val="accent1">
-              <a:shade val="50000"/>
-            </a:schemeClr>
-          </a:lnRef>
-          <a:fillRef idx="1">
-            <a:schemeClr val="accent1"/>
-          </a:fillRef>
-          <a:effectRef idx="0">
-            <a:schemeClr val="accent1"/>
-          </a:effectRef>
-          <a:fontRef idx="minor">
-            <a:schemeClr val="lt1"/>
-          </a:fontRef>
-        </p:style>
-        <p:txBody>
-          <a:bodyPr lIns="144000" tIns="144000" rIns="144000" bIns="144000" anchor="ctr"/>
-          <a:lstStyle/>
-          <a:p>
-            <a:pPr algn="ctr"/>
-            <a:r>
-              <a:rPr lang="en-GB" sz="2400" baseline="-9000" dirty="0">
-                <a:solidFill>
-                  <a:schemeClr val="bg2">
-                    <a:lumMod val="40000"/>
-                    <a:lumOff val="60000"/>
-                  </a:schemeClr>
-                </a:solidFill>
-                <a:effectLst>
-                  <a:glow>
-                    <a:schemeClr val="bg1"/>
-                  </a:glow>
-                </a:effectLst>
-              </a:rPr>
-              <a:t>📨</a:t>
-            </a:r>
-            <a:r>
-              <a:rPr lang="en-GB" dirty="0">
-                <a:solidFill>
-                  <a:sysClr val="windowText" lastClr="000000"/>
-                </a:solidFill>
-                <a:latin typeface="+mj-lt"/>
-                <a:cs typeface="Arial" panose="020B0604020202020204" pitchFamily="34" charset="0"/>
-              </a:rPr>
-              <a:t> </a:t>
-            </a:r>
-            <a:r>
-              <a:rPr lang="en-GB" dirty="0">
-                <a:solidFill>
-                  <a:schemeClr val="tx1"/>
-                </a:solidFill>
-                <a:latin typeface="+mj-lt"/>
-                <a:cs typeface="Arial" panose="020B0604020202020204" pitchFamily="34" charset="0"/>
-              </a:rPr>
-              <a:t>Inbox</a:t>
-            </a:r>
-          </a:p>
-        </p:txBody>
-      </p:sp>
-      <p:cxnSp>
-        <p:nvCxnSpPr>
-          <p:cNvPr id="24" name="Straight Arrow Connector 38">
-            <a:extLst>
-              <a:ext uri="{FF2B5EF4-FFF2-40B4-BE49-F238E27FC236}">
-                <a16:creationId xmlns:a16="http://schemas.microsoft.com/office/drawing/2014/main" id="{162F2726-75D1-F9D3-97C7-8EB9D7664B60}"/>
-              </a:ext>
-            </a:extLst>
-          </p:cNvPr>
-          <p:cNvCxnSpPr>
-            <a:cxnSpLocks/>
-            <a:stCxn id="25" idx="2"/>
-            <a:endCxn id="21" idx="1"/>
-          </p:cNvCxnSpPr>
-          <p:nvPr/>
-        </p:nvCxnSpPr>
-        <p:spPr>
-          <a:xfrm rot="16200000" flipH="1">
-            <a:off x="1705476" y="1298180"/>
-            <a:ext cx="1633363" cy="631785"/>
-          </a:xfrm>
-          <a:prstGeom prst="bentConnector2">
-            <a:avLst/>
-          </a:prstGeom>
-          <a:ln w="19050" cap="rnd">
-            <a:solidFill>
-              <a:schemeClr val="tx1">
-                <a:lumMod val="75000"/>
-              </a:schemeClr>
-            </a:solidFill>
-            <a:round/>
-            <a:tailEnd type="triangle" w="lg" len="lg"/>
-          </a:ln>
-        </p:spPr>
-        <p:style>
-          <a:lnRef idx="1">
-            <a:schemeClr val="accent1"/>
-          </a:lnRef>
-          <a:fillRef idx="0">
-            <a:schemeClr val="accent1"/>
-          </a:fillRef>
-          <a:effectRef idx="0">
-            <a:schemeClr val="accent1"/>
-          </a:effectRef>
-          <a:fontRef idx="minor">
-            <a:schemeClr val="tx1"/>
-          </a:fontRef>
-        </p:style>
-      </p:cxnSp>
-      <p:sp>
-        <p:nvSpPr>
-          <p:cNvPr id="25" name="TextBox 24">
-            <a:extLst>
-              <a:ext uri="{FF2B5EF4-FFF2-40B4-BE49-F238E27FC236}">
-                <a16:creationId xmlns:a16="http://schemas.microsoft.com/office/drawing/2014/main" id="{5D711E54-DDAE-800C-8CF4-57EDE0ED20EE}"/>
-              </a:ext>
-            </a:extLst>
-          </p:cNvPr>
-          <p:cNvSpPr txBox="1"/>
-          <p:nvPr/>
-        </p:nvSpPr>
-        <p:spPr>
-          <a:xfrm>
-            <a:off x="2023522" y="428060"/>
-            <a:ext cx="365485" cy="369332"/>
-          </a:xfrm>
-          <a:prstGeom prst="rect">
-            <a:avLst/>
-          </a:prstGeom>
-          <a:noFill/>
-        </p:spPr>
-        <p:txBody>
-          <a:bodyPr wrap="square" lIns="0" rIns="0" rtlCol="0">
-            <a:spAutoFit/>
-          </a:bodyPr>
-          <a:lstStyle/>
-          <a:p>
-            <a:pPr algn="l"/>
-            <a:r>
-              <a:rPr lang="en-US" dirty="0"/>
-              <a:t>      </a:t>
-            </a:r>
-          </a:p>
-        </p:txBody>
-      </p:sp>
-      <p:sp>
-        <p:nvSpPr>
-          <p:cNvPr id="26" name="TextBox 12">
-            <a:extLst>
-              <a:ext uri="{FF2B5EF4-FFF2-40B4-BE49-F238E27FC236}">
-                <a16:creationId xmlns:a16="http://schemas.microsoft.com/office/drawing/2014/main" id="{192D149A-349B-9421-304C-9C0A9E6E1858}"/>
-              </a:ext>
-            </a:extLst>
-          </p:cNvPr>
-          <p:cNvSpPr txBox="1">
-            <a:spLocks noChangeArrowheads="1"/>
-          </p:cNvSpPr>
-          <p:nvPr/>
-        </p:nvSpPr>
-        <p:spPr bwMode="auto">
-          <a:xfrm>
-            <a:off x="2239562" y="1093128"/>
-            <a:ext cx="2323353" cy="276999"/>
-          </a:xfrm>
-          <a:prstGeom prst="rect">
-            <a:avLst/>
-          </a:prstGeom>
-          <a:noFill/>
-          <a:ln>
-            <a:noFill/>
-          </a:ln>
-          <a:extLst>
-            <a:ext uri="{909E8E84-426E-40DD-AFC4-6F175D3DCCD1}">
-              <a14:hiddenFill xmlns:a14="http://schemas.microsoft.com/office/drawing/2010/main">
-                <a:solidFill>
-                  <a:srgbClr val="FFFFFF"/>
-                </a:solidFill>
-              </a14:hiddenFill>
-            </a:ext>
-            <a:ext uri="{91240B29-F687-4F45-9708-019B960494DF}">
-              <a14:hiddenLine xmlns:a14="http://schemas.microsoft.com/office/drawing/2010/main" w="9525">
-                <a:solidFill>
-                  <a:srgbClr val="000000"/>
-                </a:solidFill>
-                <a:miter lim="800000"/>
-                <a:headEnd/>
-                <a:tailEnd/>
-              </a14:hiddenLine>
-            </a:ext>
-          </a:extLst>
-        </p:spPr>
-        <p:txBody>
-          <a:bodyPr wrap="square">
-            <a:spAutoFit/>
-          </a:bodyPr>
-          <a:lstStyle>
-            <a:lvl1pPr>
-              <a:defRPr>
-                <a:solidFill>
-                  <a:schemeClr val="tx1"/>
-                </a:solidFill>
-                <a:latin typeface="Calibri" panose="020F0502020204030204" pitchFamily="34" charset="0"/>
-              </a:defRPr>
-            </a:lvl1pPr>
-            <a:lvl2pPr marL="742950" indent="-285750">
-              <a:defRPr>
-                <a:solidFill>
-                  <a:schemeClr val="tx1"/>
-                </a:solidFill>
-                <a:latin typeface="Calibri" panose="020F0502020204030204" pitchFamily="34" charset="0"/>
-              </a:defRPr>
-            </a:lvl2pPr>
-            <a:lvl3pPr marL="1143000" indent="-228600">
-              <a:defRPr>
-                <a:solidFill>
-                  <a:schemeClr val="tx1"/>
-                </a:solidFill>
-                <a:latin typeface="Calibri" panose="020F0502020204030204" pitchFamily="34" charset="0"/>
-              </a:defRPr>
-            </a:lvl3pPr>
-            <a:lvl4pPr marL="1600200" indent="-228600">
-              <a:defRPr>
-                <a:solidFill>
-                  <a:schemeClr val="tx1"/>
-                </a:solidFill>
-                <a:latin typeface="Calibri" panose="020F0502020204030204" pitchFamily="34" charset="0"/>
-              </a:defRPr>
-            </a:lvl4pPr>
-            <a:lvl5pPr marL="2057400" indent="-228600">
-              <a:defRPr>
-                <a:solidFill>
-                  <a:schemeClr val="tx1"/>
-                </a:solidFill>
-                <a:latin typeface="Calibri" panose="020F0502020204030204" pitchFamily="34" charset="0"/>
-              </a:defRPr>
-            </a:lvl5pPr>
-            <a:lvl6pPr marL="2514600" indent="-228600" eaLnBrk="0" fontAlgn="base" hangingPunct="0">
-              <a:spcBef>
-                <a:spcPct val="0"/>
-              </a:spcBef>
-              <a:spcAft>
-                <a:spcPct val="0"/>
-              </a:spcAft>
-              <a:defRPr>
-                <a:solidFill>
-                  <a:schemeClr val="tx1"/>
-                </a:solidFill>
-                <a:latin typeface="Calibri" panose="020F0502020204030204" pitchFamily="34" charset="0"/>
-              </a:defRPr>
-            </a:lvl6pPr>
-            <a:lvl7pPr marL="2971800" indent="-228600" eaLnBrk="0" fontAlgn="base" hangingPunct="0">
-              <a:spcBef>
-                <a:spcPct val="0"/>
-              </a:spcBef>
-              <a:spcAft>
-                <a:spcPct val="0"/>
-              </a:spcAft>
-              <a:defRPr>
-                <a:solidFill>
-                  <a:schemeClr val="tx1"/>
-                </a:solidFill>
-                <a:latin typeface="Calibri" panose="020F0502020204030204" pitchFamily="34" charset="0"/>
-              </a:defRPr>
-            </a:lvl7pPr>
-            <a:lvl8pPr marL="3429000" indent="-228600" eaLnBrk="0" fontAlgn="base" hangingPunct="0">
-              <a:spcBef>
-                <a:spcPct val="0"/>
-              </a:spcBef>
-              <a:spcAft>
-                <a:spcPct val="0"/>
-              </a:spcAft>
-              <a:defRPr>
-                <a:solidFill>
-                  <a:schemeClr val="tx1"/>
-                </a:solidFill>
-                <a:latin typeface="Calibri" panose="020F0502020204030204" pitchFamily="34" charset="0"/>
-              </a:defRPr>
-            </a:lvl8pPr>
-            <a:lvl9pPr marL="3886200" indent="-228600" eaLnBrk="0" fontAlgn="base" hangingPunct="0">
-              <a:spcBef>
-                <a:spcPct val="0"/>
-              </a:spcBef>
-              <a:spcAft>
-                <a:spcPct val="0"/>
-              </a:spcAft>
-              <a:defRPr>
-                <a:solidFill>
-                  <a:schemeClr val="tx1"/>
-                </a:solidFill>
-                <a:latin typeface="Calibri" panose="020F0502020204030204" pitchFamily="34" charset="0"/>
-              </a:defRPr>
-            </a:lvl9pPr>
-          </a:lstStyle>
-          <a:p>
-            <a:pPr fontAlgn="base">
-              <a:spcBef>
-                <a:spcPct val="0"/>
-              </a:spcBef>
-              <a:spcAft>
-                <a:spcPct val="0"/>
-              </a:spcAft>
-            </a:pPr>
-            <a:r>
-              <a:rPr lang="en-US" altLang="en-US" sz="1200" i="1" dirty="0">
-                <a:solidFill>
-                  <a:schemeClr val="bg2">
-                    <a:lumMod val="40000"/>
-                    <a:lumOff val="60000"/>
-                  </a:schemeClr>
-                </a:solidFill>
-                <a:effectLst>
-                  <a:glow>
-                    <a:schemeClr val="bg1"/>
-                  </a:glow>
-                </a:effectLst>
-                <a:latin typeface="+mn-lt"/>
-              </a:rPr>
-              <a:t>wake up, you’ve got messages!</a:t>
-            </a:r>
-          </a:p>
-        </p:txBody>
-      </p:sp>
-      <p:grpSp>
-        <p:nvGrpSpPr>
-          <p:cNvPr id="27" name="Group 26">
-            <a:extLst>
-              <a:ext uri="{FF2B5EF4-FFF2-40B4-BE49-F238E27FC236}">
-                <a16:creationId xmlns:a16="http://schemas.microsoft.com/office/drawing/2014/main" id="{2343108B-A3F8-E015-1122-BABE0F13489E}"/>
-              </a:ext>
-            </a:extLst>
-          </p:cNvPr>
-          <p:cNvGrpSpPr/>
-          <p:nvPr/>
-        </p:nvGrpSpPr>
-        <p:grpSpPr>
-          <a:xfrm>
-            <a:off x="5445918" y="2172848"/>
-            <a:ext cx="2052832" cy="518854"/>
-            <a:chOff x="4537167" y="5246272"/>
-            <a:chExt cx="2052832" cy="518854"/>
-          </a:xfrm>
-        </p:grpSpPr>
-        <p:grpSp>
-          <p:nvGrpSpPr>
-            <p:cNvPr id="28" name="Group 27">
-              <a:extLst>
-                <a:ext uri="{FF2B5EF4-FFF2-40B4-BE49-F238E27FC236}">
-                  <a16:creationId xmlns:a16="http://schemas.microsoft.com/office/drawing/2014/main" id="{5FF47D97-F81E-C34F-8524-4D76E123991F}"/>
-                </a:ext>
-              </a:extLst>
-            </p:cNvPr>
-            <p:cNvGrpSpPr/>
-            <p:nvPr/>
-          </p:nvGrpSpPr>
-          <p:grpSpPr>
-            <a:xfrm>
-              <a:off x="4537167" y="5246272"/>
-              <a:ext cx="2052832" cy="518854"/>
-              <a:chOff x="6440267" y="2476895"/>
-              <a:chExt cx="2052832" cy="518854"/>
-            </a:xfrm>
-          </p:grpSpPr>
-          <p:sp>
-            <p:nvSpPr>
-              <p:cNvPr id="30" name="Rectangle 29">
-                <a:extLst>
-                  <a:ext uri="{FF2B5EF4-FFF2-40B4-BE49-F238E27FC236}">
-                    <a16:creationId xmlns:a16="http://schemas.microsoft.com/office/drawing/2014/main" id="{D189DBB7-BEFF-4423-DBA8-0C2E51EAD8AF}"/>
-                  </a:ext>
-                </a:extLst>
-              </p:cNvPr>
-              <p:cNvSpPr/>
-              <p:nvPr/>
-            </p:nvSpPr>
-            <p:spPr>
-              <a:xfrm>
-                <a:off x="6440267" y="2476895"/>
-                <a:ext cx="2052832" cy="518854"/>
-              </a:xfrm>
-              <a:prstGeom prst="rect">
-                <a:avLst/>
-              </a:prstGeom>
-              <a:solidFill>
-                <a:schemeClr val="bg1">
-                  <a:lumMod val="85000"/>
-                  <a:lumOff val="15000"/>
-                </a:schemeClr>
-              </a:solidFill>
-              <a:ln>
-                <a:noFill/>
-              </a:ln>
-            </p:spPr>
-            <p:style>
-              <a:lnRef idx="2">
-                <a:schemeClr val="accent1">
-                  <a:shade val="50000"/>
-                </a:schemeClr>
-              </a:lnRef>
-              <a:fillRef idx="1">
-                <a:schemeClr val="accent1"/>
-              </a:fillRef>
-              <a:effectRef idx="0">
-                <a:schemeClr val="accent1"/>
-              </a:effectRef>
-              <a:fontRef idx="minor">
-                <a:schemeClr val="lt1"/>
-              </a:fontRef>
-            </p:style>
-            <p:txBody>
-              <a:bodyPr lIns="45720" tIns="45720" rIns="45720" bIns="72000" rtlCol="0" anchor="b"/>
-              <a:lstStyle/>
-              <a:p>
-                <a:pPr algn="ctr"/>
-                <a:endParaRPr lang="en-US" sz="1600" i="1" dirty="0">
-                  <a:solidFill>
-                    <a:schemeClr val="tx1">
-                      <a:lumMod val="75000"/>
-                    </a:schemeClr>
-                  </a:solidFill>
-                </a:endParaRPr>
-              </a:p>
-            </p:txBody>
-          </p:sp>
-          <p:pic>
-            <p:nvPicPr>
-              <p:cNvPr id="31" name="Graphic 10" descr="AWS Lambda service icon.">
-                <a:extLst>
-                  <a:ext uri="{FF2B5EF4-FFF2-40B4-BE49-F238E27FC236}">
-                    <a16:creationId xmlns:a16="http://schemas.microsoft.com/office/drawing/2014/main" id="{D02DF9BC-36F9-4B53-0680-52BD658D6F65}"/>
-                  </a:ext>
-                </a:extLst>
-              </p:cNvPr>
-              <p:cNvPicPr>
-                <a:picLocks noChangeAspect="1" noChangeArrowheads="1"/>
-              </p:cNvPicPr>
-              <p:nvPr/>
-            </p:nvPicPr>
-            <p:blipFill>
-              <a:blip r:embed="rId5">
-                <a:extLst>
-                  <a:ext uri="{96DAC541-7B7A-43D3-8B79-37D633B846F1}">
-                    <asvg:svgBlip xmlns:asvg="http://schemas.microsoft.com/office/drawing/2016/SVG/main" r:embed="rId6"/>
-                  </a:ext>
-                </a:extLst>
-              </a:blip>
-              <a:srcRect/>
-              <a:stretch/>
-            </p:blipFill>
-            <p:spPr bwMode="auto">
-              <a:xfrm>
-                <a:off x="6956201" y="2556322"/>
-                <a:ext cx="360000" cy="360000"/>
-              </a:xfrm>
-              <a:prstGeom prst="rect">
-                <a:avLst/>
-              </a:prstGeom>
-              <a:noFill/>
-              <a:ln>
-                <a:noFill/>
-              </a:ln>
-              <a:extLst>
-                <a:ext uri="{909E8E84-426E-40DD-AFC4-6F175D3DCCD1}">
-                  <a14:hiddenFill xmlns:a14="http://schemas.microsoft.com/office/drawing/2010/main">
-                    <a:solidFill>
-                      <a:srgbClr val="FFFFFF"/>
-                    </a:solidFill>
-                  </a14:hiddenFill>
-                </a:ext>
-                <a:ext uri="{91240B29-F687-4F45-9708-019B960494DF}">
-                  <a14:hiddenLine xmlns:a14="http://schemas.microsoft.com/office/drawing/2010/main" w="9525">
-                    <a:solidFill>
-                      <a:srgbClr val="000000"/>
-                    </a:solidFill>
-                    <a:miter lim="800000"/>
-                    <a:headEnd/>
-                    <a:tailEnd/>
-                  </a14:hiddenLine>
-                </a:ext>
-              </a:extLst>
-            </p:spPr>
-          </p:pic>
-          <p:sp>
-            <p:nvSpPr>
-              <p:cNvPr id="32" name="TextBox 31">
-                <a:extLst>
-                  <a:ext uri="{FF2B5EF4-FFF2-40B4-BE49-F238E27FC236}">
-                    <a16:creationId xmlns:a16="http://schemas.microsoft.com/office/drawing/2014/main" id="{6DF84C06-599C-2243-8AE8-434D90127C10}"/>
-                  </a:ext>
-                </a:extLst>
-              </p:cNvPr>
-              <p:cNvSpPr txBox="1"/>
-              <p:nvPr/>
-            </p:nvSpPr>
-            <p:spPr>
-              <a:xfrm>
-                <a:off x="7316200" y="2522092"/>
-                <a:ext cx="1174057" cy="461665"/>
-              </a:xfrm>
-              <a:prstGeom prst="rect">
-                <a:avLst/>
-              </a:prstGeom>
-              <a:noFill/>
-            </p:spPr>
-            <p:txBody>
-              <a:bodyPr wrap="square">
-                <a:spAutoFit/>
-              </a:bodyPr>
-              <a:lstStyle/>
-              <a:p>
-                <a:pPr fontAlgn="base">
-                  <a:spcBef>
-                    <a:spcPct val="0"/>
-                  </a:spcBef>
-                  <a:spcAft>
-                    <a:spcPct val="0"/>
-                  </a:spcAft>
-                </a:pPr>
-                <a:r>
-                  <a:rPr lang="en-US" altLang="en-US" sz="1200" dirty="0">
-                    <a:solidFill>
-                      <a:srgbClr val="FFFFFF"/>
-                    </a:solidFill>
-                    <a:latin typeface="Arial" panose="020B0604020202020204" pitchFamily="34" charset="0"/>
-                    <a:ea typeface="Amazon Ember" panose="020B0603020204020204" pitchFamily="34" charset="0"/>
-                    <a:cs typeface="Arial" panose="020B0604020202020204" pitchFamily="34" charset="0"/>
-                  </a:rPr>
-                  <a:t>SQS, Lambda</a:t>
-                </a:r>
-                <a:br>
-                  <a:rPr lang="en-US" altLang="en-US" sz="1200" i="1" dirty="0">
-                    <a:solidFill>
-                      <a:schemeClr val="bg2">
-                        <a:lumMod val="40000"/>
-                        <a:lumOff val="60000"/>
-                      </a:schemeClr>
-                    </a:solidFill>
-                    <a:effectLst>
-                      <a:glow>
-                        <a:schemeClr val="bg1"/>
-                      </a:glow>
-                    </a:effectLst>
-                    <a:ea typeface="Amazon Ember" panose="020B0603020204020204" pitchFamily="34" charset="0"/>
-                    <a:cs typeface="Arial" panose="020B0604020202020204" pitchFamily="34" charset="0"/>
-                  </a:rPr>
-                </a:br>
-                <a:r>
-                  <a:rPr lang="en-US" altLang="en-US" sz="1200" i="1" dirty="0">
-                    <a:solidFill>
-                      <a:schemeClr val="bg2">
-                        <a:lumMod val="40000"/>
-                        <a:lumOff val="60000"/>
-                      </a:schemeClr>
-                    </a:solidFill>
-                    <a:effectLst>
-                      <a:glow>
-                        <a:schemeClr val="bg1"/>
-                      </a:glow>
-                    </a:effectLst>
-                    <a:ea typeface="Amazon Ember" panose="020B0603020204020204" pitchFamily="34" charset="0"/>
-                    <a:cs typeface="Arial" panose="020B0604020202020204" pitchFamily="34" charset="0"/>
-                  </a:rPr>
-                  <a:t>start puller</a:t>
-                </a:r>
-              </a:p>
-            </p:txBody>
-          </p:sp>
-        </p:grpSp>
-        <p:pic>
-          <p:nvPicPr>
-            <p:cNvPr id="29" name="Graphic 26" descr="Amazon Simple Queue Service (Amazon SQS) service icon.">
-              <a:extLst>
-                <a:ext uri="{FF2B5EF4-FFF2-40B4-BE49-F238E27FC236}">
-                  <a16:creationId xmlns:a16="http://schemas.microsoft.com/office/drawing/2014/main" id="{D9388768-4553-54C4-2C18-820907A79ADD}"/>
-                </a:ext>
-              </a:extLst>
-            </p:cNvPr>
-            <p:cNvPicPr>
-              <a:picLocks noChangeAspect="1" noChangeArrowheads="1"/>
-            </p:cNvPicPr>
-            <p:nvPr/>
-          </p:nvPicPr>
-          <p:blipFill>
-            <a:blip r:embed="rId7">
-              <a:extLst>
-                <a:ext uri="{96DAC541-7B7A-43D3-8B79-37D633B846F1}">
-                  <asvg:svgBlip xmlns:asvg="http://schemas.microsoft.com/office/drawing/2016/SVG/main" r:embed="rId8"/>
-                </a:ext>
-              </a:extLst>
-            </a:blip>
-            <a:srcRect/>
-            <a:stretch/>
-          </p:blipFill>
-          <p:spPr bwMode="auto">
-            <a:xfrm>
-              <a:off x="4618464" y="5325699"/>
-              <a:ext cx="360000" cy="360000"/>
-            </a:xfrm>
-            <a:prstGeom prst="rect">
-              <a:avLst/>
-            </a:prstGeom>
-            <a:noFill/>
-            <a:ln>
-              <a:noFill/>
-            </a:ln>
-            <a:extLst>
-              <a:ext uri="{909E8E84-426E-40DD-AFC4-6F175D3DCCD1}">
-                <a14:hiddenFill xmlns:a14="http://schemas.microsoft.com/office/drawing/2010/main">
-                  <a:solidFill>
-                    <a:srgbClr val="FFFFFF"/>
-                  </a:solidFill>
-                </a14:hiddenFill>
-              </a:ext>
-              <a:ext uri="{91240B29-F687-4F45-9708-019B960494DF}">
-                <a14:hiddenLine xmlns:a14="http://schemas.microsoft.com/office/drawing/2010/main" w="9525">
-                  <a:solidFill>
-                    <a:srgbClr val="000000"/>
-                  </a:solidFill>
-                  <a:miter lim="800000"/>
-                  <a:headEnd/>
-                  <a:tailEnd/>
-                </a14:hiddenLine>
-              </a:ext>
-            </a:extLst>
-          </p:spPr>
-        </p:pic>
-      </p:grpSp>
-      <p:grpSp>
-        <p:nvGrpSpPr>
-          <p:cNvPr id="33" name="Group 32">
-            <a:extLst>
-              <a:ext uri="{FF2B5EF4-FFF2-40B4-BE49-F238E27FC236}">
-                <a16:creationId xmlns:a16="http://schemas.microsoft.com/office/drawing/2014/main" id="{F6C355C0-50E7-04A8-547A-88EA2768C6C7}"/>
-              </a:ext>
-            </a:extLst>
-          </p:cNvPr>
-          <p:cNvGrpSpPr/>
-          <p:nvPr/>
-        </p:nvGrpSpPr>
-        <p:grpSpPr>
-          <a:xfrm>
-            <a:off x="9163819" y="1595352"/>
-            <a:ext cx="2060095" cy="518854"/>
-            <a:chOff x="4537167" y="5246272"/>
-            <a:chExt cx="2060095" cy="518854"/>
-          </a:xfrm>
-        </p:grpSpPr>
-        <p:grpSp>
-          <p:nvGrpSpPr>
-            <p:cNvPr id="34" name="Group 33">
-              <a:extLst>
-                <a:ext uri="{FF2B5EF4-FFF2-40B4-BE49-F238E27FC236}">
-                  <a16:creationId xmlns:a16="http://schemas.microsoft.com/office/drawing/2014/main" id="{9FACC342-023F-5756-9959-FFA7858A9AB9}"/>
-                </a:ext>
-              </a:extLst>
-            </p:cNvPr>
-            <p:cNvGrpSpPr/>
-            <p:nvPr/>
-          </p:nvGrpSpPr>
-          <p:grpSpPr>
-            <a:xfrm>
-              <a:off x="4537167" y="5246272"/>
-              <a:ext cx="2060095" cy="518854"/>
-              <a:chOff x="6440267" y="2476895"/>
-              <a:chExt cx="2060095" cy="518854"/>
-            </a:xfrm>
-          </p:grpSpPr>
-          <p:sp>
-            <p:nvSpPr>
-              <p:cNvPr id="36" name="Rectangle 35">
-                <a:extLst>
-                  <a:ext uri="{FF2B5EF4-FFF2-40B4-BE49-F238E27FC236}">
-                    <a16:creationId xmlns:a16="http://schemas.microsoft.com/office/drawing/2014/main" id="{9500EC4B-4634-28BE-796B-097EE576C585}"/>
-                  </a:ext>
-                </a:extLst>
-              </p:cNvPr>
-              <p:cNvSpPr/>
-              <p:nvPr/>
-            </p:nvSpPr>
-            <p:spPr>
-              <a:xfrm>
-                <a:off x="6440267" y="2476895"/>
-                <a:ext cx="2052832" cy="518854"/>
-              </a:xfrm>
-              <a:prstGeom prst="rect">
-                <a:avLst/>
-              </a:prstGeom>
-              <a:solidFill>
-                <a:schemeClr val="bg1">
-                  <a:lumMod val="85000"/>
-                  <a:lumOff val="15000"/>
-                </a:schemeClr>
-              </a:solidFill>
-              <a:ln>
-                <a:noFill/>
-              </a:ln>
-            </p:spPr>
-            <p:style>
-              <a:lnRef idx="2">
-                <a:schemeClr val="accent1">
-                  <a:shade val="50000"/>
-                </a:schemeClr>
-              </a:lnRef>
-              <a:fillRef idx="1">
-                <a:schemeClr val="accent1"/>
-              </a:fillRef>
-              <a:effectRef idx="0">
-                <a:schemeClr val="accent1"/>
-              </a:effectRef>
-              <a:fontRef idx="minor">
-                <a:schemeClr val="lt1"/>
-              </a:fontRef>
-            </p:style>
-            <p:txBody>
-              <a:bodyPr lIns="45720" tIns="45720" rIns="45720" bIns="72000" rtlCol="0" anchor="b"/>
-              <a:lstStyle/>
-              <a:p>
-                <a:pPr algn="ctr"/>
-                <a:endParaRPr lang="en-US" sz="1600" i="1" dirty="0">
-                  <a:solidFill>
-                    <a:schemeClr val="tx1">
-                      <a:lumMod val="75000"/>
-                    </a:schemeClr>
-                  </a:solidFill>
-                </a:endParaRPr>
-              </a:p>
-            </p:txBody>
-          </p:sp>
-          <p:pic>
-            <p:nvPicPr>
-              <p:cNvPr id="37" name="Graphic 10" descr="AWS Lambda service icon.">
-                <a:extLst>
-                  <a:ext uri="{FF2B5EF4-FFF2-40B4-BE49-F238E27FC236}">
-                    <a16:creationId xmlns:a16="http://schemas.microsoft.com/office/drawing/2014/main" id="{5FEFB481-E79D-FE35-4407-FEEE79CAD487}"/>
-                  </a:ext>
-                </a:extLst>
-              </p:cNvPr>
-              <p:cNvPicPr>
-                <a:picLocks noChangeAspect="1" noChangeArrowheads="1"/>
-              </p:cNvPicPr>
-              <p:nvPr/>
-            </p:nvPicPr>
-            <p:blipFill>
-              <a:blip r:embed="rId5">
-                <a:extLst>
-                  <a:ext uri="{96DAC541-7B7A-43D3-8B79-37D633B846F1}">
-                    <asvg:svgBlip xmlns:asvg="http://schemas.microsoft.com/office/drawing/2016/SVG/main" r:embed="rId6"/>
-                  </a:ext>
-                </a:extLst>
-              </a:blip>
-              <a:srcRect/>
-              <a:stretch/>
-            </p:blipFill>
-            <p:spPr bwMode="auto">
-              <a:xfrm>
-                <a:off x="6956201" y="2556322"/>
-                <a:ext cx="360000" cy="360000"/>
-              </a:xfrm>
-              <a:prstGeom prst="rect">
-                <a:avLst/>
-              </a:prstGeom>
-              <a:noFill/>
-              <a:ln>
-                <a:noFill/>
-              </a:ln>
-              <a:extLst>
-                <a:ext uri="{909E8E84-426E-40DD-AFC4-6F175D3DCCD1}">
-                  <a14:hiddenFill xmlns:a14="http://schemas.microsoft.com/office/drawing/2010/main">
-                    <a:solidFill>
-                      <a:srgbClr val="FFFFFF"/>
-                    </a:solidFill>
-                  </a14:hiddenFill>
-                </a:ext>
-                <a:ext uri="{91240B29-F687-4F45-9708-019B960494DF}">
-                  <a14:hiddenLine xmlns:a14="http://schemas.microsoft.com/office/drawing/2010/main" w="9525">
-                    <a:solidFill>
-                      <a:srgbClr val="000000"/>
-                    </a:solidFill>
-                    <a:miter lim="800000"/>
-                    <a:headEnd/>
-                    <a:tailEnd/>
-                  </a14:hiddenLine>
-                </a:ext>
-              </a:extLst>
-            </p:spPr>
-          </p:pic>
-          <p:sp>
-            <p:nvSpPr>
-              <p:cNvPr id="38" name="TextBox 37">
-                <a:extLst>
-                  <a:ext uri="{FF2B5EF4-FFF2-40B4-BE49-F238E27FC236}">
-                    <a16:creationId xmlns:a16="http://schemas.microsoft.com/office/drawing/2014/main" id="{48285316-E4F0-314D-9F40-E92123F2687E}"/>
-                  </a:ext>
-                </a:extLst>
-              </p:cNvPr>
-              <p:cNvSpPr txBox="1"/>
-              <p:nvPr/>
-            </p:nvSpPr>
-            <p:spPr>
-              <a:xfrm>
-                <a:off x="7316200" y="2513383"/>
-                <a:ext cx="1184162" cy="461665"/>
-              </a:xfrm>
-              <a:prstGeom prst="rect">
-                <a:avLst/>
-              </a:prstGeom>
-              <a:noFill/>
-            </p:spPr>
-            <p:txBody>
-              <a:bodyPr wrap="square">
-                <a:spAutoFit/>
-              </a:bodyPr>
-              <a:lstStyle/>
-              <a:p>
-                <a:pPr fontAlgn="base">
-                  <a:spcBef>
-                    <a:spcPct val="0"/>
-                  </a:spcBef>
-                  <a:spcAft>
-                    <a:spcPct val="0"/>
-                  </a:spcAft>
-                </a:pPr>
-                <a:r>
-                  <a:rPr lang="en-US" altLang="en-US" sz="1200" dirty="0">
-                    <a:solidFill>
-                      <a:srgbClr val="FFFFFF"/>
-                    </a:solidFill>
-                    <a:latin typeface="Arial" panose="020B0604020202020204" pitchFamily="34" charset="0"/>
-                    <a:ea typeface="Amazon Ember" panose="020B0603020204020204" pitchFamily="34" charset="0"/>
-                    <a:cs typeface="Arial" panose="020B0604020202020204" pitchFamily="34" charset="0"/>
-                  </a:rPr>
-                  <a:t>SQS, Lambda</a:t>
-                </a:r>
-                <a:br>
-                  <a:rPr lang="en-US" altLang="en-US" sz="1200" i="1" dirty="0">
-                    <a:solidFill>
-                      <a:schemeClr val="bg2">
-                        <a:lumMod val="40000"/>
-                        <a:lumOff val="60000"/>
-                      </a:schemeClr>
-                    </a:solidFill>
-                    <a:effectLst>
-                      <a:glow>
-                        <a:schemeClr val="bg1"/>
-                      </a:glow>
-                    </a:effectLst>
-                    <a:ea typeface="Amazon Ember" panose="020B0603020204020204" pitchFamily="34" charset="0"/>
-                    <a:cs typeface="Arial" panose="020B0604020202020204" pitchFamily="34" charset="0"/>
-                  </a:rPr>
-                </a:br>
-                <a:r>
-                  <a:rPr lang="en-US" altLang="en-US" sz="1200" i="1" dirty="0">
-                    <a:solidFill>
-                      <a:schemeClr val="bg2">
-                        <a:lumMod val="40000"/>
-                        <a:lumOff val="60000"/>
-                      </a:schemeClr>
-                    </a:solidFill>
-                    <a:effectLst>
-                      <a:glow>
-                        <a:schemeClr val="bg1"/>
-                      </a:glow>
-                    </a:effectLst>
-                    <a:ea typeface="Amazon Ember" panose="020B0603020204020204" pitchFamily="34" charset="0"/>
-                    <a:cs typeface="Arial" panose="020B0604020202020204" pitchFamily="34" charset="0"/>
-                  </a:rPr>
-                  <a:t>item handler</a:t>
-                </a:r>
-              </a:p>
-            </p:txBody>
-          </p:sp>
-        </p:grpSp>
-        <p:pic>
-          <p:nvPicPr>
-            <p:cNvPr id="35" name="Graphic 26" descr="Amazon Simple Queue Service (Amazon SQS) service icon.">
-              <a:extLst>
-                <a:ext uri="{FF2B5EF4-FFF2-40B4-BE49-F238E27FC236}">
-                  <a16:creationId xmlns:a16="http://schemas.microsoft.com/office/drawing/2014/main" id="{6090AD27-1B13-497E-F615-D311CC374F1B}"/>
-                </a:ext>
-              </a:extLst>
-            </p:cNvPr>
-            <p:cNvPicPr>
-              <a:picLocks noChangeAspect="1" noChangeArrowheads="1"/>
-            </p:cNvPicPr>
-            <p:nvPr/>
-          </p:nvPicPr>
-          <p:blipFill>
-            <a:blip r:embed="rId7">
-              <a:extLst>
-                <a:ext uri="{96DAC541-7B7A-43D3-8B79-37D633B846F1}">
-                  <asvg:svgBlip xmlns:asvg="http://schemas.microsoft.com/office/drawing/2016/SVG/main" r:embed="rId8"/>
-                </a:ext>
-              </a:extLst>
-            </a:blip>
-            <a:srcRect/>
-            <a:stretch/>
-          </p:blipFill>
-          <p:spPr bwMode="auto">
-            <a:xfrm>
-              <a:off x="4618464" y="5325699"/>
-              <a:ext cx="360000" cy="360000"/>
-            </a:xfrm>
-            <a:prstGeom prst="rect">
-              <a:avLst/>
-            </a:prstGeom>
-            <a:noFill/>
-            <a:ln>
-              <a:noFill/>
-            </a:ln>
-            <a:extLst>
-              <a:ext uri="{909E8E84-426E-40DD-AFC4-6F175D3DCCD1}">
-                <a14:hiddenFill xmlns:a14="http://schemas.microsoft.com/office/drawing/2010/main">
-                  <a:solidFill>
-                    <a:srgbClr val="FFFFFF"/>
-                  </a:solidFill>
-                </a14:hiddenFill>
-              </a:ext>
-              <a:ext uri="{91240B29-F687-4F45-9708-019B960494DF}">
-                <a14:hiddenLine xmlns:a14="http://schemas.microsoft.com/office/drawing/2010/main" w="9525">
-                  <a:solidFill>
-                    <a:srgbClr val="000000"/>
-                  </a:solidFill>
-                  <a:miter lim="800000"/>
-                  <a:headEnd/>
-                  <a:tailEnd/>
-                </a14:hiddenLine>
-              </a:ext>
-            </a:extLst>
-          </p:spPr>
-        </p:pic>
-      </p:grpSp>
-      <p:sp>
-        <p:nvSpPr>
-          <p:cNvPr id="39" name="TextBox 12">
-            <a:extLst>
-              <a:ext uri="{FF2B5EF4-FFF2-40B4-BE49-F238E27FC236}">
-                <a16:creationId xmlns:a16="http://schemas.microsoft.com/office/drawing/2014/main" id="{9093BE9E-18A6-8D24-CB5A-58848CBD4994}"/>
-              </a:ext>
-            </a:extLst>
-          </p:cNvPr>
-          <p:cNvSpPr txBox="1">
-            <a:spLocks noChangeArrowheads="1"/>
-          </p:cNvSpPr>
-          <p:nvPr/>
-        </p:nvSpPr>
-        <p:spPr bwMode="auto">
-          <a:xfrm>
-            <a:off x="7897407" y="1356206"/>
-            <a:ext cx="1345110" cy="461665"/>
-          </a:xfrm>
-          <a:prstGeom prst="rect">
-            <a:avLst/>
-          </a:prstGeom>
-          <a:noFill/>
-          <a:ln>
-            <a:noFill/>
-          </a:ln>
-          <a:extLst>
-            <a:ext uri="{909E8E84-426E-40DD-AFC4-6F175D3DCCD1}">
-              <a14:hiddenFill xmlns:a14="http://schemas.microsoft.com/office/drawing/2010/main">
-                <a:solidFill>
-                  <a:srgbClr val="FFFFFF"/>
-                </a:solidFill>
-              </a14:hiddenFill>
-            </a:ext>
-            <a:ext uri="{91240B29-F687-4F45-9708-019B960494DF}">
-              <a14:hiddenLine xmlns:a14="http://schemas.microsoft.com/office/drawing/2010/main" w="9525">
-                <a:solidFill>
-                  <a:srgbClr val="000000"/>
-                </a:solidFill>
-                <a:miter lim="800000"/>
-                <a:headEnd/>
-                <a:tailEnd/>
-              </a14:hiddenLine>
-            </a:ext>
-          </a:extLst>
-        </p:spPr>
-        <p:txBody>
-          <a:bodyPr wrap="square">
-            <a:spAutoFit/>
-          </a:bodyPr>
-          <a:lstStyle>
-            <a:lvl1pPr>
-              <a:defRPr>
-                <a:solidFill>
-                  <a:schemeClr val="tx1"/>
-                </a:solidFill>
-                <a:latin typeface="Calibri" panose="020F0502020204030204" pitchFamily="34" charset="0"/>
-              </a:defRPr>
-            </a:lvl1pPr>
-            <a:lvl2pPr marL="742950" indent="-285750">
-              <a:defRPr>
-                <a:solidFill>
-                  <a:schemeClr val="tx1"/>
-                </a:solidFill>
-                <a:latin typeface="Calibri" panose="020F0502020204030204" pitchFamily="34" charset="0"/>
-              </a:defRPr>
-            </a:lvl2pPr>
-            <a:lvl3pPr marL="1143000" indent="-228600">
-              <a:defRPr>
-                <a:solidFill>
-                  <a:schemeClr val="tx1"/>
-                </a:solidFill>
-                <a:latin typeface="Calibri" panose="020F0502020204030204" pitchFamily="34" charset="0"/>
-              </a:defRPr>
-            </a:lvl3pPr>
-            <a:lvl4pPr marL="1600200" indent="-228600">
-              <a:defRPr>
-                <a:solidFill>
-                  <a:schemeClr val="tx1"/>
-                </a:solidFill>
-                <a:latin typeface="Calibri" panose="020F0502020204030204" pitchFamily="34" charset="0"/>
-              </a:defRPr>
-            </a:lvl4pPr>
-            <a:lvl5pPr marL="2057400" indent="-228600">
-              <a:defRPr>
-                <a:solidFill>
-                  <a:schemeClr val="tx1"/>
-                </a:solidFill>
-                <a:latin typeface="Calibri" panose="020F0502020204030204" pitchFamily="34" charset="0"/>
-              </a:defRPr>
-            </a:lvl5pPr>
-            <a:lvl6pPr marL="2514600" indent="-228600" eaLnBrk="0" fontAlgn="base" hangingPunct="0">
-              <a:spcBef>
-                <a:spcPct val="0"/>
-              </a:spcBef>
-              <a:spcAft>
-                <a:spcPct val="0"/>
-              </a:spcAft>
-              <a:defRPr>
-                <a:solidFill>
-                  <a:schemeClr val="tx1"/>
-                </a:solidFill>
-                <a:latin typeface="Calibri" panose="020F0502020204030204" pitchFamily="34" charset="0"/>
-              </a:defRPr>
-            </a:lvl6pPr>
-            <a:lvl7pPr marL="2971800" indent="-228600" eaLnBrk="0" fontAlgn="base" hangingPunct="0">
-              <a:spcBef>
-                <a:spcPct val="0"/>
-              </a:spcBef>
-              <a:spcAft>
-                <a:spcPct val="0"/>
-              </a:spcAft>
-              <a:defRPr>
-                <a:solidFill>
-                  <a:schemeClr val="tx1"/>
-                </a:solidFill>
-                <a:latin typeface="Calibri" panose="020F0502020204030204" pitchFamily="34" charset="0"/>
-              </a:defRPr>
-            </a:lvl7pPr>
-            <a:lvl8pPr marL="3429000" indent="-228600" eaLnBrk="0" fontAlgn="base" hangingPunct="0">
-              <a:spcBef>
-                <a:spcPct val="0"/>
-              </a:spcBef>
-              <a:spcAft>
-                <a:spcPct val="0"/>
-              </a:spcAft>
-              <a:defRPr>
-                <a:solidFill>
-                  <a:schemeClr val="tx1"/>
-                </a:solidFill>
-                <a:latin typeface="Calibri" panose="020F0502020204030204" pitchFamily="34" charset="0"/>
-              </a:defRPr>
-            </a:lvl8pPr>
-            <a:lvl9pPr marL="3886200" indent="-228600" eaLnBrk="0" fontAlgn="base" hangingPunct="0">
-              <a:spcBef>
-                <a:spcPct val="0"/>
-              </a:spcBef>
-              <a:spcAft>
-                <a:spcPct val="0"/>
-              </a:spcAft>
-              <a:defRPr>
-                <a:solidFill>
-                  <a:schemeClr val="tx1"/>
-                </a:solidFill>
-                <a:latin typeface="Calibri" panose="020F0502020204030204" pitchFamily="34" charset="0"/>
-              </a:defRPr>
-            </a:lvl9pPr>
-          </a:lstStyle>
-          <a:p>
-            <a:pPr fontAlgn="base">
-              <a:spcBef>
-                <a:spcPct val="0"/>
-              </a:spcBef>
-              <a:spcAft>
-                <a:spcPct val="0"/>
-              </a:spcAft>
-            </a:pPr>
-            <a:r>
-              <a:rPr lang="en-US" altLang="en-US" sz="1200" i="1" dirty="0">
-                <a:solidFill>
-                  <a:schemeClr val="bg2">
-                    <a:lumMod val="40000"/>
-                    <a:lumOff val="60000"/>
-                  </a:schemeClr>
-                </a:solidFill>
-                <a:effectLst>
-                  <a:glow>
-                    <a:schemeClr val="bg1"/>
-                  </a:glow>
-                </a:effectLst>
-                <a:latin typeface="+mn-lt"/>
-              </a:rPr>
-              <a:t>break into </a:t>
-            </a:r>
-            <a:br>
-              <a:rPr lang="en-US" altLang="en-US" sz="1200" i="1" dirty="0">
-                <a:solidFill>
-                  <a:schemeClr val="bg2">
-                    <a:lumMod val="40000"/>
-                    <a:lumOff val="60000"/>
-                  </a:schemeClr>
-                </a:solidFill>
-                <a:effectLst>
-                  <a:glow>
-                    <a:schemeClr val="bg1"/>
-                  </a:glow>
-                </a:effectLst>
-                <a:latin typeface="+mn-lt"/>
-              </a:rPr>
-            </a:br>
-            <a:r>
-              <a:rPr lang="en-US" altLang="en-US" sz="1200" i="1" dirty="0">
-                <a:solidFill>
-                  <a:schemeClr val="bg2">
-                    <a:lumMod val="40000"/>
-                    <a:lumOff val="60000"/>
-                  </a:schemeClr>
-                </a:solidFill>
-                <a:effectLst>
-                  <a:glow>
-                    <a:schemeClr val="bg1"/>
-                  </a:glow>
-                </a:effectLst>
-                <a:latin typeface="+mn-lt"/>
-              </a:rPr>
-              <a:t>single items</a:t>
-            </a:r>
-          </a:p>
-        </p:txBody>
-      </p:sp>
-      <p:cxnSp>
-        <p:nvCxnSpPr>
-          <p:cNvPr id="40" name="Straight Arrow Connector 12">
-            <a:extLst>
-              <a:ext uri="{FF2B5EF4-FFF2-40B4-BE49-F238E27FC236}">
-                <a16:creationId xmlns:a16="http://schemas.microsoft.com/office/drawing/2014/main" id="{B13803AA-CFB7-1B1B-FED7-218E8BC95848}"/>
-              </a:ext>
-            </a:extLst>
-          </p:cNvPr>
-          <p:cNvCxnSpPr>
-            <a:cxnSpLocks/>
-            <a:stCxn id="21" idx="3"/>
-            <a:endCxn id="30" idx="1"/>
-          </p:cNvCxnSpPr>
-          <p:nvPr/>
-        </p:nvCxnSpPr>
-        <p:spPr>
-          <a:xfrm>
-            <a:off x="4005947" y="2430755"/>
-            <a:ext cx="1439971" cy="1520"/>
-          </a:xfrm>
-          <a:prstGeom prst="straightConnector1">
-            <a:avLst/>
-          </a:prstGeom>
-          <a:ln w="19050" cap="rnd">
-            <a:solidFill>
-              <a:schemeClr val="tx1">
-                <a:lumMod val="75000"/>
-              </a:schemeClr>
-            </a:solidFill>
-            <a:round/>
-            <a:tailEnd type="triangle" w="lg" len="lg"/>
-          </a:ln>
-        </p:spPr>
-        <p:style>
-          <a:lnRef idx="1">
-            <a:schemeClr val="accent1"/>
-          </a:lnRef>
-          <a:fillRef idx="0">
-            <a:schemeClr val="accent1"/>
-          </a:fillRef>
-          <a:effectRef idx="0">
-            <a:schemeClr val="accent1"/>
-          </a:effectRef>
-          <a:fontRef idx="minor">
-            <a:schemeClr val="tx1"/>
-          </a:fontRef>
-        </p:style>
-      </p:cxnSp>
-      <p:sp>
-        <p:nvSpPr>
-          <p:cNvPr id="41" name="TextBox 12">
-            <a:extLst>
-              <a:ext uri="{FF2B5EF4-FFF2-40B4-BE49-F238E27FC236}">
-                <a16:creationId xmlns:a16="http://schemas.microsoft.com/office/drawing/2014/main" id="{65957B96-8F3A-D2CE-6ACB-C1ABA9E360F5}"/>
-              </a:ext>
-            </a:extLst>
-          </p:cNvPr>
-          <p:cNvSpPr txBox="1">
-            <a:spLocks noChangeArrowheads="1"/>
-          </p:cNvSpPr>
-          <p:nvPr/>
-        </p:nvSpPr>
-        <p:spPr bwMode="auto">
-          <a:xfrm>
-            <a:off x="4193558" y="391473"/>
-            <a:ext cx="1498732" cy="461665"/>
-          </a:xfrm>
-          <a:prstGeom prst="rect">
-            <a:avLst/>
-          </a:prstGeom>
-          <a:noFill/>
-          <a:ln>
-            <a:noFill/>
-          </a:ln>
-          <a:extLst>
-            <a:ext uri="{909E8E84-426E-40DD-AFC4-6F175D3DCCD1}">
-              <a14:hiddenFill xmlns:a14="http://schemas.microsoft.com/office/drawing/2010/main">
-                <a:solidFill>
-                  <a:srgbClr val="FFFFFF"/>
-                </a:solidFill>
-              </a14:hiddenFill>
-            </a:ext>
-            <a:ext uri="{91240B29-F687-4F45-9708-019B960494DF}">
-              <a14:hiddenLine xmlns:a14="http://schemas.microsoft.com/office/drawing/2010/main" w="9525">
-                <a:solidFill>
-                  <a:srgbClr val="000000"/>
-                </a:solidFill>
-                <a:miter lim="800000"/>
-                <a:headEnd/>
-                <a:tailEnd/>
-              </a14:hiddenLine>
-            </a:ext>
-          </a:extLst>
-        </p:spPr>
-        <p:txBody>
-          <a:bodyPr wrap="square">
-            <a:spAutoFit/>
-          </a:bodyPr>
-          <a:lstStyle>
-            <a:lvl1pPr>
-              <a:defRPr>
-                <a:solidFill>
-                  <a:schemeClr val="tx1"/>
-                </a:solidFill>
-                <a:latin typeface="Calibri" panose="020F0502020204030204" pitchFamily="34" charset="0"/>
-              </a:defRPr>
-            </a:lvl1pPr>
-            <a:lvl2pPr marL="742950" indent="-285750">
-              <a:defRPr>
-                <a:solidFill>
-                  <a:schemeClr val="tx1"/>
-                </a:solidFill>
-                <a:latin typeface="Calibri" panose="020F0502020204030204" pitchFamily="34" charset="0"/>
-              </a:defRPr>
-            </a:lvl2pPr>
-            <a:lvl3pPr marL="1143000" indent="-228600">
-              <a:defRPr>
-                <a:solidFill>
-                  <a:schemeClr val="tx1"/>
-                </a:solidFill>
-                <a:latin typeface="Calibri" panose="020F0502020204030204" pitchFamily="34" charset="0"/>
-              </a:defRPr>
-            </a:lvl3pPr>
-            <a:lvl4pPr marL="1600200" indent="-228600">
-              <a:defRPr>
-                <a:solidFill>
-                  <a:schemeClr val="tx1"/>
-                </a:solidFill>
-                <a:latin typeface="Calibri" panose="020F0502020204030204" pitchFamily="34" charset="0"/>
-              </a:defRPr>
-            </a:lvl4pPr>
-            <a:lvl5pPr marL="2057400" indent="-228600">
-              <a:defRPr>
-                <a:solidFill>
-                  <a:schemeClr val="tx1"/>
-                </a:solidFill>
-                <a:latin typeface="Calibri" panose="020F0502020204030204" pitchFamily="34" charset="0"/>
-              </a:defRPr>
-            </a:lvl5pPr>
-            <a:lvl6pPr marL="2514600" indent="-228600" eaLnBrk="0" fontAlgn="base" hangingPunct="0">
-              <a:spcBef>
-                <a:spcPct val="0"/>
-              </a:spcBef>
-              <a:spcAft>
-                <a:spcPct val="0"/>
-              </a:spcAft>
-              <a:defRPr>
-                <a:solidFill>
-                  <a:schemeClr val="tx1"/>
-                </a:solidFill>
-                <a:latin typeface="Calibri" panose="020F0502020204030204" pitchFamily="34" charset="0"/>
-              </a:defRPr>
-            </a:lvl6pPr>
-            <a:lvl7pPr marL="2971800" indent="-228600" eaLnBrk="0" fontAlgn="base" hangingPunct="0">
-              <a:spcBef>
-                <a:spcPct val="0"/>
-              </a:spcBef>
-              <a:spcAft>
-                <a:spcPct val="0"/>
-              </a:spcAft>
-              <a:defRPr>
-                <a:solidFill>
-                  <a:schemeClr val="tx1"/>
-                </a:solidFill>
-                <a:latin typeface="Calibri" panose="020F0502020204030204" pitchFamily="34" charset="0"/>
-              </a:defRPr>
-            </a:lvl7pPr>
-            <a:lvl8pPr marL="3429000" indent="-228600" eaLnBrk="0" fontAlgn="base" hangingPunct="0">
-              <a:spcBef>
-                <a:spcPct val="0"/>
-              </a:spcBef>
-              <a:spcAft>
-                <a:spcPct val="0"/>
-              </a:spcAft>
-              <a:defRPr>
-                <a:solidFill>
-                  <a:schemeClr val="tx1"/>
-                </a:solidFill>
-                <a:latin typeface="Calibri" panose="020F0502020204030204" pitchFamily="34" charset="0"/>
-              </a:defRPr>
-            </a:lvl8pPr>
-            <a:lvl9pPr marL="3886200" indent="-228600" eaLnBrk="0" fontAlgn="base" hangingPunct="0">
-              <a:spcBef>
-                <a:spcPct val="0"/>
-              </a:spcBef>
-              <a:spcAft>
-                <a:spcPct val="0"/>
-              </a:spcAft>
-              <a:defRPr>
-                <a:solidFill>
-                  <a:schemeClr val="tx1"/>
-                </a:solidFill>
-                <a:latin typeface="Calibri" panose="020F0502020204030204" pitchFamily="34" charset="0"/>
-              </a:defRPr>
-            </a:lvl9pPr>
-          </a:lstStyle>
-          <a:p>
-            <a:pPr algn="r" fontAlgn="base">
-              <a:spcBef>
-                <a:spcPct val="0"/>
-              </a:spcBef>
-              <a:spcAft>
-                <a:spcPct val="0"/>
-              </a:spcAft>
-            </a:pPr>
-            <a:r>
-              <a:rPr lang="en-US" altLang="en-US" sz="1200" i="1" dirty="0">
-                <a:solidFill>
-                  <a:schemeClr val="bg2">
-                    <a:lumMod val="40000"/>
-                    <a:lumOff val="60000"/>
-                  </a:schemeClr>
-                </a:solidFill>
-                <a:effectLst>
-                  <a:glow>
-                    <a:schemeClr val="bg1"/>
-                  </a:glow>
-                </a:effectLst>
-                <a:latin typeface="+mn-lt"/>
-              </a:rPr>
-              <a:t>pull until there are no more messages</a:t>
-            </a:r>
-          </a:p>
-        </p:txBody>
-      </p:sp>
-      <p:grpSp>
-        <p:nvGrpSpPr>
-          <p:cNvPr id="42" name="Group 41">
-            <a:extLst>
-              <a:ext uri="{FF2B5EF4-FFF2-40B4-BE49-F238E27FC236}">
-                <a16:creationId xmlns:a16="http://schemas.microsoft.com/office/drawing/2014/main" id="{2EA46CDB-A11F-492D-4E20-7EB102DA21C0}"/>
-              </a:ext>
-            </a:extLst>
-          </p:cNvPr>
-          <p:cNvGrpSpPr/>
-          <p:nvPr/>
-        </p:nvGrpSpPr>
-        <p:grpSpPr>
-          <a:xfrm>
-            <a:off x="5445918" y="1598527"/>
-            <a:ext cx="2067357" cy="518854"/>
-            <a:chOff x="5684343" y="1614656"/>
-            <a:chExt cx="2067357" cy="518854"/>
-          </a:xfrm>
-        </p:grpSpPr>
-        <p:grpSp>
-          <p:nvGrpSpPr>
-            <p:cNvPr id="43" name="Group 42">
-              <a:extLst>
-                <a:ext uri="{FF2B5EF4-FFF2-40B4-BE49-F238E27FC236}">
-                  <a16:creationId xmlns:a16="http://schemas.microsoft.com/office/drawing/2014/main" id="{4566D58C-F30D-EB54-590B-EC447220F301}"/>
-                </a:ext>
-              </a:extLst>
-            </p:cNvPr>
-            <p:cNvGrpSpPr/>
-            <p:nvPr/>
-          </p:nvGrpSpPr>
-          <p:grpSpPr>
-            <a:xfrm>
-              <a:off x="5684343" y="1614656"/>
-              <a:ext cx="2067357" cy="518854"/>
-              <a:chOff x="5684343" y="1464673"/>
-              <a:chExt cx="2067357" cy="518854"/>
-            </a:xfrm>
-          </p:grpSpPr>
-          <p:grpSp>
-            <p:nvGrpSpPr>
-              <p:cNvPr id="45" name="Group 44">
-                <a:extLst>
-                  <a:ext uri="{FF2B5EF4-FFF2-40B4-BE49-F238E27FC236}">
-                    <a16:creationId xmlns:a16="http://schemas.microsoft.com/office/drawing/2014/main" id="{67DECA73-0B8D-B582-D5DC-9200EE77CCFC}"/>
-                  </a:ext>
-                </a:extLst>
-              </p:cNvPr>
-              <p:cNvGrpSpPr/>
-              <p:nvPr/>
-            </p:nvGrpSpPr>
-            <p:grpSpPr>
-              <a:xfrm>
-                <a:off x="5684343" y="1464673"/>
-                <a:ext cx="2067357" cy="518854"/>
-                <a:chOff x="6399966" y="2708142"/>
-                <a:chExt cx="2067357" cy="518854"/>
-              </a:xfrm>
-            </p:grpSpPr>
-            <p:sp>
-              <p:nvSpPr>
-                <p:cNvPr id="47" name="Rectangle 46">
-                  <a:extLst>
-                    <a:ext uri="{FF2B5EF4-FFF2-40B4-BE49-F238E27FC236}">
-                      <a16:creationId xmlns:a16="http://schemas.microsoft.com/office/drawing/2014/main" id="{87B20070-053E-D237-5125-38300093AF65}"/>
-                    </a:ext>
-                  </a:extLst>
-                </p:cNvPr>
-                <p:cNvSpPr/>
-                <p:nvPr/>
-              </p:nvSpPr>
-              <p:spPr>
-                <a:xfrm>
-                  <a:off x="6399966" y="2708142"/>
-                  <a:ext cx="2052831" cy="518854"/>
-                </a:xfrm>
-                <a:prstGeom prst="rect">
-                  <a:avLst/>
-                </a:prstGeom>
-                <a:solidFill>
-                  <a:schemeClr val="bg1">
-                    <a:lumMod val="85000"/>
-                    <a:lumOff val="15000"/>
-                  </a:schemeClr>
-                </a:solidFill>
-                <a:ln>
-                  <a:noFill/>
-                </a:ln>
-              </p:spPr>
-              <p:style>
-                <a:lnRef idx="2">
-                  <a:schemeClr val="accent1">
-                    <a:shade val="50000"/>
-                  </a:schemeClr>
-                </a:lnRef>
-                <a:fillRef idx="1">
-                  <a:schemeClr val="accent1"/>
-                </a:fillRef>
-                <a:effectRef idx="0">
-                  <a:schemeClr val="accent1"/>
-                </a:effectRef>
-                <a:fontRef idx="minor">
-                  <a:schemeClr val="lt1"/>
-                </a:fontRef>
-              </p:style>
-              <p:txBody>
-                <a:bodyPr lIns="45720" tIns="45720" rIns="45720" bIns="72000" rtlCol="0" anchor="b"/>
-                <a:lstStyle/>
-                <a:p>
-                  <a:pPr algn="ctr"/>
-                  <a:endParaRPr lang="en-US" sz="1600" i="1" dirty="0">
-                    <a:solidFill>
-                      <a:schemeClr val="tx1">
-                        <a:lumMod val="75000"/>
-                      </a:schemeClr>
-                    </a:solidFill>
-                  </a:endParaRPr>
-                </a:p>
-              </p:txBody>
-            </p:sp>
-            <p:sp>
-              <p:nvSpPr>
-                <p:cNvPr id="48" name="TextBox 9">
-                  <a:extLst>
-                    <a:ext uri="{FF2B5EF4-FFF2-40B4-BE49-F238E27FC236}">
-                      <a16:creationId xmlns:a16="http://schemas.microsoft.com/office/drawing/2014/main" id="{DC145ACF-CB94-2B71-D9FE-33DCC18492F3}"/>
-                    </a:ext>
-                  </a:extLst>
-                </p:cNvPr>
-                <p:cNvSpPr txBox="1">
-                  <a:spLocks noChangeArrowheads="1"/>
-                </p:cNvSpPr>
-                <p:nvPr/>
-              </p:nvSpPr>
-              <p:spPr bwMode="auto">
-                <a:xfrm>
-                  <a:off x="7266667" y="2742618"/>
-                  <a:ext cx="1200656" cy="461665"/>
-                </a:xfrm>
-                <a:prstGeom prst="rect">
-                  <a:avLst/>
-                </a:prstGeom>
-                <a:noFill/>
-                <a:ln>
-                  <a:noFill/>
-                </a:ln>
-                <a:extLst>
-                  <a:ext uri="{909E8E84-426E-40DD-AFC4-6F175D3DCCD1}">
-                    <a14:hiddenFill xmlns:a14="http://schemas.microsoft.com/office/drawing/2010/main">
-                      <a:solidFill>
-                        <a:srgbClr val="FFFFFF"/>
-                      </a:solidFill>
-                    </a14:hiddenFill>
-                  </a:ext>
-                  <a:ext uri="{91240B29-F687-4F45-9708-019B960494DF}">
-                    <a14:hiddenLine xmlns:a14="http://schemas.microsoft.com/office/drawing/2010/main" w="9525">
-                      <a:solidFill>
-                        <a:srgbClr val="000000"/>
-                      </a:solidFill>
-                      <a:miter lim="800000"/>
-                      <a:headEnd/>
-                      <a:tailEnd/>
-                    </a14:hiddenLine>
-                  </a:ext>
-                </a:extLst>
-              </p:spPr>
-              <p:txBody>
-                <a:bodyPr wrap="square">
-                  <a:spAutoFit/>
-                </a:bodyPr>
-                <a:lstStyle>
-                  <a:lvl1pPr>
-                    <a:defRPr>
-                      <a:solidFill>
-                        <a:schemeClr val="tx1"/>
-                      </a:solidFill>
-                      <a:latin typeface="Calibri" panose="020F0502020204030204" pitchFamily="34" charset="0"/>
-                    </a:defRPr>
-                  </a:lvl1pPr>
-                  <a:lvl2pPr marL="742950" indent="-285750">
-                    <a:defRPr>
-                      <a:solidFill>
-                        <a:schemeClr val="tx1"/>
-                      </a:solidFill>
-                      <a:latin typeface="Calibri" panose="020F0502020204030204" pitchFamily="34" charset="0"/>
-                    </a:defRPr>
-                  </a:lvl2pPr>
-                  <a:lvl3pPr marL="1143000" indent="-228600">
-                    <a:defRPr>
-                      <a:solidFill>
-                        <a:schemeClr val="tx1"/>
-                      </a:solidFill>
-                      <a:latin typeface="Calibri" panose="020F0502020204030204" pitchFamily="34" charset="0"/>
-                    </a:defRPr>
-                  </a:lvl3pPr>
-                  <a:lvl4pPr marL="1600200" indent="-228600">
-                    <a:defRPr>
-                      <a:solidFill>
-                        <a:schemeClr val="tx1"/>
-                      </a:solidFill>
-                      <a:latin typeface="Calibri" panose="020F0502020204030204" pitchFamily="34" charset="0"/>
-                    </a:defRPr>
-                  </a:lvl4pPr>
-                  <a:lvl5pPr marL="2057400" indent="-228600">
-                    <a:defRPr>
-                      <a:solidFill>
-                        <a:schemeClr val="tx1"/>
-                      </a:solidFill>
-                      <a:latin typeface="Calibri" panose="020F0502020204030204" pitchFamily="34" charset="0"/>
-                    </a:defRPr>
-                  </a:lvl5pPr>
-                  <a:lvl6pPr marL="2514600" indent="-228600" eaLnBrk="0" fontAlgn="base" hangingPunct="0">
-                    <a:spcBef>
-                      <a:spcPct val="0"/>
-                    </a:spcBef>
-                    <a:spcAft>
-                      <a:spcPct val="0"/>
-                    </a:spcAft>
-                    <a:defRPr>
-                      <a:solidFill>
-                        <a:schemeClr val="tx1"/>
-                      </a:solidFill>
-                      <a:latin typeface="Calibri" panose="020F0502020204030204" pitchFamily="34" charset="0"/>
-                    </a:defRPr>
-                  </a:lvl6pPr>
-                  <a:lvl7pPr marL="2971800" indent="-228600" eaLnBrk="0" fontAlgn="base" hangingPunct="0">
-                    <a:spcBef>
-                      <a:spcPct val="0"/>
-                    </a:spcBef>
-                    <a:spcAft>
-                      <a:spcPct val="0"/>
-                    </a:spcAft>
-                    <a:defRPr>
-                      <a:solidFill>
-                        <a:schemeClr val="tx1"/>
-                      </a:solidFill>
-                      <a:latin typeface="Calibri" panose="020F0502020204030204" pitchFamily="34" charset="0"/>
-                    </a:defRPr>
-                  </a:lvl7pPr>
-                  <a:lvl8pPr marL="3429000" indent="-228600" eaLnBrk="0" fontAlgn="base" hangingPunct="0">
-                    <a:spcBef>
-                      <a:spcPct val="0"/>
-                    </a:spcBef>
-                    <a:spcAft>
-                      <a:spcPct val="0"/>
-                    </a:spcAft>
-                    <a:defRPr>
-                      <a:solidFill>
-                        <a:schemeClr val="tx1"/>
-                      </a:solidFill>
-                      <a:latin typeface="Calibri" panose="020F0502020204030204" pitchFamily="34" charset="0"/>
-                    </a:defRPr>
-                  </a:lvl8pPr>
-                  <a:lvl9pPr marL="3886200" indent="-228600" eaLnBrk="0" fontAlgn="base" hangingPunct="0">
-                    <a:spcBef>
-                      <a:spcPct val="0"/>
-                    </a:spcBef>
-                    <a:spcAft>
-                      <a:spcPct val="0"/>
-                    </a:spcAft>
-                    <a:defRPr>
-                      <a:solidFill>
-                        <a:schemeClr val="tx1"/>
-                      </a:solidFill>
-                      <a:latin typeface="Calibri" panose="020F0502020204030204" pitchFamily="34" charset="0"/>
-                    </a:defRPr>
-                  </a:lvl9pPr>
-                </a:lstStyle>
-                <a:p>
-                  <a:pPr fontAlgn="base">
-                    <a:spcBef>
-                      <a:spcPct val="0"/>
-                    </a:spcBef>
-                    <a:spcAft>
-                      <a:spcPct val="0"/>
-                    </a:spcAft>
-                  </a:pPr>
-                  <a:r>
-                    <a:rPr lang="en-US" altLang="en-US" sz="1200" dirty="0">
-                      <a:solidFill>
-                        <a:srgbClr val="FFFFFF"/>
-                      </a:solidFill>
-                      <a:latin typeface="Arial" panose="020B0604020202020204" pitchFamily="34" charset="0"/>
-                      <a:ea typeface="Amazon Ember" panose="020B0603020204020204" pitchFamily="34" charset="0"/>
-                      <a:cs typeface="Arial" panose="020B0604020202020204" pitchFamily="34" charset="0"/>
-                    </a:rPr>
-                    <a:t>Step Functions</a:t>
-                  </a:r>
-                  <a:br>
-                    <a:rPr lang="en-US" altLang="en-US" sz="1200" dirty="0">
-                      <a:solidFill>
-                        <a:srgbClr val="FFFFFF"/>
-                      </a:solidFill>
-                      <a:latin typeface="Arial" panose="020B0604020202020204" pitchFamily="34" charset="0"/>
-                      <a:ea typeface="Amazon Ember" panose="020B0603020204020204" pitchFamily="34" charset="0"/>
-                      <a:cs typeface="Arial" panose="020B0604020202020204" pitchFamily="34" charset="0"/>
-                    </a:rPr>
-                  </a:br>
-                  <a:r>
-                    <a:rPr lang="en-US" altLang="en-US" sz="1200" i="1" dirty="0">
-                      <a:solidFill>
-                        <a:schemeClr val="bg2">
-                          <a:lumMod val="40000"/>
-                          <a:lumOff val="60000"/>
-                        </a:schemeClr>
-                      </a:solidFill>
-                      <a:effectLst>
-                        <a:glow>
-                          <a:schemeClr val="bg1"/>
-                        </a:glow>
-                      </a:effectLst>
-                      <a:latin typeface="+mn-lt"/>
-                      <a:ea typeface="Amazon Ember" panose="020B0603020204020204" pitchFamily="34" charset="0"/>
-                      <a:cs typeface="Arial" panose="020B0604020202020204" pitchFamily="34" charset="0"/>
-                    </a:rPr>
-                    <a:t>batch puller</a:t>
-                  </a:r>
-                </a:p>
-              </p:txBody>
-            </p:sp>
-          </p:grpSp>
-          <p:pic>
-            <p:nvPicPr>
-              <p:cNvPr id="46" name="Graphic 17" descr="AWS Step Functions service icon.">
-                <a:extLst>
-                  <a:ext uri="{FF2B5EF4-FFF2-40B4-BE49-F238E27FC236}">
-                    <a16:creationId xmlns:a16="http://schemas.microsoft.com/office/drawing/2014/main" id="{E8359E49-9670-EA7B-D75C-B737337E768E}"/>
-                  </a:ext>
-                </a:extLst>
-              </p:cNvPr>
-              <p:cNvPicPr>
-                <a:picLocks noChangeAspect="1" noChangeArrowheads="1"/>
-              </p:cNvPicPr>
-              <p:nvPr/>
-            </p:nvPicPr>
-            <p:blipFill>
-              <a:blip r:embed="rId9">
-                <a:extLst>
-                  <a:ext uri="{96DAC541-7B7A-43D3-8B79-37D633B846F1}">
-                    <asvg:svgBlip xmlns:asvg="http://schemas.microsoft.com/office/drawing/2016/SVG/main" r:embed="rId10"/>
-                  </a:ext>
-                </a:extLst>
-              </a:blip>
-              <a:srcRect/>
-              <a:stretch/>
-            </p:blipFill>
-            <p:spPr bwMode="auto">
-              <a:xfrm>
-                <a:off x="5765872" y="1549981"/>
-                <a:ext cx="360000" cy="360000"/>
-              </a:xfrm>
-              <a:prstGeom prst="rect">
-                <a:avLst/>
-              </a:prstGeom>
-              <a:noFill/>
-              <a:ln>
-                <a:noFill/>
-              </a:ln>
-              <a:extLst>
-                <a:ext uri="{909E8E84-426E-40DD-AFC4-6F175D3DCCD1}">
-                  <a14:hiddenFill xmlns:a14="http://schemas.microsoft.com/office/drawing/2010/main">
-                    <a:solidFill>
-                      <a:srgbClr val="FFFFFF"/>
-                    </a:solidFill>
-                  </a14:hiddenFill>
-                </a:ext>
-                <a:ext uri="{91240B29-F687-4F45-9708-019B960494DF}">
-                  <a14:hiddenLine xmlns:a14="http://schemas.microsoft.com/office/drawing/2010/main" w="9525">
-                    <a:solidFill>
-                      <a:srgbClr val="000000"/>
-                    </a:solidFill>
-                    <a:miter lim="800000"/>
-                    <a:headEnd/>
-                    <a:tailEnd/>
-                  </a14:hiddenLine>
-                </a:ext>
-              </a:extLst>
-            </p:spPr>
-          </p:pic>
-        </p:grpSp>
-        <p:pic>
-          <p:nvPicPr>
-            <p:cNvPr id="44" name="Graphic 10" descr="AWS Lambda service icon.">
-              <a:extLst>
-                <a:ext uri="{FF2B5EF4-FFF2-40B4-BE49-F238E27FC236}">
-                  <a16:creationId xmlns:a16="http://schemas.microsoft.com/office/drawing/2014/main" id="{FDA3AAE4-34E6-9848-54FE-C7C381DA45E8}"/>
-                </a:ext>
-              </a:extLst>
-            </p:cNvPr>
-            <p:cNvPicPr>
-              <a:picLocks noChangeAspect="1" noChangeArrowheads="1"/>
-            </p:cNvPicPr>
-            <p:nvPr/>
-          </p:nvPicPr>
-          <p:blipFill>
-            <a:blip r:embed="rId5">
-              <a:extLst>
-                <a:ext uri="{96DAC541-7B7A-43D3-8B79-37D633B846F1}">
-                  <asvg:svgBlip xmlns:asvg="http://schemas.microsoft.com/office/drawing/2016/SVG/main" r:embed="rId6"/>
-                </a:ext>
-              </a:extLst>
-            </a:blip>
-            <a:srcRect/>
-            <a:stretch/>
-          </p:blipFill>
-          <p:spPr bwMode="auto">
-            <a:xfrm>
-              <a:off x="6205585" y="1699964"/>
-              <a:ext cx="360000" cy="360000"/>
-            </a:xfrm>
-            <a:prstGeom prst="rect">
-              <a:avLst/>
-            </a:prstGeom>
-            <a:noFill/>
-            <a:ln>
-              <a:noFill/>
-            </a:ln>
-            <a:extLst>
-              <a:ext uri="{909E8E84-426E-40DD-AFC4-6F175D3DCCD1}">
-                <a14:hiddenFill xmlns:a14="http://schemas.microsoft.com/office/drawing/2010/main">
-                  <a:solidFill>
-                    <a:srgbClr val="FFFFFF"/>
-                  </a:solidFill>
-                </a14:hiddenFill>
-              </a:ext>
-              <a:ext uri="{91240B29-F687-4F45-9708-019B960494DF}">
-                <a14:hiddenLine xmlns:a14="http://schemas.microsoft.com/office/drawing/2010/main" w="9525">
-                  <a:solidFill>
-                    <a:srgbClr val="000000"/>
-                  </a:solidFill>
-                  <a:miter lim="800000"/>
-                  <a:headEnd/>
-                  <a:tailEnd/>
-                </a14:hiddenLine>
-              </a:ext>
-            </a:extLst>
-          </p:spPr>
-        </p:pic>
-      </p:grpSp>
-      <p:cxnSp>
-        <p:nvCxnSpPr>
-          <p:cNvPr id="49" name="Straight Arrow Connector 12">
-            <a:extLst>
-              <a:ext uri="{FF2B5EF4-FFF2-40B4-BE49-F238E27FC236}">
-                <a16:creationId xmlns:a16="http://schemas.microsoft.com/office/drawing/2014/main" id="{861E1DDF-7BC5-3A4D-F1FA-05B39D2A0041}"/>
-              </a:ext>
-            </a:extLst>
-          </p:cNvPr>
-          <p:cNvCxnSpPr>
-            <a:cxnSpLocks/>
-            <a:stCxn id="47" idx="3"/>
-            <a:endCxn id="35" idx="1"/>
-          </p:cNvCxnSpPr>
-          <p:nvPr/>
-        </p:nvCxnSpPr>
-        <p:spPr>
-          <a:xfrm flipV="1">
-            <a:off x="7498749" y="1854778"/>
-            <a:ext cx="1746367" cy="3600"/>
-          </a:xfrm>
-          <a:prstGeom prst="straightConnector1">
-            <a:avLst/>
-          </a:prstGeom>
-          <a:ln w="19050" cap="rnd">
-            <a:solidFill>
-              <a:schemeClr val="tx1">
-                <a:lumMod val="75000"/>
-              </a:schemeClr>
-            </a:solidFill>
-            <a:round/>
-            <a:tailEnd type="triangle" w="lg" len="lg"/>
-          </a:ln>
-        </p:spPr>
-        <p:style>
-          <a:lnRef idx="1">
-            <a:schemeClr val="accent1"/>
-          </a:lnRef>
-          <a:fillRef idx="0">
-            <a:schemeClr val="accent1"/>
-          </a:fillRef>
-          <a:effectRef idx="0">
-            <a:schemeClr val="accent1"/>
-          </a:effectRef>
-          <a:fontRef idx="minor">
-            <a:schemeClr val="tx1"/>
-          </a:fontRef>
-        </p:style>
-      </p:cxnSp>
-      <p:sp>
-        <p:nvSpPr>
-          <p:cNvPr id="85" name="Rectangle 84">
-            <a:extLst>
-              <a:ext uri="{FF2B5EF4-FFF2-40B4-BE49-F238E27FC236}">
-                <a16:creationId xmlns:a16="http://schemas.microsoft.com/office/drawing/2014/main" id="{25B18991-5F20-F381-6B3D-77950A2FD797}"/>
-              </a:ext>
-            </a:extLst>
-          </p:cNvPr>
-          <p:cNvSpPr/>
-          <p:nvPr/>
-        </p:nvSpPr>
-        <p:spPr>
-          <a:xfrm>
-            <a:off x="2213421" y="3052320"/>
-            <a:ext cx="5282487" cy="433063"/>
-          </a:xfrm>
-          <a:prstGeom prst="rect">
-            <a:avLst/>
-          </a:prstGeom>
-          <a:solidFill>
-            <a:schemeClr val="accent2">
-              <a:lumMod val="50000"/>
-            </a:schemeClr>
-          </a:solidFill>
-          <a:ln w="28575">
-            <a:solidFill>
-              <a:schemeClr val="tx1">
-                <a:lumMod val="50000"/>
-              </a:schemeClr>
-            </a:solidFill>
-            <a:prstDash val="solid"/>
-          </a:ln>
-        </p:spPr>
-        <p:style>
-          <a:lnRef idx="2">
-            <a:schemeClr val="accent1">
-              <a:shade val="50000"/>
-            </a:schemeClr>
-          </a:lnRef>
-          <a:fillRef idx="1">
-            <a:schemeClr val="accent1"/>
-          </a:fillRef>
-          <a:effectRef idx="0">
-            <a:schemeClr val="accent1"/>
-          </a:effectRef>
-          <a:fontRef idx="minor">
-            <a:schemeClr val="lt1"/>
-          </a:fontRef>
-        </p:style>
-        <p:txBody>
-          <a:bodyPr lIns="0" tIns="144000" rIns="0" bIns="144000" anchor="ctr"/>
-          <a:lstStyle/>
-          <a:p>
-            <a:pPr algn="ctr"/>
-            <a:r>
-              <a:rPr lang="en-GB" sz="3200" baseline="-9000" dirty="0">
-                <a:solidFill>
-                  <a:schemeClr val="tx1"/>
-                </a:solidFill>
-                <a:effectLst>
-                  <a:glow>
-                    <a:schemeClr val="bg1"/>
-                  </a:glow>
-                </a:effectLst>
-              </a:rPr>
-              <a:t>⌛ </a:t>
-            </a:r>
-            <a:r>
-              <a:rPr lang="en-US" sz="2400" dirty="0">
-                <a:solidFill>
-                  <a:schemeClr val="tx1"/>
-                </a:solidFill>
-                <a:latin typeface="+mj-lt"/>
-                <a:cs typeface="Arial" panose="020B0604020202020204" pitchFamily="34" charset="0"/>
-              </a:rPr>
-              <a:t>buffer puller</a:t>
-            </a:r>
-            <a:endParaRPr lang="en-US" dirty="0">
-              <a:solidFill>
-                <a:schemeClr val="tx1"/>
-              </a:solidFill>
-              <a:latin typeface="+mj-lt"/>
-              <a:cs typeface="Arial" panose="020B0604020202020204" pitchFamily="34" charset="0"/>
-            </a:endParaRPr>
-          </a:p>
-        </p:txBody>
-      </p:sp>
-      <p:cxnSp>
-        <p:nvCxnSpPr>
-          <p:cNvPr id="86" name="Straight Arrow Connector 38">
-            <a:extLst>
-              <a:ext uri="{FF2B5EF4-FFF2-40B4-BE49-F238E27FC236}">
-                <a16:creationId xmlns:a16="http://schemas.microsoft.com/office/drawing/2014/main" id="{E6F0DEA9-BA89-98B5-D732-8AB84D22BCB7}"/>
-              </a:ext>
-            </a:extLst>
-          </p:cNvPr>
-          <p:cNvCxnSpPr>
-            <a:cxnSpLocks/>
-            <a:stCxn id="47" idx="0"/>
-            <a:endCxn id="90" idx="3"/>
-          </p:cNvCxnSpPr>
-          <p:nvPr/>
-        </p:nvCxnSpPr>
-        <p:spPr>
-          <a:xfrm rot="16200000" flipV="1">
-            <a:off x="5490880" y="617072"/>
-            <a:ext cx="1215331" cy="747579"/>
-          </a:xfrm>
-          <a:prstGeom prst="bentConnector2">
-            <a:avLst/>
-          </a:prstGeom>
-          <a:ln w="19050" cap="rnd">
-            <a:solidFill>
-              <a:schemeClr val="tx1">
-                <a:lumMod val="75000"/>
-              </a:schemeClr>
-            </a:solidFill>
-            <a:round/>
-            <a:tailEnd type="triangle" w="lg" len="lg"/>
-          </a:ln>
-        </p:spPr>
-        <p:style>
-          <a:lnRef idx="1">
-            <a:schemeClr val="accent1"/>
-          </a:lnRef>
-          <a:fillRef idx="0">
-            <a:schemeClr val="accent1"/>
-          </a:fillRef>
-          <a:effectRef idx="0">
-            <a:schemeClr val="accent1"/>
-          </a:effectRef>
-          <a:fontRef idx="minor">
-            <a:schemeClr val="tx1"/>
-          </a:fontRef>
-        </p:style>
-      </p:cxnSp>
-      <p:sp>
-        <p:nvSpPr>
-          <p:cNvPr id="90" name="TextBox 89">
-            <a:extLst>
-              <a:ext uri="{FF2B5EF4-FFF2-40B4-BE49-F238E27FC236}">
-                <a16:creationId xmlns:a16="http://schemas.microsoft.com/office/drawing/2014/main" id="{B1427B3A-1B1E-D94E-F6DF-17E477BDDD42}"/>
-              </a:ext>
-            </a:extLst>
-          </p:cNvPr>
-          <p:cNvSpPr txBox="1"/>
-          <p:nvPr/>
-        </p:nvSpPr>
-        <p:spPr>
-          <a:xfrm>
-            <a:off x="5481099" y="198530"/>
-            <a:ext cx="243656" cy="369332"/>
-          </a:xfrm>
-          <a:prstGeom prst="rect">
-            <a:avLst/>
-          </a:prstGeom>
-          <a:noFill/>
-        </p:spPr>
-        <p:txBody>
-          <a:bodyPr wrap="none" lIns="0" rIns="0" rtlCol="0">
-            <a:spAutoFit/>
-          </a:bodyPr>
-          <a:lstStyle/>
-          <a:p>
-            <a:pPr algn="l"/>
-            <a:r>
-              <a:rPr lang="en-US" dirty="0"/>
-              <a:t>    </a:t>
-            </a:r>
-          </a:p>
-        </p:txBody>
-      </p:sp>
-      <p:sp>
-        <p:nvSpPr>
-          <p:cNvPr id="93" name="TextBox 12">
-            <a:extLst>
-              <a:ext uri="{FF2B5EF4-FFF2-40B4-BE49-F238E27FC236}">
-                <a16:creationId xmlns:a16="http://schemas.microsoft.com/office/drawing/2014/main" id="{ACA52DDB-AC46-8103-C4A7-FC7340CD994E}"/>
-              </a:ext>
-            </a:extLst>
-          </p:cNvPr>
-          <p:cNvSpPr txBox="1">
-            <a:spLocks noChangeArrowheads="1"/>
-          </p:cNvSpPr>
-          <p:nvPr/>
-        </p:nvSpPr>
-        <p:spPr bwMode="auto">
-          <a:xfrm>
-            <a:off x="6888657" y="391472"/>
-            <a:ext cx="1481422" cy="461665"/>
-          </a:xfrm>
-          <a:prstGeom prst="rect">
-            <a:avLst/>
-          </a:prstGeom>
-          <a:noFill/>
-          <a:ln>
-            <a:noFill/>
-          </a:ln>
-          <a:extLst>
-            <a:ext uri="{909E8E84-426E-40DD-AFC4-6F175D3DCCD1}">
-              <a14:hiddenFill xmlns:a14="http://schemas.microsoft.com/office/drawing/2010/main">
-                <a:solidFill>
-                  <a:srgbClr val="FFFFFF"/>
-                </a:solidFill>
-              </a14:hiddenFill>
-            </a:ext>
-            <a:ext uri="{91240B29-F687-4F45-9708-019B960494DF}">
-              <a14:hiddenLine xmlns:a14="http://schemas.microsoft.com/office/drawing/2010/main" w="9525">
-                <a:solidFill>
-                  <a:srgbClr val="000000"/>
-                </a:solidFill>
-                <a:miter lim="800000"/>
-                <a:headEnd/>
-                <a:tailEnd/>
-              </a14:hiddenLine>
-            </a:ext>
-          </a:extLst>
-        </p:spPr>
-        <p:txBody>
-          <a:bodyPr wrap="square">
-            <a:spAutoFit/>
-          </a:bodyPr>
-          <a:lstStyle>
-            <a:lvl1pPr>
-              <a:defRPr>
-                <a:solidFill>
-                  <a:schemeClr val="tx1"/>
-                </a:solidFill>
-                <a:latin typeface="Calibri" panose="020F0502020204030204" pitchFamily="34" charset="0"/>
-              </a:defRPr>
-            </a:lvl1pPr>
-            <a:lvl2pPr marL="742950" indent="-285750">
-              <a:defRPr>
-                <a:solidFill>
-                  <a:schemeClr val="tx1"/>
-                </a:solidFill>
-                <a:latin typeface="Calibri" panose="020F0502020204030204" pitchFamily="34" charset="0"/>
-              </a:defRPr>
-            </a:lvl2pPr>
-            <a:lvl3pPr marL="1143000" indent="-228600">
-              <a:defRPr>
-                <a:solidFill>
-                  <a:schemeClr val="tx1"/>
-                </a:solidFill>
-                <a:latin typeface="Calibri" panose="020F0502020204030204" pitchFamily="34" charset="0"/>
-              </a:defRPr>
-            </a:lvl3pPr>
-            <a:lvl4pPr marL="1600200" indent="-228600">
-              <a:defRPr>
-                <a:solidFill>
-                  <a:schemeClr val="tx1"/>
-                </a:solidFill>
-                <a:latin typeface="Calibri" panose="020F0502020204030204" pitchFamily="34" charset="0"/>
-              </a:defRPr>
-            </a:lvl4pPr>
-            <a:lvl5pPr marL="2057400" indent="-228600">
-              <a:defRPr>
-                <a:solidFill>
-                  <a:schemeClr val="tx1"/>
-                </a:solidFill>
-                <a:latin typeface="Calibri" panose="020F0502020204030204" pitchFamily="34" charset="0"/>
-              </a:defRPr>
-            </a:lvl5pPr>
-            <a:lvl6pPr marL="2514600" indent="-228600" eaLnBrk="0" fontAlgn="base" hangingPunct="0">
-              <a:spcBef>
-                <a:spcPct val="0"/>
-              </a:spcBef>
-              <a:spcAft>
-                <a:spcPct val="0"/>
-              </a:spcAft>
-              <a:defRPr>
-                <a:solidFill>
-                  <a:schemeClr val="tx1"/>
-                </a:solidFill>
-                <a:latin typeface="Calibri" panose="020F0502020204030204" pitchFamily="34" charset="0"/>
-              </a:defRPr>
-            </a:lvl6pPr>
-            <a:lvl7pPr marL="2971800" indent="-228600" eaLnBrk="0" fontAlgn="base" hangingPunct="0">
-              <a:spcBef>
-                <a:spcPct val="0"/>
-              </a:spcBef>
-              <a:spcAft>
-                <a:spcPct val="0"/>
-              </a:spcAft>
-              <a:defRPr>
-                <a:solidFill>
-                  <a:schemeClr val="tx1"/>
-                </a:solidFill>
-                <a:latin typeface="Calibri" panose="020F0502020204030204" pitchFamily="34" charset="0"/>
-              </a:defRPr>
-            </a:lvl7pPr>
-            <a:lvl8pPr marL="3429000" indent="-228600" eaLnBrk="0" fontAlgn="base" hangingPunct="0">
-              <a:spcBef>
-                <a:spcPct val="0"/>
-              </a:spcBef>
-              <a:spcAft>
-                <a:spcPct val="0"/>
-              </a:spcAft>
-              <a:defRPr>
-                <a:solidFill>
-                  <a:schemeClr val="tx1"/>
-                </a:solidFill>
-                <a:latin typeface="Calibri" panose="020F0502020204030204" pitchFamily="34" charset="0"/>
-              </a:defRPr>
-            </a:lvl8pPr>
-            <a:lvl9pPr marL="3886200" indent="-228600" eaLnBrk="0" fontAlgn="base" hangingPunct="0">
-              <a:spcBef>
-                <a:spcPct val="0"/>
-              </a:spcBef>
-              <a:spcAft>
-                <a:spcPct val="0"/>
-              </a:spcAft>
-              <a:defRPr>
-                <a:solidFill>
-                  <a:schemeClr val="tx1"/>
-                </a:solidFill>
-                <a:latin typeface="Calibri" panose="020F0502020204030204" pitchFamily="34" charset="0"/>
-              </a:defRPr>
-            </a:lvl9pPr>
-          </a:lstStyle>
-          <a:p>
-            <a:pPr fontAlgn="base">
-              <a:spcBef>
-                <a:spcPct val="0"/>
-              </a:spcBef>
-              <a:spcAft>
-                <a:spcPct val="0"/>
-              </a:spcAft>
-            </a:pPr>
-            <a:r>
-              <a:rPr lang="en-US" altLang="en-US" sz="1200" i="1" dirty="0">
-                <a:solidFill>
-                  <a:schemeClr val="bg2">
-                    <a:lumMod val="40000"/>
-                    <a:lumOff val="60000"/>
-                  </a:schemeClr>
-                </a:solidFill>
-                <a:effectLst>
-                  <a:glow>
-                    <a:schemeClr val="bg1"/>
-                  </a:glow>
-                </a:effectLst>
-                <a:latin typeface="+mn-lt"/>
-              </a:rPr>
-              <a:t>delete processed message batches</a:t>
-            </a:r>
-          </a:p>
-        </p:txBody>
-      </p:sp>
-      <p:sp>
-        <p:nvSpPr>
-          <p:cNvPr id="95" name="Rounded Rectangle 94">
-            <a:extLst>
-              <a:ext uri="{FF2B5EF4-FFF2-40B4-BE49-F238E27FC236}">
-                <a16:creationId xmlns:a16="http://schemas.microsoft.com/office/drawing/2014/main" id="{A30DF891-DC89-B0B1-5665-9F51FA701EC3}"/>
-              </a:ext>
-            </a:extLst>
-          </p:cNvPr>
-          <p:cNvSpPr>
-            <a:spLocks noChangeAspect="1"/>
-          </p:cNvSpPr>
-          <p:nvPr/>
-        </p:nvSpPr>
-        <p:spPr>
-          <a:xfrm>
-            <a:off x="2327013" y="1357675"/>
-            <a:ext cx="286369" cy="286369"/>
-          </a:xfrm>
-          <a:prstGeom prst="roundRect">
-            <a:avLst/>
-          </a:prstGeom>
-          <a:solidFill>
-            <a:schemeClr val="accent5"/>
-          </a:solidFill>
-          <a:ln>
-            <a:noFill/>
-          </a:ln>
-        </p:spPr>
-        <p:style>
-          <a:lnRef idx="0">
-            <a:scrgbClr r="0" g="0" b="0"/>
-          </a:lnRef>
-          <a:fillRef idx="0">
-            <a:scrgbClr r="0" g="0" b="0"/>
-          </a:fillRef>
-          <a:effectRef idx="0">
-            <a:scrgbClr r="0" g="0" b="0"/>
-          </a:effectRef>
-          <a:fontRef idx="minor">
-            <a:schemeClr val="lt1"/>
-          </a:fontRef>
-        </p:style>
-        <p:txBody>
-          <a:bodyPr lIns="45720" tIns="45720" rIns="45720" rtlCol="0" anchor="ctr"/>
-          <a:lstStyle/>
-          <a:p>
-            <a:pPr algn="ctr"/>
-            <a:r>
-              <a:rPr lang="en-GB" sz="1600" b="1" dirty="0">
-                <a:solidFill>
-                  <a:schemeClr val="tx1"/>
-                </a:solidFill>
-              </a:rPr>
-              <a:t>1</a:t>
-            </a:r>
-          </a:p>
-        </p:txBody>
-      </p:sp>
-      <p:sp>
-        <p:nvSpPr>
-          <p:cNvPr id="96" name="Rounded Rectangle 95">
-            <a:extLst>
-              <a:ext uri="{FF2B5EF4-FFF2-40B4-BE49-F238E27FC236}">
-                <a16:creationId xmlns:a16="http://schemas.microsoft.com/office/drawing/2014/main" id="{93DA4642-04C3-5E02-90C0-E0EDB18A2806}"/>
-              </a:ext>
-            </a:extLst>
-          </p:cNvPr>
-          <p:cNvSpPr>
-            <a:spLocks noChangeAspect="1"/>
-          </p:cNvSpPr>
-          <p:nvPr/>
-        </p:nvSpPr>
-        <p:spPr>
-          <a:xfrm>
-            <a:off x="3953861" y="479119"/>
-            <a:ext cx="286369" cy="286369"/>
-          </a:xfrm>
-          <a:prstGeom prst="roundRect">
-            <a:avLst/>
-          </a:prstGeom>
-          <a:solidFill>
-            <a:schemeClr val="accent5"/>
-          </a:solidFill>
-          <a:ln>
-            <a:noFill/>
-          </a:ln>
-        </p:spPr>
-        <p:style>
-          <a:lnRef idx="0">
-            <a:scrgbClr r="0" g="0" b="0"/>
-          </a:lnRef>
-          <a:fillRef idx="0">
-            <a:scrgbClr r="0" g="0" b="0"/>
-          </a:fillRef>
-          <a:effectRef idx="0">
-            <a:scrgbClr r="0" g="0" b="0"/>
-          </a:effectRef>
-          <a:fontRef idx="minor">
-            <a:schemeClr val="lt1"/>
-          </a:fontRef>
-        </p:style>
-        <p:txBody>
-          <a:bodyPr lIns="45720" tIns="45720" rIns="45720" rtlCol="0" anchor="ctr"/>
-          <a:lstStyle/>
-          <a:p>
-            <a:pPr algn="ctr"/>
-            <a:r>
-              <a:rPr lang="en-GB" sz="1600" b="1" dirty="0">
-                <a:solidFill>
-                  <a:schemeClr val="tx1"/>
-                </a:solidFill>
-              </a:rPr>
-              <a:t>2</a:t>
-            </a:r>
-          </a:p>
-        </p:txBody>
-      </p:sp>
-      <p:sp>
-        <p:nvSpPr>
-          <p:cNvPr id="97" name="Rounded Rectangle 96">
-            <a:extLst>
-              <a:ext uri="{FF2B5EF4-FFF2-40B4-BE49-F238E27FC236}">
-                <a16:creationId xmlns:a16="http://schemas.microsoft.com/office/drawing/2014/main" id="{E029D23D-32CC-7C6F-23C2-7243B7C9CCAF}"/>
-              </a:ext>
-            </a:extLst>
-          </p:cNvPr>
-          <p:cNvSpPr>
-            <a:spLocks noChangeAspect="1"/>
-          </p:cNvSpPr>
-          <p:nvPr/>
-        </p:nvSpPr>
-        <p:spPr>
-          <a:xfrm>
-            <a:off x="6602887" y="469541"/>
-            <a:ext cx="286369" cy="286369"/>
-          </a:xfrm>
-          <a:prstGeom prst="roundRect">
-            <a:avLst/>
-          </a:prstGeom>
-          <a:solidFill>
-            <a:schemeClr val="accent5"/>
-          </a:solidFill>
-          <a:ln>
-            <a:noFill/>
-          </a:ln>
-        </p:spPr>
-        <p:style>
-          <a:lnRef idx="0">
-            <a:scrgbClr r="0" g="0" b="0"/>
-          </a:lnRef>
-          <a:fillRef idx="0">
-            <a:scrgbClr r="0" g="0" b="0"/>
-          </a:fillRef>
-          <a:effectRef idx="0">
-            <a:scrgbClr r="0" g="0" b="0"/>
-          </a:effectRef>
-          <a:fontRef idx="minor">
-            <a:schemeClr val="lt1"/>
-          </a:fontRef>
-        </p:style>
-        <p:txBody>
-          <a:bodyPr lIns="45720" tIns="45720" rIns="45720" rtlCol="0" anchor="ctr"/>
-          <a:lstStyle/>
-          <a:p>
-            <a:pPr algn="ctr"/>
-            <a:r>
-              <a:rPr lang="en-GB" sz="1600" b="1" dirty="0">
-                <a:solidFill>
-                  <a:schemeClr val="tx1"/>
-                </a:solidFill>
-              </a:rPr>
-              <a:t>4</a:t>
-            </a:r>
-          </a:p>
-        </p:txBody>
-      </p:sp>
-      <p:sp>
-        <p:nvSpPr>
-          <p:cNvPr id="98" name="Rounded Rectangle 97">
-            <a:extLst>
-              <a:ext uri="{FF2B5EF4-FFF2-40B4-BE49-F238E27FC236}">
-                <a16:creationId xmlns:a16="http://schemas.microsoft.com/office/drawing/2014/main" id="{C31A7F52-EA5F-4942-42EC-9B44E325B5FD}"/>
-              </a:ext>
-            </a:extLst>
-          </p:cNvPr>
-          <p:cNvSpPr>
-            <a:spLocks noChangeAspect="1"/>
-          </p:cNvSpPr>
-          <p:nvPr/>
-        </p:nvSpPr>
-        <p:spPr>
-          <a:xfrm>
-            <a:off x="7613691" y="1449822"/>
-            <a:ext cx="286369" cy="286369"/>
-          </a:xfrm>
-          <a:prstGeom prst="roundRect">
-            <a:avLst/>
-          </a:prstGeom>
-          <a:solidFill>
-            <a:schemeClr val="accent5"/>
-          </a:solidFill>
-          <a:ln>
-            <a:noFill/>
-          </a:ln>
-        </p:spPr>
-        <p:style>
-          <a:lnRef idx="0">
-            <a:scrgbClr r="0" g="0" b="0"/>
-          </a:lnRef>
-          <a:fillRef idx="0">
-            <a:scrgbClr r="0" g="0" b="0"/>
-          </a:fillRef>
-          <a:effectRef idx="0">
-            <a:scrgbClr r="0" g="0" b="0"/>
-          </a:effectRef>
-          <a:fontRef idx="minor">
-            <a:schemeClr val="lt1"/>
-          </a:fontRef>
-        </p:style>
-        <p:txBody>
-          <a:bodyPr lIns="45720" tIns="45720" rIns="45720" rtlCol="0" anchor="ctr"/>
-          <a:lstStyle/>
-          <a:p>
-            <a:pPr algn="ctr"/>
-            <a:r>
-              <a:rPr lang="en-GB" sz="1600" b="1" dirty="0">
-                <a:solidFill>
-                  <a:schemeClr val="tx1"/>
-                </a:solidFill>
-              </a:rPr>
-              <a:t>3</a:t>
-            </a:r>
-          </a:p>
-        </p:txBody>
-      </p:sp>
-    </p:spTree>
-    <p:extLst>
-      <p:ext uri="{BB962C8B-B14F-4D97-AF65-F5344CB8AC3E}">
-        <p14:creationId xmlns:p14="http://schemas.microsoft.com/office/powerpoint/2010/main" val="3602397899"/>
-      </p:ext>
-    </p:extLst>
-  </p:cSld>
-  <p:clrMapOvr>
-    <a:masterClrMapping/>
-  </p:clrMapOvr>
-  <mc:AlternateContent xmlns:mc="http://schemas.openxmlformats.org/markup-compatibility/2006" xmlns:p14="http://schemas.microsoft.com/office/powerpoint/2010/main">
-    <mc:Choice Requires="p14">
-      <p:transition spd="med" p14:dur="700">
-        <p:fade/>
-      </p:transition>
-    </mc:Choice>
-    <mc:Fallback xmlns="">
-      <p:transition spd="med">
-        <p:fade/>
-      </p:transition>
-    </mc:Fallback>
-  </mc:AlternateContent>
-</p:sld>
-</file>
-
-<file path=ppt/slides/slide7.xml><?xml version="1.0" encoding="utf-8"?>
 <p:sld xmlns:a="http://schemas.openxmlformats.org/drawingml/2006/main" xmlns:r="http://schemas.openxmlformats.org/officeDocument/2006/relationships" xmlns:p="http://schemas.openxmlformats.org/presentationml/2006/main">
   <p:cSld>
     <p:spTree>

--- a/4 ⚙️ Solution/40 👥 Domains/41 📨 Comms/.📎 Assets/📨 .pptx
+++ b/4 ⚙️ Solution/40 👥 Domains/41 📨 Comms/.📎 Assets/📨 .pptx
@@ -13127,7 +13127,7 @@
         </p:nvGrpSpPr>
         <p:grpSpPr>
           <a:xfrm>
-            <a:off x="4932227" y="590462"/>
+            <a:off x="4932227" y="968147"/>
             <a:ext cx="1776583" cy="3090512"/>
             <a:chOff x="7507403" y="1006813"/>
             <a:chExt cx="697376" cy="3090512"/>
@@ -13347,7 +13347,7 @@
         </p:nvCxnSpPr>
         <p:spPr>
           <a:xfrm rot="16200000" flipH="1">
-            <a:off x="4838922" y="1796030"/>
+            <a:off x="4838922" y="2173715"/>
             <a:ext cx="700823" cy="195138"/>
           </a:xfrm>
           <a:prstGeom prst="bentConnector2">
@@ -13389,7 +13389,7 @@
         </p:nvGrpSpPr>
         <p:grpSpPr>
           <a:xfrm>
-            <a:off x="230801" y="587245"/>
+            <a:off x="230801" y="964930"/>
             <a:ext cx="2131291" cy="1038741"/>
             <a:chOff x="7507403" y="1006813"/>
             <a:chExt cx="691415" cy="1038741"/>
@@ -13583,7 +13583,7 @@
         </p:nvSpPr>
         <p:spPr>
           <a:xfrm>
-            <a:off x="248083" y="830863"/>
+            <a:off x="248083" y="1208548"/>
             <a:ext cx="892209" cy="769441"/>
           </a:xfrm>
           <a:prstGeom prst="rect">
@@ -13632,7 +13632,7 @@
         </p:nvCxnSpPr>
         <p:spPr>
           <a:xfrm>
-            <a:off x="2264306" y="1248381"/>
+            <a:off x="2264306" y="1626066"/>
             <a:ext cx="2746217" cy="3217"/>
           </a:xfrm>
           <a:prstGeom prst="straightConnector1">
@@ -13640,7 +13640,7 @@
           </a:prstGeom>
           <a:ln>
             <a:solidFill>
-              <a:schemeClr val="tx1"/>
+              <a:schemeClr val="accent2"/>
             </a:solidFill>
             <a:tailEnd type="triangle" w="lg" len="lg"/>
           </a:ln>
@@ -13674,7 +13674,7 @@
         </p:nvSpPr>
         <p:spPr>
           <a:xfrm>
-            <a:off x="6840667" y="1383260"/>
+            <a:off x="6840667" y="1760945"/>
             <a:ext cx="360000" cy="360000"/>
           </a:xfrm>
           <a:prstGeom prst="roundRect">
@@ -13712,7 +13712,7 @@
                   <a:schemeClr val="tx1"/>
                 </a:solidFill>
               </a:rPr>
-              <a:t>3</a:t>
+              <a:t>4</a:t>
             </a:r>
           </a:p>
         </p:txBody>
@@ -13733,7 +13733,7 @@
         </p:nvSpPr>
         <p:spPr>
           <a:xfrm>
-            <a:off x="7199514" y="1354197"/>
+            <a:off x="7199514" y="1731882"/>
             <a:ext cx="1252053" cy="400110"/>
           </a:xfrm>
           <a:prstGeom prst="rect">
@@ -13969,7 +13969,7 @@
         </p:nvGrpSpPr>
         <p:grpSpPr>
           <a:xfrm>
-            <a:off x="5286902" y="2001369"/>
+            <a:off x="5286902" y="2379054"/>
             <a:ext cx="1126524" cy="485284"/>
             <a:chOff x="6815360" y="4134487"/>
             <a:chExt cx="1126524" cy="645912"/>
@@ -14088,7 +14088,7 @@
         </p:nvSpPr>
         <p:spPr>
           <a:xfrm>
-            <a:off x="3650505" y="1400739"/>
+            <a:off x="3501420" y="1778424"/>
             <a:ext cx="360000" cy="360000"/>
           </a:xfrm>
           <a:prstGeom prst="roundRect">
@@ -14126,7 +14126,7 @@
                   <a:schemeClr val="tx1"/>
                 </a:solidFill>
               </a:rPr>
-              <a:t>6</a:t>
+              <a:t>7</a:t>
             </a:r>
           </a:p>
         </p:txBody>
@@ -14145,7 +14145,7 @@
         </p:nvSpPr>
         <p:spPr>
           <a:xfrm>
-            <a:off x="3161380" y="1400739"/>
+            <a:off x="3012295" y="1778424"/>
             <a:ext cx="360000" cy="360000"/>
           </a:xfrm>
           <a:prstGeom prst="roundRect">
@@ -14183,7 +14183,7 @@
                   <a:schemeClr val="tx1"/>
                 </a:solidFill>
               </a:rPr>
-              <a:t>5</a:t>
+              <a:t>6</a:t>
             </a:r>
           </a:p>
         </p:txBody>
@@ -14202,7 +14202,7 @@
         </p:nvSpPr>
         <p:spPr>
           <a:xfrm>
-            <a:off x="2672255" y="1400739"/>
+            <a:off x="2523170" y="1778424"/>
             <a:ext cx="360000" cy="360000"/>
           </a:xfrm>
           <a:prstGeom prst="roundRect">
@@ -14240,7 +14240,7 @@
                   <a:schemeClr val="tx1"/>
                 </a:solidFill>
               </a:rPr>
-              <a:t>2</a:t>
+              <a:t>3</a:t>
             </a:r>
           </a:p>
         </p:txBody>
@@ -14263,7 +14263,7 @@
         </p:nvCxnSpPr>
         <p:spPr>
           <a:xfrm rot="5400000">
-            <a:off x="8309806" y="-265905"/>
+            <a:off x="8309806" y="111780"/>
             <a:ext cx="613536" cy="4406296"/>
           </a:xfrm>
           <a:prstGeom prst="bentConnector2">
@@ -14271,7 +14271,7 @@
           </a:prstGeom>
           <a:ln>
             <a:solidFill>
-              <a:schemeClr val="tx1"/>
+              <a:schemeClr val="accent2"/>
             </a:solidFill>
             <a:tailEnd type="triangle" w="lg" len="lg"/>
           </a:ln>
@@ -14305,7 +14305,7 @@
         </p:nvSpPr>
         <p:spPr>
           <a:xfrm>
-            <a:off x="6847735" y="2370859"/>
+            <a:off x="6847735" y="2748544"/>
             <a:ext cx="360000" cy="360000"/>
           </a:xfrm>
           <a:prstGeom prst="roundRect">
@@ -14343,7 +14343,7 @@
                   <a:schemeClr val="tx1"/>
                 </a:solidFill>
               </a:rPr>
-              <a:t>4</a:t>
+              <a:t>5</a:t>
             </a:r>
           </a:p>
         </p:txBody>
@@ -14364,7 +14364,7 @@
         </p:nvSpPr>
         <p:spPr>
           <a:xfrm>
-            <a:off x="7206582" y="2341796"/>
+            <a:off x="7206582" y="2719481"/>
             <a:ext cx="2008661" cy="400110"/>
           </a:xfrm>
           <a:prstGeom prst="rect">
@@ -14581,7 +14581,7 @@
                   </a:glow>
                 </a:effectLst>
               </a:rPr>
-              <a:t>consume [2]</a:t>
+              <a:t>consume [3]</a:t>
             </a:r>
           </a:p>
         </p:txBody>
@@ -14600,7 +14600,7 @@
         </p:nvSpPr>
         <p:spPr>
           <a:xfrm>
-            <a:off x="6840667" y="2860461"/>
+            <a:off x="6840667" y="3238146"/>
             <a:ext cx="360000" cy="360000"/>
           </a:xfrm>
           <a:prstGeom prst="roundRect">
@@ -14638,7 +14638,7 @@
                   <a:schemeClr val="tx1"/>
                 </a:solidFill>
               </a:rPr>
-              <a:t>7</a:t>
+              <a:t>8</a:t>
             </a:r>
           </a:p>
         </p:txBody>
@@ -14659,7 +14659,7 @@
         </p:nvSpPr>
         <p:spPr>
           <a:xfrm>
-            <a:off x="7199514" y="2831398"/>
+            <a:off x="7199514" y="3209083"/>
             <a:ext cx="2008661" cy="400110"/>
           </a:xfrm>
           <a:prstGeom prst="rect">
@@ -14876,7 +14876,7 @@
                   </a:glow>
                 </a:effectLst>
               </a:rPr>
-              <a:t>consume [5, 6]</a:t>
+              <a:t>consume [6, 7]</a:t>
             </a:r>
           </a:p>
         </p:txBody>
@@ -14895,7 +14895,7 @@
         </p:nvGrpSpPr>
         <p:grpSpPr>
           <a:xfrm>
-            <a:off x="9652854" y="591734"/>
+            <a:off x="9652854" y="969419"/>
             <a:ext cx="2333736" cy="1038741"/>
             <a:chOff x="9314925" y="591734"/>
             <a:chExt cx="2333736" cy="1038741"/>
@@ -15105,7 +15105,7 @@
         </p:nvGrpSpPr>
         <p:grpSpPr>
           <a:xfrm>
-            <a:off x="2633235" y="1852146"/>
+            <a:off x="2484150" y="2229831"/>
             <a:ext cx="1761397" cy="425101"/>
             <a:chOff x="2215492" y="4207312"/>
             <a:chExt cx="1761397" cy="425101"/>
@@ -15218,19 +15218,19 @@
           </p:cNvPr>
           <p:cNvCxnSpPr>
             <a:cxnSpLocks/>
-            <a:stCxn id="14" idx="0"/>
+            <a:stCxn id="35" idx="0"/>
             <a:endCxn id="18" idx="0"/>
           </p:cNvCxnSpPr>
           <p:nvPr/>
         </p:nvCxnSpPr>
         <p:spPr>
           <a:xfrm rot="16200000" flipV="1">
-            <a:off x="8319485" y="-1908504"/>
-            <a:ext cx="1272" cy="4999203"/>
+            <a:off x="8077584" y="-1288917"/>
+            <a:ext cx="5885" cy="4520014"/>
           </a:xfrm>
           <a:prstGeom prst="bentConnector3">
             <a:avLst>
-              <a:gd name="adj1" fmla="val 33699292"/>
+              <a:gd name="adj1" fmla="val 11246695"/>
             </a:avLst>
           </a:prstGeom>
           <a:ln>
@@ -15270,7 +15270,7 @@
         </p:nvSpPr>
         <p:spPr>
           <a:xfrm>
-            <a:off x="7563721" y="318491"/>
+            <a:off x="5973462" y="458899"/>
             <a:ext cx="360000" cy="360000"/>
           </a:xfrm>
           <a:prstGeom prst="roundRect">
@@ -15329,7 +15329,7 @@
         </p:nvSpPr>
         <p:spPr>
           <a:xfrm>
-            <a:off x="7922568" y="289428"/>
+            <a:off x="6332309" y="429836"/>
             <a:ext cx="1252053" cy="400110"/>
           </a:xfrm>
           <a:prstGeom prst="rect">
@@ -15565,7 +15565,7 @@
         </p:nvGrpSpPr>
         <p:grpSpPr>
           <a:xfrm>
-            <a:off x="5534070" y="2634120"/>
+            <a:off x="5534070" y="3011805"/>
             <a:ext cx="879356" cy="485284"/>
             <a:chOff x="6815359" y="4134487"/>
             <a:chExt cx="879356" cy="645912"/>
@@ -15687,7 +15687,7 @@
         </p:nvCxnSpPr>
         <p:spPr>
           <a:xfrm rot="16200000" flipH="1">
-            <a:off x="5256225" y="2598916"/>
+            <a:off x="5256225" y="2976601"/>
             <a:ext cx="392194" cy="163498"/>
           </a:xfrm>
           <a:prstGeom prst="bentConnector2">
@@ -15767,20 +15767,21 @@
           <p:cNvCxnSpPr>
             <a:cxnSpLocks/>
             <a:stCxn id="17" idx="3"/>
+            <a:endCxn id="58" idx="1"/>
           </p:cNvCxnSpPr>
           <p:nvPr/>
         </p:nvCxnSpPr>
         <p:spPr>
           <a:xfrm>
-            <a:off x="6612809" y="1251598"/>
-            <a:ext cx="2782931" cy="10499"/>
+            <a:off x="6612809" y="1629283"/>
+            <a:ext cx="3130485" cy="10499"/>
           </a:xfrm>
           <a:prstGeom prst="straightConnector1">
             <a:avLst/>
           </a:prstGeom>
           <a:ln>
             <a:solidFill>
-              <a:schemeClr val="tx1"/>
+              <a:schemeClr val="accent2"/>
             </a:solidFill>
             <a:tailEnd type="triangle" w="lg" len="lg"/>
           </a:ln>
@@ -15814,7 +15815,7 @@
         </p:nvSpPr>
         <p:spPr>
           <a:xfrm>
-            <a:off x="6843982" y="3320974"/>
+            <a:off x="6843982" y="3698659"/>
             <a:ext cx="360000" cy="360000"/>
           </a:xfrm>
           <a:prstGeom prst="roundRect">
@@ -15852,7 +15853,7 @@
                   <a:schemeClr val="tx1"/>
                 </a:solidFill>
               </a:rPr>
-              <a:t>8</a:t>
+              <a:t>9</a:t>
             </a:r>
           </a:p>
         </p:txBody>
@@ -15873,7 +15874,7 @@
         </p:nvSpPr>
         <p:spPr>
           <a:xfrm>
-            <a:off x="7202829" y="3291911"/>
+            <a:off x="7202829" y="3669596"/>
             <a:ext cx="2388432" cy="400110"/>
           </a:xfrm>
           <a:prstGeom prst="rect">
@@ -16091,6 +16092,897 @@
                 </a:effectLst>
               </a:rPr>
               <a:t>consume [ ], sleep</a:t>
+            </a:r>
+          </a:p>
+        </p:txBody>
+      </p:sp>
+      <p:cxnSp>
+        <p:nvCxnSpPr>
+          <p:cNvPr id="10" name="Straight Arrow Connector 12">
+            <a:extLst>
+              <a:ext uri="{FF2B5EF4-FFF2-40B4-BE49-F238E27FC236}">
+                <a16:creationId xmlns:a16="http://schemas.microsoft.com/office/drawing/2014/main" id="{F657C831-785F-4352-C05E-78D248E2A780}"/>
+              </a:ext>
+            </a:extLst>
+          </p:cNvPr>
+          <p:cNvCxnSpPr>
+            <a:cxnSpLocks/>
+            <a:stCxn id="11" idx="0"/>
+            <a:endCxn id="21" idx="0"/>
+          </p:cNvCxnSpPr>
+          <p:nvPr/>
+        </p:nvCxnSpPr>
+        <p:spPr>
+          <a:xfrm rot="16200000" flipV="1">
+            <a:off x="6310898" y="-4049520"/>
+            <a:ext cx="9101" cy="10038002"/>
+          </a:xfrm>
+          <a:prstGeom prst="bentConnector3">
+            <a:avLst>
+              <a:gd name="adj1" fmla="val 8836743"/>
+            </a:avLst>
+          </a:prstGeom>
+          <a:ln>
+            <a:solidFill>
+              <a:schemeClr val="accent4"/>
+            </a:solidFill>
+            <a:tailEnd type="triangle" w="lg" len="lg"/>
+          </a:ln>
+        </p:spPr>
+        <p:style>
+          <a:lnRef idx="3">
+            <a:schemeClr val="accent2"/>
+          </a:lnRef>
+          <a:fillRef idx="0">
+            <a:schemeClr val="accent2"/>
+          </a:fillRef>
+          <a:effectRef idx="2">
+            <a:schemeClr val="accent2"/>
+          </a:effectRef>
+          <a:fontRef idx="minor">
+            <a:schemeClr val="tx1"/>
+          </a:fontRef>
+        </p:style>
+      </p:cxnSp>
+      <p:sp>
+        <p:nvSpPr>
+          <p:cNvPr id="11" name="TextBox 10">
+            <a:extLst>
+              <a:ext uri="{FF2B5EF4-FFF2-40B4-BE49-F238E27FC236}">
+                <a16:creationId xmlns:a16="http://schemas.microsoft.com/office/drawing/2014/main" id="{366D89B5-4B72-1612-1F95-C101CA91F2E2}"/>
+              </a:ext>
+            </a:extLst>
+          </p:cNvPr>
+          <p:cNvSpPr txBox="1"/>
+          <p:nvPr/>
+        </p:nvSpPr>
+        <p:spPr>
+          <a:xfrm>
+            <a:off x="11151706" y="974031"/>
+            <a:ext cx="365485" cy="369332"/>
+          </a:xfrm>
+          <a:prstGeom prst="rect">
+            <a:avLst/>
+          </a:prstGeom>
+          <a:noFill/>
+        </p:spPr>
+        <p:txBody>
+          <a:bodyPr wrap="none" lIns="0" rIns="0" rtlCol="0">
+            <a:spAutoFit/>
+          </a:bodyPr>
+          <a:lstStyle/>
+          <a:p>
+            <a:pPr algn="l"/>
+            <a:r>
+              <a:rPr lang="en-PT" dirty="0"/>
+              <a:t>      </a:t>
+            </a:r>
+          </a:p>
+        </p:txBody>
+      </p:sp>
+      <p:sp>
+        <p:nvSpPr>
+          <p:cNvPr id="24" name="Rounded Rectangle 23">
+            <a:extLst>
+              <a:ext uri="{FF2B5EF4-FFF2-40B4-BE49-F238E27FC236}">
+                <a16:creationId xmlns:a16="http://schemas.microsoft.com/office/drawing/2014/main" id="{F2B1AFFB-6522-C2E8-7698-BF79D82ECEA9}"/>
+              </a:ext>
+            </a:extLst>
+          </p:cNvPr>
+          <p:cNvSpPr/>
+          <p:nvPr/>
+        </p:nvSpPr>
+        <p:spPr>
+          <a:xfrm>
+            <a:off x="1436880" y="301654"/>
+            <a:ext cx="360000" cy="360000"/>
+          </a:xfrm>
+          <a:prstGeom prst="roundRect">
+            <a:avLst/>
+          </a:prstGeom>
+          <a:solidFill>
+            <a:schemeClr val="accent4"/>
+          </a:solidFill>
+          <a:ln>
+            <a:noFill/>
+          </a:ln>
+        </p:spPr>
+        <p:style>
+          <a:lnRef idx="0">
+            <a:scrgbClr r="0" g="0" b="0"/>
+          </a:lnRef>
+          <a:fillRef idx="0">
+            <a:scrgbClr r="0" g="0" b="0"/>
+          </a:fillRef>
+          <a:effectRef idx="0">
+            <a:scrgbClr r="0" g="0" b="0"/>
+          </a:effectRef>
+          <a:fontRef idx="minor">
+            <a:schemeClr val="lt1"/>
+          </a:fontRef>
+        </p:style>
+        <p:txBody>
+          <a:bodyPr lIns="45720" tIns="45720" rIns="45720" rtlCol="0" anchor="ctr"/>
+          <a:lstStyle/>
+          <a:p>
+            <a:pPr algn="ctr"/>
+            <a:r>
+              <a:rPr lang="en-GB" b="1" dirty="0">
+                <a:solidFill>
+                  <a:schemeClr val="tx1"/>
+                </a:solidFill>
+              </a:rPr>
+              <a:t>2</a:t>
+            </a:r>
+          </a:p>
+        </p:txBody>
+      </p:sp>
+      <p:sp>
+        <p:nvSpPr>
+          <p:cNvPr id="25" name="Content Placeholder 2">
+            <a:extLst>
+              <a:ext uri="{FF2B5EF4-FFF2-40B4-BE49-F238E27FC236}">
+                <a16:creationId xmlns:a16="http://schemas.microsoft.com/office/drawing/2014/main" id="{A902A1BD-EF08-3579-FFA3-CBAF12524EBD}"/>
+              </a:ext>
+            </a:extLst>
+          </p:cNvPr>
+          <p:cNvSpPr txBox="1">
+            <a:spLocks/>
+          </p:cNvSpPr>
+          <p:nvPr/>
+        </p:nvSpPr>
+        <p:spPr>
+          <a:xfrm>
+            <a:off x="1795727" y="272591"/>
+            <a:ext cx="1252053" cy="400110"/>
+          </a:xfrm>
+          <a:prstGeom prst="rect">
+            <a:avLst/>
+          </a:prstGeom>
+        </p:spPr>
+        <p:txBody>
+          <a:bodyPr wrap="square">
+            <a:spAutoFit/>
+          </a:bodyPr>
+          <a:lstStyle>
+            <a:lvl1pPr marL="228600" indent="-228600" algn="l" defTabSz="914400" rtl="0" eaLnBrk="1" latinLnBrk="0" hangingPunct="1">
+              <a:lnSpc>
+                <a:spcPct val="90000"/>
+              </a:lnSpc>
+              <a:spcBef>
+                <a:spcPts val="0"/>
+              </a:spcBef>
+              <a:spcAft>
+                <a:spcPts val="1200"/>
+              </a:spcAft>
+              <a:buSzPct val="90000"/>
+              <a:buFont typeface="Amazon Ember" panose="020B0603020204020204" pitchFamily="34" charset="0"/>
+              <a:buChar char="•"/>
+              <a:defRPr sz="2800" kern="1200">
+                <a:solidFill>
+                  <a:schemeClr val="tx1"/>
+                </a:solidFill>
+                <a:latin typeface="+mn-lt"/>
+                <a:ea typeface="+mn-ea"/>
+                <a:cs typeface="+mn-cs"/>
+              </a:defRPr>
+            </a:lvl1pPr>
+            <a:lvl2pPr marL="457200" indent="-228600" algn="l" defTabSz="914400" rtl="0" eaLnBrk="1" latinLnBrk="0" hangingPunct="1">
+              <a:lnSpc>
+                <a:spcPct val="90000"/>
+              </a:lnSpc>
+              <a:spcBef>
+                <a:spcPts val="0"/>
+              </a:spcBef>
+              <a:spcAft>
+                <a:spcPts val="1200"/>
+              </a:spcAft>
+              <a:buSzPct val="90000"/>
+              <a:buFont typeface="Wingdings" panose="05000000000000000000" pitchFamily="2" charset="2"/>
+              <a:buChar char="§"/>
+              <a:defRPr sz="2400" kern="1200">
+                <a:solidFill>
+                  <a:schemeClr val="tx1"/>
+                </a:solidFill>
+                <a:latin typeface="+mn-lt"/>
+                <a:ea typeface="+mn-ea"/>
+                <a:cs typeface="+mn-cs"/>
+              </a:defRPr>
+            </a:lvl2pPr>
+            <a:lvl3pPr marL="685800" indent="-228600" algn="l" defTabSz="914400" rtl="0" eaLnBrk="1" latinLnBrk="0" hangingPunct="1">
+              <a:lnSpc>
+                <a:spcPct val="90000"/>
+              </a:lnSpc>
+              <a:spcBef>
+                <a:spcPts val="0"/>
+              </a:spcBef>
+              <a:spcAft>
+                <a:spcPts val="1200"/>
+              </a:spcAft>
+              <a:buSzPct val="90000"/>
+              <a:buFont typeface="Amazon Ember" panose="020B0603020204020204" pitchFamily="34" charset="0"/>
+              <a:buChar char="–"/>
+              <a:defRPr sz="2000" kern="1200">
+                <a:solidFill>
+                  <a:schemeClr val="tx1"/>
+                </a:solidFill>
+                <a:latin typeface="+mn-lt"/>
+                <a:ea typeface="+mn-ea"/>
+                <a:cs typeface="+mn-cs"/>
+              </a:defRPr>
+            </a:lvl3pPr>
+            <a:lvl4pPr marL="914400" indent="-228600" algn="l" defTabSz="914400" rtl="0" eaLnBrk="1" latinLnBrk="0" hangingPunct="1">
+              <a:lnSpc>
+                <a:spcPct val="90000"/>
+              </a:lnSpc>
+              <a:spcBef>
+                <a:spcPts val="0"/>
+              </a:spcBef>
+              <a:spcAft>
+                <a:spcPts val="1200"/>
+              </a:spcAft>
+              <a:buFont typeface="Amazon Ember" panose="020B0603020204020204" pitchFamily="34" charset="0"/>
+              <a:buChar char="•"/>
+              <a:defRPr sz="1800" kern="1200">
+                <a:solidFill>
+                  <a:schemeClr val="tx1"/>
+                </a:solidFill>
+                <a:latin typeface="+mn-lt"/>
+                <a:ea typeface="+mn-ea"/>
+                <a:cs typeface="+mn-cs"/>
+              </a:defRPr>
+            </a:lvl4pPr>
+            <a:lvl5pPr marL="1143000" indent="-228600" algn="l" defTabSz="914400" rtl="0" eaLnBrk="1" latinLnBrk="0" hangingPunct="1">
+              <a:lnSpc>
+                <a:spcPct val="90000"/>
+              </a:lnSpc>
+              <a:spcBef>
+                <a:spcPts val="0"/>
+              </a:spcBef>
+              <a:spcAft>
+                <a:spcPts val="1200"/>
+              </a:spcAft>
+              <a:buFont typeface="Amazon Ember" panose="020B0603020204020204" pitchFamily="34" charset="0"/>
+              <a:buChar char="•"/>
+              <a:defRPr sz="1800" kern="1200">
+                <a:solidFill>
+                  <a:schemeClr val="tx1"/>
+                </a:solidFill>
+                <a:latin typeface="+mn-lt"/>
+                <a:ea typeface="+mn-ea"/>
+                <a:cs typeface="+mn-cs"/>
+              </a:defRPr>
+            </a:lvl5pPr>
+            <a:lvl6pPr marL="2514600" indent="-228600" algn="l" defTabSz="914400" rtl="0" eaLnBrk="1" latinLnBrk="0" hangingPunct="1">
+              <a:lnSpc>
+                <a:spcPct val="90000"/>
+              </a:lnSpc>
+              <a:spcBef>
+                <a:spcPts val="500"/>
+              </a:spcBef>
+              <a:buFont typeface="Amazon Ember" panose="020B0603020204020204" pitchFamily="34" charset="0"/>
+              <a:buChar char="•"/>
+              <a:defRPr sz="1800" kern="1200">
+                <a:solidFill>
+                  <a:schemeClr val="tx1"/>
+                </a:solidFill>
+                <a:latin typeface="+mn-lt"/>
+                <a:ea typeface="+mn-ea"/>
+                <a:cs typeface="+mn-cs"/>
+              </a:defRPr>
+            </a:lvl6pPr>
+            <a:lvl7pPr marL="2971800" indent="-228600" algn="l" defTabSz="914400" rtl="0" eaLnBrk="1" latinLnBrk="0" hangingPunct="1">
+              <a:lnSpc>
+                <a:spcPct val="90000"/>
+              </a:lnSpc>
+              <a:spcBef>
+                <a:spcPts val="500"/>
+              </a:spcBef>
+              <a:buFont typeface="Amazon Ember" panose="020B0603020204020204" pitchFamily="34" charset="0"/>
+              <a:buChar char="•"/>
+              <a:defRPr sz="1800" kern="1200">
+                <a:solidFill>
+                  <a:schemeClr val="tx1"/>
+                </a:solidFill>
+                <a:latin typeface="+mn-lt"/>
+                <a:ea typeface="+mn-ea"/>
+                <a:cs typeface="+mn-cs"/>
+              </a:defRPr>
+            </a:lvl7pPr>
+            <a:lvl8pPr marL="3429000" indent="-228600" algn="l" defTabSz="914400" rtl="0" eaLnBrk="1" latinLnBrk="0" hangingPunct="1">
+              <a:lnSpc>
+                <a:spcPct val="90000"/>
+              </a:lnSpc>
+              <a:spcBef>
+                <a:spcPts val="500"/>
+              </a:spcBef>
+              <a:buFont typeface="Amazon Ember" panose="020B0603020204020204" pitchFamily="34" charset="0"/>
+              <a:buChar char="•"/>
+              <a:defRPr sz="1800" kern="1200">
+                <a:solidFill>
+                  <a:schemeClr val="tx1"/>
+                </a:solidFill>
+                <a:latin typeface="+mn-lt"/>
+                <a:ea typeface="+mn-ea"/>
+                <a:cs typeface="+mn-cs"/>
+              </a:defRPr>
+            </a:lvl8pPr>
+            <a:lvl9pPr marL="3886200" indent="-228600" algn="l" defTabSz="914400" rtl="0" eaLnBrk="1" latinLnBrk="0" hangingPunct="1">
+              <a:lnSpc>
+                <a:spcPct val="90000"/>
+              </a:lnSpc>
+              <a:spcBef>
+                <a:spcPts val="500"/>
+              </a:spcBef>
+              <a:buFont typeface="Amazon Ember" panose="020B0603020204020204" pitchFamily="34" charset="0"/>
+              <a:buChar char="•"/>
+              <a:defRPr sz="1800" kern="1200">
+                <a:solidFill>
+                  <a:schemeClr val="tx1"/>
+                </a:solidFill>
+                <a:latin typeface="+mn-lt"/>
+                <a:ea typeface="+mn-ea"/>
+                <a:cs typeface="+mn-cs"/>
+              </a:defRPr>
+            </a:lvl9pPr>
+          </a:lstStyle>
+          <a:p>
+            <a:pPr marL="0" indent="0">
+              <a:lnSpc>
+                <a:spcPct val="100000"/>
+              </a:lnSpc>
+              <a:spcAft>
+                <a:spcPts val="600"/>
+              </a:spcAft>
+              <a:buNone/>
+            </a:pPr>
+            <a:r>
+              <a:rPr lang="en-US" sz="2000" i="1" dirty="0">
+                <a:solidFill>
+                  <a:schemeClr val="bg2">
+                    <a:lumMod val="40000"/>
+                    <a:lumOff val="60000"/>
+                  </a:schemeClr>
+                </a:solidFill>
+                <a:effectLst>
+                  <a:glow>
+                    <a:schemeClr val="bg1"/>
+                  </a:glow>
+                </a:effectLst>
+              </a:rPr>
+              <a:t>subscribe</a:t>
+            </a:r>
+          </a:p>
+        </p:txBody>
+      </p:sp>
+      <p:sp>
+        <p:nvSpPr>
+          <p:cNvPr id="35" name="TextBox 34">
+            <a:extLst>
+              <a:ext uri="{FF2B5EF4-FFF2-40B4-BE49-F238E27FC236}">
+                <a16:creationId xmlns:a16="http://schemas.microsoft.com/office/drawing/2014/main" id="{B85B1C2C-6A8D-BE82-A2E2-5D09D8B5EB84}"/>
+              </a:ext>
+            </a:extLst>
+          </p:cNvPr>
+          <p:cNvSpPr txBox="1"/>
+          <p:nvPr/>
+        </p:nvSpPr>
+        <p:spPr>
+          <a:xfrm>
+            <a:off x="10157790" y="974032"/>
+            <a:ext cx="365485" cy="369332"/>
+          </a:xfrm>
+          <a:prstGeom prst="rect">
+            <a:avLst/>
+          </a:prstGeom>
+          <a:noFill/>
+        </p:spPr>
+        <p:txBody>
+          <a:bodyPr wrap="none" lIns="0" rIns="0" rtlCol="0">
+            <a:spAutoFit/>
+          </a:bodyPr>
+          <a:lstStyle/>
+          <a:p>
+            <a:pPr algn="l"/>
+            <a:r>
+              <a:rPr lang="en-PT" dirty="0"/>
+              <a:t>      </a:t>
+            </a:r>
+          </a:p>
+        </p:txBody>
+      </p:sp>
+      <p:sp>
+        <p:nvSpPr>
+          <p:cNvPr id="40" name="Content Placeholder 2">
+            <a:extLst>
+              <a:ext uri="{FF2B5EF4-FFF2-40B4-BE49-F238E27FC236}">
+                <a16:creationId xmlns:a16="http://schemas.microsoft.com/office/drawing/2014/main" id="{F0D35A33-6A7C-C23E-1614-448FE4D9FEBA}"/>
+              </a:ext>
+            </a:extLst>
+          </p:cNvPr>
+          <p:cNvSpPr txBox="1">
+            <a:spLocks/>
+          </p:cNvSpPr>
+          <p:nvPr/>
+        </p:nvSpPr>
+        <p:spPr>
+          <a:xfrm>
+            <a:off x="2453504" y="1171090"/>
+            <a:ext cx="1252053" cy="400110"/>
+          </a:xfrm>
+          <a:prstGeom prst="rect">
+            <a:avLst/>
+          </a:prstGeom>
+        </p:spPr>
+        <p:txBody>
+          <a:bodyPr wrap="square">
+            <a:spAutoFit/>
+          </a:bodyPr>
+          <a:lstStyle>
+            <a:lvl1pPr marL="228600" indent="-228600" algn="l" defTabSz="914400" rtl="0" eaLnBrk="1" latinLnBrk="0" hangingPunct="1">
+              <a:lnSpc>
+                <a:spcPct val="90000"/>
+              </a:lnSpc>
+              <a:spcBef>
+                <a:spcPts val="0"/>
+              </a:spcBef>
+              <a:spcAft>
+                <a:spcPts val="1200"/>
+              </a:spcAft>
+              <a:buSzPct val="90000"/>
+              <a:buFont typeface="Amazon Ember" panose="020B0603020204020204" pitchFamily="34" charset="0"/>
+              <a:buChar char="•"/>
+              <a:defRPr sz="2800" kern="1200">
+                <a:solidFill>
+                  <a:schemeClr val="tx1"/>
+                </a:solidFill>
+                <a:latin typeface="+mn-lt"/>
+                <a:ea typeface="+mn-ea"/>
+                <a:cs typeface="+mn-cs"/>
+              </a:defRPr>
+            </a:lvl1pPr>
+            <a:lvl2pPr marL="457200" indent="-228600" algn="l" defTabSz="914400" rtl="0" eaLnBrk="1" latinLnBrk="0" hangingPunct="1">
+              <a:lnSpc>
+                <a:spcPct val="90000"/>
+              </a:lnSpc>
+              <a:spcBef>
+                <a:spcPts val="0"/>
+              </a:spcBef>
+              <a:spcAft>
+                <a:spcPts val="1200"/>
+              </a:spcAft>
+              <a:buSzPct val="90000"/>
+              <a:buFont typeface="Wingdings" panose="05000000000000000000" pitchFamily="2" charset="2"/>
+              <a:buChar char="§"/>
+              <a:defRPr sz="2400" kern="1200">
+                <a:solidFill>
+                  <a:schemeClr val="tx1"/>
+                </a:solidFill>
+                <a:latin typeface="+mn-lt"/>
+                <a:ea typeface="+mn-ea"/>
+                <a:cs typeface="+mn-cs"/>
+              </a:defRPr>
+            </a:lvl2pPr>
+            <a:lvl3pPr marL="685800" indent="-228600" algn="l" defTabSz="914400" rtl="0" eaLnBrk="1" latinLnBrk="0" hangingPunct="1">
+              <a:lnSpc>
+                <a:spcPct val="90000"/>
+              </a:lnSpc>
+              <a:spcBef>
+                <a:spcPts val="0"/>
+              </a:spcBef>
+              <a:spcAft>
+                <a:spcPts val="1200"/>
+              </a:spcAft>
+              <a:buSzPct val="90000"/>
+              <a:buFont typeface="Amazon Ember" panose="020B0603020204020204" pitchFamily="34" charset="0"/>
+              <a:buChar char="–"/>
+              <a:defRPr sz="2000" kern="1200">
+                <a:solidFill>
+                  <a:schemeClr val="tx1"/>
+                </a:solidFill>
+                <a:latin typeface="+mn-lt"/>
+                <a:ea typeface="+mn-ea"/>
+                <a:cs typeface="+mn-cs"/>
+              </a:defRPr>
+            </a:lvl3pPr>
+            <a:lvl4pPr marL="914400" indent="-228600" algn="l" defTabSz="914400" rtl="0" eaLnBrk="1" latinLnBrk="0" hangingPunct="1">
+              <a:lnSpc>
+                <a:spcPct val="90000"/>
+              </a:lnSpc>
+              <a:spcBef>
+                <a:spcPts val="0"/>
+              </a:spcBef>
+              <a:spcAft>
+                <a:spcPts val="1200"/>
+              </a:spcAft>
+              <a:buFont typeface="Amazon Ember" panose="020B0603020204020204" pitchFamily="34" charset="0"/>
+              <a:buChar char="•"/>
+              <a:defRPr sz="1800" kern="1200">
+                <a:solidFill>
+                  <a:schemeClr val="tx1"/>
+                </a:solidFill>
+                <a:latin typeface="+mn-lt"/>
+                <a:ea typeface="+mn-ea"/>
+                <a:cs typeface="+mn-cs"/>
+              </a:defRPr>
+            </a:lvl4pPr>
+            <a:lvl5pPr marL="1143000" indent="-228600" algn="l" defTabSz="914400" rtl="0" eaLnBrk="1" latinLnBrk="0" hangingPunct="1">
+              <a:lnSpc>
+                <a:spcPct val="90000"/>
+              </a:lnSpc>
+              <a:spcBef>
+                <a:spcPts val="0"/>
+              </a:spcBef>
+              <a:spcAft>
+                <a:spcPts val="1200"/>
+              </a:spcAft>
+              <a:buFont typeface="Amazon Ember" panose="020B0603020204020204" pitchFamily="34" charset="0"/>
+              <a:buChar char="•"/>
+              <a:defRPr sz="1800" kern="1200">
+                <a:solidFill>
+                  <a:schemeClr val="tx1"/>
+                </a:solidFill>
+                <a:latin typeface="+mn-lt"/>
+                <a:ea typeface="+mn-ea"/>
+                <a:cs typeface="+mn-cs"/>
+              </a:defRPr>
+            </a:lvl5pPr>
+            <a:lvl6pPr marL="2514600" indent="-228600" algn="l" defTabSz="914400" rtl="0" eaLnBrk="1" latinLnBrk="0" hangingPunct="1">
+              <a:lnSpc>
+                <a:spcPct val="90000"/>
+              </a:lnSpc>
+              <a:spcBef>
+                <a:spcPts val="500"/>
+              </a:spcBef>
+              <a:buFont typeface="Amazon Ember" panose="020B0603020204020204" pitchFamily="34" charset="0"/>
+              <a:buChar char="•"/>
+              <a:defRPr sz="1800" kern="1200">
+                <a:solidFill>
+                  <a:schemeClr val="tx1"/>
+                </a:solidFill>
+                <a:latin typeface="+mn-lt"/>
+                <a:ea typeface="+mn-ea"/>
+                <a:cs typeface="+mn-cs"/>
+              </a:defRPr>
+            </a:lvl6pPr>
+            <a:lvl7pPr marL="2971800" indent="-228600" algn="l" defTabSz="914400" rtl="0" eaLnBrk="1" latinLnBrk="0" hangingPunct="1">
+              <a:lnSpc>
+                <a:spcPct val="90000"/>
+              </a:lnSpc>
+              <a:spcBef>
+                <a:spcPts val="500"/>
+              </a:spcBef>
+              <a:buFont typeface="Amazon Ember" panose="020B0603020204020204" pitchFamily="34" charset="0"/>
+              <a:buChar char="•"/>
+              <a:defRPr sz="1800" kern="1200">
+                <a:solidFill>
+                  <a:schemeClr val="tx1"/>
+                </a:solidFill>
+                <a:latin typeface="+mn-lt"/>
+                <a:ea typeface="+mn-ea"/>
+                <a:cs typeface="+mn-cs"/>
+              </a:defRPr>
+            </a:lvl7pPr>
+            <a:lvl8pPr marL="3429000" indent="-228600" algn="l" defTabSz="914400" rtl="0" eaLnBrk="1" latinLnBrk="0" hangingPunct="1">
+              <a:lnSpc>
+                <a:spcPct val="90000"/>
+              </a:lnSpc>
+              <a:spcBef>
+                <a:spcPts val="500"/>
+              </a:spcBef>
+              <a:buFont typeface="Amazon Ember" panose="020B0603020204020204" pitchFamily="34" charset="0"/>
+              <a:buChar char="•"/>
+              <a:defRPr sz="1800" kern="1200">
+                <a:solidFill>
+                  <a:schemeClr val="tx1"/>
+                </a:solidFill>
+                <a:latin typeface="+mn-lt"/>
+                <a:ea typeface="+mn-ea"/>
+                <a:cs typeface="+mn-cs"/>
+              </a:defRPr>
+            </a:lvl8pPr>
+            <a:lvl9pPr marL="3886200" indent="-228600" algn="l" defTabSz="914400" rtl="0" eaLnBrk="1" latinLnBrk="0" hangingPunct="1">
+              <a:lnSpc>
+                <a:spcPct val="90000"/>
+              </a:lnSpc>
+              <a:spcBef>
+                <a:spcPts val="500"/>
+              </a:spcBef>
+              <a:buFont typeface="Amazon Ember" panose="020B0603020204020204" pitchFamily="34" charset="0"/>
+              <a:buChar char="•"/>
+              <a:defRPr sz="1800" kern="1200">
+                <a:solidFill>
+                  <a:schemeClr val="tx1"/>
+                </a:solidFill>
+                <a:latin typeface="+mn-lt"/>
+                <a:ea typeface="+mn-ea"/>
+                <a:cs typeface="+mn-cs"/>
+              </a:defRPr>
+            </a:lvl9pPr>
+          </a:lstStyle>
+          <a:p>
+            <a:pPr marL="0" indent="0">
+              <a:lnSpc>
+                <a:spcPct val="100000"/>
+              </a:lnSpc>
+              <a:spcAft>
+                <a:spcPts val="600"/>
+              </a:spcAft>
+              <a:buNone/>
+            </a:pPr>
+            <a:r>
+              <a:rPr lang="en-US" sz="2000" i="1" dirty="0">
+                <a:solidFill>
+                  <a:schemeClr val="bg2">
+                    <a:lumMod val="40000"/>
+                    <a:lumOff val="60000"/>
+                  </a:schemeClr>
+                </a:solidFill>
+                <a:effectLst>
+                  <a:glow>
+                    <a:schemeClr val="bg1"/>
+                  </a:glow>
+                </a:effectLst>
+              </a:rPr>
+              <a:t>push &gt;&gt;</a:t>
+            </a:r>
+          </a:p>
+        </p:txBody>
+      </p:sp>
+      <p:sp>
+        <p:nvSpPr>
+          <p:cNvPr id="41" name="Content Placeholder 2">
+            <a:extLst>
+              <a:ext uri="{FF2B5EF4-FFF2-40B4-BE49-F238E27FC236}">
+                <a16:creationId xmlns:a16="http://schemas.microsoft.com/office/drawing/2014/main" id="{B3E86912-3E29-327C-3403-651EDB217A96}"/>
+              </a:ext>
+            </a:extLst>
+          </p:cNvPr>
+          <p:cNvSpPr txBox="1">
+            <a:spLocks/>
+          </p:cNvSpPr>
+          <p:nvPr/>
+        </p:nvSpPr>
+        <p:spPr>
+          <a:xfrm>
+            <a:off x="9743295" y="2697919"/>
+            <a:ext cx="1149992" cy="400110"/>
+          </a:xfrm>
+          <a:prstGeom prst="rect">
+            <a:avLst/>
+          </a:prstGeom>
+        </p:spPr>
+        <p:txBody>
+          <a:bodyPr wrap="square">
+            <a:spAutoFit/>
+          </a:bodyPr>
+          <a:lstStyle>
+            <a:lvl1pPr marL="228600" indent="-228600" algn="l" defTabSz="914400" rtl="0" eaLnBrk="1" latinLnBrk="0" hangingPunct="1">
+              <a:lnSpc>
+                <a:spcPct val="90000"/>
+              </a:lnSpc>
+              <a:spcBef>
+                <a:spcPts val="0"/>
+              </a:spcBef>
+              <a:spcAft>
+                <a:spcPts val="1200"/>
+              </a:spcAft>
+              <a:buSzPct val="90000"/>
+              <a:buFont typeface="Amazon Ember" panose="020B0603020204020204" pitchFamily="34" charset="0"/>
+              <a:buChar char="•"/>
+              <a:defRPr sz="2800" kern="1200">
+                <a:solidFill>
+                  <a:schemeClr val="tx1"/>
+                </a:solidFill>
+                <a:latin typeface="+mn-lt"/>
+                <a:ea typeface="+mn-ea"/>
+                <a:cs typeface="+mn-cs"/>
+              </a:defRPr>
+            </a:lvl1pPr>
+            <a:lvl2pPr marL="457200" indent="-228600" algn="l" defTabSz="914400" rtl="0" eaLnBrk="1" latinLnBrk="0" hangingPunct="1">
+              <a:lnSpc>
+                <a:spcPct val="90000"/>
+              </a:lnSpc>
+              <a:spcBef>
+                <a:spcPts val="0"/>
+              </a:spcBef>
+              <a:spcAft>
+                <a:spcPts val="1200"/>
+              </a:spcAft>
+              <a:buSzPct val="90000"/>
+              <a:buFont typeface="Wingdings" panose="05000000000000000000" pitchFamily="2" charset="2"/>
+              <a:buChar char="§"/>
+              <a:defRPr sz="2400" kern="1200">
+                <a:solidFill>
+                  <a:schemeClr val="tx1"/>
+                </a:solidFill>
+                <a:latin typeface="+mn-lt"/>
+                <a:ea typeface="+mn-ea"/>
+                <a:cs typeface="+mn-cs"/>
+              </a:defRPr>
+            </a:lvl2pPr>
+            <a:lvl3pPr marL="685800" indent="-228600" algn="l" defTabSz="914400" rtl="0" eaLnBrk="1" latinLnBrk="0" hangingPunct="1">
+              <a:lnSpc>
+                <a:spcPct val="90000"/>
+              </a:lnSpc>
+              <a:spcBef>
+                <a:spcPts val="0"/>
+              </a:spcBef>
+              <a:spcAft>
+                <a:spcPts val="1200"/>
+              </a:spcAft>
+              <a:buSzPct val="90000"/>
+              <a:buFont typeface="Amazon Ember" panose="020B0603020204020204" pitchFamily="34" charset="0"/>
+              <a:buChar char="–"/>
+              <a:defRPr sz="2000" kern="1200">
+                <a:solidFill>
+                  <a:schemeClr val="tx1"/>
+                </a:solidFill>
+                <a:latin typeface="+mn-lt"/>
+                <a:ea typeface="+mn-ea"/>
+                <a:cs typeface="+mn-cs"/>
+              </a:defRPr>
+            </a:lvl3pPr>
+            <a:lvl4pPr marL="914400" indent="-228600" algn="l" defTabSz="914400" rtl="0" eaLnBrk="1" latinLnBrk="0" hangingPunct="1">
+              <a:lnSpc>
+                <a:spcPct val="90000"/>
+              </a:lnSpc>
+              <a:spcBef>
+                <a:spcPts val="0"/>
+              </a:spcBef>
+              <a:spcAft>
+                <a:spcPts val="1200"/>
+              </a:spcAft>
+              <a:buFont typeface="Amazon Ember" panose="020B0603020204020204" pitchFamily="34" charset="0"/>
+              <a:buChar char="•"/>
+              <a:defRPr sz="1800" kern="1200">
+                <a:solidFill>
+                  <a:schemeClr val="tx1"/>
+                </a:solidFill>
+                <a:latin typeface="+mn-lt"/>
+                <a:ea typeface="+mn-ea"/>
+                <a:cs typeface="+mn-cs"/>
+              </a:defRPr>
+            </a:lvl4pPr>
+            <a:lvl5pPr marL="1143000" indent="-228600" algn="l" defTabSz="914400" rtl="0" eaLnBrk="1" latinLnBrk="0" hangingPunct="1">
+              <a:lnSpc>
+                <a:spcPct val="90000"/>
+              </a:lnSpc>
+              <a:spcBef>
+                <a:spcPts val="0"/>
+              </a:spcBef>
+              <a:spcAft>
+                <a:spcPts val="1200"/>
+              </a:spcAft>
+              <a:buFont typeface="Amazon Ember" panose="020B0603020204020204" pitchFamily="34" charset="0"/>
+              <a:buChar char="•"/>
+              <a:defRPr sz="1800" kern="1200">
+                <a:solidFill>
+                  <a:schemeClr val="tx1"/>
+                </a:solidFill>
+                <a:latin typeface="+mn-lt"/>
+                <a:ea typeface="+mn-ea"/>
+                <a:cs typeface="+mn-cs"/>
+              </a:defRPr>
+            </a:lvl5pPr>
+            <a:lvl6pPr marL="2514600" indent="-228600" algn="l" defTabSz="914400" rtl="0" eaLnBrk="1" latinLnBrk="0" hangingPunct="1">
+              <a:lnSpc>
+                <a:spcPct val="90000"/>
+              </a:lnSpc>
+              <a:spcBef>
+                <a:spcPts val="500"/>
+              </a:spcBef>
+              <a:buFont typeface="Amazon Ember" panose="020B0603020204020204" pitchFamily="34" charset="0"/>
+              <a:buChar char="•"/>
+              <a:defRPr sz="1800" kern="1200">
+                <a:solidFill>
+                  <a:schemeClr val="tx1"/>
+                </a:solidFill>
+                <a:latin typeface="+mn-lt"/>
+                <a:ea typeface="+mn-ea"/>
+                <a:cs typeface="+mn-cs"/>
+              </a:defRPr>
+            </a:lvl6pPr>
+            <a:lvl7pPr marL="2971800" indent="-228600" algn="l" defTabSz="914400" rtl="0" eaLnBrk="1" latinLnBrk="0" hangingPunct="1">
+              <a:lnSpc>
+                <a:spcPct val="90000"/>
+              </a:lnSpc>
+              <a:spcBef>
+                <a:spcPts val="500"/>
+              </a:spcBef>
+              <a:buFont typeface="Amazon Ember" panose="020B0603020204020204" pitchFamily="34" charset="0"/>
+              <a:buChar char="•"/>
+              <a:defRPr sz="1800" kern="1200">
+                <a:solidFill>
+                  <a:schemeClr val="tx1"/>
+                </a:solidFill>
+                <a:latin typeface="+mn-lt"/>
+                <a:ea typeface="+mn-ea"/>
+                <a:cs typeface="+mn-cs"/>
+              </a:defRPr>
+            </a:lvl7pPr>
+            <a:lvl8pPr marL="3429000" indent="-228600" algn="l" defTabSz="914400" rtl="0" eaLnBrk="1" latinLnBrk="0" hangingPunct="1">
+              <a:lnSpc>
+                <a:spcPct val="90000"/>
+              </a:lnSpc>
+              <a:spcBef>
+                <a:spcPts val="500"/>
+              </a:spcBef>
+              <a:buFont typeface="Amazon Ember" panose="020B0603020204020204" pitchFamily="34" charset="0"/>
+              <a:buChar char="•"/>
+              <a:defRPr sz="1800" kern="1200">
+                <a:solidFill>
+                  <a:schemeClr val="tx1"/>
+                </a:solidFill>
+                <a:latin typeface="+mn-lt"/>
+                <a:ea typeface="+mn-ea"/>
+                <a:cs typeface="+mn-cs"/>
+              </a:defRPr>
+            </a:lvl8pPr>
+            <a:lvl9pPr marL="3886200" indent="-228600" algn="l" defTabSz="914400" rtl="0" eaLnBrk="1" latinLnBrk="0" hangingPunct="1">
+              <a:lnSpc>
+                <a:spcPct val="90000"/>
+              </a:lnSpc>
+              <a:spcBef>
+                <a:spcPts val="500"/>
+              </a:spcBef>
+              <a:buFont typeface="Amazon Ember" panose="020B0603020204020204" pitchFamily="34" charset="0"/>
+              <a:buChar char="•"/>
+              <a:defRPr sz="1800" kern="1200">
+                <a:solidFill>
+                  <a:schemeClr val="tx1"/>
+                </a:solidFill>
+                <a:latin typeface="+mn-lt"/>
+                <a:ea typeface="+mn-ea"/>
+                <a:cs typeface="+mn-cs"/>
+              </a:defRPr>
+            </a:lvl9pPr>
+          </a:lstStyle>
+          <a:p>
+            <a:pPr marL="0" indent="0" algn="r">
+              <a:lnSpc>
+                <a:spcPct val="100000"/>
+              </a:lnSpc>
+              <a:spcAft>
+                <a:spcPts val="600"/>
+              </a:spcAft>
+              <a:buNone/>
+            </a:pPr>
+            <a:r>
+              <a:rPr lang="en-US" sz="2000" i="1" dirty="0">
+                <a:solidFill>
+                  <a:schemeClr val="bg2">
+                    <a:lumMod val="40000"/>
+                    <a:lumOff val="60000"/>
+                  </a:schemeClr>
+                </a:solidFill>
+                <a:effectLst>
+                  <a:glow>
+                    <a:schemeClr val="bg1"/>
+                  </a:glow>
+                </a:effectLst>
+              </a:rPr>
+              <a:t>&lt;&lt; poll</a:t>
             </a:r>
           </a:p>
         </p:txBody>

--- a/4 ⚙️ Solution/40 👥 Domains/41 📨 Comms/.📎 Assets/📨 .pptx
+++ b/4 ⚙️ Solution/40 👥 Domains/41 📨 Comms/.📎 Assets/📨 .pptx
@@ -728,7 +728,7 @@
           <a:p>
             <a:fld id="{542F96DF-134D-4F6A-BFA6-E032E504EEEB}" type="datetime8">
               <a:rPr lang="en-US" smtClean="0"/>
-              <a:t>9/8/25 12:20 AM</a:t>
+              <a:t>9/29/25 9:10 PM</a:t>
             </a:fld>
             <a:endParaRPr lang="en-US" dirty="0"/>
           </a:p>
@@ -935,7 +935,7 @@
           <a:p>
             <a:fld id="{542F96DF-134D-4F6A-BFA6-E032E504EEEB}" type="datetime8">
               <a:rPr lang="en-US" smtClean="0"/>
-              <a:t>9/8/25 1:13 AM</a:t>
+              <a:t>9/29/25 9:10 PM</a:t>
             </a:fld>
             <a:endParaRPr lang="en-US" dirty="0"/>
           </a:p>
@@ -1142,7 +1142,7 @@
           <a:p>
             <a:fld id="{542F96DF-134D-4F6A-BFA6-E032E504EEEB}" type="datetime8">
               <a:rPr lang="en-US" smtClean="0"/>
-              <a:t>9/8/25 12:40 AM</a:t>
+              <a:t>9/29/25 9:10 PM</a:t>
             </a:fld>
             <a:endParaRPr lang="en-US" dirty="0"/>
           </a:p>
@@ -1349,7 +1349,7 @@
           <a:p>
             <a:fld id="{542F96DF-134D-4F6A-BFA6-E032E504EEEB}" type="datetime8">
               <a:rPr lang="en-US" smtClean="0"/>
-              <a:t>9/8/25 12:36 AM</a:t>
+              <a:t>9/29/25 9:10 PM</a:t>
             </a:fld>
             <a:endParaRPr lang="en-US" dirty="0"/>
           </a:p>
@@ -1556,7 +1556,7 @@
           <a:p>
             <a:fld id="{542F96DF-134D-4F6A-BFA6-E032E504EEEB}" type="datetime8">
               <a:rPr lang="en-US" smtClean="0"/>
-              <a:t>9/8/25 12:20 AM</a:t>
+              <a:t>9/29/25 9:10 PM</a:t>
             </a:fld>
             <a:endParaRPr lang="en-US" dirty="0"/>
           </a:p>
@@ -13347,8 +13347,8 @@
         </p:nvCxnSpPr>
         <p:spPr>
           <a:xfrm rot="16200000" flipH="1">
-            <a:off x="4838922" y="2173715"/>
-            <a:ext cx="700823" cy="195138"/>
+            <a:off x="4838921" y="2173715"/>
+            <a:ext cx="700825" cy="195138"/>
           </a:xfrm>
           <a:prstGeom prst="bentConnector2">
             <a:avLst/>
@@ -13969,8 +13969,8 @@
         </p:nvGrpSpPr>
         <p:grpSpPr>
           <a:xfrm>
-            <a:off x="5286902" y="2379054"/>
-            <a:ext cx="1126524" cy="485284"/>
+            <a:off x="5286901" y="2379054"/>
+            <a:ext cx="1325907" cy="485284"/>
             <a:chOff x="6815360" y="4134487"/>
             <a:chExt cx="1126524" cy="645912"/>
           </a:xfrm>
@@ -14263,8 +14263,8 @@
         </p:nvCxnSpPr>
         <p:spPr>
           <a:xfrm rot="5400000">
-            <a:off x="8309806" y="111780"/>
-            <a:ext cx="613536" cy="4406296"/>
+            <a:off x="8409498" y="211472"/>
+            <a:ext cx="613537" cy="4206913"/>
           </a:xfrm>
           <a:prstGeom prst="bentConnector2">
             <a:avLst/>
